--- a/Ice_Cream_Server.pptx
+++ b/Ice_Cream_Server.pptx
@@ -658,7 +658,7 @@
           <a:p>
             <a:fld id="{724478B9-A8CF-43AB-A8E3-1804CA51C4AD}" type="datetimeFigureOut">
               <a:rPr lang="en-US" smtClean="0"/>
-              <a:t>2/21/2021</a:t>
+              <a:t>2/22/2021</a:t>
             </a:fld>
             <a:endParaRPr lang="en-US"/>
           </a:p>
@@ -856,7 +856,7 @@
           <a:p>
             <a:fld id="{724478B9-A8CF-43AB-A8E3-1804CA51C4AD}" type="datetimeFigureOut">
               <a:rPr lang="en-US" smtClean="0"/>
-              <a:t>2/21/2021</a:t>
+              <a:t>2/22/2021</a:t>
             </a:fld>
             <a:endParaRPr lang="en-US"/>
           </a:p>
@@ -1064,7 +1064,7 @@
           <a:p>
             <a:fld id="{724478B9-A8CF-43AB-A8E3-1804CA51C4AD}" type="datetimeFigureOut">
               <a:rPr lang="en-US" smtClean="0"/>
-              <a:t>2/21/2021</a:t>
+              <a:t>2/22/2021</a:t>
             </a:fld>
             <a:endParaRPr lang="en-US"/>
           </a:p>
@@ -1262,7 +1262,7 @@
           <a:p>
             <a:fld id="{724478B9-A8CF-43AB-A8E3-1804CA51C4AD}" type="datetimeFigureOut">
               <a:rPr lang="en-US" smtClean="0"/>
-              <a:t>2/21/2021</a:t>
+              <a:t>2/22/2021</a:t>
             </a:fld>
             <a:endParaRPr lang="en-US"/>
           </a:p>
@@ -1537,7 +1537,7 @@
           <a:p>
             <a:fld id="{724478B9-A8CF-43AB-A8E3-1804CA51C4AD}" type="datetimeFigureOut">
               <a:rPr lang="en-US" smtClean="0"/>
-              <a:t>2/21/2021</a:t>
+              <a:t>2/22/2021</a:t>
             </a:fld>
             <a:endParaRPr lang="en-US"/>
           </a:p>
@@ -1802,7 +1802,7 @@
           <a:p>
             <a:fld id="{724478B9-A8CF-43AB-A8E3-1804CA51C4AD}" type="datetimeFigureOut">
               <a:rPr lang="en-US" smtClean="0"/>
-              <a:t>2/21/2021</a:t>
+              <a:t>2/22/2021</a:t>
             </a:fld>
             <a:endParaRPr lang="en-US"/>
           </a:p>
@@ -2214,7 +2214,7 @@
           <a:p>
             <a:fld id="{724478B9-A8CF-43AB-A8E3-1804CA51C4AD}" type="datetimeFigureOut">
               <a:rPr lang="en-US" smtClean="0"/>
-              <a:t>2/21/2021</a:t>
+              <a:t>2/22/2021</a:t>
             </a:fld>
             <a:endParaRPr lang="en-US"/>
           </a:p>
@@ -2355,7 +2355,7 @@
           <a:p>
             <a:fld id="{724478B9-A8CF-43AB-A8E3-1804CA51C4AD}" type="datetimeFigureOut">
               <a:rPr lang="en-US" smtClean="0"/>
-              <a:t>2/21/2021</a:t>
+              <a:t>2/22/2021</a:t>
             </a:fld>
             <a:endParaRPr lang="en-US"/>
           </a:p>
@@ -2468,7 +2468,7 @@
           <a:p>
             <a:fld id="{724478B9-A8CF-43AB-A8E3-1804CA51C4AD}" type="datetimeFigureOut">
               <a:rPr lang="en-US" smtClean="0"/>
-              <a:t>2/21/2021</a:t>
+              <a:t>2/22/2021</a:t>
             </a:fld>
             <a:endParaRPr lang="en-US"/>
           </a:p>
@@ -2779,7 +2779,7 @@
           <a:p>
             <a:fld id="{724478B9-A8CF-43AB-A8E3-1804CA51C4AD}" type="datetimeFigureOut">
               <a:rPr lang="en-US" smtClean="0"/>
-              <a:t>2/21/2021</a:t>
+              <a:t>2/22/2021</a:t>
             </a:fld>
             <a:endParaRPr lang="en-US"/>
           </a:p>
@@ -3067,7 +3067,7 @@
           <a:p>
             <a:fld id="{724478B9-A8CF-43AB-A8E3-1804CA51C4AD}" type="datetimeFigureOut">
               <a:rPr lang="en-US" smtClean="0"/>
-              <a:t>2/21/2021</a:t>
+              <a:t>2/22/2021</a:t>
             </a:fld>
             <a:endParaRPr lang="en-US"/>
           </a:p>
@@ -3308,7 +3308,7 @@
           <a:p>
             <a:fld id="{724478B9-A8CF-43AB-A8E3-1804CA51C4AD}" type="datetimeFigureOut">
               <a:rPr lang="en-US" smtClean="0"/>
-              <a:t>2/21/2021</a:t>
+              <a:t>2/22/2021</a:t>
             </a:fld>
             <a:endParaRPr lang="en-US"/>
           </a:p>
@@ -10891,11 +10891,41 @@
               <a:rPr lang="en-US" dirty="0">
                 <a:latin typeface="+mn-lt"/>
               </a:rPr>
-              <a:t>Java Project Structure</a:t>
+              <a:t>Java Project Structure as of 02/21/21</a:t>
             </a:r>
           </a:p>
         </p:txBody>
       </p:sp>
+      <p:pic>
+        <p:nvPicPr>
+          <p:cNvPr id="4" name="Picture 3">
+            <a:extLst>
+              <a:ext uri="{FF2B5EF4-FFF2-40B4-BE49-F238E27FC236}">
+                <a16:creationId xmlns:a16="http://schemas.microsoft.com/office/drawing/2014/main" id="{FD9309A2-8855-4640-84B5-4BBF30A1EBC6}"/>
+              </a:ext>
+            </a:extLst>
+          </p:cNvPr>
+          <p:cNvPicPr>
+            <a:picLocks noChangeAspect="1"/>
+          </p:cNvPicPr>
+          <p:nvPr/>
+        </p:nvPicPr>
+        <p:blipFill>
+          <a:blip r:embed="rId3"/>
+          <a:stretch>
+            <a:fillRect/>
+          </a:stretch>
+        </p:blipFill>
+        <p:spPr>
+          <a:xfrm>
+            <a:off x="4704406" y="1819916"/>
+            <a:ext cx="2783187" cy="5038084"/>
+          </a:xfrm>
+          <a:prstGeom prst="rect">
+            <a:avLst/>
+          </a:prstGeom>
+        </p:spPr>
+      </p:pic>
     </p:spTree>
     <p:extLst>
       <p:ext uri="{BB962C8B-B14F-4D97-AF65-F5344CB8AC3E}">

--- a/Ice_Cream_Server.pptx
+++ b/Ice_Cream_Server.pptx
@@ -5,48 +5,49 @@
     <p:sldMasterId id="2147483648" r:id="rId1"/>
   </p:sldMasterIdLst>
   <p:notesMasterIdLst>
-    <p:notesMasterId r:id="rId38"/>
+    <p:notesMasterId r:id="rId39"/>
   </p:notesMasterIdLst>
   <p:sldIdLst>
     <p:sldId id="262" r:id="rId2"/>
     <p:sldId id="257" r:id="rId3"/>
     <p:sldId id="260" r:id="rId4"/>
     <p:sldId id="264" r:id="rId5"/>
-    <p:sldId id="265" r:id="rId6"/>
-    <p:sldId id="266" r:id="rId7"/>
-    <p:sldId id="268" r:id="rId8"/>
-    <p:sldId id="278" r:id="rId9"/>
-    <p:sldId id="279" r:id="rId10"/>
-    <p:sldId id="280" r:id="rId11"/>
-    <p:sldId id="281" r:id="rId12"/>
-    <p:sldId id="282" r:id="rId13"/>
-    <p:sldId id="283" r:id="rId14"/>
-    <p:sldId id="284" r:id="rId15"/>
-    <p:sldId id="285" r:id="rId16"/>
-    <p:sldId id="286" r:id="rId17"/>
-    <p:sldId id="287" r:id="rId18"/>
-    <p:sldId id="288" r:id="rId19"/>
-    <p:sldId id="289" r:id="rId20"/>
-    <p:sldId id="290" r:id="rId21"/>
-    <p:sldId id="291" r:id="rId22"/>
-    <p:sldId id="292" r:id="rId23"/>
-    <p:sldId id="293" r:id="rId24"/>
-    <p:sldId id="294" r:id="rId25"/>
-    <p:sldId id="269" r:id="rId26"/>
-    <p:sldId id="270" r:id="rId27"/>
-    <p:sldId id="277" r:id="rId28"/>
-    <p:sldId id="274" r:id="rId29"/>
-    <p:sldId id="275" r:id="rId30"/>
-    <p:sldId id="276" r:id="rId31"/>
-    <p:sldId id="259" r:id="rId32"/>
-    <p:sldId id="271" r:id="rId33"/>
-    <p:sldId id="272" r:id="rId34"/>
-    <p:sldId id="295" r:id="rId35"/>
-    <p:sldId id="296" r:id="rId36"/>
-    <p:sldId id="297" r:id="rId37"/>
+    <p:sldId id="298" r:id="rId6"/>
+    <p:sldId id="265" r:id="rId7"/>
+    <p:sldId id="266" r:id="rId8"/>
+    <p:sldId id="268" r:id="rId9"/>
+    <p:sldId id="278" r:id="rId10"/>
+    <p:sldId id="279" r:id="rId11"/>
+    <p:sldId id="280" r:id="rId12"/>
+    <p:sldId id="281" r:id="rId13"/>
+    <p:sldId id="282" r:id="rId14"/>
+    <p:sldId id="283" r:id="rId15"/>
+    <p:sldId id="284" r:id="rId16"/>
+    <p:sldId id="285" r:id="rId17"/>
+    <p:sldId id="286" r:id="rId18"/>
+    <p:sldId id="287" r:id="rId19"/>
+    <p:sldId id="288" r:id="rId20"/>
+    <p:sldId id="289" r:id="rId21"/>
+    <p:sldId id="290" r:id="rId22"/>
+    <p:sldId id="291" r:id="rId23"/>
+    <p:sldId id="292" r:id="rId24"/>
+    <p:sldId id="293" r:id="rId25"/>
+    <p:sldId id="294" r:id="rId26"/>
+    <p:sldId id="269" r:id="rId27"/>
+    <p:sldId id="270" r:id="rId28"/>
+    <p:sldId id="277" r:id="rId29"/>
+    <p:sldId id="274" r:id="rId30"/>
+    <p:sldId id="275" r:id="rId31"/>
+    <p:sldId id="276" r:id="rId32"/>
+    <p:sldId id="259" r:id="rId33"/>
+    <p:sldId id="271" r:id="rId34"/>
+    <p:sldId id="272" r:id="rId35"/>
+    <p:sldId id="295" r:id="rId36"/>
+    <p:sldId id="296" r:id="rId37"/>
+    <p:sldId id="297" r:id="rId38"/>
   </p:sldIdLst>
   <p:sldSz cx="12192000" cy="6858000"/>
-  <p:notesSz cx="6858000" cy="9144000"/>
+  <p:notesSz cx="7315200" cy="9601200"/>
   <p:defaultTextStyle>
     <a:defPPr>
       <a:defRPr lang="en-US"/>
@@ -197,17 +198,17 @@
         <p:spPr>
           <a:xfrm>
             <a:off x="0" y="0"/>
-            <a:ext cx="2971800" cy="458788"/>
+            <a:ext cx="3169920" cy="481727"/>
           </a:xfrm>
           <a:prstGeom prst="rect">
             <a:avLst/>
           </a:prstGeom>
         </p:spPr>
         <p:txBody>
-          <a:bodyPr vert="horz" lIns="91440" tIns="45720" rIns="91440" bIns="45720" rtlCol="0"/>
+          <a:bodyPr vert="horz" lIns="96661" tIns="48331" rIns="96661" bIns="48331" rtlCol="0"/>
           <a:lstStyle>
             <a:lvl1pPr algn="l">
-              <a:defRPr sz="1200"/>
+              <a:defRPr sz="1300"/>
             </a:lvl1pPr>
           </a:lstStyle>
           <a:p>
@@ -227,18 +228,18 @@
         </p:nvSpPr>
         <p:spPr>
           <a:xfrm>
-            <a:off x="3884613" y="0"/>
-            <a:ext cx="2971800" cy="458788"/>
+            <a:off x="4143587" y="0"/>
+            <a:ext cx="3169920" cy="481727"/>
           </a:xfrm>
           <a:prstGeom prst="rect">
             <a:avLst/>
           </a:prstGeom>
         </p:spPr>
         <p:txBody>
-          <a:bodyPr vert="horz" lIns="91440" tIns="45720" rIns="91440" bIns="45720" rtlCol="0"/>
+          <a:bodyPr vert="horz" lIns="96661" tIns="48331" rIns="96661" bIns="48331" rtlCol="0"/>
           <a:lstStyle>
             <a:lvl1pPr algn="r">
-              <a:defRPr sz="1200"/>
+              <a:defRPr sz="1300"/>
             </a:lvl1pPr>
           </a:lstStyle>
           <a:p>
@@ -262,8 +263,8 @@
         </p:nvSpPr>
         <p:spPr>
           <a:xfrm>
-            <a:off x="685800" y="1143000"/>
-            <a:ext cx="5486400" cy="3086100"/>
+            <a:off x="777875" y="1200150"/>
+            <a:ext cx="5759450" cy="3240088"/>
           </a:xfrm>
           <a:prstGeom prst="rect">
             <a:avLst/>
@@ -276,7 +277,7 @@
           </a:ln>
         </p:spPr>
         <p:txBody>
-          <a:bodyPr vert="horz" lIns="91440" tIns="45720" rIns="91440" bIns="45720" rtlCol="0" anchor="ctr"/>
+          <a:bodyPr vert="horz" lIns="96661" tIns="48331" rIns="96661" bIns="48331" rtlCol="0" anchor="ctr"/>
           <a:lstStyle/>
           <a:p>
             <a:endParaRPr lang="en-US"/>
@@ -295,15 +296,15 @@
         </p:nvSpPr>
         <p:spPr>
           <a:xfrm>
-            <a:off x="685800" y="4400550"/>
-            <a:ext cx="5486400" cy="3600450"/>
+            <a:off x="731520" y="4620577"/>
+            <a:ext cx="5852160" cy="3780473"/>
           </a:xfrm>
           <a:prstGeom prst="rect">
             <a:avLst/>
           </a:prstGeom>
         </p:spPr>
         <p:txBody>
-          <a:bodyPr vert="horz" lIns="91440" tIns="45720" rIns="91440" bIns="45720" rtlCol="0"/>
+          <a:bodyPr vert="horz" lIns="96661" tIns="48331" rIns="96661" bIns="48331" rtlCol="0"/>
           <a:lstStyle/>
           <a:p>
             <a:pPr lvl="0"/>
@@ -354,18 +355,18 @@
         </p:nvSpPr>
         <p:spPr>
           <a:xfrm>
-            <a:off x="0" y="8685213"/>
-            <a:ext cx="2971800" cy="458787"/>
+            <a:off x="0" y="9119474"/>
+            <a:ext cx="3169920" cy="481726"/>
           </a:xfrm>
           <a:prstGeom prst="rect">
             <a:avLst/>
           </a:prstGeom>
         </p:spPr>
         <p:txBody>
-          <a:bodyPr vert="horz" lIns="91440" tIns="45720" rIns="91440" bIns="45720" rtlCol="0" anchor="b"/>
+          <a:bodyPr vert="horz" lIns="96661" tIns="48331" rIns="96661" bIns="48331" rtlCol="0" anchor="b"/>
           <a:lstStyle>
             <a:lvl1pPr algn="l">
-              <a:defRPr sz="1200"/>
+              <a:defRPr sz="1300"/>
             </a:lvl1pPr>
           </a:lstStyle>
           <a:p>
@@ -385,18 +386,18 @@
         </p:nvSpPr>
         <p:spPr>
           <a:xfrm>
-            <a:off x="3884613" y="8685213"/>
-            <a:ext cx="2971800" cy="458787"/>
+            <a:off x="4143587" y="9119474"/>
+            <a:ext cx="3169920" cy="481726"/>
           </a:xfrm>
           <a:prstGeom prst="rect">
             <a:avLst/>
           </a:prstGeom>
         </p:spPr>
         <p:txBody>
-          <a:bodyPr vert="horz" lIns="91440" tIns="45720" rIns="91440" bIns="45720" rtlCol="0" anchor="b"/>
+          <a:bodyPr vert="horz" lIns="96661" tIns="48331" rIns="96661" bIns="48331" rtlCol="0" anchor="b"/>
           <a:lstStyle>
             <a:lvl1pPr algn="r">
-              <a:defRPr sz="1200"/>
+              <a:defRPr sz="1300"/>
             </a:lvl1pPr>
           </a:lstStyle>
           <a:p>
@@ -3928,10 +3929,10 @@
       </p:sp>
       <p:pic>
         <p:nvPicPr>
-          <p:cNvPr id="4" name="Picture 3">
-            <a:extLst>
-              <a:ext uri="{FF2B5EF4-FFF2-40B4-BE49-F238E27FC236}">
-                <a16:creationId xmlns:a16="http://schemas.microsoft.com/office/drawing/2014/main" id="{BAFC2429-D024-485B-BB4E-7E6867560B30}"/>
+          <p:cNvPr id="6" name="Picture 5">
+            <a:extLst>
+              <a:ext uri="{FF2B5EF4-FFF2-40B4-BE49-F238E27FC236}">
+                <a16:creationId xmlns:a16="http://schemas.microsoft.com/office/drawing/2014/main" id="{345382A0-C964-4B03-9D84-39EB74EF8555}"/>
               </a:ext>
             </a:extLst>
           </p:cNvPr>
@@ -3948,8 +3949,8 @@
         </p:blipFill>
         <p:spPr>
           <a:xfrm>
-            <a:off x="0" y="2105072"/>
-            <a:ext cx="12192000" cy="4387803"/>
+            <a:off x="0" y="2104415"/>
+            <a:ext cx="12192000" cy="4388460"/>
           </a:xfrm>
           <a:prstGeom prst="rect">
             <a:avLst/>
@@ -3959,7 +3960,7 @@
     </p:spTree>
     <p:extLst>
       <p:ext uri="{BB962C8B-B14F-4D97-AF65-F5344CB8AC3E}">
-        <p14:creationId xmlns:p14="http://schemas.microsoft.com/office/powerpoint/2010/main" val="4036961943"/>
+        <p14:creationId xmlns:p14="http://schemas.microsoft.com/office/powerpoint/2010/main" val="1476182231"/>
       </p:ext>
     </p:extLst>
   </p:cSld>
@@ -4062,10 +4063,10 @@
       </p:sp>
       <p:pic>
         <p:nvPicPr>
-          <p:cNvPr id="6" name="Picture 5">
-            <a:extLst>
-              <a:ext uri="{FF2B5EF4-FFF2-40B4-BE49-F238E27FC236}">
-                <a16:creationId xmlns:a16="http://schemas.microsoft.com/office/drawing/2014/main" id="{1F9AD4DA-50A3-4D9C-A76C-2AA7E1CE6D3F}"/>
+          <p:cNvPr id="4" name="Picture 3">
+            <a:extLst>
+              <a:ext uri="{FF2B5EF4-FFF2-40B4-BE49-F238E27FC236}">
+                <a16:creationId xmlns:a16="http://schemas.microsoft.com/office/drawing/2014/main" id="{BAFC2429-D024-485B-BB4E-7E6867560B30}"/>
               </a:ext>
             </a:extLst>
           </p:cNvPr>
@@ -4082,8 +4083,8 @@
         </p:blipFill>
         <p:spPr>
           <a:xfrm>
-            <a:off x="0" y="2101444"/>
-            <a:ext cx="12192000" cy="4391431"/>
+            <a:off x="0" y="2105072"/>
+            <a:ext cx="12192000" cy="4387803"/>
           </a:xfrm>
           <a:prstGeom prst="rect">
             <a:avLst/>
@@ -4093,7 +4094,7 @@
     </p:spTree>
     <p:extLst>
       <p:ext uri="{BB962C8B-B14F-4D97-AF65-F5344CB8AC3E}">
-        <p14:creationId xmlns:p14="http://schemas.microsoft.com/office/powerpoint/2010/main" val="526064960"/>
+        <p14:creationId xmlns:p14="http://schemas.microsoft.com/office/powerpoint/2010/main" val="4036961943"/>
       </p:ext>
     </p:extLst>
   </p:cSld>
@@ -4196,10 +4197,10 @@
       </p:sp>
       <p:pic>
         <p:nvPicPr>
-          <p:cNvPr id="4" name="Picture 3">
-            <a:extLst>
-              <a:ext uri="{FF2B5EF4-FFF2-40B4-BE49-F238E27FC236}">
-                <a16:creationId xmlns:a16="http://schemas.microsoft.com/office/drawing/2014/main" id="{EF9DC424-98CD-480B-80EF-BF339043BC2E}"/>
+          <p:cNvPr id="6" name="Picture 5">
+            <a:extLst>
+              <a:ext uri="{FF2B5EF4-FFF2-40B4-BE49-F238E27FC236}">
+                <a16:creationId xmlns:a16="http://schemas.microsoft.com/office/drawing/2014/main" id="{1F9AD4DA-50A3-4D9C-A76C-2AA7E1CE6D3F}"/>
               </a:ext>
             </a:extLst>
           </p:cNvPr>
@@ -4216,8 +4217,8 @@
         </p:blipFill>
         <p:spPr>
           <a:xfrm>
-            <a:off x="0" y="2087917"/>
-            <a:ext cx="12192000" cy="4404958"/>
+            <a:off x="0" y="2101444"/>
+            <a:ext cx="12192000" cy="4391431"/>
           </a:xfrm>
           <a:prstGeom prst="rect">
             <a:avLst/>
@@ -4227,7 +4228,7 @@
     </p:spTree>
     <p:extLst>
       <p:ext uri="{BB962C8B-B14F-4D97-AF65-F5344CB8AC3E}">
-        <p14:creationId xmlns:p14="http://schemas.microsoft.com/office/powerpoint/2010/main" val="730591251"/>
+        <p14:creationId xmlns:p14="http://schemas.microsoft.com/office/powerpoint/2010/main" val="526064960"/>
       </p:ext>
     </p:extLst>
   </p:cSld>
@@ -4330,10 +4331,10 @@
       </p:sp>
       <p:pic>
         <p:nvPicPr>
-          <p:cNvPr id="6" name="Picture 5">
-            <a:extLst>
-              <a:ext uri="{FF2B5EF4-FFF2-40B4-BE49-F238E27FC236}">
-                <a16:creationId xmlns:a16="http://schemas.microsoft.com/office/drawing/2014/main" id="{3C9AB568-82E7-4977-916A-18063ACC9706}"/>
+          <p:cNvPr id="4" name="Picture 3">
+            <a:extLst>
+              <a:ext uri="{FF2B5EF4-FFF2-40B4-BE49-F238E27FC236}">
+                <a16:creationId xmlns:a16="http://schemas.microsoft.com/office/drawing/2014/main" id="{EF9DC424-98CD-480B-80EF-BF339043BC2E}"/>
               </a:ext>
             </a:extLst>
           </p:cNvPr>
@@ -4350,8 +4351,8 @@
         </p:blipFill>
         <p:spPr>
           <a:xfrm>
-            <a:off x="0" y="2098468"/>
-            <a:ext cx="12192000" cy="4394407"/>
+            <a:off x="0" y="2087917"/>
+            <a:ext cx="12192000" cy="4404958"/>
           </a:xfrm>
           <a:prstGeom prst="rect">
             <a:avLst/>
@@ -4361,7 +4362,7 @@
     </p:spTree>
     <p:extLst>
       <p:ext uri="{BB962C8B-B14F-4D97-AF65-F5344CB8AC3E}">
-        <p14:creationId xmlns:p14="http://schemas.microsoft.com/office/powerpoint/2010/main" val="2278640761"/>
+        <p14:creationId xmlns:p14="http://schemas.microsoft.com/office/powerpoint/2010/main" val="730591251"/>
       </p:ext>
     </p:extLst>
   </p:cSld>
@@ -4464,10 +4465,10 @@
       </p:sp>
       <p:pic>
         <p:nvPicPr>
-          <p:cNvPr id="4" name="Picture 3">
-            <a:extLst>
-              <a:ext uri="{FF2B5EF4-FFF2-40B4-BE49-F238E27FC236}">
-                <a16:creationId xmlns:a16="http://schemas.microsoft.com/office/drawing/2014/main" id="{87213D5E-BA60-4AC7-96DD-3EAE324A73C2}"/>
+          <p:cNvPr id="6" name="Picture 5">
+            <a:extLst>
+              <a:ext uri="{FF2B5EF4-FFF2-40B4-BE49-F238E27FC236}">
+                <a16:creationId xmlns:a16="http://schemas.microsoft.com/office/drawing/2014/main" id="{3C9AB568-82E7-4977-916A-18063ACC9706}"/>
               </a:ext>
             </a:extLst>
           </p:cNvPr>
@@ -4484,8 +4485,8 @@
         </p:blipFill>
         <p:spPr>
           <a:xfrm>
-            <a:off x="0" y="2082652"/>
-            <a:ext cx="12192000" cy="4410223"/>
+            <a:off x="0" y="2098468"/>
+            <a:ext cx="12192000" cy="4394407"/>
           </a:xfrm>
           <a:prstGeom prst="rect">
             <a:avLst/>
@@ -4495,7 +4496,7 @@
     </p:spTree>
     <p:extLst>
       <p:ext uri="{BB962C8B-B14F-4D97-AF65-F5344CB8AC3E}">
-        <p14:creationId xmlns:p14="http://schemas.microsoft.com/office/powerpoint/2010/main" val="3888283008"/>
+        <p14:creationId xmlns:p14="http://schemas.microsoft.com/office/powerpoint/2010/main" val="2278640761"/>
       </p:ext>
     </p:extLst>
   </p:cSld>
@@ -4598,10 +4599,10 @@
       </p:sp>
       <p:pic>
         <p:nvPicPr>
-          <p:cNvPr id="6" name="Picture 5">
-            <a:extLst>
-              <a:ext uri="{FF2B5EF4-FFF2-40B4-BE49-F238E27FC236}">
-                <a16:creationId xmlns:a16="http://schemas.microsoft.com/office/drawing/2014/main" id="{1FACBB4E-843E-450A-B9C4-3C4CD08F99A1}"/>
+          <p:cNvPr id="4" name="Picture 3">
+            <a:extLst>
+              <a:ext uri="{FF2B5EF4-FFF2-40B4-BE49-F238E27FC236}">
+                <a16:creationId xmlns:a16="http://schemas.microsoft.com/office/drawing/2014/main" id="{87213D5E-BA60-4AC7-96DD-3EAE324A73C2}"/>
               </a:ext>
             </a:extLst>
           </p:cNvPr>
@@ -4618,8 +4619,8 @@
         </p:blipFill>
         <p:spPr>
           <a:xfrm>
-            <a:off x="0" y="2096840"/>
-            <a:ext cx="12192000" cy="4396035"/>
+            <a:off x="0" y="2082652"/>
+            <a:ext cx="12192000" cy="4410223"/>
           </a:xfrm>
           <a:prstGeom prst="rect">
             <a:avLst/>
@@ -4629,7 +4630,7 @@
     </p:spTree>
     <p:extLst>
       <p:ext uri="{BB962C8B-B14F-4D97-AF65-F5344CB8AC3E}">
-        <p14:creationId xmlns:p14="http://schemas.microsoft.com/office/powerpoint/2010/main" val="365425922"/>
+        <p14:creationId xmlns:p14="http://schemas.microsoft.com/office/powerpoint/2010/main" val="3888283008"/>
       </p:ext>
     </p:extLst>
   </p:cSld>
@@ -4732,10 +4733,10 @@
       </p:sp>
       <p:pic>
         <p:nvPicPr>
-          <p:cNvPr id="4" name="Picture 3">
-            <a:extLst>
-              <a:ext uri="{FF2B5EF4-FFF2-40B4-BE49-F238E27FC236}">
-                <a16:creationId xmlns:a16="http://schemas.microsoft.com/office/drawing/2014/main" id="{5C1EB43D-E487-49CB-9A72-BC5C056E3C7C}"/>
+          <p:cNvPr id="6" name="Picture 5">
+            <a:extLst>
+              <a:ext uri="{FF2B5EF4-FFF2-40B4-BE49-F238E27FC236}">
+                <a16:creationId xmlns:a16="http://schemas.microsoft.com/office/drawing/2014/main" id="{1FACBB4E-843E-450A-B9C4-3C4CD08F99A1}"/>
               </a:ext>
             </a:extLst>
           </p:cNvPr>
@@ -4752,8 +4753,8 @@
         </p:blipFill>
         <p:spPr>
           <a:xfrm>
-            <a:off x="1187915" y="1757512"/>
-            <a:ext cx="9857014" cy="4735363"/>
+            <a:off x="0" y="2096840"/>
+            <a:ext cx="12192000" cy="4396035"/>
           </a:xfrm>
           <a:prstGeom prst="rect">
             <a:avLst/>
@@ -4763,7 +4764,7 @@
     </p:spTree>
     <p:extLst>
       <p:ext uri="{BB962C8B-B14F-4D97-AF65-F5344CB8AC3E}">
-        <p14:creationId xmlns:p14="http://schemas.microsoft.com/office/powerpoint/2010/main" val="1388171944"/>
+        <p14:creationId xmlns:p14="http://schemas.microsoft.com/office/powerpoint/2010/main" val="365425922"/>
       </p:ext>
     </p:extLst>
   </p:cSld>
@@ -4894,40 +4895,10 @@
           </a:prstGeom>
         </p:spPr>
       </p:pic>
-      <p:pic>
-        <p:nvPicPr>
-          <p:cNvPr id="6" name="Picture 5">
-            <a:extLst>
-              <a:ext uri="{FF2B5EF4-FFF2-40B4-BE49-F238E27FC236}">
-                <a16:creationId xmlns:a16="http://schemas.microsoft.com/office/drawing/2014/main" id="{F6833BCF-C35F-41E6-A08B-7413D96D3E3F}"/>
-              </a:ext>
-            </a:extLst>
-          </p:cNvPr>
-          <p:cNvPicPr>
-            <a:picLocks noChangeAspect="1"/>
-          </p:cNvPicPr>
-          <p:nvPr/>
-        </p:nvPicPr>
-        <p:blipFill>
-          <a:blip r:embed="rId4"/>
-          <a:stretch>
-            <a:fillRect/>
-          </a:stretch>
-        </p:blipFill>
-        <p:spPr>
-          <a:xfrm>
-            <a:off x="1187914" y="1757512"/>
-            <a:ext cx="9857015" cy="4731900"/>
-          </a:xfrm>
-          <a:prstGeom prst="rect">
-            <a:avLst/>
-          </a:prstGeom>
-        </p:spPr>
-      </p:pic>
     </p:spTree>
     <p:extLst>
       <p:ext uri="{BB962C8B-B14F-4D97-AF65-F5344CB8AC3E}">
-        <p14:creationId xmlns:p14="http://schemas.microsoft.com/office/powerpoint/2010/main" val="3347567113"/>
+        <p14:creationId xmlns:p14="http://schemas.microsoft.com/office/powerpoint/2010/main" val="1388171944"/>
       </p:ext>
     </p:extLst>
   </p:cSld>
@@ -5060,10 +5031,10 @@
       </p:pic>
       <p:pic>
         <p:nvPicPr>
-          <p:cNvPr id="7" name="Picture 6">
-            <a:extLst>
-              <a:ext uri="{FF2B5EF4-FFF2-40B4-BE49-F238E27FC236}">
-                <a16:creationId xmlns:a16="http://schemas.microsoft.com/office/drawing/2014/main" id="{A3EB39EE-F9C0-48B0-A9F7-50B2A3F85A43}"/>
+          <p:cNvPr id="6" name="Picture 5">
+            <a:extLst>
+              <a:ext uri="{FF2B5EF4-FFF2-40B4-BE49-F238E27FC236}">
+                <a16:creationId xmlns:a16="http://schemas.microsoft.com/office/drawing/2014/main" id="{F6833BCF-C35F-41E6-A08B-7413D96D3E3F}"/>
               </a:ext>
             </a:extLst>
           </p:cNvPr>
@@ -5080,8 +5051,8 @@
         </p:blipFill>
         <p:spPr>
           <a:xfrm>
-            <a:off x="1187915" y="1759747"/>
-            <a:ext cx="9914164" cy="4733128"/>
+            <a:off x="1187914" y="1757512"/>
+            <a:ext cx="9857015" cy="4731900"/>
           </a:xfrm>
           <a:prstGeom prst="rect">
             <a:avLst/>
@@ -5091,7 +5062,7 @@
     </p:spTree>
     <p:extLst>
       <p:ext uri="{BB962C8B-B14F-4D97-AF65-F5344CB8AC3E}">
-        <p14:creationId xmlns:p14="http://schemas.microsoft.com/office/powerpoint/2010/main" val="12427128"/>
+        <p14:creationId xmlns:p14="http://schemas.microsoft.com/office/powerpoint/2010/main" val="3347567113"/>
       </p:ext>
     </p:extLst>
   </p:cSld>
@@ -5224,10 +5195,10 @@
       </p:pic>
       <p:pic>
         <p:nvPicPr>
-          <p:cNvPr id="6" name="Picture 5">
-            <a:extLst>
-              <a:ext uri="{FF2B5EF4-FFF2-40B4-BE49-F238E27FC236}">
-                <a16:creationId xmlns:a16="http://schemas.microsoft.com/office/drawing/2014/main" id="{3259F1AB-6461-4354-B588-A0E74C56028F}"/>
+          <p:cNvPr id="7" name="Picture 6">
+            <a:extLst>
+              <a:ext uri="{FF2B5EF4-FFF2-40B4-BE49-F238E27FC236}">
+                <a16:creationId xmlns:a16="http://schemas.microsoft.com/office/drawing/2014/main" id="{A3EB39EE-F9C0-48B0-A9F7-50B2A3F85A43}"/>
               </a:ext>
             </a:extLst>
           </p:cNvPr>
@@ -5244,8 +5215,8 @@
         </p:blipFill>
         <p:spPr>
           <a:xfrm>
-            <a:off x="1187915" y="1757964"/>
-            <a:ext cx="9897836" cy="4734911"/>
+            <a:off x="1187915" y="1759747"/>
+            <a:ext cx="9914164" cy="4733128"/>
           </a:xfrm>
           <a:prstGeom prst="rect">
             <a:avLst/>
@@ -5255,7 +5226,7 @@
     </p:spTree>
     <p:extLst>
       <p:ext uri="{BB962C8B-B14F-4D97-AF65-F5344CB8AC3E}">
-        <p14:creationId xmlns:p14="http://schemas.microsoft.com/office/powerpoint/2010/main" val="4170443018"/>
+        <p14:creationId xmlns:p14="http://schemas.microsoft.com/office/powerpoint/2010/main" val="12427128"/>
       </p:ext>
     </p:extLst>
   </p:cSld>
@@ -5596,10 +5567,10 @@
       </p:pic>
       <p:pic>
         <p:nvPicPr>
-          <p:cNvPr id="7" name="Picture 6">
-            <a:extLst>
-              <a:ext uri="{FF2B5EF4-FFF2-40B4-BE49-F238E27FC236}">
-                <a16:creationId xmlns:a16="http://schemas.microsoft.com/office/drawing/2014/main" id="{0F04E229-F422-4C7E-B592-10A9B635BFA8}"/>
+          <p:cNvPr id="6" name="Picture 5">
+            <a:extLst>
+              <a:ext uri="{FF2B5EF4-FFF2-40B4-BE49-F238E27FC236}">
+                <a16:creationId xmlns:a16="http://schemas.microsoft.com/office/drawing/2014/main" id="{3259F1AB-6461-4354-B588-A0E74C56028F}"/>
               </a:ext>
             </a:extLst>
           </p:cNvPr>
@@ -5616,8 +5587,8 @@
         </p:blipFill>
         <p:spPr>
           <a:xfrm>
-            <a:off x="1187915" y="1757512"/>
-            <a:ext cx="9870897" cy="4735363"/>
+            <a:off x="1187915" y="1757964"/>
+            <a:ext cx="9897836" cy="4734911"/>
           </a:xfrm>
           <a:prstGeom prst="rect">
             <a:avLst/>
@@ -5627,7 +5598,7 @@
     </p:spTree>
     <p:extLst>
       <p:ext uri="{BB962C8B-B14F-4D97-AF65-F5344CB8AC3E}">
-        <p14:creationId xmlns:p14="http://schemas.microsoft.com/office/powerpoint/2010/main" val="8992164"/>
+        <p14:creationId xmlns:p14="http://schemas.microsoft.com/office/powerpoint/2010/main" val="4170443018"/>
       </p:ext>
     </p:extLst>
   </p:cSld>
@@ -5730,10 +5701,10 @@
       </p:sp>
       <p:pic>
         <p:nvPicPr>
-          <p:cNvPr id="6" name="Picture 5">
-            <a:extLst>
-              <a:ext uri="{FF2B5EF4-FFF2-40B4-BE49-F238E27FC236}">
-                <a16:creationId xmlns:a16="http://schemas.microsoft.com/office/drawing/2014/main" id="{6524E2B1-D7F9-495F-9055-8C1CF06CD5FB}"/>
+          <p:cNvPr id="4" name="Picture 3">
+            <a:extLst>
+              <a:ext uri="{FF2B5EF4-FFF2-40B4-BE49-F238E27FC236}">
+                <a16:creationId xmlns:a16="http://schemas.microsoft.com/office/drawing/2014/main" id="{5C1EB43D-E487-49CB-9A72-BC5C056E3C7C}"/>
               </a:ext>
             </a:extLst>
           </p:cNvPr>
@@ -5750,8 +5721,38 @@
         </p:blipFill>
         <p:spPr>
           <a:xfrm>
-            <a:off x="1541020" y="1759486"/>
-            <a:ext cx="9150804" cy="4733389"/>
+            <a:off x="1187915" y="1757512"/>
+            <a:ext cx="9857014" cy="4735363"/>
+          </a:xfrm>
+          <a:prstGeom prst="rect">
+            <a:avLst/>
+          </a:prstGeom>
+        </p:spPr>
+      </p:pic>
+      <p:pic>
+        <p:nvPicPr>
+          <p:cNvPr id="7" name="Picture 6">
+            <a:extLst>
+              <a:ext uri="{FF2B5EF4-FFF2-40B4-BE49-F238E27FC236}">
+                <a16:creationId xmlns:a16="http://schemas.microsoft.com/office/drawing/2014/main" id="{0F04E229-F422-4C7E-B592-10A9B635BFA8}"/>
+              </a:ext>
+            </a:extLst>
+          </p:cNvPr>
+          <p:cNvPicPr>
+            <a:picLocks noChangeAspect="1"/>
+          </p:cNvPicPr>
+          <p:nvPr/>
+        </p:nvPicPr>
+        <p:blipFill>
+          <a:blip r:embed="rId4"/>
+          <a:stretch>
+            <a:fillRect/>
+          </a:stretch>
+        </p:blipFill>
+        <p:spPr>
+          <a:xfrm>
+            <a:off x="1187915" y="1757512"/>
+            <a:ext cx="9870897" cy="4735363"/>
           </a:xfrm>
           <a:prstGeom prst="rect">
             <a:avLst/>
@@ -5761,7 +5762,7 @@
     </p:spTree>
     <p:extLst>
       <p:ext uri="{BB962C8B-B14F-4D97-AF65-F5344CB8AC3E}">
-        <p14:creationId xmlns:p14="http://schemas.microsoft.com/office/powerpoint/2010/main" val="4119278705"/>
+        <p14:creationId xmlns:p14="http://schemas.microsoft.com/office/powerpoint/2010/main" val="8992164"/>
       </p:ext>
     </p:extLst>
   </p:cSld>
@@ -5892,40 +5893,10 @@
           </a:prstGeom>
         </p:spPr>
       </p:pic>
-      <p:pic>
-        <p:nvPicPr>
-          <p:cNvPr id="4" name="Picture 3">
-            <a:extLst>
-              <a:ext uri="{FF2B5EF4-FFF2-40B4-BE49-F238E27FC236}">
-                <a16:creationId xmlns:a16="http://schemas.microsoft.com/office/drawing/2014/main" id="{EB025199-93B2-4879-9560-21FB8CE35501}"/>
-              </a:ext>
-            </a:extLst>
-          </p:cNvPr>
-          <p:cNvPicPr>
-            <a:picLocks noChangeAspect="1"/>
-          </p:cNvPicPr>
-          <p:nvPr/>
-        </p:nvPicPr>
-        <p:blipFill>
-          <a:blip r:embed="rId4"/>
-          <a:stretch>
-            <a:fillRect/>
-          </a:stretch>
-        </p:blipFill>
-        <p:spPr>
-          <a:xfrm>
-            <a:off x="1541020" y="1758156"/>
-            <a:ext cx="9150805" cy="4726783"/>
-          </a:xfrm>
-          <a:prstGeom prst="rect">
-            <a:avLst/>
-          </a:prstGeom>
-        </p:spPr>
-      </p:pic>
     </p:spTree>
     <p:extLst>
       <p:ext uri="{BB962C8B-B14F-4D97-AF65-F5344CB8AC3E}">
-        <p14:creationId xmlns:p14="http://schemas.microsoft.com/office/powerpoint/2010/main" val="3584722082"/>
+        <p14:creationId xmlns:p14="http://schemas.microsoft.com/office/powerpoint/2010/main" val="4119278705"/>
       </p:ext>
     </p:extLst>
   </p:cSld>
@@ -6058,10 +6029,10 @@
       </p:pic>
       <p:pic>
         <p:nvPicPr>
-          <p:cNvPr id="7" name="Picture 6">
-            <a:extLst>
-              <a:ext uri="{FF2B5EF4-FFF2-40B4-BE49-F238E27FC236}">
-                <a16:creationId xmlns:a16="http://schemas.microsoft.com/office/drawing/2014/main" id="{EFB1B46C-9E46-46F8-BFF4-D23131B22195}"/>
+          <p:cNvPr id="4" name="Picture 3">
+            <a:extLst>
+              <a:ext uri="{FF2B5EF4-FFF2-40B4-BE49-F238E27FC236}">
+                <a16:creationId xmlns:a16="http://schemas.microsoft.com/office/drawing/2014/main" id="{EB025199-93B2-4879-9560-21FB8CE35501}"/>
               </a:ext>
             </a:extLst>
           </p:cNvPr>
@@ -6078,8 +6049,8 @@
         </p:blipFill>
         <p:spPr>
           <a:xfrm>
-            <a:off x="1559390" y="1758156"/>
-            <a:ext cx="9114064" cy="4729460"/>
+            <a:off x="1541020" y="1758156"/>
+            <a:ext cx="9150805" cy="4726783"/>
           </a:xfrm>
           <a:prstGeom prst="rect">
             <a:avLst/>
@@ -6089,7 +6060,7 @@
     </p:spTree>
     <p:extLst>
       <p:ext uri="{BB962C8B-B14F-4D97-AF65-F5344CB8AC3E}">
-        <p14:creationId xmlns:p14="http://schemas.microsoft.com/office/powerpoint/2010/main" val="2432386733"/>
+        <p14:creationId xmlns:p14="http://schemas.microsoft.com/office/powerpoint/2010/main" val="3584722082"/>
       </p:ext>
     </p:extLst>
   </p:cSld>
@@ -6222,10 +6193,10 @@
       </p:pic>
       <p:pic>
         <p:nvPicPr>
-          <p:cNvPr id="4" name="Picture 3">
-            <a:extLst>
-              <a:ext uri="{FF2B5EF4-FFF2-40B4-BE49-F238E27FC236}">
-                <a16:creationId xmlns:a16="http://schemas.microsoft.com/office/drawing/2014/main" id="{B2838280-4CFB-4BC7-A7DB-6A3E3FB51EDC}"/>
+          <p:cNvPr id="7" name="Picture 6">
+            <a:extLst>
+              <a:ext uri="{FF2B5EF4-FFF2-40B4-BE49-F238E27FC236}">
+                <a16:creationId xmlns:a16="http://schemas.microsoft.com/office/drawing/2014/main" id="{EFB1B46C-9E46-46F8-BFF4-D23131B22195}"/>
               </a:ext>
             </a:extLst>
           </p:cNvPr>
@@ -6242,8 +6213,8 @@
         </p:blipFill>
         <p:spPr>
           <a:xfrm>
-            <a:off x="1541020" y="1758156"/>
-            <a:ext cx="9150804" cy="4742794"/>
+            <a:off x="1559390" y="1758156"/>
+            <a:ext cx="9114064" cy="4729460"/>
           </a:xfrm>
           <a:prstGeom prst="rect">
             <a:avLst/>
@@ -6253,7 +6224,7 @@
     </p:spTree>
     <p:extLst>
       <p:ext uri="{BB962C8B-B14F-4D97-AF65-F5344CB8AC3E}">
-        <p14:creationId xmlns:p14="http://schemas.microsoft.com/office/powerpoint/2010/main" val="730043644"/>
+        <p14:creationId xmlns:p14="http://schemas.microsoft.com/office/powerpoint/2010/main" val="2432386733"/>
       </p:ext>
     </p:extLst>
   </p:cSld>
@@ -6302,7 +6273,7 @@
         </p:blipFill>
         <p:spPr>
           <a:xfrm>
-            <a:off x="0" y="-1"/>
+            <a:off x="0" y="-61761"/>
             <a:ext cx="12192000" cy="1819917"/>
           </a:xfrm>
           <a:prstGeom prst="rect">
@@ -6312,96 +6283,10 @@
       </p:pic>
       <p:sp>
         <p:nvSpPr>
-          <p:cNvPr id="6" name="Content Placeholder 2">
-            <a:extLst>
-              <a:ext uri="{FF2B5EF4-FFF2-40B4-BE49-F238E27FC236}">
-                <a16:creationId xmlns:a16="http://schemas.microsoft.com/office/drawing/2014/main" id="{CF143FC4-8FB5-4B4A-BC87-767AD5802D79}"/>
-              </a:ext>
-            </a:extLst>
-          </p:cNvPr>
-          <p:cNvSpPr>
-            <a:spLocks noGrp="1"/>
-          </p:cNvSpPr>
-          <p:nvPr>
-            <p:ph idx="1"/>
-          </p:nvPr>
-        </p:nvSpPr>
-        <p:spPr>
-          <a:xfrm>
-            <a:off x="838200" y="1825625"/>
-            <a:ext cx="10515600" cy="4351338"/>
-          </a:xfrm>
-        </p:spPr>
-        <p:txBody>
-          <a:bodyPr>
-            <a:normAutofit/>
-          </a:bodyPr>
-          <a:lstStyle/>
-          <a:p>
-            <a:pPr marL="0" indent="0">
-              <a:buNone/>
-            </a:pPr>
-            <a:endParaRPr lang="en-US" dirty="0"/>
-          </a:p>
-          <a:p>
-            <a:pPr marL="0" indent="0">
-              <a:buNone/>
-            </a:pPr>
-            <a:r>
-              <a:rPr lang="en-US" dirty="0"/>
-              <a:t>Inputs from Requester</a:t>
-            </a:r>
-          </a:p>
-          <a:p>
-            <a:pPr marL="0" indent="0">
-              <a:buNone/>
-            </a:pPr>
-            <a:r>
-              <a:rPr lang="en-US" dirty="0"/>
-              <a:t>    Ingredient search parameters</a:t>
-            </a:r>
-          </a:p>
-          <a:p>
-            <a:pPr marL="0" indent="0">
-              <a:buNone/>
-            </a:pPr>
-            <a:endParaRPr lang="en-US" dirty="0"/>
-          </a:p>
-          <a:p>
-            <a:pPr marL="0" indent="0">
-              <a:buNone/>
-            </a:pPr>
-            <a:r>
-              <a:rPr lang="en-US" dirty="0"/>
-              <a:t>Outputs to Requester</a:t>
-            </a:r>
-          </a:p>
-          <a:p>
-            <a:pPr marL="0" indent="0">
-              <a:buNone/>
-            </a:pPr>
-            <a:r>
-              <a:rPr lang="en-US" dirty="0"/>
-              <a:t>    Matching products</a:t>
-            </a:r>
-          </a:p>
-          <a:p>
-            <a:pPr marL="0" indent="0">
-              <a:buNone/>
-            </a:pPr>
-            <a:r>
-              <a:rPr lang="en-US" dirty="0"/>
-              <a:t>    Clarification</a:t>
-            </a:r>
-          </a:p>
-        </p:txBody>
-      </p:sp>
-      <p:sp>
-        <p:nvSpPr>
-          <p:cNvPr id="10" name="Title 9">
-            <a:extLst>
-              <a:ext uri="{FF2B5EF4-FFF2-40B4-BE49-F238E27FC236}">
-                <a16:creationId xmlns:a16="http://schemas.microsoft.com/office/drawing/2014/main" id="{239E17CD-5EE4-43CD-834E-2F477821F696}"/>
+          <p:cNvPr id="2" name="Title 1">
+            <a:extLst>
+              <a:ext uri="{FF2B5EF4-FFF2-40B4-BE49-F238E27FC236}">
+                <a16:creationId xmlns:a16="http://schemas.microsoft.com/office/drawing/2014/main" id="{027EE828-B2F2-4E7F-A4C7-BEDBF0D9EED9}"/>
               </a:ext>
             </a:extLst>
           </p:cNvPr>
@@ -6415,7 +6300,7 @@
         <p:spPr/>
         <p:txBody>
           <a:bodyPr>
-            <a:normAutofit/>
+            <a:noAutofit/>
           </a:bodyPr>
           <a:lstStyle/>
           <a:p>
@@ -6424,21 +6309,28 @@
               <a:t>Requirements</a:t>
             </a:r>
             <a:br>
+              <a:rPr lang="en-US" sz="3000" dirty="0"/>
+            </a:br>
+            <a:r>
               <a:rPr lang="en-US" sz="2800" dirty="0"/>
+              <a:t>Use-Case Description</a:t>
+            </a:r>
+            <a:br>
+              <a:rPr lang="en-US" sz="3000" dirty="0"/>
             </a:br>
             <a:r>
-              <a:rPr lang="en-US" sz="2800" dirty="0"/>
-              <a:t>Requester and Ice Cream System Interface Design</a:t>
+              <a:rPr lang="en-US" sz="2000" dirty="0"/>
+              <a:t>Request Products by Ingredients</a:t>
             </a:r>
           </a:p>
         </p:txBody>
       </p:sp>
       <p:pic>
         <p:nvPicPr>
-          <p:cNvPr id="9" name="Picture 8">
-            <a:extLst>
-              <a:ext uri="{FF2B5EF4-FFF2-40B4-BE49-F238E27FC236}">
-                <a16:creationId xmlns:a16="http://schemas.microsoft.com/office/drawing/2014/main" id="{25E9550E-8765-4FD6-8782-05A66387F292}"/>
+          <p:cNvPr id="6" name="Picture 5">
+            <a:extLst>
+              <a:ext uri="{FF2B5EF4-FFF2-40B4-BE49-F238E27FC236}">
+                <a16:creationId xmlns:a16="http://schemas.microsoft.com/office/drawing/2014/main" id="{6524E2B1-D7F9-495F-9055-8C1CF06CD5FB}"/>
               </a:ext>
             </a:extLst>
           </p:cNvPr>
@@ -6448,21 +6340,45 @@
           <p:nvPr/>
         </p:nvPicPr>
         <p:blipFill>
-          <a:blip r:embed="rId3">
-            <a:extLst>
-              <a:ext uri="{28A0092B-C50C-407E-A947-70E740481C1C}">
-                <a14:useLocalDpi xmlns:a14="http://schemas.microsoft.com/office/drawing/2010/main" val="0"/>
-              </a:ext>
-            </a:extLst>
-          </a:blip>
+          <a:blip r:embed="rId3"/>
           <a:stretch>
             <a:fillRect/>
           </a:stretch>
         </p:blipFill>
         <p:spPr>
           <a:xfrm>
-            <a:off x="7042990" y="1823052"/>
-            <a:ext cx="2981881" cy="4351338"/>
+            <a:off x="1541020" y="1759486"/>
+            <a:ext cx="9150804" cy="4733389"/>
+          </a:xfrm>
+          <a:prstGeom prst="rect">
+            <a:avLst/>
+          </a:prstGeom>
+        </p:spPr>
+      </p:pic>
+      <p:pic>
+        <p:nvPicPr>
+          <p:cNvPr id="4" name="Picture 3">
+            <a:extLst>
+              <a:ext uri="{FF2B5EF4-FFF2-40B4-BE49-F238E27FC236}">
+                <a16:creationId xmlns:a16="http://schemas.microsoft.com/office/drawing/2014/main" id="{B2838280-4CFB-4BC7-A7DB-6A3E3FB51EDC}"/>
+              </a:ext>
+            </a:extLst>
+          </p:cNvPr>
+          <p:cNvPicPr>
+            <a:picLocks noChangeAspect="1"/>
+          </p:cNvPicPr>
+          <p:nvPr/>
+        </p:nvPicPr>
+        <p:blipFill>
+          <a:blip r:embed="rId4"/>
+          <a:stretch>
+            <a:fillRect/>
+          </a:stretch>
+        </p:blipFill>
+        <p:spPr>
+          <a:xfrm>
+            <a:off x="1541020" y="1758156"/>
+            <a:ext cx="9150804" cy="4742794"/>
           </a:xfrm>
           <a:prstGeom prst="rect">
             <a:avLst/>
@@ -6472,7 +6388,7 @@
     </p:spTree>
     <p:extLst>
       <p:ext uri="{BB962C8B-B14F-4D97-AF65-F5344CB8AC3E}">
-        <p14:creationId xmlns:p14="http://schemas.microsoft.com/office/powerpoint/2010/main" val="3884159901"/>
+        <p14:creationId xmlns:p14="http://schemas.microsoft.com/office/powerpoint/2010/main" val="730043644"/>
       </p:ext>
     </p:extLst>
   </p:cSld>
@@ -6531,10 +6447,96 @@
       </p:pic>
       <p:sp>
         <p:nvSpPr>
-          <p:cNvPr id="2" name="Title 1">
-            <a:extLst>
-              <a:ext uri="{FF2B5EF4-FFF2-40B4-BE49-F238E27FC236}">
-                <a16:creationId xmlns:a16="http://schemas.microsoft.com/office/drawing/2014/main" id="{027EE828-B2F2-4E7F-A4C7-BEDBF0D9EED9}"/>
+          <p:cNvPr id="6" name="Content Placeholder 2">
+            <a:extLst>
+              <a:ext uri="{FF2B5EF4-FFF2-40B4-BE49-F238E27FC236}">
+                <a16:creationId xmlns:a16="http://schemas.microsoft.com/office/drawing/2014/main" id="{CF143FC4-8FB5-4B4A-BC87-767AD5802D79}"/>
+              </a:ext>
+            </a:extLst>
+          </p:cNvPr>
+          <p:cNvSpPr>
+            <a:spLocks noGrp="1"/>
+          </p:cNvSpPr>
+          <p:nvPr>
+            <p:ph idx="1"/>
+          </p:nvPr>
+        </p:nvSpPr>
+        <p:spPr>
+          <a:xfrm>
+            <a:off x="838200" y="1825625"/>
+            <a:ext cx="10515600" cy="4351338"/>
+          </a:xfrm>
+        </p:spPr>
+        <p:txBody>
+          <a:bodyPr>
+            <a:normAutofit/>
+          </a:bodyPr>
+          <a:lstStyle/>
+          <a:p>
+            <a:pPr marL="0" indent="0">
+              <a:buNone/>
+            </a:pPr>
+            <a:endParaRPr lang="en-US" dirty="0"/>
+          </a:p>
+          <a:p>
+            <a:pPr marL="0" indent="0">
+              <a:buNone/>
+            </a:pPr>
+            <a:r>
+              <a:rPr lang="en-US" dirty="0"/>
+              <a:t>Inputs from Requester</a:t>
+            </a:r>
+          </a:p>
+          <a:p>
+            <a:pPr marL="0" indent="0">
+              <a:buNone/>
+            </a:pPr>
+            <a:r>
+              <a:rPr lang="en-US" dirty="0"/>
+              <a:t>    Ingredient search parameters</a:t>
+            </a:r>
+          </a:p>
+          <a:p>
+            <a:pPr marL="0" indent="0">
+              <a:buNone/>
+            </a:pPr>
+            <a:endParaRPr lang="en-US" dirty="0"/>
+          </a:p>
+          <a:p>
+            <a:pPr marL="0" indent="0">
+              <a:buNone/>
+            </a:pPr>
+            <a:r>
+              <a:rPr lang="en-US" dirty="0"/>
+              <a:t>Outputs to Requester</a:t>
+            </a:r>
+          </a:p>
+          <a:p>
+            <a:pPr marL="0" indent="0">
+              <a:buNone/>
+            </a:pPr>
+            <a:r>
+              <a:rPr lang="en-US" dirty="0"/>
+              <a:t>    Matching products</a:t>
+            </a:r>
+          </a:p>
+          <a:p>
+            <a:pPr marL="0" indent="0">
+              <a:buNone/>
+            </a:pPr>
+            <a:r>
+              <a:rPr lang="en-US" dirty="0"/>
+              <a:t>    Clarification</a:t>
+            </a:r>
+          </a:p>
+        </p:txBody>
+      </p:sp>
+      <p:sp>
+        <p:nvSpPr>
+          <p:cNvPr id="10" name="Title 9">
+            <a:extLst>
+              <a:ext uri="{FF2B5EF4-FFF2-40B4-BE49-F238E27FC236}">
+                <a16:creationId xmlns:a16="http://schemas.microsoft.com/office/drawing/2014/main" id="{239E17CD-5EE4-43CD-834E-2F477821F696}"/>
               </a:ext>
             </a:extLst>
           </p:cNvPr>
@@ -6547,29 +6549,31 @@
         </p:nvSpPr>
         <p:spPr/>
         <p:txBody>
-          <a:bodyPr/>
+          <a:bodyPr>
+            <a:normAutofit/>
+          </a:bodyPr>
           <a:lstStyle/>
           <a:p>
             <a:r>
               <a:rPr lang="en-US" sz="3600" dirty="0"/>
-              <a:t>Client-Server Interface Requirements</a:t>
+              <a:t>Requirements</a:t>
             </a:r>
             <a:br>
-              <a:rPr lang="en-US" dirty="0"/>
+              <a:rPr lang="en-US" sz="2800" dirty="0"/>
             </a:br>
             <a:r>
               <a:rPr lang="en-US" sz="2800" dirty="0"/>
-              <a:t>Server Half</a:t>
+              <a:t>Requester and Ice Cream System Interface Design</a:t>
             </a:r>
           </a:p>
         </p:txBody>
       </p:sp>
       <p:pic>
         <p:nvPicPr>
-          <p:cNvPr id="4" name="Picture 3">
-            <a:extLst>
-              <a:ext uri="{FF2B5EF4-FFF2-40B4-BE49-F238E27FC236}">
-                <a16:creationId xmlns:a16="http://schemas.microsoft.com/office/drawing/2014/main" id="{0E4A9426-A111-4680-97B6-1CD48066A5BF}"/>
+          <p:cNvPr id="9" name="Picture 8">
+            <a:extLst>
+              <a:ext uri="{FF2B5EF4-FFF2-40B4-BE49-F238E27FC236}">
+                <a16:creationId xmlns:a16="http://schemas.microsoft.com/office/drawing/2014/main" id="{25E9550E-8765-4FD6-8782-05A66387F292}"/>
               </a:ext>
             </a:extLst>
           </p:cNvPr>
@@ -6592,8 +6596,8 @@
         </p:blipFill>
         <p:spPr>
           <a:xfrm>
-            <a:off x="4512320" y="1819916"/>
-            <a:ext cx="3167360" cy="4678059"/>
+            <a:off x="7076546" y="2055814"/>
+            <a:ext cx="2981881" cy="4351338"/>
           </a:xfrm>
           <a:prstGeom prst="rect">
             <a:avLst/>
@@ -6603,7 +6607,7 @@
     </p:spTree>
     <p:extLst>
       <p:ext uri="{BB962C8B-B14F-4D97-AF65-F5344CB8AC3E}">
-        <p14:creationId xmlns:p14="http://schemas.microsoft.com/office/powerpoint/2010/main" val="3952277410"/>
+        <p14:creationId xmlns:p14="http://schemas.microsoft.com/office/powerpoint/2010/main" val="3884159901"/>
       </p:ext>
     </p:extLst>
   </p:cSld>
@@ -6683,132 +6687,58 @@
           <a:p>
             <a:r>
               <a:rPr lang="en-US" sz="3600" dirty="0"/>
-              <a:t>Client-Server Interface Design</a:t>
+              <a:t>Client-Server Interface Requirements</a:t>
             </a:r>
             <a:br>
               <a:rPr lang="en-US" dirty="0"/>
             </a:br>
             <a:r>
               <a:rPr lang="en-US" sz="2800" dirty="0"/>
-              <a:t>Server Perspective</a:t>
+              <a:t>Server Half</a:t>
             </a:r>
           </a:p>
         </p:txBody>
       </p:sp>
-      <p:sp>
-        <p:nvSpPr>
-          <p:cNvPr id="6" name="Content Placeholder 2">
-            <a:extLst>
-              <a:ext uri="{FF2B5EF4-FFF2-40B4-BE49-F238E27FC236}">
-                <a16:creationId xmlns:a16="http://schemas.microsoft.com/office/drawing/2014/main" id="{CF143FC4-8FB5-4B4A-BC87-767AD5802D79}"/>
-              </a:ext>
-            </a:extLst>
-          </p:cNvPr>
-          <p:cNvSpPr>
-            <a:spLocks noGrp="1"/>
-          </p:cNvSpPr>
-          <p:nvPr>
-            <p:ph idx="1"/>
-          </p:nvPr>
-        </p:nvSpPr>
-        <p:spPr>
-          <a:xfrm>
-            <a:off x="838200" y="1825625"/>
-            <a:ext cx="10515600" cy="4351338"/>
-          </a:xfrm>
-        </p:spPr>
-        <p:txBody>
-          <a:bodyPr>
-            <a:normAutofit fontScale="92500" lnSpcReduction="20000"/>
-          </a:bodyPr>
-          <a:lstStyle/>
-          <a:p>
-            <a:pPr marL="0" indent="0">
-              <a:buNone/>
-            </a:pPr>
-            <a:endParaRPr lang="en-US" dirty="0"/>
-          </a:p>
-          <a:p>
-            <a:pPr marL="0" indent="0">
-              <a:buNone/>
-            </a:pPr>
-            <a:r>
-              <a:rPr lang="en-US" dirty="0"/>
-              <a:t>Endpoint</a:t>
-            </a:r>
-          </a:p>
-          <a:p>
-            <a:pPr marL="0" indent="0">
-              <a:buNone/>
-            </a:pPr>
-            <a:r>
-              <a:rPr lang="en-US" dirty="0"/>
-              <a:t>     /search-by-ingredients</a:t>
-            </a:r>
-          </a:p>
-          <a:p>
-            <a:pPr marL="0" indent="0">
-              <a:buNone/>
-            </a:pPr>
-            <a:endParaRPr lang="en-US" dirty="0"/>
-          </a:p>
-          <a:p>
-            <a:pPr marL="0" indent="0">
-              <a:buNone/>
-            </a:pPr>
-            <a:r>
-              <a:rPr lang="en-US" dirty="0"/>
-              <a:t>Incoming Message</a:t>
-            </a:r>
-          </a:p>
-          <a:p>
-            <a:pPr marL="0" indent="0">
-              <a:buNone/>
-            </a:pPr>
-            <a:r>
-              <a:rPr lang="en-US" dirty="0"/>
-              <a:t>     Search parameters</a:t>
-            </a:r>
-          </a:p>
-          <a:p>
-            <a:pPr marL="0" indent="0">
-              <a:buNone/>
-            </a:pPr>
-            <a:endParaRPr lang="en-US" dirty="0"/>
-          </a:p>
-          <a:p>
-            <a:pPr marL="0" indent="0">
-              <a:buNone/>
-            </a:pPr>
-            <a:r>
-              <a:rPr lang="en-US" dirty="0"/>
-              <a:t>Outgoing Messages</a:t>
-            </a:r>
-          </a:p>
-          <a:p>
-            <a:pPr marL="0" indent="0">
-              <a:buNone/>
-            </a:pPr>
-            <a:r>
-              <a:rPr lang="en-US" dirty="0"/>
-              <a:t>     Matching products</a:t>
-            </a:r>
-          </a:p>
-          <a:p>
-            <a:pPr marL="0" indent="0">
-              <a:buNone/>
-            </a:pPr>
-            <a:r>
-              <a:rPr lang="en-US" dirty="0"/>
-              <a:t>     Status</a:t>
-            </a:r>
-          </a:p>
-        </p:txBody>
-      </p:sp>
+      <p:pic>
+        <p:nvPicPr>
+          <p:cNvPr id="4" name="Picture 3">
+            <a:extLst>
+              <a:ext uri="{FF2B5EF4-FFF2-40B4-BE49-F238E27FC236}">
+                <a16:creationId xmlns:a16="http://schemas.microsoft.com/office/drawing/2014/main" id="{0E4A9426-A111-4680-97B6-1CD48066A5BF}"/>
+              </a:ext>
+            </a:extLst>
+          </p:cNvPr>
+          <p:cNvPicPr>
+            <a:picLocks noChangeAspect="1"/>
+          </p:cNvPicPr>
+          <p:nvPr/>
+        </p:nvPicPr>
+        <p:blipFill>
+          <a:blip r:embed="rId3">
+            <a:extLst>
+              <a:ext uri="{28A0092B-C50C-407E-A947-70E740481C1C}">
+                <a14:useLocalDpi xmlns:a14="http://schemas.microsoft.com/office/drawing/2010/main" val="0"/>
+              </a:ext>
+            </a:extLst>
+          </a:blip>
+          <a:stretch>
+            <a:fillRect/>
+          </a:stretch>
+        </p:blipFill>
+        <p:spPr>
+          <a:xfrm>
+            <a:off x="4512320" y="1878639"/>
+            <a:ext cx="3167360" cy="4678059"/>
+          </a:xfrm>
+          <a:prstGeom prst="rect">
+            <a:avLst/>
+          </a:prstGeom>
+        </p:spPr>
+      </p:pic>
     </p:spTree>
     <p:extLst>
       <p:ext uri="{BB962C8B-B14F-4D97-AF65-F5344CB8AC3E}">
-        <p14:creationId xmlns:p14="http://schemas.microsoft.com/office/powerpoint/2010/main" val="228116997"/>
+        <p14:creationId xmlns:p14="http://schemas.microsoft.com/office/powerpoint/2010/main" val="3952277410"/>
       </p:ext>
     </p:extLst>
   </p:cSld>
@@ -6888,14 +6818,14 @@
           <a:p>
             <a:r>
               <a:rPr lang="en-US" sz="3600" dirty="0"/>
-              <a:t>Client-Server API Design</a:t>
+              <a:t>Client-Server Interface Design</a:t>
             </a:r>
             <a:br>
               <a:rPr lang="en-US" dirty="0"/>
             </a:br>
             <a:r>
               <a:rPr lang="en-US" sz="2800" dirty="0"/>
-              <a:t>Incoming Message</a:t>
+              <a:t>Server Perspective</a:t>
             </a:r>
           </a:p>
         </p:txBody>
@@ -6924,7 +6854,7 @@
         </p:spPr>
         <p:txBody>
           <a:bodyPr>
-            <a:normAutofit/>
+            <a:normAutofit fontScale="92500" lnSpcReduction="20000"/>
           </a:bodyPr>
           <a:lstStyle/>
           <a:p>
@@ -6939,7 +6869,7 @@
             </a:pPr>
             <a:r>
               <a:rPr lang="en-US" dirty="0"/>
-              <a:t>search-parameters =</a:t>
+              <a:t>Endpoint</a:t>
             </a:r>
           </a:p>
           <a:p>
@@ -6948,17 +6878,14 @@
             </a:pPr>
             <a:r>
               <a:rPr lang="en-US" dirty="0"/>
-              <a:t>    {“ingredients”: [</a:t>
+              <a:t>     /search-by-ingredients</a:t>
             </a:r>
           </a:p>
           <a:p>
             <a:pPr marL="0" indent="0">
               <a:buNone/>
             </a:pPr>
-            <a:r>
-              <a:rPr lang="en-US" dirty="0"/>
-              <a:t>          *&lt;ingredient w/ comma&gt;</a:t>
-            </a:r>
+            <a:endParaRPr lang="en-US" dirty="0"/>
           </a:p>
           <a:p>
             <a:pPr marL="0" indent="0">
@@ -6966,7 +6893,7 @@
             </a:pPr>
             <a:r>
               <a:rPr lang="en-US" dirty="0"/>
-              <a:t>           &lt;ingredient w/o comma&gt;</a:t>
+              <a:t>Incoming Message</a:t>
             </a:r>
           </a:p>
           <a:p>
@@ -6975,64 +6902,40 @@
             </a:pPr>
             <a:r>
               <a:rPr lang="en-US" dirty="0"/>
-              <a:t>      ]}</a:t>
-            </a:r>
-          </a:p>
-        </p:txBody>
-      </p:sp>
-      <p:sp>
-        <p:nvSpPr>
-          <p:cNvPr id="3" name="TextBox 2">
-            <a:extLst>
-              <a:ext uri="{FF2B5EF4-FFF2-40B4-BE49-F238E27FC236}">
-                <a16:creationId xmlns:a16="http://schemas.microsoft.com/office/drawing/2014/main" id="{FF7FC719-6352-4E94-ADC6-E6821A529274}"/>
-              </a:ext>
-            </a:extLst>
-          </p:cNvPr>
-          <p:cNvSpPr txBox="1"/>
-          <p:nvPr/>
-        </p:nvSpPr>
-        <p:spPr>
-          <a:xfrm>
-            <a:off x="7148878" y="3429000"/>
-            <a:ext cx="4204922" cy="646331"/>
-          </a:xfrm>
-          <a:prstGeom prst="rect">
-            <a:avLst/>
-          </a:prstGeom>
-          <a:noFill/>
-        </p:spPr>
-        <p:txBody>
-          <a:bodyPr wrap="square" rtlCol="0">
-            <a:spAutoFit/>
-          </a:bodyPr>
-          <a:lstStyle/>
-          <a:p>
+              <a:t>     Search parameters</a:t>
+            </a:r>
+          </a:p>
+          <a:p>
+            <a:pPr marL="0" indent="0">
+              <a:buNone/>
+            </a:pPr>
+            <a:endParaRPr lang="en-US" dirty="0"/>
+          </a:p>
+          <a:p>
+            <a:pPr marL="0" indent="0">
+              <a:buNone/>
+            </a:pPr>
             <a:r>
               <a:rPr lang="en-US" dirty="0"/>
-              <a:t>What you see is Backus-Naur Form.</a:t>
-            </a:r>
-          </a:p>
-          <a:p>
+              <a:t>Outgoing Messages</a:t>
+            </a:r>
+          </a:p>
+          <a:p>
+            <a:pPr marL="0" indent="0">
+              <a:buNone/>
+            </a:pPr>
             <a:r>
               <a:rPr lang="en-US" dirty="0"/>
-              <a:t>Actual format </a:t>
-            </a:r>
-            <a:r>
-              <a:rPr lang="en-US" dirty="0" err="1"/>
-              <a:t>is“x</a:t>
-            </a:r>
+              <a:t>     Matching products</a:t>
+            </a:r>
+          </a:p>
+          <a:p>
+            <a:pPr marL="0" indent="0">
+              <a:buNone/>
+            </a:pPr>
             <a:r>
               <a:rPr lang="en-US" dirty="0"/>
-              <a:t>-www-form-</a:t>
-            </a:r>
-            <a:r>
-              <a:rPr lang="en-US" dirty="0" err="1"/>
-              <a:t>urlencoded</a:t>
-            </a:r>
-            <a:r>
-              <a:rPr lang="en-US" dirty="0"/>
-              <a:t>”.</a:t>
+              <a:t>     Status</a:t>
             </a:r>
           </a:p>
         </p:txBody>
@@ -7040,7 +6943,7 @@
     </p:spTree>
     <p:extLst>
       <p:ext uri="{BB962C8B-B14F-4D97-AF65-F5344CB8AC3E}">
-        <p14:creationId xmlns:p14="http://schemas.microsoft.com/office/powerpoint/2010/main" val="1064576591"/>
+        <p14:creationId xmlns:p14="http://schemas.microsoft.com/office/powerpoint/2010/main" val="228116997"/>
       </p:ext>
     </p:extLst>
   </p:cSld>
@@ -7127,11 +7030,8 @@
             </a:br>
             <a:r>
               <a:rPr lang="en-US" sz="2800" dirty="0"/>
-              <a:t>Outgoing Messages</a:t>
-            </a:r>
-            <a:endParaRPr lang="en-US" sz="2800" dirty="0">
-              <a:latin typeface="+mn-lt"/>
-            </a:endParaRPr>
+              <a:t>Incoming Message</a:t>
+            </a:r>
           </a:p>
         </p:txBody>
       </p:sp>
@@ -7159,7 +7059,7 @@
         </p:spPr>
         <p:txBody>
           <a:bodyPr>
-            <a:normAutofit lnSpcReduction="10000"/>
+            <a:normAutofit/>
           </a:bodyPr>
           <a:lstStyle/>
           <a:p>
@@ -7174,7 +7074,7 @@
             </a:pPr>
             <a:r>
               <a:rPr lang="en-US" dirty="0"/>
-              <a:t>Matching products</a:t>
+              <a:t>search-parameters =</a:t>
             </a:r>
           </a:p>
           <a:p>
@@ -7183,7 +7083,7 @@
             </a:pPr>
             <a:r>
               <a:rPr lang="en-US" dirty="0"/>
-              <a:t>    {“products”: [</a:t>
+              <a:t>    {“ingredients”: [</a:t>
             </a:r>
           </a:p>
           <a:p>
@@ -7192,7 +7092,7 @@
             </a:pPr>
             <a:r>
               <a:rPr lang="en-US" dirty="0"/>
-              <a:t>         *&lt;product w/ comma&gt;</a:t>
+              <a:t>          *&lt;ingredient w/ comma&gt;</a:t>
             </a:r>
           </a:p>
           <a:p>
@@ -7201,7 +7101,7 @@
             </a:pPr>
             <a:r>
               <a:rPr lang="en-US" dirty="0"/>
-              <a:t>           &lt;product w/o comma&gt;</a:t>
+              <a:t>           &lt;ingredient w/o comma&gt;</a:t>
             </a:r>
           </a:p>
           <a:p>
@@ -7213,28 +7113,61 @@
               <a:t>      ]}</a:t>
             </a:r>
           </a:p>
-          <a:p>
-            <a:pPr marL="0" indent="0">
-              <a:buNone/>
-            </a:pPr>
-            <a:endParaRPr lang="en-US" dirty="0"/>
-          </a:p>
-          <a:p>
-            <a:pPr marL="0" indent="0">
-              <a:buNone/>
-            </a:pPr>
+        </p:txBody>
+      </p:sp>
+      <p:sp>
+        <p:nvSpPr>
+          <p:cNvPr id="3" name="TextBox 2">
+            <a:extLst>
+              <a:ext uri="{FF2B5EF4-FFF2-40B4-BE49-F238E27FC236}">
+                <a16:creationId xmlns:a16="http://schemas.microsoft.com/office/drawing/2014/main" id="{FF7FC719-6352-4E94-ADC6-E6821A529274}"/>
+              </a:ext>
+            </a:extLst>
+          </p:cNvPr>
+          <p:cNvSpPr txBox="1"/>
+          <p:nvPr/>
+        </p:nvSpPr>
+        <p:spPr>
+          <a:xfrm>
+            <a:off x="7148878" y="3429000"/>
+            <a:ext cx="4204922" cy="646331"/>
+          </a:xfrm>
+          <a:prstGeom prst="rect">
+            <a:avLst/>
+          </a:prstGeom>
+          <a:noFill/>
+        </p:spPr>
+        <p:txBody>
+          <a:bodyPr wrap="square" rtlCol="0">
+            <a:spAutoFit/>
+          </a:bodyPr>
+          <a:lstStyle/>
+          <a:p>
             <a:r>
               <a:rPr lang="en-US" dirty="0"/>
-              <a:t>Status</a:t>
-            </a:r>
-          </a:p>
-          <a:p>
-            <a:pPr marL="0" indent="0">
-              <a:buNone/>
-            </a:pPr>
+              <a:t>What you see is Backus-Naur Form.</a:t>
+            </a:r>
+          </a:p>
+          <a:p>
             <a:r>
               <a:rPr lang="en-US" dirty="0"/>
-              <a:t>    {“status”: &lt;status&gt;}</a:t>
+              <a:t>Actual format </a:t>
+            </a:r>
+            <a:r>
+              <a:rPr lang="en-US" dirty="0" err="1"/>
+              <a:t>is“x</a:t>
+            </a:r>
+            <a:r>
+              <a:rPr lang="en-US" dirty="0"/>
+              <a:t>-www-form-</a:t>
+            </a:r>
+            <a:r>
+              <a:rPr lang="en-US" dirty="0" err="1"/>
+              <a:t>urlencoded</a:t>
+            </a:r>
+            <a:r>
+              <a:rPr lang="en-US" dirty="0"/>
+              <a:t>”.</a:t>
             </a:r>
           </a:p>
         </p:txBody>
@@ -7242,7 +7175,7 @@
     </p:spTree>
     <p:extLst>
       <p:ext uri="{BB962C8B-B14F-4D97-AF65-F5344CB8AC3E}">
-        <p14:creationId xmlns:p14="http://schemas.microsoft.com/office/powerpoint/2010/main" val="1303817728"/>
+        <p14:creationId xmlns:p14="http://schemas.microsoft.com/office/powerpoint/2010/main" val="1064576591"/>
       </p:ext>
     </p:extLst>
   </p:cSld>
@@ -7497,9 +7430,7 @@
         </p:nvSpPr>
         <p:spPr/>
         <p:txBody>
-          <a:bodyPr>
-            <a:normAutofit/>
-          </a:bodyPr>
+          <a:bodyPr/>
           <a:lstStyle/>
           <a:p>
             <a:r>
@@ -7507,12 +7438,15 @@
               <a:t>Client-Server API Design</a:t>
             </a:r>
             <a:br>
-              <a:rPr lang="en-US" sz="3600" dirty="0"/>
+              <a:rPr lang="en-US" dirty="0"/>
             </a:br>
             <a:r>
               <a:rPr lang="en-US" sz="2800" dirty="0"/>
-              <a:t>Product</a:t>
-            </a:r>
+              <a:t>Outgoing Messages</a:t>
+            </a:r>
+            <a:endParaRPr lang="en-US" sz="2800" dirty="0">
+              <a:latin typeface="+mn-lt"/>
+            </a:endParaRPr>
           </a:p>
         </p:txBody>
       </p:sp>
@@ -7540,17 +7474,14 @@
         </p:spPr>
         <p:txBody>
           <a:bodyPr>
-            <a:normAutofit fontScale="77500" lnSpcReduction="20000"/>
+            <a:normAutofit lnSpcReduction="10000"/>
           </a:bodyPr>
           <a:lstStyle/>
           <a:p>
             <a:pPr marL="0" indent="0">
               <a:buNone/>
             </a:pPr>
-            <a:r>
-              <a:rPr lang="en-US" dirty="0"/>
-              <a:t>{</a:t>
-            </a:r>
+            <a:endParaRPr lang="en-US" dirty="0"/>
           </a:p>
           <a:p>
             <a:pPr marL="0" indent="0">
@@ -7558,7 +7489,7 @@
             </a:pPr>
             <a:r>
               <a:rPr lang="en-US" dirty="0"/>
-              <a:t>      “name”:                             &lt;catchy name&gt;</a:t>
+              <a:t>Matching products</a:t>
             </a:r>
           </a:p>
           <a:p>
@@ -7567,15 +7498,7 @@
             </a:pPr>
             <a:r>
               <a:rPr lang="en-US" dirty="0"/>
-              <a:t>      “</a:t>
-            </a:r>
-            <a:r>
-              <a:rPr lang="en-US" dirty="0" err="1"/>
-              <a:t>image_closed</a:t>
-            </a:r>
-            <a:r>
-              <a:rPr lang="en-US" dirty="0"/>
-              <a:t>”:               &lt;path to image of closed product&gt;</a:t>
+              <a:t>    {“products”: [</a:t>
             </a:r>
           </a:p>
           <a:p>
@@ -7584,15 +7507,7 @@
             </a:pPr>
             <a:r>
               <a:rPr lang="en-US" dirty="0"/>
-              <a:t>      “</a:t>
-            </a:r>
-            <a:r>
-              <a:rPr lang="en-US" dirty="0" err="1"/>
-              <a:t>image_open</a:t>
-            </a:r>
-            <a:r>
-              <a:rPr lang="en-US" dirty="0"/>
-              <a:t>”:                 &lt;path to image of open product&gt;</a:t>
+              <a:t>         *&lt;product w/ comma&gt;</a:t>
             </a:r>
           </a:p>
           <a:p>
@@ -7601,7 +7516,7 @@
             </a:pPr>
             <a:r>
               <a:rPr lang="en-US" dirty="0"/>
-              <a:t>      “description”:                   &lt;phrase to get customers salivating&gt;</a:t>
+              <a:t>           &lt;product w/o comma&gt;</a:t>
             </a:r>
           </a:p>
           <a:p>
@@ -7610,25 +7525,14 @@
             </a:pPr>
             <a:r>
               <a:rPr lang="en-US" dirty="0"/>
-              <a:t>      “story”:                              &lt;sales-pitch&gt;</a:t>
+              <a:t>      ]}</a:t>
             </a:r>
           </a:p>
           <a:p>
             <a:pPr marL="0" indent="0">
               <a:buNone/>
             </a:pPr>
-            <a:r>
-              <a:rPr lang="en-US" dirty="0"/>
-              <a:t>      “</a:t>
-            </a:r>
-            <a:r>
-              <a:rPr lang="en-US" dirty="0" err="1"/>
-              <a:t>sourcing_values</a:t>
-            </a:r>
-            <a:r>
-              <a:rPr lang="en-US" dirty="0"/>
-              <a:t>”:           [*&lt;sourcing value&gt;]</a:t>
-            </a:r>
+            <a:endParaRPr lang="en-US" dirty="0"/>
           </a:p>
           <a:p>
             <a:pPr marL="0" indent="0">
@@ -7636,7 +7540,7 @@
             </a:pPr>
             <a:r>
               <a:rPr lang="en-US" dirty="0"/>
-              <a:t>      “ingredients”:                    [*&lt;ingredient&gt;]</a:t>
+              <a:t>Status</a:t>
             </a:r>
           </a:p>
           <a:p>
@@ -7645,58 +7549,7 @@
             </a:pPr>
             <a:r>
               <a:rPr lang="en-US" dirty="0"/>
-              <a:t>      “</a:t>
-            </a:r>
-            <a:r>
-              <a:rPr lang="en-US" dirty="0" err="1"/>
-              <a:t>allergy_info</a:t>
-            </a:r>
-            <a:r>
-              <a:rPr lang="en-US" dirty="0"/>
-              <a:t>”:                   [*&lt;allergen&gt;]</a:t>
-            </a:r>
-          </a:p>
-          <a:p>
-            <a:pPr marL="0" indent="0">
-              <a:buNone/>
-            </a:pPr>
-            <a:r>
-              <a:rPr lang="en-US" dirty="0"/>
-              <a:t>      “</a:t>
-            </a:r>
-            <a:r>
-              <a:rPr lang="en-US" dirty="0" err="1"/>
-              <a:t>dietary_certifications</a:t>
-            </a:r>
-            <a:r>
-              <a:rPr lang="en-US" dirty="0"/>
-              <a:t>”:  [*&lt;dietary certification&gt;]</a:t>
-            </a:r>
-          </a:p>
-          <a:p>
-            <a:pPr marL="0" indent="0">
-              <a:buNone/>
-            </a:pPr>
-            <a:r>
-              <a:rPr lang="en-US" dirty="0"/>
-              <a:t>      “</a:t>
-            </a:r>
-            <a:r>
-              <a:rPr lang="en-US" dirty="0" err="1"/>
-              <a:t>productId</a:t>
-            </a:r>
-            <a:r>
-              <a:rPr lang="en-US" dirty="0"/>
-              <a:t>”:                      &lt;productid&gt;</a:t>
-            </a:r>
-          </a:p>
-          <a:p>
-            <a:pPr marL="0" indent="0">
-              <a:buNone/>
-            </a:pPr>
-            <a:r>
-              <a:rPr lang="en-US" dirty="0"/>
-              <a:t>}</a:t>
+              <a:t>    {“status”: &lt;status&gt;}</a:t>
             </a:r>
           </a:p>
         </p:txBody>
@@ -7704,7 +7557,7 @@
     </p:spTree>
     <p:extLst>
       <p:ext uri="{BB962C8B-B14F-4D97-AF65-F5344CB8AC3E}">
-        <p14:creationId xmlns:p14="http://schemas.microsoft.com/office/powerpoint/2010/main" val="2741165324"/>
+        <p14:creationId xmlns:p14="http://schemas.microsoft.com/office/powerpoint/2010/main" val="1303817728"/>
       </p:ext>
     </p:extLst>
   </p:cSld>
@@ -7786,51 +7639,207 @@
           <a:p>
             <a:r>
               <a:rPr lang="en-US" sz="3600" dirty="0"/>
-              <a:t>Ice Cream Server Decomposition</a:t>
+              <a:t>Client-Server API Design</a:t>
+            </a:r>
+            <a:br>
+              <a:rPr lang="en-US" sz="3600" dirty="0"/>
+            </a:br>
+            <a:r>
+              <a:rPr lang="en-US" sz="2800" dirty="0"/>
+              <a:t>Product</a:t>
             </a:r>
           </a:p>
         </p:txBody>
       </p:sp>
-      <p:pic>
-        <p:nvPicPr>
-          <p:cNvPr id="10" name="Picture 9">
-            <a:extLst>
-              <a:ext uri="{FF2B5EF4-FFF2-40B4-BE49-F238E27FC236}">
-                <a16:creationId xmlns:a16="http://schemas.microsoft.com/office/drawing/2014/main" id="{91BBC662-8DE8-4BE2-92CB-72EADB02529B}"/>
-              </a:ext>
-            </a:extLst>
-          </p:cNvPr>
-          <p:cNvPicPr>
-            <a:picLocks noChangeAspect="1"/>
-          </p:cNvPicPr>
-          <p:nvPr/>
-        </p:nvPicPr>
-        <p:blipFill>
-          <a:blip r:embed="rId3">
-            <a:extLst>
-              <a:ext uri="{28A0092B-C50C-407E-A947-70E740481C1C}">
-                <a14:useLocalDpi xmlns:a14="http://schemas.microsoft.com/office/drawing/2010/main" val="0"/>
-              </a:ext>
-            </a:extLst>
-          </a:blip>
-          <a:stretch>
-            <a:fillRect/>
-          </a:stretch>
-        </p:blipFill>
-        <p:spPr>
-          <a:xfrm>
-            <a:off x="2633828" y="1819916"/>
-            <a:ext cx="6924343" cy="4672959"/>
-          </a:xfrm>
-          <a:prstGeom prst="rect">
-            <a:avLst/>
-          </a:prstGeom>
-        </p:spPr>
-      </p:pic>
+      <p:sp>
+        <p:nvSpPr>
+          <p:cNvPr id="6" name="Content Placeholder 2">
+            <a:extLst>
+              <a:ext uri="{FF2B5EF4-FFF2-40B4-BE49-F238E27FC236}">
+                <a16:creationId xmlns:a16="http://schemas.microsoft.com/office/drawing/2014/main" id="{CF143FC4-8FB5-4B4A-BC87-767AD5802D79}"/>
+              </a:ext>
+            </a:extLst>
+          </p:cNvPr>
+          <p:cNvSpPr>
+            <a:spLocks noGrp="1"/>
+          </p:cNvSpPr>
+          <p:nvPr>
+            <p:ph idx="1"/>
+          </p:nvPr>
+        </p:nvSpPr>
+        <p:spPr>
+          <a:xfrm>
+            <a:off x="838200" y="1825625"/>
+            <a:ext cx="10515600" cy="4351338"/>
+          </a:xfrm>
+        </p:spPr>
+        <p:txBody>
+          <a:bodyPr>
+            <a:normAutofit fontScale="77500" lnSpcReduction="20000"/>
+          </a:bodyPr>
+          <a:lstStyle/>
+          <a:p>
+            <a:pPr marL="0" indent="0">
+              <a:buNone/>
+            </a:pPr>
+            <a:r>
+              <a:rPr lang="en-US" dirty="0"/>
+              <a:t>{</a:t>
+            </a:r>
+          </a:p>
+          <a:p>
+            <a:pPr marL="0" indent="0">
+              <a:buNone/>
+            </a:pPr>
+            <a:r>
+              <a:rPr lang="en-US" dirty="0"/>
+              <a:t>      “name”:                             &lt;catchy name&gt;</a:t>
+            </a:r>
+          </a:p>
+          <a:p>
+            <a:pPr marL="0" indent="0">
+              <a:buNone/>
+            </a:pPr>
+            <a:r>
+              <a:rPr lang="en-US" dirty="0"/>
+              <a:t>      “</a:t>
+            </a:r>
+            <a:r>
+              <a:rPr lang="en-US" dirty="0" err="1"/>
+              <a:t>image_closed</a:t>
+            </a:r>
+            <a:r>
+              <a:rPr lang="en-US" dirty="0"/>
+              <a:t>”:               &lt;path to image of closed product&gt;</a:t>
+            </a:r>
+          </a:p>
+          <a:p>
+            <a:pPr marL="0" indent="0">
+              <a:buNone/>
+            </a:pPr>
+            <a:r>
+              <a:rPr lang="en-US" dirty="0"/>
+              <a:t>      “</a:t>
+            </a:r>
+            <a:r>
+              <a:rPr lang="en-US" dirty="0" err="1"/>
+              <a:t>image_open</a:t>
+            </a:r>
+            <a:r>
+              <a:rPr lang="en-US" dirty="0"/>
+              <a:t>”:                 &lt;path to image of open product&gt;</a:t>
+            </a:r>
+          </a:p>
+          <a:p>
+            <a:pPr marL="0" indent="0">
+              <a:buNone/>
+            </a:pPr>
+            <a:r>
+              <a:rPr lang="en-US" dirty="0"/>
+              <a:t>      “description”:                   &lt;phrase to get customers salivating&gt;</a:t>
+            </a:r>
+          </a:p>
+          <a:p>
+            <a:pPr marL="0" indent="0">
+              <a:buNone/>
+            </a:pPr>
+            <a:r>
+              <a:rPr lang="en-US" dirty="0"/>
+              <a:t>      “story”:                              &lt;sales-pitch&gt;</a:t>
+            </a:r>
+          </a:p>
+          <a:p>
+            <a:pPr marL="0" indent="0">
+              <a:buNone/>
+            </a:pPr>
+            <a:r>
+              <a:rPr lang="en-US" dirty="0"/>
+              <a:t>      “</a:t>
+            </a:r>
+            <a:r>
+              <a:rPr lang="en-US" dirty="0" err="1"/>
+              <a:t>sourcing_values</a:t>
+            </a:r>
+            <a:r>
+              <a:rPr lang="en-US" dirty="0"/>
+              <a:t>”:           [*&lt;sourcing value&gt;]</a:t>
+            </a:r>
+          </a:p>
+          <a:p>
+            <a:pPr marL="0" indent="0">
+              <a:buNone/>
+            </a:pPr>
+            <a:r>
+              <a:rPr lang="en-US" dirty="0"/>
+              <a:t>      “ingredients”:                    [*&lt;ingredient&gt;]</a:t>
+            </a:r>
+          </a:p>
+          <a:p>
+            <a:pPr marL="0" indent="0">
+              <a:buNone/>
+            </a:pPr>
+            <a:r>
+              <a:rPr lang="en-US" dirty="0"/>
+              <a:t>      “</a:t>
+            </a:r>
+            <a:r>
+              <a:rPr lang="en-US" dirty="0" err="1"/>
+              <a:t>allergy_info</a:t>
+            </a:r>
+            <a:r>
+              <a:rPr lang="en-US" dirty="0"/>
+              <a:t>”:                   [*&lt;allergen&gt;]</a:t>
+            </a:r>
+          </a:p>
+          <a:p>
+            <a:pPr marL="0" indent="0">
+              <a:buNone/>
+            </a:pPr>
+            <a:r>
+              <a:rPr lang="en-US" dirty="0"/>
+              <a:t>      “</a:t>
+            </a:r>
+            <a:r>
+              <a:rPr lang="en-US" dirty="0" err="1"/>
+              <a:t>dietary_certifications</a:t>
+            </a:r>
+            <a:r>
+              <a:rPr lang="en-US" dirty="0"/>
+              <a:t>”:  [*&lt;dietary certification&gt;]</a:t>
+            </a:r>
+          </a:p>
+          <a:p>
+            <a:pPr marL="0" indent="0">
+              <a:buNone/>
+            </a:pPr>
+            <a:r>
+              <a:rPr lang="en-US" dirty="0"/>
+              <a:t>      “</a:t>
+            </a:r>
+            <a:r>
+              <a:rPr lang="en-US" dirty="0" err="1"/>
+              <a:t>productId</a:t>
+            </a:r>
+            <a:r>
+              <a:rPr lang="en-US" dirty="0"/>
+              <a:t>”:                      &lt;productid&gt;</a:t>
+            </a:r>
+          </a:p>
+          <a:p>
+            <a:pPr marL="0" indent="0">
+              <a:buNone/>
+            </a:pPr>
+            <a:r>
+              <a:rPr lang="en-US" dirty="0"/>
+              <a:t>}</a:t>
+            </a:r>
+          </a:p>
+        </p:txBody>
+      </p:sp>
     </p:spTree>
     <p:extLst>
       <p:ext uri="{BB962C8B-B14F-4D97-AF65-F5344CB8AC3E}">
-        <p14:creationId xmlns:p14="http://schemas.microsoft.com/office/powerpoint/2010/main" val="1245527792"/>
+        <p14:creationId xmlns:p14="http://schemas.microsoft.com/office/powerpoint/2010/main" val="2741165324"/>
       </p:ext>
     </p:extLst>
   </p:cSld>
@@ -7859,10 +7868,10 @@
       </p:grpSpPr>
       <p:pic>
         <p:nvPicPr>
-          <p:cNvPr id="9" name="Picture 8">
-            <a:extLst>
-              <a:ext uri="{FF2B5EF4-FFF2-40B4-BE49-F238E27FC236}">
-                <a16:creationId xmlns:a16="http://schemas.microsoft.com/office/drawing/2014/main" id="{330626BE-9B29-46EF-8575-22C4746BEF16}"/>
+          <p:cNvPr id="5" name="Picture 4">
+            <a:extLst>
+              <a:ext uri="{FF2B5EF4-FFF2-40B4-BE49-F238E27FC236}">
+                <a16:creationId xmlns:a16="http://schemas.microsoft.com/office/drawing/2014/main" id="{F37E0954-C93D-4E4E-89C3-A7C02A566B8C}"/>
               </a:ext>
             </a:extLst>
           </p:cNvPr>
@@ -7872,43 +7881,7 @@
           <p:nvPr/>
         </p:nvPicPr>
         <p:blipFill>
-          <a:blip r:embed="rId2">
-            <a:extLst>
-              <a:ext uri="{28A0092B-C50C-407E-A947-70E740481C1C}">
-                <a14:useLocalDpi xmlns:a14="http://schemas.microsoft.com/office/drawing/2010/main" val="0"/>
-              </a:ext>
-            </a:extLst>
-          </a:blip>
-          <a:stretch>
-            <a:fillRect/>
-          </a:stretch>
-        </p:blipFill>
-        <p:spPr>
-          <a:xfrm>
-            <a:off x="4848557" y="1819916"/>
-            <a:ext cx="6924343" cy="4672959"/>
-          </a:xfrm>
-          <a:prstGeom prst="rect">
-            <a:avLst/>
-          </a:prstGeom>
-        </p:spPr>
-      </p:pic>
-      <p:pic>
-        <p:nvPicPr>
-          <p:cNvPr id="5" name="Picture 4">
-            <a:extLst>
-              <a:ext uri="{FF2B5EF4-FFF2-40B4-BE49-F238E27FC236}">
-                <a16:creationId xmlns:a16="http://schemas.microsoft.com/office/drawing/2014/main" id="{F37E0954-C93D-4E4E-89C3-A7C02A566B8C}"/>
-              </a:ext>
-            </a:extLst>
-          </p:cNvPr>
-          <p:cNvPicPr>
-            <a:picLocks noChangeAspect="1"/>
-          </p:cNvPicPr>
-          <p:nvPr/>
-        </p:nvPicPr>
-        <p:blipFill>
-          <a:blip r:embed="rId3"/>
+          <a:blip r:embed="rId2"/>
           <a:stretch>
             <a:fillRect/>
           </a:stretch>
@@ -7941,105 +7914,58 @@
         </p:nvSpPr>
         <p:spPr/>
         <p:txBody>
-          <a:bodyPr/>
-          <a:lstStyle/>
-          <a:p>
-            <a:r>
-              <a:rPr lang="en-US" dirty="0">
-                <a:latin typeface="+mn-lt"/>
-              </a:rPr>
-              <a:t>Design Classes</a:t>
-            </a:r>
-          </a:p>
-        </p:txBody>
-      </p:sp>
-      <p:sp>
-        <p:nvSpPr>
-          <p:cNvPr id="6" name="Content Placeholder 2">
-            <a:extLst>
-              <a:ext uri="{FF2B5EF4-FFF2-40B4-BE49-F238E27FC236}">
-                <a16:creationId xmlns:a16="http://schemas.microsoft.com/office/drawing/2014/main" id="{CF143FC4-8FB5-4B4A-BC87-767AD5802D79}"/>
-              </a:ext>
-            </a:extLst>
-          </p:cNvPr>
-          <p:cNvSpPr>
-            <a:spLocks noGrp="1"/>
-          </p:cNvSpPr>
-          <p:nvPr>
-            <p:ph idx="1"/>
-          </p:nvPr>
-        </p:nvSpPr>
-        <p:spPr>
-          <a:xfrm>
-            <a:off x="838200" y="1825625"/>
-            <a:ext cx="10515600" cy="4351338"/>
-          </a:xfrm>
-        </p:spPr>
-        <p:txBody>
           <a:bodyPr>
             <a:normAutofit/>
           </a:bodyPr>
           <a:lstStyle/>
           <a:p>
-            <a:pPr marL="0" indent="0">
-              <a:buNone/>
-            </a:pPr>
-            <a:endParaRPr lang="en-US" dirty="0"/>
-          </a:p>
-          <a:p>
-            <a:pPr marL="0" indent="0">
-              <a:buNone/>
-            </a:pPr>
-            <a:r>
-              <a:rPr lang="en-US" dirty="0" err="1"/>
-              <a:t>IceCreamClientCommunication</a:t>
-            </a:r>
-            <a:endParaRPr lang="en-US" dirty="0"/>
-          </a:p>
-          <a:p>
-            <a:pPr marL="0" indent="0">
-              <a:buNone/>
-            </a:pPr>
-            <a:r>
-              <a:rPr lang="en-US" dirty="0" err="1"/>
-              <a:t>IceCreamProductRetrieval</a:t>
-            </a:r>
-            <a:endParaRPr lang="en-US" dirty="0"/>
-          </a:p>
-          <a:p>
-            <a:pPr marL="0" indent="0">
-              <a:buNone/>
-            </a:pPr>
-            <a:r>
-              <a:rPr lang="en-US" dirty="0" err="1"/>
-              <a:t>SearchParameters</a:t>
-            </a:r>
-            <a:endParaRPr lang="en-US" dirty="0"/>
-          </a:p>
-          <a:p>
-            <a:pPr marL="0" indent="0">
-              <a:buNone/>
-            </a:pPr>
-            <a:r>
-              <a:rPr lang="en-US" dirty="0"/>
-              <a:t>Products</a:t>
-            </a:r>
-          </a:p>
-          <a:p>
-            <a:pPr marL="0" indent="0">
-              <a:buNone/>
-            </a:pPr>
-            <a:r>
-              <a:rPr lang="en-US" dirty="0"/>
-              <a:t>Status</a:t>
+            <a:r>
+              <a:rPr lang="en-US" sz="3600" dirty="0"/>
+              <a:t>Ice Cream Server Decomposition</a:t>
             </a:r>
           </a:p>
         </p:txBody>
       </p:sp>
+      <p:pic>
+        <p:nvPicPr>
+          <p:cNvPr id="10" name="Picture 9">
+            <a:extLst>
+              <a:ext uri="{FF2B5EF4-FFF2-40B4-BE49-F238E27FC236}">
+                <a16:creationId xmlns:a16="http://schemas.microsoft.com/office/drawing/2014/main" id="{91BBC662-8DE8-4BE2-92CB-72EADB02529B}"/>
+              </a:ext>
+            </a:extLst>
+          </p:cNvPr>
+          <p:cNvPicPr>
+            <a:picLocks noChangeAspect="1"/>
+          </p:cNvPicPr>
+          <p:nvPr/>
+        </p:nvPicPr>
+        <p:blipFill>
+          <a:blip r:embed="rId3">
+            <a:extLst>
+              <a:ext uri="{28A0092B-C50C-407E-A947-70E740481C1C}">
+                <a14:useLocalDpi xmlns:a14="http://schemas.microsoft.com/office/drawing/2010/main" val="0"/>
+              </a:ext>
+            </a:extLst>
+          </a:blip>
+          <a:stretch>
+            <a:fillRect/>
+          </a:stretch>
+        </p:blipFill>
+        <p:spPr>
+          <a:xfrm>
+            <a:off x="2633828" y="1928973"/>
+            <a:ext cx="6924343" cy="4672959"/>
+          </a:xfrm>
+          <a:prstGeom prst="rect">
+            <a:avLst/>
+          </a:prstGeom>
+        </p:spPr>
+      </p:pic>
     </p:spTree>
     <p:extLst>
       <p:ext uri="{BB962C8B-B14F-4D97-AF65-F5344CB8AC3E}">
-        <p14:creationId xmlns:p14="http://schemas.microsoft.com/office/powerpoint/2010/main" val="289551989"/>
+        <p14:creationId xmlns:p14="http://schemas.microsoft.com/office/powerpoint/2010/main" val="1245527792"/>
       </p:ext>
     </p:extLst>
   </p:cSld>
@@ -8068,10 +7994,10 @@
       </p:grpSpPr>
       <p:pic>
         <p:nvPicPr>
-          <p:cNvPr id="5" name="Picture 4">
-            <a:extLst>
-              <a:ext uri="{FF2B5EF4-FFF2-40B4-BE49-F238E27FC236}">
-                <a16:creationId xmlns:a16="http://schemas.microsoft.com/office/drawing/2014/main" id="{F37E0954-C93D-4E4E-89C3-A7C02A566B8C}"/>
+          <p:cNvPr id="9" name="Picture 8">
+            <a:extLst>
+              <a:ext uri="{FF2B5EF4-FFF2-40B4-BE49-F238E27FC236}">
+                <a16:creationId xmlns:a16="http://schemas.microsoft.com/office/drawing/2014/main" id="{330626BE-9B29-46EF-8575-22C4746BEF16}"/>
               </a:ext>
             </a:extLst>
           </p:cNvPr>
@@ -8081,7 +8007,43 @@
           <p:nvPr/>
         </p:nvPicPr>
         <p:blipFill>
-          <a:blip r:embed="rId2"/>
+          <a:blip r:embed="rId2">
+            <a:extLst>
+              <a:ext uri="{28A0092B-C50C-407E-A947-70E740481C1C}">
+                <a14:useLocalDpi xmlns:a14="http://schemas.microsoft.com/office/drawing/2010/main" val="0"/>
+              </a:ext>
+            </a:extLst>
+          </a:blip>
+          <a:stretch>
+            <a:fillRect/>
+          </a:stretch>
+        </p:blipFill>
+        <p:spPr>
+          <a:xfrm>
+            <a:off x="4848557" y="1954140"/>
+            <a:ext cx="6924343" cy="4672959"/>
+          </a:xfrm>
+          <a:prstGeom prst="rect">
+            <a:avLst/>
+          </a:prstGeom>
+        </p:spPr>
+      </p:pic>
+      <p:pic>
+        <p:nvPicPr>
+          <p:cNvPr id="5" name="Picture 4">
+            <a:extLst>
+              <a:ext uri="{FF2B5EF4-FFF2-40B4-BE49-F238E27FC236}">
+                <a16:creationId xmlns:a16="http://schemas.microsoft.com/office/drawing/2014/main" id="{F37E0954-C93D-4E4E-89C3-A7C02A566B8C}"/>
+              </a:ext>
+            </a:extLst>
+          </p:cNvPr>
+          <p:cNvPicPr>
+            <a:picLocks noChangeAspect="1"/>
+          </p:cNvPicPr>
+          <p:nvPr/>
+        </p:nvPicPr>
+        <p:blipFill>
+          <a:blip r:embed="rId3"/>
           <a:stretch>
             <a:fillRect/>
           </a:stretch>
@@ -8121,1750 +8083,98 @@
               <a:rPr lang="en-US" dirty="0">
                 <a:latin typeface="+mn-lt"/>
               </a:rPr>
-              <a:t>Ice Cream Database Design</a:t>
+              <a:t>Design Classes</a:t>
             </a:r>
           </a:p>
         </p:txBody>
       </p:sp>
-      <p:pic>
-        <p:nvPicPr>
-          <p:cNvPr id="6" name="Picture 5">
-            <a:extLst>
-              <a:ext uri="{FF2B5EF4-FFF2-40B4-BE49-F238E27FC236}">
-                <a16:creationId xmlns:a16="http://schemas.microsoft.com/office/drawing/2014/main" id="{25700BA0-9251-480C-906E-923E98037F45}"/>
-              </a:ext>
-            </a:extLst>
-          </p:cNvPr>
-          <p:cNvPicPr>
-            <a:picLocks noChangeAspect="1"/>
-          </p:cNvPicPr>
-          <p:nvPr/>
-        </p:nvPicPr>
-        <p:blipFill>
-          <a:blip r:embed="rId3"/>
-          <a:stretch>
-            <a:fillRect/>
-          </a:stretch>
-        </p:blipFill>
-        <p:spPr>
-          <a:xfrm>
-            <a:off x="211683" y="1819916"/>
-            <a:ext cx="1495425" cy="2390775"/>
-          </a:xfrm>
-          <a:prstGeom prst="rect">
-            <a:avLst/>
-          </a:prstGeom>
-        </p:spPr>
-      </p:pic>
-      <p:pic>
-        <p:nvPicPr>
-          <p:cNvPr id="12" name="Picture 11">
-            <a:extLst>
-              <a:ext uri="{FF2B5EF4-FFF2-40B4-BE49-F238E27FC236}">
-                <a16:creationId xmlns:a16="http://schemas.microsoft.com/office/drawing/2014/main" id="{CF93A40C-9BFA-4721-BF14-1DAEE64E8CF0}"/>
-              </a:ext>
-            </a:extLst>
-          </p:cNvPr>
-          <p:cNvPicPr>
-            <a:picLocks noChangeAspect="1"/>
-          </p:cNvPicPr>
-          <p:nvPr/>
-        </p:nvPicPr>
-        <p:blipFill>
-          <a:blip r:embed="rId4"/>
-          <a:stretch>
-            <a:fillRect/>
-          </a:stretch>
-        </p:blipFill>
-        <p:spPr>
-          <a:xfrm>
-            <a:off x="1918791" y="1819916"/>
-            <a:ext cx="1857375" cy="1076325"/>
-          </a:xfrm>
-          <a:prstGeom prst="rect">
-            <a:avLst/>
-          </a:prstGeom>
-        </p:spPr>
-      </p:pic>
-      <p:pic>
-        <p:nvPicPr>
-          <p:cNvPr id="16" name="Picture 15">
-            <a:extLst>
-              <a:ext uri="{FF2B5EF4-FFF2-40B4-BE49-F238E27FC236}">
-                <a16:creationId xmlns:a16="http://schemas.microsoft.com/office/drawing/2014/main" id="{8AD6CDCE-95A8-4E08-8B0F-BD80C6B169B5}"/>
-              </a:ext>
-            </a:extLst>
-          </p:cNvPr>
-          <p:cNvPicPr>
-            <a:picLocks noChangeAspect="1"/>
-          </p:cNvPicPr>
-          <p:nvPr/>
-        </p:nvPicPr>
-        <p:blipFill>
-          <a:blip r:embed="rId5"/>
-          <a:stretch>
-            <a:fillRect/>
-          </a:stretch>
-        </p:blipFill>
-        <p:spPr>
-          <a:xfrm>
-            <a:off x="1918791" y="3085420"/>
-            <a:ext cx="4514850" cy="1333500"/>
-          </a:xfrm>
-          <a:prstGeom prst="rect">
-            <a:avLst/>
-          </a:prstGeom>
-        </p:spPr>
-      </p:pic>
-      <p:pic>
-        <p:nvPicPr>
-          <p:cNvPr id="20" name="Picture 19">
-            <a:extLst>
-              <a:ext uri="{FF2B5EF4-FFF2-40B4-BE49-F238E27FC236}">
-                <a16:creationId xmlns:a16="http://schemas.microsoft.com/office/drawing/2014/main" id="{513C01E1-90B3-4BF2-B5DB-3951E170BFB6}"/>
-              </a:ext>
-            </a:extLst>
-          </p:cNvPr>
-          <p:cNvPicPr>
-            <a:picLocks noChangeAspect="1"/>
-          </p:cNvPicPr>
-          <p:nvPr/>
-        </p:nvPicPr>
-        <p:blipFill>
-          <a:blip r:embed="rId6"/>
-          <a:stretch>
-            <a:fillRect/>
-          </a:stretch>
-        </p:blipFill>
-        <p:spPr>
-          <a:xfrm>
-            <a:off x="3987849" y="1819916"/>
-            <a:ext cx="2209800" cy="1047750"/>
-          </a:xfrm>
-          <a:prstGeom prst="rect">
-            <a:avLst/>
-          </a:prstGeom>
-        </p:spPr>
-      </p:pic>
-      <p:pic>
-        <p:nvPicPr>
-          <p:cNvPr id="22" name="Picture 21">
-            <a:extLst>
-              <a:ext uri="{FF2B5EF4-FFF2-40B4-BE49-F238E27FC236}">
-                <a16:creationId xmlns:a16="http://schemas.microsoft.com/office/drawing/2014/main" id="{F7272881-B9CD-42B9-814F-9EEAB7025BF5}"/>
-              </a:ext>
-            </a:extLst>
-          </p:cNvPr>
-          <p:cNvPicPr>
-            <a:picLocks noChangeAspect="1"/>
-          </p:cNvPicPr>
-          <p:nvPr/>
-        </p:nvPicPr>
-        <p:blipFill>
-          <a:blip r:embed="rId7"/>
-          <a:stretch>
-            <a:fillRect/>
-          </a:stretch>
-        </p:blipFill>
-        <p:spPr>
-          <a:xfrm>
-            <a:off x="190775" y="4791037"/>
-            <a:ext cx="4895850" cy="1343025"/>
-          </a:xfrm>
-          <a:prstGeom prst="rect">
-            <a:avLst/>
-          </a:prstGeom>
-        </p:spPr>
-      </p:pic>
-      <p:cxnSp>
-        <p:nvCxnSpPr>
-          <p:cNvPr id="24" name="Straight Arrow Connector 23">
-            <a:extLst>
-              <a:ext uri="{FF2B5EF4-FFF2-40B4-BE49-F238E27FC236}">
-                <a16:creationId xmlns:a16="http://schemas.microsoft.com/office/drawing/2014/main" id="{2088206B-B78E-4814-905F-7C18C31E079C}"/>
-              </a:ext>
-            </a:extLst>
-          </p:cNvPr>
-          <p:cNvCxnSpPr>
-            <a:cxnSpLocks/>
-          </p:cNvCxnSpPr>
-          <p:nvPr/>
-        </p:nvCxnSpPr>
-        <p:spPr>
-          <a:xfrm flipH="1">
-            <a:off x="106137" y="4461782"/>
-            <a:ext cx="11775801" cy="0"/>
-          </a:xfrm>
-          <a:prstGeom prst="straightConnector1">
-            <a:avLst/>
-          </a:prstGeom>
-          <a:ln>
-            <a:tailEnd type="triangle"/>
-          </a:ln>
-        </p:spPr>
-        <p:style>
-          <a:lnRef idx="1">
-            <a:schemeClr val="accent1"/>
-          </a:lnRef>
-          <a:fillRef idx="0">
-            <a:schemeClr val="accent1"/>
-          </a:fillRef>
-          <a:effectRef idx="0">
-            <a:schemeClr val="accent1"/>
-          </a:effectRef>
-          <a:fontRef idx="minor">
-            <a:schemeClr val="tx1"/>
-          </a:fontRef>
-        </p:style>
-      </p:cxnSp>
-      <p:cxnSp>
-        <p:nvCxnSpPr>
-          <p:cNvPr id="27" name="Straight Arrow Connector 26">
-            <a:extLst>
-              <a:ext uri="{FF2B5EF4-FFF2-40B4-BE49-F238E27FC236}">
-                <a16:creationId xmlns:a16="http://schemas.microsoft.com/office/drawing/2014/main" id="{A2A8F37E-C99D-41D3-ADE7-A9B89618736C}"/>
-              </a:ext>
-            </a:extLst>
-          </p:cNvPr>
-          <p:cNvCxnSpPr>
-            <a:cxnSpLocks/>
-          </p:cNvCxnSpPr>
-          <p:nvPr/>
-        </p:nvCxnSpPr>
-        <p:spPr>
-          <a:xfrm flipV="1">
-            <a:off x="103595" y="2314577"/>
-            <a:ext cx="2539" cy="3851844"/>
-          </a:xfrm>
-          <a:prstGeom prst="straightConnector1">
-            <a:avLst/>
-          </a:prstGeom>
-          <a:ln>
-            <a:tailEnd type="triangle"/>
-          </a:ln>
-        </p:spPr>
-        <p:style>
-          <a:lnRef idx="1">
-            <a:schemeClr val="accent1"/>
-          </a:lnRef>
-          <a:fillRef idx="0">
-            <a:schemeClr val="accent1"/>
-          </a:fillRef>
-          <a:effectRef idx="0">
-            <a:schemeClr val="accent1"/>
-          </a:effectRef>
-          <a:fontRef idx="minor">
-            <a:schemeClr val="tx1"/>
-          </a:fontRef>
-        </p:style>
-      </p:cxnSp>
-      <p:cxnSp>
-        <p:nvCxnSpPr>
-          <p:cNvPr id="29" name="Straight Arrow Connector 28">
-            <a:extLst>
-              <a:ext uri="{FF2B5EF4-FFF2-40B4-BE49-F238E27FC236}">
-                <a16:creationId xmlns:a16="http://schemas.microsoft.com/office/drawing/2014/main" id="{0530AB82-7276-4351-8C75-1E3411D8F69D}"/>
-              </a:ext>
-            </a:extLst>
-          </p:cNvPr>
-          <p:cNvCxnSpPr/>
-          <p:nvPr/>
-        </p:nvCxnSpPr>
-        <p:spPr>
-          <a:xfrm>
-            <a:off x="106133" y="2314575"/>
-            <a:ext cx="159204" cy="0"/>
-          </a:xfrm>
-          <a:prstGeom prst="straightConnector1">
-            <a:avLst/>
-          </a:prstGeom>
-          <a:ln>
-            <a:tailEnd type="triangle"/>
-          </a:ln>
-        </p:spPr>
-        <p:style>
-          <a:lnRef idx="1">
-            <a:schemeClr val="accent1"/>
-          </a:lnRef>
-          <a:fillRef idx="0">
-            <a:schemeClr val="accent1"/>
-          </a:fillRef>
-          <a:effectRef idx="0">
-            <a:schemeClr val="accent1"/>
-          </a:effectRef>
-          <a:fontRef idx="minor">
-            <a:schemeClr val="tx1"/>
-          </a:fontRef>
-        </p:style>
-      </p:cxnSp>
-      <p:cxnSp>
-        <p:nvCxnSpPr>
-          <p:cNvPr id="33" name="Straight Arrow Connector 32">
-            <a:extLst>
-              <a:ext uri="{FF2B5EF4-FFF2-40B4-BE49-F238E27FC236}">
-                <a16:creationId xmlns:a16="http://schemas.microsoft.com/office/drawing/2014/main" id="{1B3B5B09-783F-4394-A4DC-BC145589AF7D}"/>
-              </a:ext>
-            </a:extLst>
-          </p:cNvPr>
-          <p:cNvCxnSpPr>
-            <a:cxnSpLocks/>
-          </p:cNvCxnSpPr>
-          <p:nvPr/>
-        </p:nvCxnSpPr>
-        <p:spPr>
-          <a:xfrm flipH="1">
-            <a:off x="1779816" y="4580164"/>
-            <a:ext cx="4902652" cy="0"/>
-          </a:xfrm>
-          <a:prstGeom prst="straightConnector1">
-            <a:avLst/>
-          </a:prstGeom>
-          <a:ln>
-            <a:tailEnd type="triangle"/>
-          </a:ln>
-        </p:spPr>
-        <p:style>
-          <a:lnRef idx="1">
-            <a:schemeClr val="accent1"/>
-          </a:lnRef>
-          <a:fillRef idx="0">
-            <a:schemeClr val="accent1"/>
-          </a:fillRef>
-          <a:effectRef idx="0">
-            <a:schemeClr val="accent1"/>
-          </a:effectRef>
-          <a:fontRef idx="minor">
-            <a:schemeClr val="tx1"/>
-          </a:fontRef>
-        </p:style>
-      </p:cxnSp>
-      <p:cxnSp>
-        <p:nvCxnSpPr>
-          <p:cNvPr id="35" name="Straight Arrow Connector 34">
-            <a:extLst>
-              <a:ext uri="{FF2B5EF4-FFF2-40B4-BE49-F238E27FC236}">
-                <a16:creationId xmlns:a16="http://schemas.microsoft.com/office/drawing/2014/main" id="{4317FC89-5101-405D-B663-999652792FA1}"/>
-              </a:ext>
-            </a:extLst>
-          </p:cNvPr>
-          <p:cNvCxnSpPr>
-            <a:cxnSpLocks/>
-          </p:cNvCxnSpPr>
-          <p:nvPr/>
-        </p:nvCxnSpPr>
-        <p:spPr>
-          <a:xfrm flipV="1">
-            <a:off x="1779814" y="2358078"/>
-            <a:ext cx="28575" cy="2222087"/>
-          </a:xfrm>
-          <a:prstGeom prst="straightConnector1">
-            <a:avLst/>
-          </a:prstGeom>
-          <a:ln>
-            <a:tailEnd type="triangle"/>
-          </a:ln>
-        </p:spPr>
-        <p:style>
-          <a:lnRef idx="1">
-            <a:schemeClr val="accent1"/>
-          </a:lnRef>
-          <a:fillRef idx="0">
-            <a:schemeClr val="accent1"/>
-          </a:fillRef>
-          <a:effectRef idx="0">
-            <a:schemeClr val="accent1"/>
-          </a:effectRef>
-          <a:fontRef idx="minor">
-            <a:schemeClr val="tx1"/>
-          </a:fontRef>
-        </p:style>
-      </p:cxnSp>
-      <p:cxnSp>
-        <p:nvCxnSpPr>
-          <p:cNvPr id="37" name="Straight Arrow Connector 36">
-            <a:extLst>
-              <a:ext uri="{FF2B5EF4-FFF2-40B4-BE49-F238E27FC236}">
-                <a16:creationId xmlns:a16="http://schemas.microsoft.com/office/drawing/2014/main" id="{55BC1756-D336-4623-BCD1-CE05C3FE1BC9}"/>
-              </a:ext>
-            </a:extLst>
-          </p:cNvPr>
-          <p:cNvCxnSpPr>
-            <a:cxnSpLocks/>
-            <a:endCxn id="12" idx="1"/>
-          </p:cNvCxnSpPr>
-          <p:nvPr/>
-        </p:nvCxnSpPr>
-        <p:spPr>
-          <a:xfrm>
-            <a:off x="1808389" y="2352675"/>
-            <a:ext cx="110402" cy="5404"/>
-          </a:xfrm>
-          <a:prstGeom prst="straightConnector1">
-            <a:avLst/>
-          </a:prstGeom>
-          <a:ln>
-            <a:tailEnd type="triangle"/>
-          </a:ln>
-        </p:spPr>
-        <p:style>
-          <a:lnRef idx="1">
-            <a:schemeClr val="accent1"/>
-          </a:lnRef>
-          <a:fillRef idx="0">
-            <a:schemeClr val="accent1"/>
-          </a:fillRef>
-          <a:effectRef idx="0">
-            <a:schemeClr val="accent1"/>
-          </a:effectRef>
-          <a:fontRef idx="minor">
-            <a:schemeClr val="tx1"/>
-          </a:fontRef>
-        </p:style>
-      </p:cxnSp>
-      <p:cxnSp>
-        <p:nvCxnSpPr>
-          <p:cNvPr id="45" name="Straight Arrow Connector 44">
-            <a:extLst>
-              <a:ext uri="{FF2B5EF4-FFF2-40B4-BE49-F238E27FC236}">
-                <a16:creationId xmlns:a16="http://schemas.microsoft.com/office/drawing/2014/main" id="{DFDB1F02-2B54-4F6A-AE66-5470182824E1}"/>
-              </a:ext>
-            </a:extLst>
-          </p:cNvPr>
-          <p:cNvCxnSpPr/>
-          <p:nvPr/>
-        </p:nvCxnSpPr>
-        <p:spPr>
-          <a:xfrm>
-            <a:off x="6388554" y="3955596"/>
-            <a:ext cx="138792" cy="0"/>
-          </a:xfrm>
-          <a:prstGeom prst="straightConnector1">
-            <a:avLst/>
-          </a:prstGeom>
-          <a:ln>
-            <a:tailEnd type="triangle"/>
-          </a:ln>
-        </p:spPr>
-        <p:style>
-          <a:lnRef idx="1">
-            <a:schemeClr val="accent1"/>
-          </a:lnRef>
-          <a:fillRef idx="0">
-            <a:schemeClr val="accent1"/>
-          </a:fillRef>
-          <a:effectRef idx="0">
-            <a:schemeClr val="accent1"/>
-          </a:effectRef>
-          <a:fontRef idx="minor">
-            <a:schemeClr val="tx1"/>
-          </a:fontRef>
-        </p:style>
-      </p:cxnSp>
-      <p:cxnSp>
-        <p:nvCxnSpPr>
-          <p:cNvPr id="47" name="Straight Arrow Connector 46">
-            <a:extLst>
-              <a:ext uri="{FF2B5EF4-FFF2-40B4-BE49-F238E27FC236}">
-                <a16:creationId xmlns:a16="http://schemas.microsoft.com/office/drawing/2014/main" id="{718525B8-A328-483D-AA22-9E6A2573DE3B}"/>
-              </a:ext>
-            </a:extLst>
-          </p:cNvPr>
-          <p:cNvCxnSpPr>
-            <a:cxnSpLocks/>
-          </p:cNvCxnSpPr>
-          <p:nvPr/>
-        </p:nvCxnSpPr>
-        <p:spPr>
-          <a:xfrm>
-            <a:off x="6527346" y="3955596"/>
-            <a:ext cx="0" cy="506186"/>
-          </a:xfrm>
-          <a:prstGeom prst="straightConnector1">
-            <a:avLst/>
-          </a:prstGeom>
-          <a:ln>
-            <a:tailEnd type="triangle"/>
-          </a:ln>
-        </p:spPr>
-        <p:style>
-          <a:lnRef idx="1">
-            <a:schemeClr val="accent1"/>
-          </a:lnRef>
-          <a:fillRef idx="0">
-            <a:schemeClr val="accent1"/>
-          </a:fillRef>
-          <a:effectRef idx="0">
-            <a:schemeClr val="accent1"/>
-          </a:effectRef>
-          <a:fontRef idx="minor">
-            <a:schemeClr val="tx1"/>
-          </a:fontRef>
-        </p:style>
-      </p:cxnSp>
-      <p:cxnSp>
-        <p:nvCxnSpPr>
-          <p:cNvPr id="53" name="Straight Arrow Connector 52">
-            <a:extLst>
-              <a:ext uri="{FF2B5EF4-FFF2-40B4-BE49-F238E27FC236}">
-                <a16:creationId xmlns:a16="http://schemas.microsoft.com/office/drawing/2014/main" id="{8EA4DFFA-E891-454D-B608-F06B56D753A3}"/>
-              </a:ext>
-            </a:extLst>
-          </p:cNvPr>
-          <p:cNvCxnSpPr/>
-          <p:nvPr/>
-        </p:nvCxnSpPr>
-        <p:spPr>
-          <a:xfrm>
-            <a:off x="6388554" y="4261757"/>
-            <a:ext cx="293914" cy="0"/>
-          </a:xfrm>
-          <a:prstGeom prst="straightConnector1">
-            <a:avLst/>
-          </a:prstGeom>
-          <a:ln>
-            <a:tailEnd type="triangle"/>
-          </a:ln>
-        </p:spPr>
-        <p:style>
-          <a:lnRef idx="1">
-            <a:schemeClr val="accent1"/>
-          </a:lnRef>
-          <a:fillRef idx="0">
-            <a:schemeClr val="accent1"/>
-          </a:fillRef>
-          <a:effectRef idx="0">
-            <a:schemeClr val="accent1"/>
-          </a:effectRef>
-          <a:fontRef idx="minor">
-            <a:schemeClr val="tx1"/>
-          </a:fontRef>
-        </p:style>
-      </p:cxnSp>
-      <p:cxnSp>
-        <p:nvCxnSpPr>
-          <p:cNvPr id="55" name="Straight Arrow Connector 54">
-            <a:extLst>
-              <a:ext uri="{FF2B5EF4-FFF2-40B4-BE49-F238E27FC236}">
-                <a16:creationId xmlns:a16="http://schemas.microsoft.com/office/drawing/2014/main" id="{51400585-8AF6-4B12-96BF-E1AF27F793A8}"/>
-              </a:ext>
-            </a:extLst>
-          </p:cNvPr>
-          <p:cNvCxnSpPr/>
-          <p:nvPr/>
-        </p:nvCxnSpPr>
-        <p:spPr>
-          <a:xfrm>
-            <a:off x="6682468" y="4261757"/>
-            <a:ext cx="0" cy="318407"/>
-          </a:xfrm>
-          <a:prstGeom prst="straightConnector1">
-            <a:avLst/>
-          </a:prstGeom>
-          <a:ln>
-            <a:tailEnd type="triangle"/>
-          </a:ln>
-        </p:spPr>
-        <p:style>
-          <a:lnRef idx="1">
-            <a:schemeClr val="accent1"/>
-          </a:lnRef>
-          <a:fillRef idx="0">
-            <a:schemeClr val="accent1"/>
-          </a:fillRef>
-          <a:effectRef idx="0">
-            <a:schemeClr val="accent1"/>
-          </a:effectRef>
-          <a:fontRef idx="minor">
-            <a:schemeClr val="tx1"/>
-          </a:fontRef>
-        </p:style>
-      </p:cxnSp>
-      <p:cxnSp>
-        <p:nvCxnSpPr>
-          <p:cNvPr id="60" name="Straight Arrow Connector 59">
-            <a:extLst>
-              <a:ext uri="{FF2B5EF4-FFF2-40B4-BE49-F238E27FC236}">
-                <a16:creationId xmlns:a16="http://schemas.microsoft.com/office/drawing/2014/main" id="{934A2F15-F9A7-4792-A7FF-FF382385363C}"/>
-              </a:ext>
-            </a:extLst>
-          </p:cNvPr>
-          <p:cNvCxnSpPr>
-            <a:cxnSpLocks/>
-          </p:cNvCxnSpPr>
-          <p:nvPr/>
-        </p:nvCxnSpPr>
-        <p:spPr>
-          <a:xfrm flipH="1">
-            <a:off x="114302" y="6169441"/>
-            <a:ext cx="5055326" cy="0"/>
-          </a:xfrm>
-          <a:prstGeom prst="straightConnector1">
-            <a:avLst/>
-          </a:prstGeom>
-          <a:ln>
-            <a:tailEnd type="triangle"/>
-          </a:ln>
-        </p:spPr>
-        <p:style>
-          <a:lnRef idx="1">
-            <a:schemeClr val="accent1"/>
-          </a:lnRef>
-          <a:fillRef idx="0">
-            <a:schemeClr val="accent1"/>
-          </a:fillRef>
-          <a:effectRef idx="0">
-            <a:schemeClr val="accent1"/>
-          </a:effectRef>
-          <a:fontRef idx="minor">
-            <a:schemeClr val="tx1"/>
-          </a:fontRef>
-        </p:style>
-      </p:cxnSp>
-      <p:cxnSp>
-        <p:nvCxnSpPr>
-          <p:cNvPr id="63" name="Straight Arrow Connector 62">
-            <a:extLst>
-              <a:ext uri="{FF2B5EF4-FFF2-40B4-BE49-F238E27FC236}">
-                <a16:creationId xmlns:a16="http://schemas.microsoft.com/office/drawing/2014/main" id="{B8978181-9D01-4978-BBDD-98C8BF400640}"/>
-              </a:ext>
-            </a:extLst>
-          </p:cNvPr>
-          <p:cNvCxnSpPr/>
-          <p:nvPr/>
-        </p:nvCxnSpPr>
-        <p:spPr>
-          <a:xfrm>
-            <a:off x="5030836" y="5655091"/>
-            <a:ext cx="138792" cy="0"/>
-          </a:xfrm>
-          <a:prstGeom prst="straightConnector1">
-            <a:avLst/>
-          </a:prstGeom>
-          <a:ln>
-            <a:tailEnd type="triangle"/>
-          </a:ln>
-        </p:spPr>
-        <p:style>
-          <a:lnRef idx="1">
-            <a:schemeClr val="accent1"/>
-          </a:lnRef>
-          <a:fillRef idx="0">
-            <a:schemeClr val="accent1"/>
-          </a:fillRef>
-          <a:effectRef idx="0">
-            <a:schemeClr val="accent1"/>
-          </a:effectRef>
-          <a:fontRef idx="minor">
-            <a:schemeClr val="tx1"/>
-          </a:fontRef>
-        </p:style>
-      </p:cxnSp>
-      <p:cxnSp>
-        <p:nvCxnSpPr>
-          <p:cNvPr id="64" name="Straight Arrow Connector 63">
-            <a:extLst>
-              <a:ext uri="{FF2B5EF4-FFF2-40B4-BE49-F238E27FC236}">
-                <a16:creationId xmlns:a16="http://schemas.microsoft.com/office/drawing/2014/main" id="{066202C7-EAFB-4AEF-9EAD-601D8730D9EB}"/>
-              </a:ext>
-            </a:extLst>
-          </p:cNvPr>
-          <p:cNvCxnSpPr>
-            <a:cxnSpLocks/>
-          </p:cNvCxnSpPr>
-          <p:nvPr/>
-        </p:nvCxnSpPr>
-        <p:spPr>
-          <a:xfrm>
-            <a:off x="5169628" y="5666276"/>
-            <a:ext cx="0" cy="506186"/>
-          </a:xfrm>
-          <a:prstGeom prst="straightConnector1">
-            <a:avLst/>
-          </a:prstGeom>
-          <a:ln>
-            <a:tailEnd type="triangle"/>
-          </a:ln>
-        </p:spPr>
-        <p:style>
-          <a:lnRef idx="1">
-            <a:schemeClr val="accent1"/>
-          </a:lnRef>
-          <a:fillRef idx="0">
-            <a:schemeClr val="accent1"/>
-          </a:fillRef>
-          <a:effectRef idx="0">
-            <a:schemeClr val="accent1"/>
-          </a:effectRef>
-          <a:fontRef idx="minor">
-            <a:schemeClr val="tx1"/>
-          </a:fontRef>
-        </p:style>
-      </p:cxnSp>
-      <p:cxnSp>
-        <p:nvCxnSpPr>
-          <p:cNvPr id="68" name="Straight Arrow Connector 67">
-            <a:extLst>
-              <a:ext uri="{FF2B5EF4-FFF2-40B4-BE49-F238E27FC236}">
-                <a16:creationId xmlns:a16="http://schemas.microsoft.com/office/drawing/2014/main" id="{72DF121A-E452-4294-8A02-34310CDD59DA}"/>
-              </a:ext>
-            </a:extLst>
-          </p:cNvPr>
-          <p:cNvCxnSpPr>
-            <a:cxnSpLocks/>
-          </p:cNvCxnSpPr>
-          <p:nvPr/>
-        </p:nvCxnSpPr>
-        <p:spPr>
-          <a:xfrm>
-            <a:off x="3932648" y="2338387"/>
-            <a:ext cx="110402" cy="5404"/>
-          </a:xfrm>
-          <a:prstGeom prst="straightConnector1">
-            <a:avLst/>
-          </a:prstGeom>
-          <a:ln>
-            <a:tailEnd type="triangle"/>
-          </a:ln>
-        </p:spPr>
-        <p:style>
-          <a:lnRef idx="1">
-            <a:schemeClr val="accent1"/>
-          </a:lnRef>
-          <a:fillRef idx="0">
-            <a:schemeClr val="accent1"/>
-          </a:fillRef>
-          <a:effectRef idx="0">
-            <a:schemeClr val="accent1"/>
-          </a:effectRef>
-          <a:fontRef idx="minor">
-            <a:schemeClr val="tx1"/>
-          </a:fontRef>
-        </p:style>
-      </p:cxnSp>
-      <p:cxnSp>
-        <p:nvCxnSpPr>
-          <p:cNvPr id="69" name="Straight Arrow Connector 68">
-            <a:extLst>
-              <a:ext uri="{FF2B5EF4-FFF2-40B4-BE49-F238E27FC236}">
-                <a16:creationId xmlns:a16="http://schemas.microsoft.com/office/drawing/2014/main" id="{0081D898-83FD-4A56-9499-1B9827BEE38D}"/>
-              </a:ext>
-            </a:extLst>
-          </p:cNvPr>
-          <p:cNvCxnSpPr>
-            <a:cxnSpLocks/>
-          </p:cNvCxnSpPr>
-          <p:nvPr/>
-        </p:nvCxnSpPr>
-        <p:spPr>
-          <a:xfrm flipH="1" flipV="1">
-            <a:off x="3921376" y="2334265"/>
-            <a:ext cx="8734" cy="549768"/>
-          </a:xfrm>
-          <a:prstGeom prst="straightConnector1">
-            <a:avLst/>
-          </a:prstGeom>
-          <a:ln>
-            <a:tailEnd type="triangle"/>
-          </a:ln>
-        </p:spPr>
-        <p:style>
-          <a:lnRef idx="1">
-            <a:schemeClr val="accent1"/>
-          </a:lnRef>
-          <a:fillRef idx="0">
-            <a:schemeClr val="accent1"/>
-          </a:fillRef>
-          <a:effectRef idx="0">
-            <a:schemeClr val="accent1"/>
-          </a:effectRef>
-          <a:fontRef idx="minor">
-            <a:schemeClr val="tx1"/>
-          </a:fontRef>
-        </p:style>
-      </p:cxnSp>
-      <p:cxnSp>
-        <p:nvCxnSpPr>
-          <p:cNvPr id="71" name="Straight Arrow Connector 70">
-            <a:extLst>
-              <a:ext uri="{FF2B5EF4-FFF2-40B4-BE49-F238E27FC236}">
-                <a16:creationId xmlns:a16="http://schemas.microsoft.com/office/drawing/2014/main" id="{74EEC1D8-C6B8-494C-87C6-FE47889315DE}"/>
-              </a:ext>
-            </a:extLst>
-          </p:cNvPr>
-          <p:cNvCxnSpPr>
-            <a:cxnSpLocks/>
-          </p:cNvCxnSpPr>
-          <p:nvPr/>
-        </p:nvCxnSpPr>
-        <p:spPr>
-          <a:xfrm flipH="1">
-            <a:off x="3930112" y="2890157"/>
-            <a:ext cx="2887067" cy="6084"/>
-          </a:xfrm>
-          <a:prstGeom prst="straightConnector1">
-            <a:avLst/>
-          </a:prstGeom>
-          <a:ln>
-            <a:tailEnd type="triangle"/>
-          </a:ln>
-        </p:spPr>
-        <p:style>
-          <a:lnRef idx="1">
-            <a:schemeClr val="accent1"/>
-          </a:lnRef>
-          <a:fillRef idx="0">
-            <a:schemeClr val="accent1"/>
-          </a:fillRef>
-          <a:effectRef idx="0">
-            <a:schemeClr val="accent1"/>
-          </a:effectRef>
-          <a:fontRef idx="minor">
-            <a:schemeClr val="tx1"/>
-          </a:fontRef>
-        </p:style>
-      </p:cxnSp>
-      <p:cxnSp>
-        <p:nvCxnSpPr>
-          <p:cNvPr id="73" name="Straight Arrow Connector 72">
-            <a:extLst>
-              <a:ext uri="{FF2B5EF4-FFF2-40B4-BE49-F238E27FC236}">
-                <a16:creationId xmlns:a16="http://schemas.microsoft.com/office/drawing/2014/main" id="{CE943E26-4E88-4DD7-9673-FF0BC80559CD}"/>
-              </a:ext>
-            </a:extLst>
-          </p:cNvPr>
-          <p:cNvCxnSpPr>
-            <a:cxnSpLocks/>
-          </p:cNvCxnSpPr>
-          <p:nvPr/>
-        </p:nvCxnSpPr>
-        <p:spPr>
-          <a:xfrm flipH="1" flipV="1">
-            <a:off x="6830216" y="2892083"/>
-            <a:ext cx="70" cy="1789416"/>
-          </a:xfrm>
-          <a:prstGeom prst="straightConnector1">
-            <a:avLst/>
-          </a:prstGeom>
-          <a:ln>
-            <a:tailEnd type="triangle"/>
-          </a:ln>
-        </p:spPr>
-        <p:style>
-          <a:lnRef idx="1">
-            <a:schemeClr val="accent1"/>
-          </a:lnRef>
-          <a:fillRef idx="0">
-            <a:schemeClr val="accent1"/>
-          </a:fillRef>
-          <a:effectRef idx="0">
-            <a:schemeClr val="accent1"/>
-          </a:effectRef>
-          <a:fontRef idx="minor">
-            <a:schemeClr val="tx1"/>
-          </a:fontRef>
-        </p:style>
-      </p:cxnSp>
-      <p:cxnSp>
-        <p:nvCxnSpPr>
-          <p:cNvPr id="76" name="Straight Arrow Connector 75">
-            <a:extLst>
-              <a:ext uri="{FF2B5EF4-FFF2-40B4-BE49-F238E27FC236}">
-                <a16:creationId xmlns:a16="http://schemas.microsoft.com/office/drawing/2014/main" id="{18F9A947-49BC-4E65-B995-CA340CC2B1E4}"/>
-              </a:ext>
-            </a:extLst>
-          </p:cNvPr>
-          <p:cNvCxnSpPr>
-            <a:cxnSpLocks/>
-          </p:cNvCxnSpPr>
-          <p:nvPr/>
-        </p:nvCxnSpPr>
-        <p:spPr>
-          <a:xfrm flipV="1">
-            <a:off x="5030836" y="5943567"/>
-            <a:ext cx="255539" cy="1"/>
-          </a:xfrm>
-          <a:prstGeom prst="straightConnector1">
-            <a:avLst/>
-          </a:prstGeom>
-          <a:ln>
-            <a:tailEnd type="triangle"/>
-          </a:ln>
-        </p:spPr>
-        <p:style>
-          <a:lnRef idx="1">
-            <a:schemeClr val="accent1"/>
-          </a:lnRef>
-          <a:fillRef idx="0">
-            <a:schemeClr val="accent1"/>
-          </a:fillRef>
-          <a:effectRef idx="0">
-            <a:schemeClr val="accent1"/>
-          </a:effectRef>
-          <a:fontRef idx="minor">
-            <a:schemeClr val="tx1"/>
-          </a:fontRef>
-        </p:style>
-      </p:cxnSp>
-      <p:pic>
-        <p:nvPicPr>
-          <p:cNvPr id="79" name="Picture 78">
-            <a:extLst>
-              <a:ext uri="{FF2B5EF4-FFF2-40B4-BE49-F238E27FC236}">
-                <a16:creationId xmlns:a16="http://schemas.microsoft.com/office/drawing/2014/main" id="{CF6FE2CE-DD37-416B-8942-8984A046A52D}"/>
-              </a:ext>
-            </a:extLst>
-          </p:cNvPr>
-          <p:cNvPicPr>
-            <a:picLocks noChangeAspect="1"/>
-          </p:cNvPicPr>
-          <p:nvPr/>
-        </p:nvPicPr>
-        <p:blipFill>
-          <a:blip r:embed="rId8"/>
-          <a:stretch>
-            <a:fillRect/>
-          </a:stretch>
-        </p:blipFill>
-        <p:spPr>
-          <a:xfrm>
-            <a:off x="6409332" y="1836887"/>
-            <a:ext cx="1933575" cy="1038225"/>
-          </a:xfrm>
-          <a:prstGeom prst="rect">
-            <a:avLst/>
-          </a:prstGeom>
-        </p:spPr>
-      </p:pic>
-      <p:pic>
-        <p:nvPicPr>
-          <p:cNvPr id="81" name="Picture 80">
-            <a:extLst>
-              <a:ext uri="{FF2B5EF4-FFF2-40B4-BE49-F238E27FC236}">
-                <a16:creationId xmlns:a16="http://schemas.microsoft.com/office/drawing/2014/main" id="{EFB63622-4F81-4D88-9613-2B76621CCAB6}"/>
-              </a:ext>
-            </a:extLst>
-          </p:cNvPr>
-          <p:cNvPicPr>
-            <a:picLocks noChangeAspect="1"/>
-          </p:cNvPicPr>
-          <p:nvPr/>
-        </p:nvPicPr>
-        <p:blipFill>
-          <a:blip r:embed="rId9"/>
-          <a:stretch>
-            <a:fillRect/>
-          </a:stretch>
-        </p:blipFill>
-        <p:spPr>
-          <a:xfrm>
-            <a:off x="7186295" y="3085420"/>
-            <a:ext cx="4629150" cy="1323975"/>
-          </a:xfrm>
-          <a:prstGeom prst="rect">
-            <a:avLst/>
-          </a:prstGeom>
-        </p:spPr>
-      </p:pic>
-      <p:pic>
-        <p:nvPicPr>
-          <p:cNvPr id="83" name="Picture 82">
-            <a:extLst>
-              <a:ext uri="{FF2B5EF4-FFF2-40B4-BE49-F238E27FC236}">
-                <a16:creationId xmlns:a16="http://schemas.microsoft.com/office/drawing/2014/main" id="{BEE659EF-BED5-4B0A-9E41-9A8E8F29D07D}"/>
-              </a:ext>
-            </a:extLst>
-          </p:cNvPr>
-          <p:cNvPicPr>
-            <a:picLocks noChangeAspect="1"/>
-          </p:cNvPicPr>
-          <p:nvPr/>
-        </p:nvPicPr>
-        <p:blipFill>
-          <a:blip r:embed="rId10"/>
-          <a:stretch>
-            <a:fillRect/>
-          </a:stretch>
-        </p:blipFill>
-        <p:spPr>
-          <a:xfrm>
-            <a:off x="8554590" y="1836887"/>
-            <a:ext cx="2533650" cy="1038225"/>
-          </a:xfrm>
-          <a:prstGeom prst="rect">
-            <a:avLst/>
-          </a:prstGeom>
-        </p:spPr>
-      </p:pic>
-      <p:pic>
-        <p:nvPicPr>
-          <p:cNvPr id="85" name="Picture 84">
-            <a:extLst>
-              <a:ext uri="{FF2B5EF4-FFF2-40B4-BE49-F238E27FC236}">
-                <a16:creationId xmlns:a16="http://schemas.microsoft.com/office/drawing/2014/main" id="{F57E0352-EB10-4545-9379-7CA7B6D7E81B}"/>
-              </a:ext>
-            </a:extLst>
-          </p:cNvPr>
-          <p:cNvPicPr>
-            <a:picLocks noChangeAspect="1"/>
-          </p:cNvPicPr>
-          <p:nvPr/>
-        </p:nvPicPr>
-        <p:blipFill>
-          <a:blip r:embed="rId11"/>
-          <a:stretch>
-            <a:fillRect/>
-          </a:stretch>
-        </p:blipFill>
-        <p:spPr>
-          <a:xfrm>
-            <a:off x="6500495" y="4791037"/>
-            <a:ext cx="5314950" cy="1333500"/>
-          </a:xfrm>
-          <a:prstGeom prst="rect">
-            <a:avLst/>
-          </a:prstGeom>
-        </p:spPr>
-      </p:pic>
-      <p:cxnSp>
-        <p:nvCxnSpPr>
-          <p:cNvPr id="93" name="Straight Arrow Connector 92">
-            <a:extLst>
-              <a:ext uri="{FF2B5EF4-FFF2-40B4-BE49-F238E27FC236}">
-                <a16:creationId xmlns:a16="http://schemas.microsoft.com/office/drawing/2014/main" id="{EFA723CB-B363-4344-AA5C-7546740D436B}"/>
-              </a:ext>
-            </a:extLst>
-          </p:cNvPr>
-          <p:cNvCxnSpPr>
-            <a:cxnSpLocks/>
-          </p:cNvCxnSpPr>
-          <p:nvPr/>
-        </p:nvCxnSpPr>
-        <p:spPr>
-          <a:xfrm flipV="1">
-            <a:off x="5286375" y="4695091"/>
-            <a:ext cx="0" cy="1248476"/>
-          </a:xfrm>
-          <a:prstGeom prst="straightConnector1">
-            <a:avLst/>
-          </a:prstGeom>
-          <a:ln>
-            <a:tailEnd type="triangle"/>
-          </a:ln>
-        </p:spPr>
-        <p:style>
-          <a:lnRef idx="1">
-            <a:schemeClr val="accent1"/>
-          </a:lnRef>
-          <a:fillRef idx="0">
-            <a:schemeClr val="accent1"/>
-          </a:fillRef>
-          <a:effectRef idx="0">
-            <a:schemeClr val="accent1"/>
-          </a:effectRef>
-          <a:fontRef idx="minor">
-            <a:schemeClr val="tx1"/>
-          </a:fontRef>
-        </p:style>
-      </p:cxnSp>
-      <p:cxnSp>
-        <p:nvCxnSpPr>
-          <p:cNvPr id="95" name="Straight Arrow Connector 94">
-            <a:extLst>
-              <a:ext uri="{FF2B5EF4-FFF2-40B4-BE49-F238E27FC236}">
-                <a16:creationId xmlns:a16="http://schemas.microsoft.com/office/drawing/2014/main" id="{4883CDBB-2F87-4C12-B9B9-489865063DEE}"/>
-              </a:ext>
-            </a:extLst>
-          </p:cNvPr>
-          <p:cNvCxnSpPr>
-            <a:cxnSpLocks/>
-          </p:cNvCxnSpPr>
-          <p:nvPr/>
-        </p:nvCxnSpPr>
-        <p:spPr>
-          <a:xfrm flipV="1">
-            <a:off x="5286375" y="4682860"/>
-            <a:ext cx="1549173" cy="12231"/>
-          </a:xfrm>
-          <a:prstGeom prst="straightConnector1">
-            <a:avLst/>
-          </a:prstGeom>
-          <a:ln>
-            <a:tailEnd type="triangle"/>
-          </a:ln>
-        </p:spPr>
-        <p:style>
-          <a:lnRef idx="1">
-            <a:schemeClr val="accent1"/>
-          </a:lnRef>
-          <a:fillRef idx="0">
-            <a:schemeClr val="accent1"/>
-          </a:fillRef>
-          <a:effectRef idx="0">
-            <a:schemeClr val="accent1"/>
-          </a:effectRef>
-          <a:fontRef idx="minor">
-            <a:schemeClr val="tx1"/>
-          </a:fontRef>
-        </p:style>
-      </p:cxnSp>
-      <p:cxnSp>
-        <p:nvCxnSpPr>
-          <p:cNvPr id="101" name="Straight Arrow Connector 100">
-            <a:extLst>
-              <a:ext uri="{FF2B5EF4-FFF2-40B4-BE49-F238E27FC236}">
-                <a16:creationId xmlns:a16="http://schemas.microsoft.com/office/drawing/2014/main" id="{B5196BE7-087E-4BB5-96C8-0738398595DB}"/>
-              </a:ext>
-            </a:extLst>
-          </p:cNvPr>
-          <p:cNvCxnSpPr>
-            <a:cxnSpLocks/>
-          </p:cNvCxnSpPr>
-          <p:nvPr/>
-        </p:nvCxnSpPr>
-        <p:spPr>
-          <a:xfrm>
-            <a:off x="6354131" y="2347271"/>
-            <a:ext cx="110402" cy="5404"/>
-          </a:xfrm>
-          <a:prstGeom prst="straightConnector1">
-            <a:avLst/>
-          </a:prstGeom>
-          <a:ln>
-            <a:tailEnd type="triangle"/>
-          </a:ln>
-        </p:spPr>
-        <p:style>
-          <a:lnRef idx="1">
-            <a:schemeClr val="accent1"/>
-          </a:lnRef>
-          <a:fillRef idx="0">
-            <a:schemeClr val="accent1"/>
-          </a:fillRef>
-          <a:effectRef idx="0">
-            <a:schemeClr val="accent1"/>
-          </a:effectRef>
-          <a:fontRef idx="minor">
-            <a:schemeClr val="tx1"/>
-          </a:fontRef>
-        </p:style>
-      </p:cxnSp>
-      <p:cxnSp>
-        <p:nvCxnSpPr>
-          <p:cNvPr id="102" name="Straight Arrow Connector 101">
-            <a:extLst>
-              <a:ext uri="{FF2B5EF4-FFF2-40B4-BE49-F238E27FC236}">
-                <a16:creationId xmlns:a16="http://schemas.microsoft.com/office/drawing/2014/main" id="{AF19C5C4-AB90-48EF-91B3-7AB10B7A06D6}"/>
-              </a:ext>
-            </a:extLst>
-          </p:cNvPr>
-          <p:cNvCxnSpPr>
-            <a:cxnSpLocks/>
-          </p:cNvCxnSpPr>
-          <p:nvPr/>
-        </p:nvCxnSpPr>
-        <p:spPr>
-          <a:xfrm flipH="1" flipV="1">
-            <a:off x="6345397" y="2349312"/>
-            <a:ext cx="8734" cy="640162"/>
-          </a:xfrm>
-          <a:prstGeom prst="straightConnector1">
-            <a:avLst/>
-          </a:prstGeom>
-          <a:ln>
-            <a:tailEnd type="triangle"/>
-          </a:ln>
-        </p:spPr>
-        <p:style>
-          <a:lnRef idx="1">
-            <a:schemeClr val="accent1"/>
-          </a:lnRef>
-          <a:fillRef idx="0">
-            <a:schemeClr val="accent1"/>
-          </a:fillRef>
-          <a:effectRef idx="0">
-            <a:schemeClr val="accent1"/>
-          </a:effectRef>
-          <a:fontRef idx="minor">
-            <a:schemeClr val="tx1"/>
-          </a:fontRef>
-        </p:style>
-      </p:cxnSp>
-      <p:cxnSp>
-        <p:nvCxnSpPr>
-          <p:cNvPr id="104" name="Straight Arrow Connector 103">
-            <a:extLst>
-              <a:ext uri="{FF2B5EF4-FFF2-40B4-BE49-F238E27FC236}">
-                <a16:creationId xmlns:a16="http://schemas.microsoft.com/office/drawing/2014/main" id="{3566466E-5BB2-452C-8C53-2F829C817EDD}"/>
-              </a:ext>
-            </a:extLst>
-          </p:cNvPr>
-          <p:cNvCxnSpPr>
-            <a:cxnSpLocks/>
-          </p:cNvCxnSpPr>
-          <p:nvPr/>
-        </p:nvCxnSpPr>
-        <p:spPr>
-          <a:xfrm flipH="1">
-            <a:off x="6354590" y="2994173"/>
-            <a:ext cx="766027" cy="0"/>
-          </a:xfrm>
-          <a:prstGeom prst="straightConnector1">
-            <a:avLst/>
-          </a:prstGeom>
-          <a:ln>
-            <a:tailEnd type="triangle"/>
-          </a:ln>
-        </p:spPr>
-        <p:style>
-          <a:lnRef idx="1">
-            <a:schemeClr val="accent1"/>
-          </a:lnRef>
-          <a:fillRef idx="0">
-            <a:schemeClr val="accent1"/>
-          </a:fillRef>
-          <a:effectRef idx="0">
-            <a:schemeClr val="accent1"/>
-          </a:effectRef>
-          <a:fontRef idx="minor">
-            <a:schemeClr val="tx1"/>
-          </a:fontRef>
-        </p:style>
-      </p:cxnSp>
-      <p:cxnSp>
-        <p:nvCxnSpPr>
-          <p:cNvPr id="106" name="Straight Arrow Connector 105">
-            <a:extLst>
-              <a:ext uri="{FF2B5EF4-FFF2-40B4-BE49-F238E27FC236}">
-                <a16:creationId xmlns:a16="http://schemas.microsoft.com/office/drawing/2014/main" id="{AB3AE31F-DB6D-4DB2-B71C-F31AA0C3BBB2}"/>
-              </a:ext>
-            </a:extLst>
-          </p:cNvPr>
-          <p:cNvCxnSpPr>
-            <a:cxnSpLocks/>
-          </p:cNvCxnSpPr>
-          <p:nvPr/>
-        </p:nvCxnSpPr>
-        <p:spPr>
-          <a:xfrm flipV="1">
-            <a:off x="7120617" y="3001721"/>
-            <a:ext cx="0" cy="1578443"/>
-          </a:xfrm>
-          <a:prstGeom prst="straightConnector1">
-            <a:avLst/>
-          </a:prstGeom>
-          <a:ln>
-            <a:tailEnd type="triangle"/>
-          </a:ln>
-        </p:spPr>
-        <p:style>
-          <a:lnRef idx="1">
-            <a:schemeClr val="accent1"/>
-          </a:lnRef>
-          <a:fillRef idx="0">
-            <a:schemeClr val="accent1"/>
-          </a:fillRef>
-          <a:effectRef idx="0">
-            <a:schemeClr val="accent1"/>
-          </a:effectRef>
-          <a:fontRef idx="minor">
-            <a:schemeClr val="tx1"/>
-          </a:fontRef>
-        </p:style>
-      </p:cxnSp>
-      <p:cxnSp>
-        <p:nvCxnSpPr>
-          <p:cNvPr id="111" name="Straight Arrow Connector 110">
-            <a:extLst>
-              <a:ext uri="{FF2B5EF4-FFF2-40B4-BE49-F238E27FC236}">
-                <a16:creationId xmlns:a16="http://schemas.microsoft.com/office/drawing/2014/main" id="{A8BAD738-7959-4B5D-A1D3-6F8D2FCF8DF7}"/>
-              </a:ext>
-            </a:extLst>
-          </p:cNvPr>
-          <p:cNvCxnSpPr/>
-          <p:nvPr/>
-        </p:nvCxnSpPr>
-        <p:spPr>
-          <a:xfrm>
-            <a:off x="11743328" y="3955596"/>
-            <a:ext cx="138792" cy="0"/>
-          </a:xfrm>
-          <a:prstGeom prst="straightConnector1">
-            <a:avLst/>
-          </a:prstGeom>
-          <a:ln>
-            <a:tailEnd type="triangle"/>
-          </a:ln>
-        </p:spPr>
-        <p:style>
-          <a:lnRef idx="1">
-            <a:schemeClr val="accent1"/>
-          </a:lnRef>
-          <a:fillRef idx="0">
-            <a:schemeClr val="accent1"/>
-          </a:fillRef>
-          <a:effectRef idx="0">
-            <a:schemeClr val="accent1"/>
-          </a:effectRef>
-          <a:fontRef idx="minor">
-            <a:schemeClr val="tx1"/>
-          </a:fontRef>
-        </p:style>
-      </p:cxnSp>
-      <p:cxnSp>
-        <p:nvCxnSpPr>
-          <p:cNvPr id="112" name="Straight Arrow Connector 111">
-            <a:extLst>
-              <a:ext uri="{FF2B5EF4-FFF2-40B4-BE49-F238E27FC236}">
-                <a16:creationId xmlns:a16="http://schemas.microsoft.com/office/drawing/2014/main" id="{F21275EF-4FF4-408E-8C45-D8B26CFE9369}"/>
-              </a:ext>
-            </a:extLst>
-          </p:cNvPr>
-          <p:cNvCxnSpPr>
-            <a:cxnSpLocks/>
-          </p:cNvCxnSpPr>
-          <p:nvPr/>
-        </p:nvCxnSpPr>
-        <p:spPr>
-          <a:xfrm>
-            <a:off x="11883480" y="3955596"/>
-            <a:ext cx="0" cy="506186"/>
-          </a:xfrm>
-          <a:prstGeom prst="straightConnector1">
-            <a:avLst/>
-          </a:prstGeom>
-          <a:ln>
-            <a:tailEnd type="triangle"/>
-          </a:ln>
-        </p:spPr>
-        <p:style>
-          <a:lnRef idx="1">
-            <a:schemeClr val="accent1"/>
-          </a:lnRef>
-          <a:fillRef idx="0">
-            <a:schemeClr val="accent1"/>
-          </a:fillRef>
-          <a:effectRef idx="0">
-            <a:schemeClr val="accent1"/>
-          </a:effectRef>
-          <a:fontRef idx="minor">
-            <a:schemeClr val="tx1"/>
-          </a:fontRef>
-        </p:style>
-      </p:cxnSp>
-      <p:cxnSp>
-        <p:nvCxnSpPr>
-          <p:cNvPr id="115" name="Straight Arrow Connector 114">
-            <a:extLst>
-              <a:ext uri="{FF2B5EF4-FFF2-40B4-BE49-F238E27FC236}">
-                <a16:creationId xmlns:a16="http://schemas.microsoft.com/office/drawing/2014/main" id="{BB46FFB7-AF23-401B-BB65-A699084820A5}"/>
-              </a:ext>
-            </a:extLst>
-          </p:cNvPr>
-          <p:cNvCxnSpPr>
-            <a:cxnSpLocks/>
-          </p:cNvCxnSpPr>
-          <p:nvPr/>
-        </p:nvCxnSpPr>
-        <p:spPr>
-          <a:xfrm flipH="1">
-            <a:off x="7120617" y="4580164"/>
-            <a:ext cx="4872717" cy="0"/>
-          </a:xfrm>
-          <a:prstGeom prst="straightConnector1">
-            <a:avLst/>
-          </a:prstGeom>
-          <a:ln>
-            <a:tailEnd type="triangle"/>
-          </a:ln>
-        </p:spPr>
-        <p:style>
-          <a:lnRef idx="1">
-            <a:schemeClr val="accent1"/>
-          </a:lnRef>
-          <a:fillRef idx="0">
-            <a:schemeClr val="accent1"/>
-          </a:fillRef>
-          <a:effectRef idx="0">
-            <a:schemeClr val="accent1"/>
-          </a:effectRef>
-          <a:fontRef idx="minor">
-            <a:schemeClr val="tx1"/>
-          </a:fontRef>
-        </p:style>
-      </p:cxnSp>
-      <p:cxnSp>
-        <p:nvCxnSpPr>
-          <p:cNvPr id="117" name="Straight Arrow Connector 116">
-            <a:extLst>
-              <a:ext uri="{FF2B5EF4-FFF2-40B4-BE49-F238E27FC236}">
-                <a16:creationId xmlns:a16="http://schemas.microsoft.com/office/drawing/2014/main" id="{1FEC7C9A-8B1B-46A5-821B-2B7866D36452}"/>
-              </a:ext>
-            </a:extLst>
-          </p:cNvPr>
-          <p:cNvCxnSpPr>
-            <a:cxnSpLocks/>
-          </p:cNvCxnSpPr>
-          <p:nvPr/>
-        </p:nvCxnSpPr>
-        <p:spPr>
-          <a:xfrm flipV="1">
-            <a:off x="11743328" y="4240499"/>
-            <a:ext cx="250006" cy="2208"/>
-          </a:xfrm>
-          <a:prstGeom prst="straightConnector1">
-            <a:avLst/>
-          </a:prstGeom>
-          <a:ln>
-            <a:tailEnd type="triangle"/>
-          </a:ln>
-        </p:spPr>
-        <p:style>
-          <a:lnRef idx="1">
-            <a:schemeClr val="accent1"/>
-          </a:lnRef>
-          <a:fillRef idx="0">
-            <a:schemeClr val="accent1"/>
-          </a:fillRef>
-          <a:effectRef idx="0">
-            <a:schemeClr val="accent1"/>
-          </a:effectRef>
-          <a:fontRef idx="minor">
-            <a:schemeClr val="tx1"/>
-          </a:fontRef>
-        </p:style>
-      </p:cxnSp>
-      <p:cxnSp>
-        <p:nvCxnSpPr>
-          <p:cNvPr id="119" name="Straight Arrow Connector 118">
-            <a:extLst>
-              <a:ext uri="{FF2B5EF4-FFF2-40B4-BE49-F238E27FC236}">
-                <a16:creationId xmlns:a16="http://schemas.microsoft.com/office/drawing/2014/main" id="{CE5D1358-F6C0-4B8C-98D2-F4A33CE1F7BC}"/>
-              </a:ext>
-            </a:extLst>
-          </p:cNvPr>
-          <p:cNvCxnSpPr>
-            <a:cxnSpLocks/>
-          </p:cNvCxnSpPr>
-          <p:nvPr/>
-        </p:nvCxnSpPr>
-        <p:spPr>
-          <a:xfrm>
-            <a:off x="11993334" y="4240666"/>
-            <a:ext cx="0" cy="339498"/>
-          </a:xfrm>
-          <a:prstGeom prst="straightConnector1">
-            <a:avLst/>
-          </a:prstGeom>
-          <a:ln>
-            <a:tailEnd type="triangle"/>
-          </a:ln>
-        </p:spPr>
-        <p:style>
-          <a:lnRef idx="1">
-            <a:schemeClr val="accent1"/>
-          </a:lnRef>
-          <a:fillRef idx="0">
-            <a:schemeClr val="accent1"/>
-          </a:fillRef>
-          <a:effectRef idx="0">
-            <a:schemeClr val="accent1"/>
-          </a:effectRef>
-          <a:fontRef idx="minor">
-            <a:schemeClr val="tx1"/>
-          </a:fontRef>
-        </p:style>
-      </p:cxnSp>
-      <p:cxnSp>
-        <p:nvCxnSpPr>
-          <p:cNvPr id="122" name="Straight Arrow Connector 121">
-            <a:extLst>
-              <a:ext uri="{FF2B5EF4-FFF2-40B4-BE49-F238E27FC236}">
-                <a16:creationId xmlns:a16="http://schemas.microsoft.com/office/drawing/2014/main" id="{0D6AC4F6-FD7B-41F0-9B0E-E2DDE7BCEF8C}"/>
-              </a:ext>
-            </a:extLst>
-          </p:cNvPr>
-          <p:cNvCxnSpPr>
-            <a:cxnSpLocks/>
-          </p:cNvCxnSpPr>
-          <p:nvPr/>
-        </p:nvCxnSpPr>
-        <p:spPr>
-          <a:xfrm>
-            <a:off x="11761200" y="5655091"/>
-            <a:ext cx="137970" cy="11185"/>
-          </a:xfrm>
-          <a:prstGeom prst="straightConnector1">
-            <a:avLst/>
-          </a:prstGeom>
-          <a:ln>
-            <a:tailEnd type="triangle"/>
-          </a:ln>
-        </p:spPr>
-        <p:style>
-          <a:lnRef idx="1">
-            <a:schemeClr val="accent1"/>
-          </a:lnRef>
-          <a:fillRef idx="0">
-            <a:schemeClr val="accent1"/>
-          </a:fillRef>
-          <a:effectRef idx="0">
-            <a:schemeClr val="accent1"/>
-          </a:effectRef>
-          <a:fontRef idx="minor">
-            <a:schemeClr val="tx1"/>
-          </a:fontRef>
-        </p:style>
-      </p:cxnSp>
-      <p:cxnSp>
-        <p:nvCxnSpPr>
-          <p:cNvPr id="123" name="Straight Arrow Connector 122">
-            <a:extLst>
-              <a:ext uri="{FF2B5EF4-FFF2-40B4-BE49-F238E27FC236}">
-                <a16:creationId xmlns:a16="http://schemas.microsoft.com/office/drawing/2014/main" id="{6D3C5FC9-6DDC-401C-B714-520DC14A35A8}"/>
-              </a:ext>
-            </a:extLst>
-          </p:cNvPr>
-          <p:cNvCxnSpPr>
-            <a:cxnSpLocks/>
-          </p:cNvCxnSpPr>
-          <p:nvPr/>
-        </p:nvCxnSpPr>
-        <p:spPr>
-          <a:xfrm flipH="1" flipV="1">
-            <a:off x="11881938" y="4461782"/>
-            <a:ext cx="182" cy="1193309"/>
-          </a:xfrm>
-          <a:prstGeom prst="straightConnector1">
-            <a:avLst/>
-          </a:prstGeom>
-          <a:ln>
-            <a:tailEnd type="triangle"/>
-          </a:ln>
-        </p:spPr>
-        <p:style>
-          <a:lnRef idx="1">
-            <a:schemeClr val="accent1"/>
-          </a:lnRef>
-          <a:fillRef idx="0">
-            <a:schemeClr val="accent1"/>
-          </a:fillRef>
-          <a:effectRef idx="0">
-            <a:schemeClr val="accent1"/>
-          </a:effectRef>
-          <a:fontRef idx="minor">
-            <a:schemeClr val="tx1"/>
-          </a:fontRef>
-        </p:style>
-      </p:cxnSp>
-      <p:cxnSp>
-        <p:nvCxnSpPr>
-          <p:cNvPr id="128" name="Straight Arrow Connector 127">
-            <a:extLst>
-              <a:ext uri="{FF2B5EF4-FFF2-40B4-BE49-F238E27FC236}">
-                <a16:creationId xmlns:a16="http://schemas.microsoft.com/office/drawing/2014/main" id="{C6720EB1-7702-4DB3-BD7E-84A804F983ED}"/>
-              </a:ext>
-            </a:extLst>
-          </p:cNvPr>
-          <p:cNvCxnSpPr>
-            <a:cxnSpLocks/>
-          </p:cNvCxnSpPr>
-          <p:nvPr/>
-        </p:nvCxnSpPr>
-        <p:spPr>
-          <a:xfrm>
-            <a:off x="11761200" y="5963751"/>
-            <a:ext cx="327205" cy="0"/>
-          </a:xfrm>
-          <a:prstGeom prst="straightConnector1">
-            <a:avLst/>
-          </a:prstGeom>
-          <a:ln>
-            <a:tailEnd type="triangle"/>
-          </a:ln>
-        </p:spPr>
-        <p:style>
-          <a:lnRef idx="1">
-            <a:schemeClr val="accent1"/>
-          </a:lnRef>
-          <a:fillRef idx="0">
-            <a:schemeClr val="accent1"/>
-          </a:fillRef>
-          <a:effectRef idx="0">
-            <a:schemeClr val="accent1"/>
-          </a:effectRef>
-          <a:fontRef idx="minor">
-            <a:schemeClr val="tx1"/>
-          </a:fontRef>
-        </p:style>
-      </p:cxnSp>
-      <p:cxnSp>
-        <p:nvCxnSpPr>
-          <p:cNvPr id="136" name="Straight Arrow Connector 135">
-            <a:extLst>
-              <a:ext uri="{FF2B5EF4-FFF2-40B4-BE49-F238E27FC236}">
-                <a16:creationId xmlns:a16="http://schemas.microsoft.com/office/drawing/2014/main" id="{5BEA2511-D74A-4AC2-984D-B41FAC488FAC}"/>
-              </a:ext>
-            </a:extLst>
-          </p:cNvPr>
-          <p:cNvCxnSpPr>
-            <a:cxnSpLocks/>
-          </p:cNvCxnSpPr>
-          <p:nvPr/>
-        </p:nvCxnSpPr>
-        <p:spPr>
-          <a:xfrm flipV="1">
-            <a:off x="12077721" y="2939143"/>
-            <a:ext cx="0" cy="3024608"/>
-          </a:xfrm>
-          <a:prstGeom prst="straightConnector1">
-            <a:avLst/>
-          </a:prstGeom>
-          <a:ln>
-            <a:tailEnd type="triangle"/>
-          </a:ln>
-        </p:spPr>
-        <p:style>
-          <a:lnRef idx="1">
-            <a:schemeClr val="accent1"/>
-          </a:lnRef>
-          <a:fillRef idx="0">
-            <a:schemeClr val="accent1"/>
-          </a:fillRef>
-          <a:effectRef idx="0">
-            <a:schemeClr val="accent1"/>
-          </a:effectRef>
-          <a:fontRef idx="minor">
-            <a:schemeClr val="tx1"/>
-          </a:fontRef>
-        </p:style>
-      </p:cxnSp>
-      <p:cxnSp>
-        <p:nvCxnSpPr>
-          <p:cNvPr id="138" name="Straight Arrow Connector 137">
-            <a:extLst>
-              <a:ext uri="{FF2B5EF4-FFF2-40B4-BE49-F238E27FC236}">
-                <a16:creationId xmlns:a16="http://schemas.microsoft.com/office/drawing/2014/main" id="{ADAE7034-9280-4318-AFFD-26940683CB38}"/>
-              </a:ext>
-            </a:extLst>
-          </p:cNvPr>
-          <p:cNvCxnSpPr>
-            <a:cxnSpLocks/>
-          </p:cNvCxnSpPr>
-          <p:nvPr/>
-        </p:nvCxnSpPr>
-        <p:spPr>
-          <a:xfrm flipH="1">
-            <a:off x="8503104" y="2939143"/>
-            <a:ext cx="3574618" cy="0"/>
-          </a:xfrm>
-          <a:prstGeom prst="straightConnector1">
-            <a:avLst/>
-          </a:prstGeom>
-          <a:ln>
-            <a:tailEnd type="triangle"/>
-          </a:ln>
-        </p:spPr>
-        <p:style>
-          <a:lnRef idx="1">
-            <a:schemeClr val="accent1"/>
-          </a:lnRef>
-          <a:fillRef idx="0">
-            <a:schemeClr val="accent1"/>
-          </a:fillRef>
-          <a:effectRef idx="0">
-            <a:schemeClr val="accent1"/>
-          </a:effectRef>
-          <a:fontRef idx="minor">
-            <a:schemeClr val="tx1"/>
-          </a:fontRef>
-        </p:style>
-      </p:cxnSp>
-      <p:cxnSp>
-        <p:nvCxnSpPr>
-          <p:cNvPr id="140" name="Straight Arrow Connector 139">
-            <a:extLst>
-              <a:ext uri="{FF2B5EF4-FFF2-40B4-BE49-F238E27FC236}">
-                <a16:creationId xmlns:a16="http://schemas.microsoft.com/office/drawing/2014/main" id="{E8EBD8E0-323F-4724-A085-29DCD18CE116}"/>
-              </a:ext>
-            </a:extLst>
-          </p:cNvPr>
-          <p:cNvCxnSpPr>
-            <a:cxnSpLocks/>
-          </p:cNvCxnSpPr>
-          <p:nvPr/>
-        </p:nvCxnSpPr>
-        <p:spPr>
-          <a:xfrm flipH="1" flipV="1">
-            <a:off x="8490724" y="2334265"/>
-            <a:ext cx="12380" cy="603595"/>
-          </a:xfrm>
-          <a:prstGeom prst="straightConnector1">
-            <a:avLst/>
-          </a:prstGeom>
-          <a:ln>
-            <a:tailEnd type="triangle"/>
-          </a:ln>
-        </p:spPr>
-        <p:style>
-          <a:lnRef idx="1">
-            <a:schemeClr val="accent1"/>
-          </a:lnRef>
-          <a:fillRef idx="0">
-            <a:schemeClr val="accent1"/>
-          </a:fillRef>
-          <a:effectRef idx="0">
-            <a:schemeClr val="accent1"/>
-          </a:effectRef>
-          <a:fontRef idx="minor">
-            <a:schemeClr val="tx1"/>
-          </a:fontRef>
-        </p:style>
-      </p:cxnSp>
-      <p:cxnSp>
-        <p:nvCxnSpPr>
-          <p:cNvPr id="142" name="Straight Arrow Connector 141">
-            <a:extLst>
-              <a:ext uri="{FF2B5EF4-FFF2-40B4-BE49-F238E27FC236}">
-                <a16:creationId xmlns:a16="http://schemas.microsoft.com/office/drawing/2014/main" id="{0CA521B4-291E-43AD-8D37-414DCAD5378A}"/>
-              </a:ext>
-            </a:extLst>
-          </p:cNvPr>
-          <p:cNvCxnSpPr>
-            <a:cxnSpLocks/>
-          </p:cNvCxnSpPr>
-          <p:nvPr/>
-        </p:nvCxnSpPr>
-        <p:spPr>
-          <a:xfrm>
-            <a:off x="8508914" y="2344569"/>
-            <a:ext cx="110402" cy="5404"/>
-          </a:xfrm>
-          <a:prstGeom prst="straightConnector1">
-            <a:avLst/>
-          </a:prstGeom>
-          <a:ln>
-            <a:tailEnd type="triangle"/>
-          </a:ln>
-        </p:spPr>
-        <p:style>
-          <a:lnRef idx="1">
-            <a:schemeClr val="accent1"/>
-          </a:lnRef>
-          <a:fillRef idx="0">
-            <a:schemeClr val="accent1"/>
-          </a:fillRef>
-          <a:effectRef idx="0">
-            <a:schemeClr val="accent1"/>
-          </a:effectRef>
-          <a:fontRef idx="minor">
-            <a:schemeClr val="tx1"/>
-          </a:fontRef>
-        </p:style>
-      </p:cxnSp>
+      <p:sp>
+        <p:nvSpPr>
+          <p:cNvPr id="6" name="Content Placeholder 2">
+            <a:extLst>
+              <a:ext uri="{FF2B5EF4-FFF2-40B4-BE49-F238E27FC236}">
+                <a16:creationId xmlns:a16="http://schemas.microsoft.com/office/drawing/2014/main" id="{CF143FC4-8FB5-4B4A-BC87-767AD5802D79}"/>
+              </a:ext>
+            </a:extLst>
+          </p:cNvPr>
+          <p:cNvSpPr>
+            <a:spLocks noGrp="1"/>
+          </p:cNvSpPr>
+          <p:nvPr>
+            <p:ph idx="1"/>
+          </p:nvPr>
+        </p:nvSpPr>
+        <p:spPr>
+          <a:xfrm>
+            <a:off x="838200" y="1825625"/>
+            <a:ext cx="10515600" cy="4351338"/>
+          </a:xfrm>
+        </p:spPr>
+        <p:txBody>
+          <a:bodyPr>
+            <a:normAutofit/>
+          </a:bodyPr>
+          <a:lstStyle/>
+          <a:p>
+            <a:pPr marL="0" indent="0">
+              <a:buNone/>
+            </a:pPr>
+            <a:endParaRPr lang="en-US" dirty="0"/>
+          </a:p>
+          <a:p>
+            <a:pPr marL="0" indent="0">
+              <a:buNone/>
+            </a:pPr>
+            <a:r>
+              <a:rPr lang="en-US" dirty="0" err="1"/>
+              <a:t>IceCreamClientCommunication</a:t>
+            </a:r>
+            <a:endParaRPr lang="en-US" dirty="0"/>
+          </a:p>
+          <a:p>
+            <a:pPr marL="0" indent="0">
+              <a:buNone/>
+            </a:pPr>
+            <a:r>
+              <a:rPr lang="en-US" dirty="0" err="1"/>
+              <a:t>IceCreamProductRetrieval</a:t>
+            </a:r>
+            <a:endParaRPr lang="en-US" dirty="0"/>
+          </a:p>
+          <a:p>
+            <a:pPr marL="0" indent="0">
+              <a:buNone/>
+            </a:pPr>
+            <a:r>
+              <a:rPr lang="en-US" dirty="0" err="1"/>
+              <a:t>SearchParameters</a:t>
+            </a:r>
+            <a:endParaRPr lang="en-US" dirty="0"/>
+          </a:p>
+          <a:p>
+            <a:pPr marL="0" indent="0">
+              <a:buNone/>
+            </a:pPr>
+            <a:r>
+              <a:rPr lang="en-US" dirty="0"/>
+              <a:t>Products</a:t>
+            </a:r>
+          </a:p>
+          <a:p>
+            <a:pPr marL="0" indent="0">
+              <a:buNone/>
+            </a:pPr>
+            <a:r>
+              <a:rPr lang="en-US" dirty="0"/>
+              <a:t>Status</a:t>
+            </a:r>
+          </a:p>
+        </p:txBody>
+      </p:sp>
     </p:spTree>
     <p:extLst>
       <p:ext uri="{BB962C8B-B14F-4D97-AF65-F5344CB8AC3E}">
-        <p14:creationId xmlns:p14="http://schemas.microsoft.com/office/powerpoint/2010/main" val="1660754629"/>
+        <p14:creationId xmlns:p14="http://schemas.microsoft.com/office/powerpoint/2010/main" val="289551989"/>
       </p:ext>
     </p:extLst>
   </p:cSld>
@@ -9946,342 +8256,926 @@
               <a:rPr lang="en-US" dirty="0">
                 <a:latin typeface="+mn-lt"/>
               </a:rPr>
-              <a:t>Development Tools</a:t>
+              <a:t>Ice Cream Database Design</a:t>
             </a:r>
           </a:p>
         </p:txBody>
       </p:sp>
       <p:pic>
         <p:nvPicPr>
-          <p:cNvPr id="1026" name="Picture 2" descr="Image result for java">
-            <a:extLst>
-              <a:ext uri="{FF2B5EF4-FFF2-40B4-BE49-F238E27FC236}">
-                <a16:creationId xmlns:a16="http://schemas.microsoft.com/office/drawing/2014/main" id="{941F6DAB-7145-470B-AF73-4CDC09D5BDB1}"/>
+          <p:cNvPr id="6" name="Picture 5">
+            <a:extLst>
+              <a:ext uri="{FF2B5EF4-FFF2-40B4-BE49-F238E27FC236}">
+                <a16:creationId xmlns:a16="http://schemas.microsoft.com/office/drawing/2014/main" id="{25700BA0-9251-480C-906E-923E98037F45}"/>
               </a:ext>
             </a:extLst>
           </p:cNvPr>
           <p:cNvPicPr>
-            <a:picLocks noChangeAspect="1" noChangeArrowheads="1"/>
+            <a:picLocks noChangeAspect="1"/>
           </p:cNvPicPr>
           <p:nvPr/>
         </p:nvPicPr>
         <p:blipFill>
-          <a:blip r:embed="rId3">
-            <a:extLst>
-              <a:ext uri="{28A0092B-C50C-407E-A947-70E740481C1C}">
-                <a14:useLocalDpi xmlns:a14="http://schemas.microsoft.com/office/drawing/2010/main" val="0"/>
-              </a:ext>
-            </a:extLst>
-          </a:blip>
-          <a:srcRect/>
+          <a:blip r:embed="rId3"/>
           <a:stretch>
             <a:fillRect/>
           </a:stretch>
         </p:blipFill>
-        <p:spPr bwMode="auto">
-          <a:xfrm>
-            <a:off x="895349" y="2937366"/>
-            <a:ext cx="1002527" cy="1898905"/>
+        <p:spPr>
+          <a:xfrm>
+            <a:off x="211683" y="1819916"/>
+            <a:ext cx="1495425" cy="2390775"/>
           </a:xfrm>
           <a:prstGeom prst="rect">
             <a:avLst/>
           </a:prstGeom>
-          <a:noFill/>
-          <a:extLst>
-            <a:ext uri="{909E8E84-426E-40DD-AFC4-6F175D3DCCD1}">
-              <a14:hiddenFill xmlns:a14="http://schemas.microsoft.com/office/drawing/2010/main">
-                <a:solidFill>
-                  <a:srgbClr val="FFFFFF"/>
-                </a:solidFill>
-              </a14:hiddenFill>
-            </a:ext>
-          </a:extLst>
         </p:spPr>
       </p:pic>
       <p:pic>
         <p:nvPicPr>
-          <p:cNvPr id="1028" name="Picture 4">
-            <a:extLst>
-              <a:ext uri="{FF2B5EF4-FFF2-40B4-BE49-F238E27FC236}">
-                <a16:creationId xmlns:a16="http://schemas.microsoft.com/office/drawing/2014/main" id="{5172BA19-2CD2-40BF-9FDD-4322E620FBF0}"/>
+          <p:cNvPr id="12" name="Picture 11">
+            <a:extLst>
+              <a:ext uri="{FF2B5EF4-FFF2-40B4-BE49-F238E27FC236}">
+                <a16:creationId xmlns:a16="http://schemas.microsoft.com/office/drawing/2014/main" id="{CF93A40C-9BFA-4721-BF14-1DAEE64E8CF0}"/>
               </a:ext>
             </a:extLst>
           </p:cNvPr>
           <p:cNvPicPr>
-            <a:picLocks noChangeAspect="1" noChangeArrowheads="1"/>
+            <a:picLocks noChangeAspect="1"/>
           </p:cNvPicPr>
           <p:nvPr/>
         </p:nvPicPr>
         <p:blipFill>
-          <a:blip r:embed="rId4">
-            <a:extLst>
-              <a:ext uri="{28A0092B-C50C-407E-A947-70E740481C1C}">
-                <a14:useLocalDpi xmlns:a14="http://schemas.microsoft.com/office/drawing/2010/main" val="0"/>
-              </a:ext>
-            </a:extLst>
-          </a:blip>
-          <a:srcRect/>
+          <a:blip r:embed="rId4"/>
           <a:stretch>
             <a:fillRect/>
           </a:stretch>
         </p:blipFill>
-        <p:spPr bwMode="auto">
-          <a:xfrm>
-            <a:off x="2545772" y="3186453"/>
-            <a:ext cx="2225762" cy="562987"/>
+        <p:spPr>
+          <a:xfrm>
+            <a:off x="1918791" y="1819916"/>
+            <a:ext cx="1857375" cy="1076325"/>
           </a:xfrm>
           <a:prstGeom prst="rect">
             <a:avLst/>
           </a:prstGeom>
-          <a:noFill/>
-          <a:extLst>
-            <a:ext uri="{909E8E84-426E-40DD-AFC4-6F175D3DCCD1}">
-              <a14:hiddenFill xmlns:a14="http://schemas.microsoft.com/office/drawing/2010/main">
-                <a:solidFill>
-                  <a:srgbClr val="FFFFFF"/>
-                </a:solidFill>
-              </a14:hiddenFill>
-            </a:ext>
-          </a:extLst>
         </p:spPr>
       </p:pic>
       <p:pic>
         <p:nvPicPr>
-          <p:cNvPr id="1030" name="Picture 6" descr="Image result for net beans">
-            <a:extLst>
-              <a:ext uri="{FF2B5EF4-FFF2-40B4-BE49-F238E27FC236}">
-                <a16:creationId xmlns:a16="http://schemas.microsoft.com/office/drawing/2014/main" id="{007BBCA7-ED64-4BFC-A07F-CAD85B2CDAB0}"/>
+          <p:cNvPr id="16" name="Picture 15">
+            <a:extLst>
+              <a:ext uri="{FF2B5EF4-FFF2-40B4-BE49-F238E27FC236}">
+                <a16:creationId xmlns:a16="http://schemas.microsoft.com/office/drawing/2014/main" id="{8AD6CDCE-95A8-4E08-8B0F-BD80C6B169B5}"/>
               </a:ext>
             </a:extLst>
           </p:cNvPr>
           <p:cNvPicPr>
-            <a:picLocks noChangeAspect="1" noChangeArrowheads="1"/>
+            <a:picLocks noChangeAspect="1"/>
           </p:cNvPicPr>
           <p:nvPr/>
         </p:nvPicPr>
         <p:blipFill>
-          <a:blip r:embed="rId5">
-            <a:extLst>
-              <a:ext uri="{28A0092B-C50C-407E-A947-70E740481C1C}">
-                <a14:useLocalDpi xmlns:a14="http://schemas.microsoft.com/office/drawing/2010/main" val="0"/>
-              </a:ext>
-            </a:extLst>
-          </a:blip>
-          <a:srcRect/>
+          <a:blip r:embed="rId5"/>
           <a:stretch>
             <a:fillRect/>
           </a:stretch>
         </p:blipFill>
-        <p:spPr bwMode="auto">
-          <a:xfrm>
-            <a:off x="5306948" y="3012829"/>
-            <a:ext cx="1578104" cy="1819918"/>
+        <p:spPr>
+          <a:xfrm>
+            <a:off x="1918791" y="3085420"/>
+            <a:ext cx="4514850" cy="1333500"/>
           </a:xfrm>
           <a:prstGeom prst="rect">
             <a:avLst/>
           </a:prstGeom>
-          <a:noFill/>
-          <a:extLst>
-            <a:ext uri="{909E8E84-426E-40DD-AFC4-6F175D3DCCD1}">
-              <a14:hiddenFill xmlns:a14="http://schemas.microsoft.com/office/drawing/2010/main">
-                <a:solidFill>
-                  <a:srgbClr val="FFFFFF"/>
-                </a:solidFill>
-              </a14:hiddenFill>
-            </a:ext>
-          </a:extLst>
         </p:spPr>
       </p:pic>
       <p:pic>
         <p:nvPicPr>
-          <p:cNvPr id="1032" name="Picture 8" descr="Commons Lang">
-            <a:extLst>
-              <a:ext uri="{FF2B5EF4-FFF2-40B4-BE49-F238E27FC236}">
-                <a16:creationId xmlns:a16="http://schemas.microsoft.com/office/drawing/2014/main" id="{81D9E399-CC3D-4510-BF12-4D206932865D}"/>
+          <p:cNvPr id="20" name="Picture 19">
+            <a:extLst>
+              <a:ext uri="{FF2B5EF4-FFF2-40B4-BE49-F238E27FC236}">
+                <a16:creationId xmlns:a16="http://schemas.microsoft.com/office/drawing/2014/main" id="{513C01E1-90B3-4BF2-B5DB-3951E170BFB6}"/>
               </a:ext>
             </a:extLst>
           </p:cNvPr>
           <p:cNvPicPr>
-            <a:picLocks noChangeAspect="1" noChangeArrowheads="1"/>
+            <a:picLocks noChangeAspect="1"/>
           </p:cNvPicPr>
           <p:nvPr/>
         </p:nvPicPr>
         <p:blipFill>
-          <a:blip r:embed="rId6">
-            <a:extLst>
-              <a:ext uri="{28A0092B-C50C-407E-A947-70E740481C1C}">
-                <a14:useLocalDpi xmlns:a14="http://schemas.microsoft.com/office/drawing/2010/main" val="0"/>
-              </a:ext>
-            </a:extLst>
-          </a:blip>
-          <a:srcRect/>
+          <a:blip r:embed="rId6"/>
           <a:stretch>
             <a:fillRect/>
           </a:stretch>
         </p:blipFill>
-        <p:spPr bwMode="auto">
-          <a:xfrm>
-            <a:off x="7698467" y="2937366"/>
-            <a:ext cx="1606488" cy="535496"/>
+        <p:spPr>
+          <a:xfrm>
+            <a:off x="3987849" y="1819916"/>
+            <a:ext cx="2209800" cy="1047750"/>
           </a:xfrm>
           <a:prstGeom prst="rect">
             <a:avLst/>
           </a:prstGeom>
-          <a:noFill/>
-          <a:extLst>
-            <a:ext uri="{909E8E84-426E-40DD-AFC4-6F175D3DCCD1}">
-              <a14:hiddenFill xmlns:a14="http://schemas.microsoft.com/office/drawing/2010/main">
-                <a:solidFill>
-                  <a:srgbClr val="FFFFFF"/>
-                </a:solidFill>
-              </a14:hiddenFill>
-            </a:ext>
-          </a:extLst>
         </p:spPr>
       </p:pic>
       <p:pic>
         <p:nvPicPr>
-          <p:cNvPr id="1034" name="Picture 10">
-            <a:extLst>
-              <a:ext uri="{FF2B5EF4-FFF2-40B4-BE49-F238E27FC236}">
-                <a16:creationId xmlns:a16="http://schemas.microsoft.com/office/drawing/2014/main" id="{CFF974B0-3862-4408-82F6-1A66AB0DEB3F}"/>
+          <p:cNvPr id="22" name="Picture 21">
+            <a:extLst>
+              <a:ext uri="{FF2B5EF4-FFF2-40B4-BE49-F238E27FC236}">
+                <a16:creationId xmlns:a16="http://schemas.microsoft.com/office/drawing/2014/main" id="{F7272881-B9CD-42B9-814F-9EEAB7025BF5}"/>
               </a:ext>
             </a:extLst>
           </p:cNvPr>
           <p:cNvPicPr>
-            <a:picLocks noChangeAspect="1" noChangeArrowheads="1"/>
+            <a:picLocks noChangeAspect="1"/>
           </p:cNvPicPr>
           <p:nvPr/>
         </p:nvPicPr>
         <p:blipFill>
-          <a:blip r:embed="rId7">
-            <a:extLst>
-              <a:ext uri="{28A0092B-C50C-407E-A947-70E740481C1C}">
-                <a14:useLocalDpi xmlns:a14="http://schemas.microsoft.com/office/drawing/2010/main" val="0"/>
-              </a:ext>
-            </a:extLst>
-          </a:blip>
-          <a:srcRect/>
+          <a:blip r:embed="rId7"/>
           <a:stretch>
             <a:fillRect/>
           </a:stretch>
         </p:blipFill>
-        <p:spPr bwMode="auto">
-          <a:xfrm>
-            <a:off x="8289077" y="3589798"/>
-            <a:ext cx="495300" cy="495300"/>
+        <p:spPr>
+          <a:xfrm>
+            <a:off x="190775" y="4791037"/>
+            <a:ext cx="4895850" cy="1343025"/>
           </a:xfrm>
           <a:prstGeom prst="rect">
             <a:avLst/>
           </a:prstGeom>
-          <a:noFill/>
-          <a:extLst>
-            <a:ext uri="{909E8E84-426E-40DD-AFC4-6F175D3DCCD1}">
-              <a14:hiddenFill xmlns:a14="http://schemas.microsoft.com/office/drawing/2010/main">
-                <a:solidFill>
-                  <a:srgbClr val="FFFFFF"/>
-                </a:solidFill>
-              </a14:hiddenFill>
-            </a:ext>
-          </a:extLst>
         </p:spPr>
       </p:pic>
+      <p:cxnSp>
+        <p:nvCxnSpPr>
+          <p:cNvPr id="24" name="Straight Arrow Connector 23">
+            <a:extLst>
+              <a:ext uri="{FF2B5EF4-FFF2-40B4-BE49-F238E27FC236}">
+                <a16:creationId xmlns:a16="http://schemas.microsoft.com/office/drawing/2014/main" id="{2088206B-B78E-4814-905F-7C18C31E079C}"/>
+              </a:ext>
+            </a:extLst>
+          </p:cNvPr>
+          <p:cNvCxnSpPr>
+            <a:cxnSpLocks/>
+          </p:cNvCxnSpPr>
+          <p:nvPr/>
+        </p:nvCxnSpPr>
+        <p:spPr>
+          <a:xfrm flipH="1">
+            <a:off x="106137" y="4461782"/>
+            <a:ext cx="11775801" cy="0"/>
+          </a:xfrm>
+          <a:prstGeom prst="straightConnector1">
+            <a:avLst/>
+          </a:prstGeom>
+          <a:ln>
+            <a:tailEnd type="triangle"/>
+          </a:ln>
+        </p:spPr>
+        <p:style>
+          <a:lnRef idx="1">
+            <a:schemeClr val="accent1"/>
+          </a:lnRef>
+          <a:fillRef idx="0">
+            <a:schemeClr val="accent1"/>
+          </a:fillRef>
+          <a:effectRef idx="0">
+            <a:schemeClr val="accent1"/>
+          </a:effectRef>
+          <a:fontRef idx="minor">
+            <a:schemeClr val="tx1"/>
+          </a:fontRef>
+        </p:style>
+      </p:cxnSp>
+      <p:cxnSp>
+        <p:nvCxnSpPr>
+          <p:cNvPr id="27" name="Straight Arrow Connector 26">
+            <a:extLst>
+              <a:ext uri="{FF2B5EF4-FFF2-40B4-BE49-F238E27FC236}">
+                <a16:creationId xmlns:a16="http://schemas.microsoft.com/office/drawing/2014/main" id="{A2A8F37E-C99D-41D3-ADE7-A9B89618736C}"/>
+              </a:ext>
+            </a:extLst>
+          </p:cNvPr>
+          <p:cNvCxnSpPr>
+            <a:cxnSpLocks/>
+          </p:cNvCxnSpPr>
+          <p:nvPr/>
+        </p:nvCxnSpPr>
+        <p:spPr>
+          <a:xfrm flipV="1">
+            <a:off x="103595" y="2314577"/>
+            <a:ext cx="2539" cy="3851844"/>
+          </a:xfrm>
+          <a:prstGeom prst="straightConnector1">
+            <a:avLst/>
+          </a:prstGeom>
+          <a:ln>
+            <a:tailEnd type="triangle"/>
+          </a:ln>
+        </p:spPr>
+        <p:style>
+          <a:lnRef idx="1">
+            <a:schemeClr val="accent1"/>
+          </a:lnRef>
+          <a:fillRef idx="0">
+            <a:schemeClr val="accent1"/>
+          </a:fillRef>
+          <a:effectRef idx="0">
+            <a:schemeClr val="accent1"/>
+          </a:effectRef>
+          <a:fontRef idx="minor">
+            <a:schemeClr val="tx1"/>
+          </a:fontRef>
+        </p:style>
+      </p:cxnSp>
+      <p:cxnSp>
+        <p:nvCxnSpPr>
+          <p:cNvPr id="29" name="Straight Arrow Connector 28">
+            <a:extLst>
+              <a:ext uri="{FF2B5EF4-FFF2-40B4-BE49-F238E27FC236}">
+                <a16:creationId xmlns:a16="http://schemas.microsoft.com/office/drawing/2014/main" id="{0530AB82-7276-4351-8C75-1E3411D8F69D}"/>
+              </a:ext>
+            </a:extLst>
+          </p:cNvPr>
+          <p:cNvCxnSpPr/>
+          <p:nvPr/>
+        </p:nvCxnSpPr>
+        <p:spPr>
+          <a:xfrm>
+            <a:off x="106133" y="2314575"/>
+            <a:ext cx="159204" cy="0"/>
+          </a:xfrm>
+          <a:prstGeom prst="straightConnector1">
+            <a:avLst/>
+          </a:prstGeom>
+          <a:ln>
+            <a:tailEnd type="triangle"/>
+          </a:ln>
+        </p:spPr>
+        <p:style>
+          <a:lnRef idx="1">
+            <a:schemeClr val="accent1"/>
+          </a:lnRef>
+          <a:fillRef idx="0">
+            <a:schemeClr val="accent1"/>
+          </a:fillRef>
+          <a:effectRef idx="0">
+            <a:schemeClr val="accent1"/>
+          </a:effectRef>
+          <a:fontRef idx="minor">
+            <a:schemeClr val="tx1"/>
+          </a:fontRef>
+        </p:style>
+      </p:cxnSp>
+      <p:cxnSp>
+        <p:nvCxnSpPr>
+          <p:cNvPr id="33" name="Straight Arrow Connector 32">
+            <a:extLst>
+              <a:ext uri="{FF2B5EF4-FFF2-40B4-BE49-F238E27FC236}">
+                <a16:creationId xmlns:a16="http://schemas.microsoft.com/office/drawing/2014/main" id="{1B3B5B09-783F-4394-A4DC-BC145589AF7D}"/>
+              </a:ext>
+            </a:extLst>
+          </p:cNvPr>
+          <p:cNvCxnSpPr>
+            <a:cxnSpLocks/>
+          </p:cNvCxnSpPr>
+          <p:nvPr/>
+        </p:nvCxnSpPr>
+        <p:spPr>
+          <a:xfrm flipH="1">
+            <a:off x="1779816" y="4580164"/>
+            <a:ext cx="4902652" cy="0"/>
+          </a:xfrm>
+          <a:prstGeom prst="straightConnector1">
+            <a:avLst/>
+          </a:prstGeom>
+          <a:ln>
+            <a:tailEnd type="triangle"/>
+          </a:ln>
+        </p:spPr>
+        <p:style>
+          <a:lnRef idx="1">
+            <a:schemeClr val="accent1"/>
+          </a:lnRef>
+          <a:fillRef idx="0">
+            <a:schemeClr val="accent1"/>
+          </a:fillRef>
+          <a:effectRef idx="0">
+            <a:schemeClr val="accent1"/>
+          </a:effectRef>
+          <a:fontRef idx="minor">
+            <a:schemeClr val="tx1"/>
+          </a:fontRef>
+        </p:style>
+      </p:cxnSp>
+      <p:cxnSp>
+        <p:nvCxnSpPr>
+          <p:cNvPr id="35" name="Straight Arrow Connector 34">
+            <a:extLst>
+              <a:ext uri="{FF2B5EF4-FFF2-40B4-BE49-F238E27FC236}">
+                <a16:creationId xmlns:a16="http://schemas.microsoft.com/office/drawing/2014/main" id="{4317FC89-5101-405D-B663-999652792FA1}"/>
+              </a:ext>
+            </a:extLst>
+          </p:cNvPr>
+          <p:cNvCxnSpPr>
+            <a:cxnSpLocks/>
+          </p:cNvCxnSpPr>
+          <p:nvPr/>
+        </p:nvCxnSpPr>
+        <p:spPr>
+          <a:xfrm flipV="1">
+            <a:off x="1779814" y="2358078"/>
+            <a:ext cx="28575" cy="2222087"/>
+          </a:xfrm>
+          <a:prstGeom prst="straightConnector1">
+            <a:avLst/>
+          </a:prstGeom>
+          <a:ln>
+            <a:tailEnd type="triangle"/>
+          </a:ln>
+        </p:spPr>
+        <p:style>
+          <a:lnRef idx="1">
+            <a:schemeClr val="accent1"/>
+          </a:lnRef>
+          <a:fillRef idx="0">
+            <a:schemeClr val="accent1"/>
+          </a:fillRef>
+          <a:effectRef idx="0">
+            <a:schemeClr val="accent1"/>
+          </a:effectRef>
+          <a:fontRef idx="minor">
+            <a:schemeClr val="tx1"/>
+          </a:fontRef>
+        </p:style>
+      </p:cxnSp>
+      <p:cxnSp>
+        <p:nvCxnSpPr>
+          <p:cNvPr id="37" name="Straight Arrow Connector 36">
+            <a:extLst>
+              <a:ext uri="{FF2B5EF4-FFF2-40B4-BE49-F238E27FC236}">
+                <a16:creationId xmlns:a16="http://schemas.microsoft.com/office/drawing/2014/main" id="{55BC1756-D336-4623-BCD1-CE05C3FE1BC9}"/>
+              </a:ext>
+            </a:extLst>
+          </p:cNvPr>
+          <p:cNvCxnSpPr>
+            <a:cxnSpLocks/>
+            <a:endCxn id="12" idx="1"/>
+          </p:cNvCxnSpPr>
+          <p:nvPr/>
+        </p:nvCxnSpPr>
+        <p:spPr>
+          <a:xfrm>
+            <a:off x="1808389" y="2352675"/>
+            <a:ext cx="110402" cy="5404"/>
+          </a:xfrm>
+          <a:prstGeom prst="straightConnector1">
+            <a:avLst/>
+          </a:prstGeom>
+          <a:ln>
+            <a:tailEnd type="triangle"/>
+          </a:ln>
+        </p:spPr>
+        <p:style>
+          <a:lnRef idx="1">
+            <a:schemeClr val="accent1"/>
+          </a:lnRef>
+          <a:fillRef idx="0">
+            <a:schemeClr val="accent1"/>
+          </a:fillRef>
+          <a:effectRef idx="0">
+            <a:schemeClr val="accent1"/>
+          </a:effectRef>
+          <a:fontRef idx="minor">
+            <a:schemeClr val="tx1"/>
+          </a:fontRef>
+        </p:style>
+      </p:cxnSp>
+      <p:cxnSp>
+        <p:nvCxnSpPr>
+          <p:cNvPr id="45" name="Straight Arrow Connector 44">
+            <a:extLst>
+              <a:ext uri="{FF2B5EF4-FFF2-40B4-BE49-F238E27FC236}">
+                <a16:creationId xmlns:a16="http://schemas.microsoft.com/office/drawing/2014/main" id="{DFDB1F02-2B54-4F6A-AE66-5470182824E1}"/>
+              </a:ext>
+            </a:extLst>
+          </p:cNvPr>
+          <p:cNvCxnSpPr/>
+          <p:nvPr/>
+        </p:nvCxnSpPr>
+        <p:spPr>
+          <a:xfrm>
+            <a:off x="6388554" y="3955596"/>
+            <a:ext cx="138792" cy="0"/>
+          </a:xfrm>
+          <a:prstGeom prst="straightConnector1">
+            <a:avLst/>
+          </a:prstGeom>
+          <a:ln>
+            <a:tailEnd type="triangle"/>
+          </a:ln>
+        </p:spPr>
+        <p:style>
+          <a:lnRef idx="1">
+            <a:schemeClr val="accent1"/>
+          </a:lnRef>
+          <a:fillRef idx="0">
+            <a:schemeClr val="accent1"/>
+          </a:fillRef>
+          <a:effectRef idx="0">
+            <a:schemeClr val="accent1"/>
+          </a:effectRef>
+          <a:fontRef idx="minor">
+            <a:schemeClr val="tx1"/>
+          </a:fontRef>
+        </p:style>
+      </p:cxnSp>
+      <p:cxnSp>
+        <p:nvCxnSpPr>
+          <p:cNvPr id="47" name="Straight Arrow Connector 46">
+            <a:extLst>
+              <a:ext uri="{FF2B5EF4-FFF2-40B4-BE49-F238E27FC236}">
+                <a16:creationId xmlns:a16="http://schemas.microsoft.com/office/drawing/2014/main" id="{718525B8-A328-483D-AA22-9E6A2573DE3B}"/>
+              </a:ext>
+            </a:extLst>
+          </p:cNvPr>
+          <p:cNvCxnSpPr>
+            <a:cxnSpLocks/>
+          </p:cNvCxnSpPr>
+          <p:nvPr/>
+        </p:nvCxnSpPr>
+        <p:spPr>
+          <a:xfrm>
+            <a:off x="6527346" y="3955596"/>
+            <a:ext cx="0" cy="506186"/>
+          </a:xfrm>
+          <a:prstGeom prst="straightConnector1">
+            <a:avLst/>
+          </a:prstGeom>
+          <a:ln>
+            <a:tailEnd type="triangle"/>
+          </a:ln>
+        </p:spPr>
+        <p:style>
+          <a:lnRef idx="1">
+            <a:schemeClr val="accent1"/>
+          </a:lnRef>
+          <a:fillRef idx="0">
+            <a:schemeClr val="accent1"/>
+          </a:fillRef>
+          <a:effectRef idx="0">
+            <a:schemeClr val="accent1"/>
+          </a:effectRef>
+          <a:fontRef idx="minor">
+            <a:schemeClr val="tx1"/>
+          </a:fontRef>
+        </p:style>
+      </p:cxnSp>
+      <p:cxnSp>
+        <p:nvCxnSpPr>
+          <p:cNvPr id="53" name="Straight Arrow Connector 52">
+            <a:extLst>
+              <a:ext uri="{FF2B5EF4-FFF2-40B4-BE49-F238E27FC236}">
+                <a16:creationId xmlns:a16="http://schemas.microsoft.com/office/drawing/2014/main" id="{8EA4DFFA-E891-454D-B608-F06B56D753A3}"/>
+              </a:ext>
+            </a:extLst>
+          </p:cNvPr>
+          <p:cNvCxnSpPr/>
+          <p:nvPr/>
+        </p:nvCxnSpPr>
+        <p:spPr>
+          <a:xfrm>
+            <a:off x="6388554" y="4261757"/>
+            <a:ext cx="293914" cy="0"/>
+          </a:xfrm>
+          <a:prstGeom prst="straightConnector1">
+            <a:avLst/>
+          </a:prstGeom>
+          <a:ln>
+            <a:tailEnd type="triangle"/>
+          </a:ln>
+        </p:spPr>
+        <p:style>
+          <a:lnRef idx="1">
+            <a:schemeClr val="accent1"/>
+          </a:lnRef>
+          <a:fillRef idx="0">
+            <a:schemeClr val="accent1"/>
+          </a:fillRef>
+          <a:effectRef idx="0">
+            <a:schemeClr val="accent1"/>
+          </a:effectRef>
+          <a:fontRef idx="minor">
+            <a:schemeClr val="tx1"/>
+          </a:fontRef>
+        </p:style>
+      </p:cxnSp>
+      <p:cxnSp>
+        <p:nvCxnSpPr>
+          <p:cNvPr id="55" name="Straight Arrow Connector 54">
+            <a:extLst>
+              <a:ext uri="{FF2B5EF4-FFF2-40B4-BE49-F238E27FC236}">
+                <a16:creationId xmlns:a16="http://schemas.microsoft.com/office/drawing/2014/main" id="{51400585-8AF6-4B12-96BF-E1AF27F793A8}"/>
+              </a:ext>
+            </a:extLst>
+          </p:cNvPr>
+          <p:cNvCxnSpPr/>
+          <p:nvPr/>
+        </p:nvCxnSpPr>
+        <p:spPr>
+          <a:xfrm>
+            <a:off x="6682468" y="4261757"/>
+            <a:ext cx="0" cy="318407"/>
+          </a:xfrm>
+          <a:prstGeom prst="straightConnector1">
+            <a:avLst/>
+          </a:prstGeom>
+          <a:ln>
+            <a:tailEnd type="triangle"/>
+          </a:ln>
+        </p:spPr>
+        <p:style>
+          <a:lnRef idx="1">
+            <a:schemeClr val="accent1"/>
+          </a:lnRef>
+          <a:fillRef idx="0">
+            <a:schemeClr val="accent1"/>
+          </a:fillRef>
+          <a:effectRef idx="0">
+            <a:schemeClr val="accent1"/>
+          </a:effectRef>
+          <a:fontRef idx="minor">
+            <a:schemeClr val="tx1"/>
+          </a:fontRef>
+        </p:style>
+      </p:cxnSp>
+      <p:cxnSp>
+        <p:nvCxnSpPr>
+          <p:cNvPr id="60" name="Straight Arrow Connector 59">
+            <a:extLst>
+              <a:ext uri="{FF2B5EF4-FFF2-40B4-BE49-F238E27FC236}">
+                <a16:creationId xmlns:a16="http://schemas.microsoft.com/office/drawing/2014/main" id="{934A2F15-F9A7-4792-A7FF-FF382385363C}"/>
+              </a:ext>
+            </a:extLst>
+          </p:cNvPr>
+          <p:cNvCxnSpPr>
+            <a:cxnSpLocks/>
+          </p:cNvCxnSpPr>
+          <p:nvPr/>
+        </p:nvCxnSpPr>
+        <p:spPr>
+          <a:xfrm flipH="1">
+            <a:off x="114302" y="6169441"/>
+            <a:ext cx="5055326" cy="0"/>
+          </a:xfrm>
+          <a:prstGeom prst="straightConnector1">
+            <a:avLst/>
+          </a:prstGeom>
+          <a:ln>
+            <a:tailEnd type="triangle"/>
+          </a:ln>
+        </p:spPr>
+        <p:style>
+          <a:lnRef idx="1">
+            <a:schemeClr val="accent1"/>
+          </a:lnRef>
+          <a:fillRef idx="0">
+            <a:schemeClr val="accent1"/>
+          </a:fillRef>
+          <a:effectRef idx="0">
+            <a:schemeClr val="accent1"/>
+          </a:effectRef>
+          <a:fontRef idx="minor">
+            <a:schemeClr val="tx1"/>
+          </a:fontRef>
+        </p:style>
+      </p:cxnSp>
+      <p:cxnSp>
+        <p:nvCxnSpPr>
+          <p:cNvPr id="63" name="Straight Arrow Connector 62">
+            <a:extLst>
+              <a:ext uri="{FF2B5EF4-FFF2-40B4-BE49-F238E27FC236}">
+                <a16:creationId xmlns:a16="http://schemas.microsoft.com/office/drawing/2014/main" id="{B8978181-9D01-4978-BBDD-98C8BF400640}"/>
+              </a:ext>
+            </a:extLst>
+          </p:cNvPr>
+          <p:cNvCxnSpPr/>
+          <p:nvPr/>
+        </p:nvCxnSpPr>
+        <p:spPr>
+          <a:xfrm>
+            <a:off x="5030836" y="5655091"/>
+            <a:ext cx="138792" cy="0"/>
+          </a:xfrm>
+          <a:prstGeom prst="straightConnector1">
+            <a:avLst/>
+          </a:prstGeom>
+          <a:ln>
+            <a:tailEnd type="triangle"/>
+          </a:ln>
+        </p:spPr>
+        <p:style>
+          <a:lnRef idx="1">
+            <a:schemeClr val="accent1"/>
+          </a:lnRef>
+          <a:fillRef idx="0">
+            <a:schemeClr val="accent1"/>
+          </a:fillRef>
+          <a:effectRef idx="0">
+            <a:schemeClr val="accent1"/>
+          </a:effectRef>
+          <a:fontRef idx="minor">
+            <a:schemeClr val="tx1"/>
+          </a:fontRef>
+        </p:style>
+      </p:cxnSp>
+      <p:cxnSp>
+        <p:nvCxnSpPr>
+          <p:cNvPr id="64" name="Straight Arrow Connector 63">
+            <a:extLst>
+              <a:ext uri="{FF2B5EF4-FFF2-40B4-BE49-F238E27FC236}">
+                <a16:creationId xmlns:a16="http://schemas.microsoft.com/office/drawing/2014/main" id="{066202C7-EAFB-4AEF-9EAD-601D8730D9EB}"/>
+              </a:ext>
+            </a:extLst>
+          </p:cNvPr>
+          <p:cNvCxnSpPr>
+            <a:cxnSpLocks/>
+          </p:cNvCxnSpPr>
+          <p:nvPr/>
+        </p:nvCxnSpPr>
+        <p:spPr>
+          <a:xfrm>
+            <a:off x="5169628" y="5666276"/>
+            <a:ext cx="0" cy="506186"/>
+          </a:xfrm>
+          <a:prstGeom prst="straightConnector1">
+            <a:avLst/>
+          </a:prstGeom>
+          <a:ln>
+            <a:tailEnd type="triangle"/>
+          </a:ln>
+        </p:spPr>
+        <p:style>
+          <a:lnRef idx="1">
+            <a:schemeClr val="accent1"/>
+          </a:lnRef>
+          <a:fillRef idx="0">
+            <a:schemeClr val="accent1"/>
+          </a:fillRef>
+          <a:effectRef idx="0">
+            <a:schemeClr val="accent1"/>
+          </a:effectRef>
+          <a:fontRef idx="minor">
+            <a:schemeClr val="tx1"/>
+          </a:fontRef>
+        </p:style>
+      </p:cxnSp>
+      <p:cxnSp>
+        <p:nvCxnSpPr>
+          <p:cNvPr id="68" name="Straight Arrow Connector 67">
+            <a:extLst>
+              <a:ext uri="{FF2B5EF4-FFF2-40B4-BE49-F238E27FC236}">
+                <a16:creationId xmlns:a16="http://schemas.microsoft.com/office/drawing/2014/main" id="{72DF121A-E452-4294-8A02-34310CDD59DA}"/>
+              </a:ext>
+            </a:extLst>
+          </p:cNvPr>
+          <p:cNvCxnSpPr>
+            <a:cxnSpLocks/>
+          </p:cNvCxnSpPr>
+          <p:nvPr/>
+        </p:nvCxnSpPr>
+        <p:spPr>
+          <a:xfrm>
+            <a:off x="3932648" y="2338387"/>
+            <a:ext cx="110402" cy="5404"/>
+          </a:xfrm>
+          <a:prstGeom prst="straightConnector1">
+            <a:avLst/>
+          </a:prstGeom>
+          <a:ln>
+            <a:tailEnd type="triangle"/>
+          </a:ln>
+        </p:spPr>
+        <p:style>
+          <a:lnRef idx="1">
+            <a:schemeClr val="accent1"/>
+          </a:lnRef>
+          <a:fillRef idx="0">
+            <a:schemeClr val="accent1"/>
+          </a:fillRef>
+          <a:effectRef idx="0">
+            <a:schemeClr val="accent1"/>
+          </a:effectRef>
+          <a:fontRef idx="minor">
+            <a:schemeClr val="tx1"/>
+          </a:fontRef>
+        </p:style>
+      </p:cxnSp>
+      <p:cxnSp>
+        <p:nvCxnSpPr>
+          <p:cNvPr id="69" name="Straight Arrow Connector 68">
+            <a:extLst>
+              <a:ext uri="{FF2B5EF4-FFF2-40B4-BE49-F238E27FC236}">
+                <a16:creationId xmlns:a16="http://schemas.microsoft.com/office/drawing/2014/main" id="{0081D898-83FD-4A56-9499-1B9827BEE38D}"/>
+              </a:ext>
+            </a:extLst>
+          </p:cNvPr>
+          <p:cNvCxnSpPr>
+            <a:cxnSpLocks/>
+          </p:cNvCxnSpPr>
+          <p:nvPr/>
+        </p:nvCxnSpPr>
+        <p:spPr>
+          <a:xfrm flipH="1" flipV="1">
+            <a:off x="3921376" y="2334265"/>
+            <a:ext cx="8734" cy="549768"/>
+          </a:xfrm>
+          <a:prstGeom prst="straightConnector1">
+            <a:avLst/>
+          </a:prstGeom>
+          <a:ln>
+            <a:tailEnd type="triangle"/>
+          </a:ln>
+        </p:spPr>
+        <p:style>
+          <a:lnRef idx="1">
+            <a:schemeClr val="accent1"/>
+          </a:lnRef>
+          <a:fillRef idx="0">
+            <a:schemeClr val="accent1"/>
+          </a:fillRef>
+          <a:effectRef idx="0">
+            <a:schemeClr val="accent1"/>
+          </a:effectRef>
+          <a:fontRef idx="minor">
+            <a:schemeClr val="tx1"/>
+          </a:fontRef>
+        </p:style>
+      </p:cxnSp>
+      <p:cxnSp>
+        <p:nvCxnSpPr>
+          <p:cNvPr id="71" name="Straight Arrow Connector 70">
+            <a:extLst>
+              <a:ext uri="{FF2B5EF4-FFF2-40B4-BE49-F238E27FC236}">
+                <a16:creationId xmlns:a16="http://schemas.microsoft.com/office/drawing/2014/main" id="{74EEC1D8-C6B8-494C-87C6-FE47889315DE}"/>
+              </a:ext>
+            </a:extLst>
+          </p:cNvPr>
+          <p:cNvCxnSpPr>
+            <a:cxnSpLocks/>
+          </p:cNvCxnSpPr>
+          <p:nvPr/>
+        </p:nvCxnSpPr>
+        <p:spPr>
+          <a:xfrm flipH="1">
+            <a:off x="3930112" y="2890157"/>
+            <a:ext cx="2887067" cy="6084"/>
+          </a:xfrm>
+          <a:prstGeom prst="straightConnector1">
+            <a:avLst/>
+          </a:prstGeom>
+          <a:ln>
+            <a:tailEnd type="triangle"/>
+          </a:ln>
+        </p:spPr>
+        <p:style>
+          <a:lnRef idx="1">
+            <a:schemeClr val="accent1"/>
+          </a:lnRef>
+          <a:fillRef idx="0">
+            <a:schemeClr val="accent1"/>
+          </a:fillRef>
+          <a:effectRef idx="0">
+            <a:schemeClr val="accent1"/>
+          </a:effectRef>
+          <a:fontRef idx="minor">
+            <a:schemeClr val="tx1"/>
+          </a:fontRef>
+        </p:style>
+      </p:cxnSp>
+      <p:cxnSp>
+        <p:nvCxnSpPr>
+          <p:cNvPr id="73" name="Straight Arrow Connector 72">
+            <a:extLst>
+              <a:ext uri="{FF2B5EF4-FFF2-40B4-BE49-F238E27FC236}">
+                <a16:creationId xmlns:a16="http://schemas.microsoft.com/office/drawing/2014/main" id="{CE943E26-4E88-4DD7-9673-FF0BC80559CD}"/>
+              </a:ext>
+            </a:extLst>
+          </p:cNvPr>
+          <p:cNvCxnSpPr>
+            <a:cxnSpLocks/>
+          </p:cNvCxnSpPr>
+          <p:nvPr/>
+        </p:nvCxnSpPr>
+        <p:spPr>
+          <a:xfrm flipH="1" flipV="1">
+            <a:off x="6830216" y="2892083"/>
+            <a:ext cx="70" cy="1789416"/>
+          </a:xfrm>
+          <a:prstGeom prst="straightConnector1">
+            <a:avLst/>
+          </a:prstGeom>
+          <a:ln>
+            <a:tailEnd type="triangle"/>
+          </a:ln>
+        </p:spPr>
+        <p:style>
+          <a:lnRef idx="1">
+            <a:schemeClr val="accent1"/>
+          </a:lnRef>
+          <a:fillRef idx="0">
+            <a:schemeClr val="accent1"/>
+          </a:fillRef>
+          <a:effectRef idx="0">
+            <a:schemeClr val="accent1"/>
+          </a:effectRef>
+          <a:fontRef idx="minor">
+            <a:schemeClr val="tx1"/>
+          </a:fontRef>
+        </p:style>
+      </p:cxnSp>
+      <p:cxnSp>
+        <p:nvCxnSpPr>
+          <p:cNvPr id="76" name="Straight Arrow Connector 75">
+            <a:extLst>
+              <a:ext uri="{FF2B5EF4-FFF2-40B4-BE49-F238E27FC236}">
+                <a16:creationId xmlns:a16="http://schemas.microsoft.com/office/drawing/2014/main" id="{18F9A947-49BC-4E65-B995-CA340CC2B1E4}"/>
+              </a:ext>
+            </a:extLst>
+          </p:cNvPr>
+          <p:cNvCxnSpPr>
+            <a:cxnSpLocks/>
+          </p:cNvCxnSpPr>
+          <p:nvPr/>
+        </p:nvCxnSpPr>
+        <p:spPr>
+          <a:xfrm flipV="1">
+            <a:off x="5030836" y="5943567"/>
+            <a:ext cx="255539" cy="1"/>
+          </a:xfrm>
+          <a:prstGeom prst="straightConnector1">
+            <a:avLst/>
+          </a:prstGeom>
+          <a:ln>
+            <a:tailEnd type="triangle"/>
+          </a:ln>
+        </p:spPr>
+        <p:style>
+          <a:lnRef idx="1">
+            <a:schemeClr val="accent1"/>
+          </a:lnRef>
+          <a:fillRef idx="0">
+            <a:schemeClr val="accent1"/>
+          </a:fillRef>
+          <a:effectRef idx="0">
+            <a:schemeClr val="accent1"/>
+          </a:effectRef>
+          <a:fontRef idx="minor">
+            <a:schemeClr val="tx1"/>
+          </a:fontRef>
+        </p:style>
+      </p:cxnSp>
       <p:pic>
         <p:nvPicPr>
-          <p:cNvPr id="1036" name="Picture 12">
-            <a:extLst>
-              <a:ext uri="{FF2B5EF4-FFF2-40B4-BE49-F238E27FC236}">
-                <a16:creationId xmlns:a16="http://schemas.microsoft.com/office/drawing/2014/main" id="{468EA799-C19F-4CCE-A647-5BBFC2849312}"/>
+          <p:cNvPr id="79" name="Picture 78">
+            <a:extLst>
+              <a:ext uri="{FF2B5EF4-FFF2-40B4-BE49-F238E27FC236}">
+                <a16:creationId xmlns:a16="http://schemas.microsoft.com/office/drawing/2014/main" id="{CF6FE2CE-DD37-416B-8942-8984A046A52D}"/>
               </a:ext>
             </a:extLst>
           </p:cNvPr>
           <p:cNvPicPr>
-            <a:picLocks noChangeAspect="1" noChangeArrowheads="1"/>
+            <a:picLocks noChangeAspect="1"/>
           </p:cNvPicPr>
           <p:nvPr/>
         </p:nvPicPr>
         <p:blipFill>
-          <a:blip r:embed="rId8">
-            <a:extLst>
-              <a:ext uri="{28A0092B-C50C-407E-A947-70E740481C1C}">
-                <a14:useLocalDpi xmlns:a14="http://schemas.microsoft.com/office/drawing/2010/main" val="0"/>
-              </a:ext>
-            </a:extLst>
-          </a:blip>
-          <a:srcRect/>
+          <a:blip r:embed="rId8"/>
           <a:stretch>
             <a:fillRect/>
           </a:stretch>
         </p:blipFill>
-        <p:spPr bwMode="auto">
-          <a:xfrm>
-            <a:off x="8289077" y="4227927"/>
-            <a:ext cx="495300" cy="495300"/>
+        <p:spPr>
+          <a:xfrm>
+            <a:off x="6409332" y="1836887"/>
+            <a:ext cx="1933575" cy="1038225"/>
           </a:xfrm>
           <a:prstGeom prst="rect">
             <a:avLst/>
           </a:prstGeom>
-          <a:noFill/>
-          <a:extLst>
-            <a:ext uri="{909E8E84-426E-40DD-AFC4-6F175D3DCCD1}">
-              <a14:hiddenFill xmlns:a14="http://schemas.microsoft.com/office/drawing/2010/main">
-                <a:solidFill>
-                  <a:srgbClr val="FFFFFF"/>
-                </a:solidFill>
-              </a14:hiddenFill>
-            </a:ext>
-          </a:extLst>
         </p:spPr>
       </p:pic>
-      <p:sp>
-        <p:nvSpPr>
-          <p:cNvPr id="3" name="TextBox 2">
-            <a:extLst>
-              <a:ext uri="{FF2B5EF4-FFF2-40B4-BE49-F238E27FC236}">
-                <a16:creationId xmlns:a16="http://schemas.microsoft.com/office/drawing/2014/main" id="{97442BDE-4316-40B5-9C42-723CA92FDFFA}"/>
-              </a:ext>
-            </a:extLst>
-          </p:cNvPr>
-          <p:cNvSpPr txBox="1"/>
-          <p:nvPr/>
-        </p:nvSpPr>
-        <p:spPr>
-          <a:xfrm>
-            <a:off x="2868052" y="4005556"/>
-            <a:ext cx="1581202" cy="646331"/>
-          </a:xfrm>
-          <a:prstGeom prst="rect">
-            <a:avLst/>
-          </a:prstGeom>
-          <a:noFill/>
-        </p:spPr>
-        <p:txBody>
-          <a:bodyPr wrap="none" rtlCol="0">
-            <a:spAutoFit/>
-          </a:bodyPr>
-          <a:lstStyle/>
-          <a:p>
-            <a:pPr algn="ctr"/>
-            <a:r>
-              <a:rPr lang="en-US" dirty="0"/>
-              <a:t>Apache Maven</a:t>
-            </a:r>
-          </a:p>
-          <a:p>
-            <a:pPr algn="ctr"/>
-            <a:r>
-              <a:rPr lang="en-US" dirty="0"/>
-              <a:t>Shade Plugin</a:t>
-            </a:r>
-          </a:p>
-        </p:txBody>
-      </p:sp>
       <p:pic>
         <p:nvPicPr>
-          <p:cNvPr id="7" name="Picture 6">
-            <a:extLst>
-              <a:ext uri="{FF2B5EF4-FFF2-40B4-BE49-F238E27FC236}">
-                <a16:creationId xmlns:a16="http://schemas.microsoft.com/office/drawing/2014/main" id="{DBB98D61-7BD4-4BF1-9505-EA9FC3BBA594}"/>
+          <p:cNvPr id="81" name="Picture 80">
+            <a:extLst>
+              <a:ext uri="{FF2B5EF4-FFF2-40B4-BE49-F238E27FC236}">
+                <a16:creationId xmlns:a16="http://schemas.microsoft.com/office/drawing/2014/main" id="{EFB63622-4F81-4D88-9613-2B76621CCAB6}"/>
               </a:ext>
             </a:extLst>
           </p:cNvPr>
@@ -10298,8 +9192,8 @@
         </p:blipFill>
         <p:spPr>
           <a:xfrm>
-            <a:off x="3658654" y="5485207"/>
-            <a:ext cx="1094697" cy="562987"/>
+            <a:off x="7186295" y="3085420"/>
+            <a:ext cx="4629150" cy="1323975"/>
           </a:xfrm>
           <a:prstGeom prst="rect">
             <a:avLst/>
@@ -10308,508 +9202,804 @@
       </p:pic>
       <p:pic>
         <p:nvPicPr>
-          <p:cNvPr id="1040" name="Picture 16" descr="Image result for sqlite">
-            <a:extLst>
-              <a:ext uri="{FF2B5EF4-FFF2-40B4-BE49-F238E27FC236}">
-                <a16:creationId xmlns:a16="http://schemas.microsoft.com/office/drawing/2014/main" id="{4FA16172-A7CA-4130-8CD9-4E11123FCB7D}"/>
+          <p:cNvPr id="83" name="Picture 82">
+            <a:extLst>
+              <a:ext uri="{FF2B5EF4-FFF2-40B4-BE49-F238E27FC236}">
+                <a16:creationId xmlns:a16="http://schemas.microsoft.com/office/drawing/2014/main" id="{BEE659EF-BED5-4B0A-9E41-9A8E8F29D07D}"/>
               </a:ext>
             </a:extLst>
           </p:cNvPr>
           <p:cNvPicPr>
-            <a:picLocks noChangeAspect="1" noChangeArrowheads="1"/>
+            <a:picLocks noChangeAspect="1"/>
           </p:cNvPicPr>
           <p:nvPr/>
         </p:nvPicPr>
         <p:blipFill>
-          <a:blip r:embed="rId10">
-            <a:extLst>
-              <a:ext uri="{28A0092B-C50C-407E-A947-70E740481C1C}">
-                <a14:useLocalDpi xmlns:a14="http://schemas.microsoft.com/office/drawing/2010/main" val="0"/>
-              </a:ext>
-            </a:extLst>
-          </a:blip>
-          <a:srcRect/>
+          <a:blip r:embed="rId10"/>
           <a:stretch>
             <a:fillRect/>
           </a:stretch>
         </p:blipFill>
-        <p:spPr bwMode="auto">
-          <a:xfrm>
-            <a:off x="10062481" y="2845639"/>
-            <a:ext cx="1871487" cy="887396"/>
+        <p:spPr>
+          <a:xfrm>
+            <a:off x="8554590" y="1836887"/>
+            <a:ext cx="2533650" cy="1038225"/>
           </a:xfrm>
           <a:prstGeom prst="rect">
             <a:avLst/>
           </a:prstGeom>
-          <a:noFill/>
-          <a:extLst>
-            <a:ext uri="{909E8E84-426E-40DD-AFC4-6F175D3DCCD1}">
-              <a14:hiddenFill xmlns:a14="http://schemas.microsoft.com/office/drawing/2010/main">
-                <a:solidFill>
-                  <a:srgbClr val="FFFFFF"/>
-                </a:solidFill>
-              </a14:hiddenFill>
-            </a:ext>
-          </a:extLst>
         </p:spPr>
       </p:pic>
       <p:pic>
         <p:nvPicPr>
-          <p:cNvPr id="1042" name="Picture 18" descr="Image result for DBeaver">
-            <a:extLst>
-              <a:ext uri="{FF2B5EF4-FFF2-40B4-BE49-F238E27FC236}">
-                <a16:creationId xmlns:a16="http://schemas.microsoft.com/office/drawing/2014/main" id="{1DF8E26E-E3C0-41DC-A934-9528BD3B0350}"/>
+          <p:cNvPr id="85" name="Picture 84">
+            <a:extLst>
+              <a:ext uri="{FF2B5EF4-FFF2-40B4-BE49-F238E27FC236}">
+                <a16:creationId xmlns:a16="http://schemas.microsoft.com/office/drawing/2014/main" id="{F57E0352-EB10-4545-9379-7CA7B6D7E81B}"/>
               </a:ext>
             </a:extLst>
           </p:cNvPr>
           <p:cNvPicPr>
-            <a:picLocks noChangeAspect="1" noChangeArrowheads="1"/>
+            <a:picLocks noChangeAspect="1"/>
           </p:cNvPicPr>
           <p:nvPr/>
         </p:nvPicPr>
         <p:blipFill>
-          <a:blip r:embed="rId11">
-            <a:extLst>
-              <a:ext uri="{28A0092B-C50C-407E-A947-70E740481C1C}">
-                <a14:useLocalDpi xmlns:a14="http://schemas.microsoft.com/office/drawing/2010/main" val="0"/>
-              </a:ext>
-            </a:extLst>
-          </a:blip>
-          <a:srcRect/>
+          <a:blip r:embed="rId11"/>
           <a:stretch>
             <a:fillRect/>
           </a:stretch>
         </p:blipFill>
-        <p:spPr bwMode="auto">
-          <a:xfrm>
-            <a:off x="10059299" y="3940935"/>
-            <a:ext cx="1871487" cy="728391"/>
+        <p:spPr>
+          <a:xfrm>
+            <a:off x="6500495" y="4791037"/>
+            <a:ext cx="5314950" cy="1333500"/>
           </a:xfrm>
           <a:prstGeom prst="rect">
             <a:avLst/>
           </a:prstGeom>
-          <a:noFill/>
-          <a:extLst>
-            <a:ext uri="{909E8E84-426E-40DD-AFC4-6F175D3DCCD1}">
-              <a14:hiddenFill xmlns:a14="http://schemas.microsoft.com/office/drawing/2010/main">
-                <a:solidFill>
-                  <a:srgbClr val="FFFFFF"/>
-                </a:solidFill>
-              </a14:hiddenFill>
-            </a:ext>
-          </a:extLst>
         </p:spPr>
       </p:pic>
-      <p:pic>
-        <p:nvPicPr>
-          <p:cNvPr id="1044" name="Picture 20">
-            <a:extLst>
-              <a:ext uri="{FF2B5EF4-FFF2-40B4-BE49-F238E27FC236}">
-                <a16:creationId xmlns:a16="http://schemas.microsoft.com/office/drawing/2014/main" id="{30D6215E-1198-495E-A502-504340CBD2FB}"/>
-              </a:ext>
-            </a:extLst>
-          </p:cNvPr>
-          <p:cNvPicPr>
-            <a:picLocks noChangeAspect="1" noChangeArrowheads="1"/>
-          </p:cNvPicPr>
-          <p:nvPr/>
-        </p:nvPicPr>
-        <p:blipFill>
-          <a:blip r:embed="rId12">
-            <a:extLst>
-              <a:ext uri="{28A0092B-C50C-407E-A947-70E740481C1C}">
-                <a14:useLocalDpi xmlns:a14="http://schemas.microsoft.com/office/drawing/2010/main" val="0"/>
-              </a:ext>
-            </a:extLst>
-          </a:blip>
-          <a:srcRect/>
-          <a:stretch>
-            <a:fillRect/>
-          </a:stretch>
-        </p:blipFill>
-        <p:spPr bwMode="auto">
-          <a:xfrm>
-            <a:off x="835160" y="5450892"/>
-            <a:ext cx="1119796" cy="667428"/>
-          </a:xfrm>
-          <a:prstGeom prst="rect">
-            <a:avLst/>
-          </a:prstGeom>
-          <a:noFill/>
-          <a:extLst>
-            <a:ext uri="{909E8E84-426E-40DD-AFC4-6F175D3DCCD1}">
-              <a14:hiddenFill xmlns:a14="http://schemas.microsoft.com/office/drawing/2010/main">
-                <a:solidFill>
-                  <a:srgbClr val="FFFFFF"/>
-                </a:solidFill>
-              </a14:hiddenFill>
-            </a:ext>
-          </a:extLst>
-        </p:spPr>
-      </p:pic>
-      <p:pic>
-        <p:nvPicPr>
-          <p:cNvPr id="1046" name="Picture 22" descr="Image result for ec2">
-            <a:extLst>
-              <a:ext uri="{FF2B5EF4-FFF2-40B4-BE49-F238E27FC236}">
-                <a16:creationId xmlns:a16="http://schemas.microsoft.com/office/drawing/2014/main" id="{68A93564-6ED8-4F02-AD3E-AE98CE083741}"/>
-              </a:ext>
-            </a:extLst>
-          </p:cNvPr>
-          <p:cNvPicPr>
-            <a:picLocks noChangeAspect="1" noChangeArrowheads="1"/>
-          </p:cNvPicPr>
-          <p:nvPr/>
-        </p:nvPicPr>
-        <p:blipFill>
-          <a:blip r:embed="rId13">
-            <a:extLst>
-              <a:ext uri="{28A0092B-C50C-407E-A947-70E740481C1C}">
-                <a14:useLocalDpi xmlns:a14="http://schemas.microsoft.com/office/drawing/2010/main" val="0"/>
-              </a:ext>
-            </a:extLst>
-          </a:blip>
-          <a:srcRect/>
-          <a:stretch>
-            <a:fillRect/>
-          </a:stretch>
-        </p:blipFill>
-        <p:spPr bwMode="auto">
-          <a:xfrm>
-            <a:off x="1954956" y="5245034"/>
-            <a:ext cx="1703698" cy="957262"/>
-          </a:xfrm>
-          <a:prstGeom prst="rect">
-            <a:avLst/>
-          </a:prstGeom>
-          <a:noFill/>
-          <a:extLst>
-            <a:ext uri="{909E8E84-426E-40DD-AFC4-6F175D3DCCD1}">
-              <a14:hiddenFill xmlns:a14="http://schemas.microsoft.com/office/drawing/2010/main">
-                <a:solidFill>
-                  <a:srgbClr val="FFFFFF"/>
-                </a:solidFill>
-              </a14:hiddenFill>
-            </a:ext>
-          </a:extLst>
-        </p:spPr>
-      </p:pic>
-      <p:pic>
-        <p:nvPicPr>
-          <p:cNvPr id="1048" name="Picture 24" descr="Image result for puTTY">
-            <a:extLst>
-              <a:ext uri="{FF2B5EF4-FFF2-40B4-BE49-F238E27FC236}">
-                <a16:creationId xmlns:a16="http://schemas.microsoft.com/office/drawing/2014/main" id="{B2FB59EB-F404-4A55-8FCF-503A4DA122C7}"/>
-              </a:ext>
-            </a:extLst>
-          </p:cNvPr>
-          <p:cNvPicPr>
-            <a:picLocks noChangeAspect="1" noChangeArrowheads="1"/>
-          </p:cNvPicPr>
-          <p:nvPr/>
-        </p:nvPicPr>
-        <p:blipFill>
-          <a:blip r:embed="rId14">
-            <a:extLst>
-              <a:ext uri="{28A0092B-C50C-407E-A947-70E740481C1C}">
-                <a14:useLocalDpi xmlns:a14="http://schemas.microsoft.com/office/drawing/2010/main" val="0"/>
-              </a:ext>
-            </a:extLst>
-          </a:blip>
-          <a:srcRect/>
-          <a:stretch>
-            <a:fillRect/>
-          </a:stretch>
-        </p:blipFill>
-        <p:spPr bwMode="auto">
-          <a:xfrm>
-            <a:off x="7853647" y="5116960"/>
-            <a:ext cx="1366158" cy="1366158"/>
-          </a:xfrm>
-          <a:prstGeom prst="rect">
-            <a:avLst/>
-          </a:prstGeom>
-          <a:noFill/>
-          <a:extLst>
-            <a:ext uri="{909E8E84-426E-40DD-AFC4-6F175D3DCCD1}">
-              <a14:hiddenFill xmlns:a14="http://schemas.microsoft.com/office/drawing/2010/main">
-                <a:solidFill>
-                  <a:srgbClr val="FFFFFF"/>
-                </a:solidFill>
-              </a14:hiddenFill>
-            </a:ext>
-          </a:extLst>
-        </p:spPr>
-      </p:pic>
-      <p:pic>
-        <p:nvPicPr>
-          <p:cNvPr id="1050" name="Picture 26" descr="Image result for WinSCP">
-            <a:extLst>
-              <a:ext uri="{FF2B5EF4-FFF2-40B4-BE49-F238E27FC236}">
-                <a16:creationId xmlns:a16="http://schemas.microsoft.com/office/drawing/2014/main" id="{47561D82-7C89-4ACA-8230-FE3C7410C591}"/>
-              </a:ext>
-            </a:extLst>
-          </p:cNvPr>
-          <p:cNvPicPr>
-            <a:picLocks noChangeAspect="1" noChangeArrowheads="1"/>
-          </p:cNvPicPr>
-          <p:nvPr/>
-        </p:nvPicPr>
-        <p:blipFill>
-          <a:blip r:embed="rId15">
-            <a:extLst>
-              <a:ext uri="{28A0092B-C50C-407E-A947-70E740481C1C}">
-                <a14:useLocalDpi xmlns:a14="http://schemas.microsoft.com/office/drawing/2010/main" val="0"/>
-              </a:ext>
-            </a:extLst>
-          </a:blip>
-          <a:srcRect/>
-          <a:stretch>
-            <a:fillRect/>
-          </a:stretch>
-        </p:blipFill>
-        <p:spPr bwMode="auto">
-          <a:xfrm>
-            <a:off x="10123757" y="5314942"/>
-            <a:ext cx="1807029" cy="903515"/>
-          </a:xfrm>
-          <a:prstGeom prst="rect">
-            <a:avLst/>
-          </a:prstGeom>
-          <a:noFill/>
-          <a:extLst>
-            <a:ext uri="{909E8E84-426E-40DD-AFC4-6F175D3DCCD1}">
-              <a14:hiddenFill xmlns:a14="http://schemas.microsoft.com/office/drawing/2010/main">
-                <a:solidFill>
-                  <a:srgbClr val="FFFFFF"/>
-                </a:solidFill>
-              </a14:hiddenFill>
-            </a:ext>
-          </a:extLst>
-        </p:spPr>
-      </p:pic>
-      <p:pic>
-        <p:nvPicPr>
-          <p:cNvPr id="1052" name="Picture 28">
-            <a:extLst>
-              <a:ext uri="{FF2B5EF4-FFF2-40B4-BE49-F238E27FC236}">
-                <a16:creationId xmlns:a16="http://schemas.microsoft.com/office/drawing/2014/main" id="{C26A4BEC-38B2-492A-A96F-F8674F548F7F}"/>
-              </a:ext>
-            </a:extLst>
-          </p:cNvPr>
-          <p:cNvPicPr>
-            <a:picLocks noChangeAspect="1" noChangeArrowheads="1"/>
-          </p:cNvPicPr>
-          <p:nvPr/>
-        </p:nvPicPr>
-        <p:blipFill>
-          <a:blip r:embed="rId16">
-            <a:extLst>
-              <a:ext uri="{28A0092B-C50C-407E-A947-70E740481C1C}">
-                <a14:useLocalDpi xmlns:a14="http://schemas.microsoft.com/office/drawing/2010/main" val="0"/>
-              </a:ext>
-            </a:extLst>
-          </a:blip>
-          <a:srcRect/>
-          <a:stretch>
-            <a:fillRect/>
-          </a:stretch>
-        </p:blipFill>
-        <p:spPr bwMode="auto">
-          <a:xfrm>
-            <a:off x="5376862" y="5187718"/>
-            <a:ext cx="1438275" cy="1295400"/>
-          </a:xfrm>
-          <a:prstGeom prst="rect">
-            <a:avLst/>
-          </a:prstGeom>
-          <a:noFill/>
-          <a:extLst>
-            <a:ext uri="{909E8E84-426E-40DD-AFC4-6F175D3DCCD1}">
-              <a14:hiddenFill xmlns:a14="http://schemas.microsoft.com/office/drawing/2010/main">
-                <a:solidFill>
-                  <a:srgbClr val="FFFFFF"/>
-                </a:solidFill>
-              </a14:hiddenFill>
-            </a:ext>
-          </a:extLst>
-        </p:spPr>
-      </p:pic>
-      <p:pic>
-        <p:nvPicPr>
-          <p:cNvPr id="1054" name="Picture 30" descr="Image result for git">
-            <a:extLst>
-              <a:ext uri="{FF2B5EF4-FFF2-40B4-BE49-F238E27FC236}">
-                <a16:creationId xmlns:a16="http://schemas.microsoft.com/office/drawing/2014/main" id="{33DB6825-6D23-4EDE-839B-55BF369340BF}"/>
-              </a:ext>
-            </a:extLst>
-          </p:cNvPr>
-          <p:cNvPicPr>
-            <a:picLocks noChangeAspect="1" noChangeArrowheads="1"/>
-          </p:cNvPicPr>
-          <p:nvPr/>
-        </p:nvPicPr>
-        <p:blipFill>
-          <a:blip r:embed="rId17">
-            <a:extLst>
-              <a:ext uri="{28A0092B-C50C-407E-A947-70E740481C1C}">
-                <a14:useLocalDpi xmlns:a14="http://schemas.microsoft.com/office/drawing/2010/main" val="0"/>
-              </a:ext>
-            </a:extLst>
-          </a:blip>
-          <a:srcRect/>
-          <a:stretch>
-            <a:fillRect/>
-          </a:stretch>
-        </p:blipFill>
-        <p:spPr bwMode="auto">
-          <a:xfrm>
-            <a:off x="10321457" y="1898588"/>
-            <a:ext cx="815289" cy="815289"/>
-          </a:xfrm>
-          <a:prstGeom prst="rect">
-            <a:avLst/>
-          </a:prstGeom>
-          <a:noFill/>
-          <a:extLst>
-            <a:ext uri="{909E8E84-426E-40DD-AFC4-6F175D3DCCD1}">
-              <a14:hiddenFill xmlns:a14="http://schemas.microsoft.com/office/drawing/2010/main">
-                <a:solidFill>
-                  <a:srgbClr val="FFFFFF"/>
-                </a:solidFill>
-              </a14:hiddenFill>
-            </a:ext>
-          </a:extLst>
-        </p:spPr>
-      </p:pic>
-      <p:pic>
-        <p:nvPicPr>
-          <p:cNvPr id="1056" name="Picture 32" descr="Image result for notion">
-            <a:extLst>
-              <a:ext uri="{FF2B5EF4-FFF2-40B4-BE49-F238E27FC236}">
-                <a16:creationId xmlns:a16="http://schemas.microsoft.com/office/drawing/2014/main" id="{FE1479DF-DD01-40BD-9537-953F03F17A9F}"/>
-              </a:ext>
-            </a:extLst>
-          </p:cNvPr>
-          <p:cNvPicPr>
-            <a:picLocks noChangeAspect="1" noChangeArrowheads="1"/>
-          </p:cNvPicPr>
-          <p:nvPr/>
-        </p:nvPicPr>
-        <p:blipFill>
-          <a:blip r:embed="rId18">
-            <a:extLst>
-              <a:ext uri="{28A0092B-C50C-407E-A947-70E740481C1C}">
-                <a14:useLocalDpi xmlns:a14="http://schemas.microsoft.com/office/drawing/2010/main" val="0"/>
-              </a:ext>
-            </a:extLst>
-          </a:blip>
-          <a:srcRect/>
-          <a:stretch>
-            <a:fillRect/>
-          </a:stretch>
-        </p:blipFill>
-        <p:spPr bwMode="auto">
-          <a:xfrm>
-            <a:off x="3251008" y="1909276"/>
-            <a:ext cx="815289" cy="815289"/>
-          </a:xfrm>
-          <a:prstGeom prst="rect">
-            <a:avLst/>
-          </a:prstGeom>
-          <a:noFill/>
-          <a:extLst>
-            <a:ext uri="{909E8E84-426E-40DD-AFC4-6F175D3DCCD1}">
-              <a14:hiddenFill xmlns:a14="http://schemas.microsoft.com/office/drawing/2010/main">
-                <a:solidFill>
-                  <a:srgbClr val="FFFFFF"/>
-                </a:solidFill>
-              </a14:hiddenFill>
-            </a:ext>
-          </a:extLst>
-        </p:spPr>
-      </p:pic>
-      <p:pic>
-        <p:nvPicPr>
-          <p:cNvPr id="1058" name="Picture 34" descr="Image result for slack">
-            <a:extLst>
-              <a:ext uri="{FF2B5EF4-FFF2-40B4-BE49-F238E27FC236}">
-                <a16:creationId xmlns:a16="http://schemas.microsoft.com/office/drawing/2014/main" id="{AAA16DC1-616B-4CC0-B085-08FD1620512C}"/>
-              </a:ext>
-            </a:extLst>
-          </p:cNvPr>
-          <p:cNvPicPr>
-            <a:picLocks noChangeAspect="1" noChangeArrowheads="1"/>
-          </p:cNvPicPr>
-          <p:nvPr/>
-        </p:nvPicPr>
-        <p:blipFill>
-          <a:blip r:embed="rId19">
-            <a:extLst>
-              <a:ext uri="{28A0092B-C50C-407E-A947-70E740481C1C}">
-                <a14:useLocalDpi xmlns:a14="http://schemas.microsoft.com/office/drawing/2010/main" val="0"/>
-              </a:ext>
-            </a:extLst>
-          </a:blip>
-          <a:srcRect/>
-          <a:stretch>
-            <a:fillRect/>
-          </a:stretch>
-        </p:blipFill>
-        <p:spPr bwMode="auto">
-          <a:xfrm>
-            <a:off x="970836" y="1876121"/>
-            <a:ext cx="848444" cy="848444"/>
-          </a:xfrm>
-          <a:prstGeom prst="rect">
-            <a:avLst/>
-          </a:prstGeom>
-          <a:noFill/>
-          <a:extLst>
-            <a:ext uri="{909E8E84-426E-40DD-AFC4-6F175D3DCCD1}">
-              <a14:hiddenFill xmlns:a14="http://schemas.microsoft.com/office/drawing/2010/main">
-                <a:solidFill>
-                  <a:srgbClr val="FFFFFF"/>
-                </a:solidFill>
-              </a14:hiddenFill>
-            </a:ext>
-          </a:extLst>
-        </p:spPr>
-      </p:pic>
-      <p:pic>
-        <p:nvPicPr>
-          <p:cNvPr id="9" name="Picture 8">
-            <a:extLst>
-              <a:ext uri="{FF2B5EF4-FFF2-40B4-BE49-F238E27FC236}">
-                <a16:creationId xmlns:a16="http://schemas.microsoft.com/office/drawing/2014/main" id="{0EE4ADE0-0C93-4E2B-9554-11DD649FF8D9}"/>
-              </a:ext>
-            </a:extLst>
-          </p:cNvPr>
-          <p:cNvPicPr>
-            <a:picLocks noChangeAspect="1"/>
-          </p:cNvPicPr>
-          <p:nvPr/>
-        </p:nvPicPr>
-        <p:blipFill>
-          <a:blip r:embed="rId20"/>
-          <a:stretch>
-            <a:fillRect/>
-          </a:stretch>
-        </p:blipFill>
-        <p:spPr>
-          <a:xfrm>
-            <a:off x="7893789" y="1824831"/>
-            <a:ext cx="1285875" cy="733425"/>
-          </a:xfrm>
-          <a:prstGeom prst="rect">
-            <a:avLst/>
-          </a:prstGeom>
-        </p:spPr>
-      </p:pic>
+      <p:cxnSp>
+        <p:nvCxnSpPr>
+          <p:cNvPr id="93" name="Straight Arrow Connector 92">
+            <a:extLst>
+              <a:ext uri="{FF2B5EF4-FFF2-40B4-BE49-F238E27FC236}">
+                <a16:creationId xmlns:a16="http://schemas.microsoft.com/office/drawing/2014/main" id="{EFA723CB-B363-4344-AA5C-7546740D436B}"/>
+              </a:ext>
+            </a:extLst>
+          </p:cNvPr>
+          <p:cNvCxnSpPr>
+            <a:cxnSpLocks/>
+          </p:cNvCxnSpPr>
+          <p:nvPr/>
+        </p:nvCxnSpPr>
+        <p:spPr>
+          <a:xfrm flipV="1">
+            <a:off x="5286375" y="4695091"/>
+            <a:ext cx="0" cy="1248476"/>
+          </a:xfrm>
+          <a:prstGeom prst="straightConnector1">
+            <a:avLst/>
+          </a:prstGeom>
+          <a:ln>
+            <a:tailEnd type="triangle"/>
+          </a:ln>
+        </p:spPr>
+        <p:style>
+          <a:lnRef idx="1">
+            <a:schemeClr val="accent1"/>
+          </a:lnRef>
+          <a:fillRef idx="0">
+            <a:schemeClr val="accent1"/>
+          </a:fillRef>
+          <a:effectRef idx="0">
+            <a:schemeClr val="accent1"/>
+          </a:effectRef>
+          <a:fontRef idx="minor">
+            <a:schemeClr val="tx1"/>
+          </a:fontRef>
+        </p:style>
+      </p:cxnSp>
+      <p:cxnSp>
+        <p:nvCxnSpPr>
+          <p:cNvPr id="95" name="Straight Arrow Connector 94">
+            <a:extLst>
+              <a:ext uri="{FF2B5EF4-FFF2-40B4-BE49-F238E27FC236}">
+                <a16:creationId xmlns:a16="http://schemas.microsoft.com/office/drawing/2014/main" id="{4883CDBB-2F87-4C12-B9B9-489865063DEE}"/>
+              </a:ext>
+            </a:extLst>
+          </p:cNvPr>
+          <p:cNvCxnSpPr>
+            <a:cxnSpLocks/>
+          </p:cNvCxnSpPr>
+          <p:nvPr/>
+        </p:nvCxnSpPr>
+        <p:spPr>
+          <a:xfrm flipV="1">
+            <a:off x="5286375" y="4682860"/>
+            <a:ext cx="1549173" cy="12231"/>
+          </a:xfrm>
+          <a:prstGeom prst="straightConnector1">
+            <a:avLst/>
+          </a:prstGeom>
+          <a:ln>
+            <a:tailEnd type="triangle"/>
+          </a:ln>
+        </p:spPr>
+        <p:style>
+          <a:lnRef idx="1">
+            <a:schemeClr val="accent1"/>
+          </a:lnRef>
+          <a:fillRef idx="0">
+            <a:schemeClr val="accent1"/>
+          </a:fillRef>
+          <a:effectRef idx="0">
+            <a:schemeClr val="accent1"/>
+          </a:effectRef>
+          <a:fontRef idx="minor">
+            <a:schemeClr val="tx1"/>
+          </a:fontRef>
+        </p:style>
+      </p:cxnSp>
+      <p:cxnSp>
+        <p:nvCxnSpPr>
+          <p:cNvPr id="101" name="Straight Arrow Connector 100">
+            <a:extLst>
+              <a:ext uri="{FF2B5EF4-FFF2-40B4-BE49-F238E27FC236}">
+                <a16:creationId xmlns:a16="http://schemas.microsoft.com/office/drawing/2014/main" id="{B5196BE7-087E-4BB5-96C8-0738398595DB}"/>
+              </a:ext>
+            </a:extLst>
+          </p:cNvPr>
+          <p:cNvCxnSpPr>
+            <a:cxnSpLocks/>
+          </p:cNvCxnSpPr>
+          <p:nvPr/>
+        </p:nvCxnSpPr>
+        <p:spPr>
+          <a:xfrm>
+            <a:off x="6354131" y="2347271"/>
+            <a:ext cx="110402" cy="5404"/>
+          </a:xfrm>
+          <a:prstGeom prst="straightConnector1">
+            <a:avLst/>
+          </a:prstGeom>
+          <a:ln>
+            <a:tailEnd type="triangle"/>
+          </a:ln>
+        </p:spPr>
+        <p:style>
+          <a:lnRef idx="1">
+            <a:schemeClr val="accent1"/>
+          </a:lnRef>
+          <a:fillRef idx="0">
+            <a:schemeClr val="accent1"/>
+          </a:fillRef>
+          <a:effectRef idx="0">
+            <a:schemeClr val="accent1"/>
+          </a:effectRef>
+          <a:fontRef idx="minor">
+            <a:schemeClr val="tx1"/>
+          </a:fontRef>
+        </p:style>
+      </p:cxnSp>
+      <p:cxnSp>
+        <p:nvCxnSpPr>
+          <p:cNvPr id="102" name="Straight Arrow Connector 101">
+            <a:extLst>
+              <a:ext uri="{FF2B5EF4-FFF2-40B4-BE49-F238E27FC236}">
+                <a16:creationId xmlns:a16="http://schemas.microsoft.com/office/drawing/2014/main" id="{AF19C5C4-AB90-48EF-91B3-7AB10B7A06D6}"/>
+              </a:ext>
+            </a:extLst>
+          </p:cNvPr>
+          <p:cNvCxnSpPr>
+            <a:cxnSpLocks/>
+          </p:cNvCxnSpPr>
+          <p:nvPr/>
+        </p:nvCxnSpPr>
+        <p:spPr>
+          <a:xfrm flipH="1" flipV="1">
+            <a:off x="6345397" y="2349312"/>
+            <a:ext cx="8734" cy="640162"/>
+          </a:xfrm>
+          <a:prstGeom prst="straightConnector1">
+            <a:avLst/>
+          </a:prstGeom>
+          <a:ln>
+            <a:tailEnd type="triangle"/>
+          </a:ln>
+        </p:spPr>
+        <p:style>
+          <a:lnRef idx="1">
+            <a:schemeClr val="accent1"/>
+          </a:lnRef>
+          <a:fillRef idx="0">
+            <a:schemeClr val="accent1"/>
+          </a:fillRef>
+          <a:effectRef idx="0">
+            <a:schemeClr val="accent1"/>
+          </a:effectRef>
+          <a:fontRef idx="minor">
+            <a:schemeClr val="tx1"/>
+          </a:fontRef>
+        </p:style>
+      </p:cxnSp>
+      <p:cxnSp>
+        <p:nvCxnSpPr>
+          <p:cNvPr id="104" name="Straight Arrow Connector 103">
+            <a:extLst>
+              <a:ext uri="{FF2B5EF4-FFF2-40B4-BE49-F238E27FC236}">
+                <a16:creationId xmlns:a16="http://schemas.microsoft.com/office/drawing/2014/main" id="{3566466E-5BB2-452C-8C53-2F829C817EDD}"/>
+              </a:ext>
+            </a:extLst>
+          </p:cNvPr>
+          <p:cNvCxnSpPr>
+            <a:cxnSpLocks/>
+          </p:cNvCxnSpPr>
+          <p:nvPr/>
+        </p:nvCxnSpPr>
+        <p:spPr>
+          <a:xfrm flipH="1">
+            <a:off x="6354590" y="2994173"/>
+            <a:ext cx="766027" cy="0"/>
+          </a:xfrm>
+          <a:prstGeom prst="straightConnector1">
+            <a:avLst/>
+          </a:prstGeom>
+          <a:ln>
+            <a:tailEnd type="triangle"/>
+          </a:ln>
+        </p:spPr>
+        <p:style>
+          <a:lnRef idx="1">
+            <a:schemeClr val="accent1"/>
+          </a:lnRef>
+          <a:fillRef idx="0">
+            <a:schemeClr val="accent1"/>
+          </a:fillRef>
+          <a:effectRef idx="0">
+            <a:schemeClr val="accent1"/>
+          </a:effectRef>
+          <a:fontRef idx="minor">
+            <a:schemeClr val="tx1"/>
+          </a:fontRef>
+        </p:style>
+      </p:cxnSp>
+      <p:cxnSp>
+        <p:nvCxnSpPr>
+          <p:cNvPr id="106" name="Straight Arrow Connector 105">
+            <a:extLst>
+              <a:ext uri="{FF2B5EF4-FFF2-40B4-BE49-F238E27FC236}">
+                <a16:creationId xmlns:a16="http://schemas.microsoft.com/office/drawing/2014/main" id="{AB3AE31F-DB6D-4DB2-B71C-F31AA0C3BBB2}"/>
+              </a:ext>
+            </a:extLst>
+          </p:cNvPr>
+          <p:cNvCxnSpPr>
+            <a:cxnSpLocks/>
+          </p:cNvCxnSpPr>
+          <p:nvPr/>
+        </p:nvCxnSpPr>
+        <p:spPr>
+          <a:xfrm flipV="1">
+            <a:off x="7120617" y="3001721"/>
+            <a:ext cx="0" cy="1578443"/>
+          </a:xfrm>
+          <a:prstGeom prst="straightConnector1">
+            <a:avLst/>
+          </a:prstGeom>
+          <a:ln>
+            <a:tailEnd type="triangle"/>
+          </a:ln>
+        </p:spPr>
+        <p:style>
+          <a:lnRef idx="1">
+            <a:schemeClr val="accent1"/>
+          </a:lnRef>
+          <a:fillRef idx="0">
+            <a:schemeClr val="accent1"/>
+          </a:fillRef>
+          <a:effectRef idx="0">
+            <a:schemeClr val="accent1"/>
+          </a:effectRef>
+          <a:fontRef idx="minor">
+            <a:schemeClr val="tx1"/>
+          </a:fontRef>
+        </p:style>
+      </p:cxnSp>
+      <p:cxnSp>
+        <p:nvCxnSpPr>
+          <p:cNvPr id="111" name="Straight Arrow Connector 110">
+            <a:extLst>
+              <a:ext uri="{FF2B5EF4-FFF2-40B4-BE49-F238E27FC236}">
+                <a16:creationId xmlns:a16="http://schemas.microsoft.com/office/drawing/2014/main" id="{A8BAD738-7959-4B5D-A1D3-6F8D2FCF8DF7}"/>
+              </a:ext>
+            </a:extLst>
+          </p:cNvPr>
+          <p:cNvCxnSpPr/>
+          <p:nvPr/>
+        </p:nvCxnSpPr>
+        <p:spPr>
+          <a:xfrm>
+            <a:off x="11743328" y="3955596"/>
+            <a:ext cx="138792" cy="0"/>
+          </a:xfrm>
+          <a:prstGeom prst="straightConnector1">
+            <a:avLst/>
+          </a:prstGeom>
+          <a:ln>
+            <a:tailEnd type="triangle"/>
+          </a:ln>
+        </p:spPr>
+        <p:style>
+          <a:lnRef idx="1">
+            <a:schemeClr val="accent1"/>
+          </a:lnRef>
+          <a:fillRef idx="0">
+            <a:schemeClr val="accent1"/>
+          </a:fillRef>
+          <a:effectRef idx="0">
+            <a:schemeClr val="accent1"/>
+          </a:effectRef>
+          <a:fontRef idx="minor">
+            <a:schemeClr val="tx1"/>
+          </a:fontRef>
+        </p:style>
+      </p:cxnSp>
+      <p:cxnSp>
+        <p:nvCxnSpPr>
+          <p:cNvPr id="112" name="Straight Arrow Connector 111">
+            <a:extLst>
+              <a:ext uri="{FF2B5EF4-FFF2-40B4-BE49-F238E27FC236}">
+                <a16:creationId xmlns:a16="http://schemas.microsoft.com/office/drawing/2014/main" id="{F21275EF-4FF4-408E-8C45-D8B26CFE9369}"/>
+              </a:ext>
+            </a:extLst>
+          </p:cNvPr>
+          <p:cNvCxnSpPr>
+            <a:cxnSpLocks/>
+          </p:cNvCxnSpPr>
+          <p:nvPr/>
+        </p:nvCxnSpPr>
+        <p:spPr>
+          <a:xfrm>
+            <a:off x="11883480" y="3955596"/>
+            <a:ext cx="0" cy="506186"/>
+          </a:xfrm>
+          <a:prstGeom prst="straightConnector1">
+            <a:avLst/>
+          </a:prstGeom>
+          <a:ln>
+            <a:tailEnd type="triangle"/>
+          </a:ln>
+        </p:spPr>
+        <p:style>
+          <a:lnRef idx="1">
+            <a:schemeClr val="accent1"/>
+          </a:lnRef>
+          <a:fillRef idx="0">
+            <a:schemeClr val="accent1"/>
+          </a:fillRef>
+          <a:effectRef idx="0">
+            <a:schemeClr val="accent1"/>
+          </a:effectRef>
+          <a:fontRef idx="minor">
+            <a:schemeClr val="tx1"/>
+          </a:fontRef>
+        </p:style>
+      </p:cxnSp>
+      <p:cxnSp>
+        <p:nvCxnSpPr>
+          <p:cNvPr id="115" name="Straight Arrow Connector 114">
+            <a:extLst>
+              <a:ext uri="{FF2B5EF4-FFF2-40B4-BE49-F238E27FC236}">
+                <a16:creationId xmlns:a16="http://schemas.microsoft.com/office/drawing/2014/main" id="{BB46FFB7-AF23-401B-BB65-A699084820A5}"/>
+              </a:ext>
+            </a:extLst>
+          </p:cNvPr>
+          <p:cNvCxnSpPr>
+            <a:cxnSpLocks/>
+          </p:cNvCxnSpPr>
+          <p:nvPr/>
+        </p:nvCxnSpPr>
+        <p:spPr>
+          <a:xfrm flipH="1">
+            <a:off x="7120617" y="4580164"/>
+            <a:ext cx="4872717" cy="0"/>
+          </a:xfrm>
+          <a:prstGeom prst="straightConnector1">
+            <a:avLst/>
+          </a:prstGeom>
+          <a:ln>
+            <a:tailEnd type="triangle"/>
+          </a:ln>
+        </p:spPr>
+        <p:style>
+          <a:lnRef idx="1">
+            <a:schemeClr val="accent1"/>
+          </a:lnRef>
+          <a:fillRef idx="0">
+            <a:schemeClr val="accent1"/>
+          </a:fillRef>
+          <a:effectRef idx="0">
+            <a:schemeClr val="accent1"/>
+          </a:effectRef>
+          <a:fontRef idx="minor">
+            <a:schemeClr val="tx1"/>
+          </a:fontRef>
+        </p:style>
+      </p:cxnSp>
+      <p:cxnSp>
+        <p:nvCxnSpPr>
+          <p:cNvPr id="117" name="Straight Arrow Connector 116">
+            <a:extLst>
+              <a:ext uri="{FF2B5EF4-FFF2-40B4-BE49-F238E27FC236}">
+                <a16:creationId xmlns:a16="http://schemas.microsoft.com/office/drawing/2014/main" id="{1FEC7C9A-8B1B-46A5-821B-2B7866D36452}"/>
+              </a:ext>
+            </a:extLst>
+          </p:cNvPr>
+          <p:cNvCxnSpPr>
+            <a:cxnSpLocks/>
+          </p:cNvCxnSpPr>
+          <p:nvPr/>
+        </p:nvCxnSpPr>
+        <p:spPr>
+          <a:xfrm flipV="1">
+            <a:off x="11743328" y="4240499"/>
+            <a:ext cx="250006" cy="2208"/>
+          </a:xfrm>
+          <a:prstGeom prst="straightConnector1">
+            <a:avLst/>
+          </a:prstGeom>
+          <a:ln>
+            <a:tailEnd type="triangle"/>
+          </a:ln>
+        </p:spPr>
+        <p:style>
+          <a:lnRef idx="1">
+            <a:schemeClr val="accent1"/>
+          </a:lnRef>
+          <a:fillRef idx="0">
+            <a:schemeClr val="accent1"/>
+          </a:fillRef>
+          <a:effectRef idx="0">
+            <a:schemeClr val="accent1"/>
+          </a:effectRef>
+          <a:fontRef idx="minor">
+            <a:schemeClr val="tx1"/>
+          </a:fontRef>
+        </p:style>
+      </p:cxnSp>
+      <p:cxnSp>
+        <p:nvCxnSpPr>
+          <p:cNvPr id="119" name="Straight Arrow Connector 118">
+            <a:extLst>
+              <a:ext uri="{FF2B5EF4-FFF2-40B4-BE49-F238E27FC236}">
+                <a16:creationId xmlns:a16="http://schemas.microsoft.com/office/drawing/2014/main" id="{CE5D1358-F6C0-4B8C-98D2-F4A33CE1F7BC}"/>
+              </a:ext>
+            </a:extLst>
+          </p:cNvPr>
+          <p:cNvCxnSpPr>
+            <a:cxnSpLocks/>
+          </p:cNvCxnSpPr>
+          <p:nvPr/>
+        </p:nvCxnSpPr>
+        <p:spPr>
+          <a:xfrm>
+            <a:off x="11993334" y="4240666"/>
+            <a:ext cx="0" cy="339498"/>
+          </a:xfrm>
+          <a:prstGeom prst="straightConnector1">
+            <a:avLst/>
+          </a:prstGeom>
+          <a:ln>
+            <a:tailEnd type="triangle"/>
+          </a:ln>
+        </p:spPr>
+        <p:style>
+          <a:lnRef idx="1">
+            <a:schemeClr val="accent1"/>
+          </a:lnRef>
+          <a:fillRef idx="0">
+            <a:schemeClr val="accent1"/>
+          </a:fillRef>
+          <a:effectRef idx="0">
+            <a:schemeClr val="accent1"/>
+          </a:effectRef>
+          <a:fontRef idx="minor">
+            <a:schemeClr val="tx1"/>
+          </a:fontRef>
+        </p:style>
+      </p:cxnSp>
+      <p:cxnSp>
+        <p:nvCxnSpPr>
+          <p:cNvPr id="122" name="Straight Arrow Connector 121">
+            <a:extLst>
+              <a:ext uri="{FF2B5EF4-FFF2-40B4-BE49-F238E27FC236}">
+                <a16:creationId xmlns:a16="http://schemas.microsoft.com/office/drawing/2014/main" id="{0D6AC4F6-FD7B-41F0-9B0E-E2DDE7BCEF8C}"/>
+              </a:ext>
+            </a:extLst>
+          </p:cNvPr>
+          <p:cNvCxnSpPr>
+            <a:cxnSpLocks/>
+          </p:cNvCxnSpPr>
+          <p:nvPr/>
+        </p:nvCxnSpPr>
+        <p:spPr>
+          <a:xfrm>
+            <a:off x="11761200" y="5655091"/>
+            <a:ext cx="137970" cy="11185"/>
+          </a:xfrm>
+          <a:prstGeom prst="straightConnector1">
+            <a:avLst/>
+          </a:prstGeom>
+          <a:ln>
+            <a:tailEnd type="triangle"/>
+          </a:ln>
+        </p:spPr>
+        <p:style>
+          <a:lnRef idx="1">
+            <a:schemeClr val="accent1"/>
+          </a:lnRef>
+          <a:fillRef idx="0">
+            <a:schemeClr val="accent1"/>
+          </a:fillRef>
+          <a:effectRef idx="0">
+            <a:schemeClr val="accent1"/>
+          </a:effectRef>
+          <a:fontRef idx="minor">
+            <a:schemeClr val="tx1"/>
+          </a:fontRef>
+        </p:style>
+      </p:cxnSp>
+      <p:cxnSp>
+        <p:nvCxnSpPr>
+          <p:cNvPr id="123" name="Straight Arrow Connector 122">
+            <a:extLst>
+              <a:ext uri="{FF2B5EF4-FFF2-40B4-BE49-F238E27FC236}">
+                <a16:creationId xmlns:a16="http://schemas.microsoft.com/office/drawing/2014/main" id="{6D3C5FC9-6DDC-401C-B714-520DC14A35A8}"/>
+              </a:ext>
+            </a:extLst>
+          </p:cNvPr>
+          <p:cNvCxnSpPr>
+            <a:cxnSpLocks/>
+          </p:cNvCxnSpPr>
+          <p:nvPr/>
+        </p:nvCxnSpPr>
+        <p:spPr>
+          <a:xfrm flipH="1" flipV="1">
+            <a:off x="11881938" y="4461782"/>
+            <a:ext cx="182" cy="1193309"/>
+          </a:xfrm>
+          <a:prstGeom prst="straightConnector1">
+            <a:avLst/>
+          </a:prstGeom>
+          <a:ln>
+            <a:tailEnd type="triangle"/>
+          </a:ln>
+        </p:spPr>
+        <p:style>
+          <a:lnRef idx="1">
+            <a:schemeClr val="accent1"/>
+          </a:lnRef>
+          <a:fillRef idx="0">
+            <a:schemeClr val="accent1"/>
+          </a:fillRef>
+          <a:effectRef idx="0">
+            <a:schemeClr val="accent1"/>
+          </a:effectRef>
+          <a:fontRef idx="minor">
+            <a:schemeClr val="tx1"/>
+          </a:fontRef>
+        </p:style>
+      </p:cxnSp>
+      <p:cxnSp>
+        <p:nvCxnSpPr>
+          <p:cNvPr id="128" name="Straight Arrow Connector 127">
+            <a:extLst>
+              <a:ext uri="{FF2B5EF4-FFF2-40B4-BE49-F238E27FC236}">
+                <a16:creationId xmlns:a16="http://schemas.microsoft.com/office/drawing/2014/main" id="{C6720EB1-7702-4DB3-BD7E-84A804F983ED}"/>
+              </a:ext>
+            </a:extLst>
+          </p:cNvPr>
+          <p:cNvCxnSpPr>
+            <a:cxnSpLocks/>
+          </p:cNvCxnSpPr>
+          <p:nvPr/>
+        </p:nvCxnSpPr>
+        <p:spPr>
+          <a:xfrm>
+            <a:off x="11761200" y="5963751"/>
+            <a:ext cx="327205" cy="0"/>
+          </a:xfrm>
+          <a:prstGeom prst="straightConnector1">
+            <a:avLst/>
+          </a:prstGeom>
+          <a:ln>
+            <a:tailEnd type="triangle"/>
+          </a:ln>
+        </p:spPr>
+        <p:style>
+          <a:lnRef idx="1">
+            <a:schemeClr val="accent1"/>
+          </a:lnRef>
+          <a:fillRef idx="0">
+            <a:schemeClr val="accent1"/>
+          </a:fillRef>
+          <a:effectRef idx="0">
+            <a:schemeClr val="accent1"/>
+          </a:effectRef>
+          <a:fontRef idx="minor">
+            <a:schemeClr val="tx1"/>
+          </a:fontRef>
+        </p:style>
+      </p:cxnSp>
+      <p:cxnSp>
+        <p:nvCxnSpPr>
+          <p:cNvPr id="136" name="Straight Arrow Connector 135">
+            <a:extLst>
+              <a:ext uri="{FF2B5EF4-FFF2-40B4-BE49-F238E27FC236}">
+                <a16:creationId xmlns:a16="http://schemas.microsoft.com/office/drawing/2014/main" id="{5BEA2511-D74A-4AC2-984D-B41FAC488FAC}"/>
+              </a:ext>
+            </a:extLst>
+          </p:cNvPr>
+          <p:cNvCxnSpPr>
+            <a:cxnSpLocks/>
+          </p:cNvCxnSpPr>
+          <p:nvPr/>
+        </p:nvCxnSpPr>
+        <p:spPr>
+          <a:xfrm flipV="1">
+            <a:off x="12077721" y="2939143"/>
+            <a:ext cx="0" cy="3024608"/>
+          </a:xfrm>
+          <a:prstGeom prst="straightConnector1">
+            <a:avLst/>
+          </a:prstGeom>
+          <a:ln>
+            <a:tailEnd type="triangle"/>
+          </a:ln>
+        </p:spPr>
+        <p:style>
+          <a:lnRef idx="1">
+            <a:schemeClr val="accent1"/>
+          </a:lnRef>
+          <a:fillRef idx="0">
+            <a:schemeClr val="accent1"/>
+          </a:fillRef>
+          <a:effectRef idx="0">
+            <a:schemeClr val="accent1"/>
+          </a:effectRef>
+          <a:fontRef idx="minor">
+            <a:schemeClr val="tx1"/>
+          </a:fontRef>
+        </p:style>
+      </p:cxnSp>
+      <p:cxnSp>
+        <p:nvCxnSpPr>
+          <p:cNvPr id="138" name="Straight Arrow Connector 137">
+            <a:extLst>
+              <a:ext uri="{FF2B5EF4-FFF2-40B4-BE49-F238E27FC236}">
+                <a16:creationId xmlns:a16="http://schemas.microsoft.com/office/drawing/2014/main" id="{ADAE7034-9280-4318-AFFD-26940683CB38}"/>
+              </a:ext>
+            </a:extLst>
+          </p:cNvPr>
+          <p:cNvCxnSpPr>
+            <a:cxnSpLocks/>
+          </p:cNvCxnSpPr>
+          <p:nvPr/>
+        </p:nvCxnSpPr>
+        <p:spPr>
+          <a:xfrm flipH="1">
+            <a:off x="8503104" y="2939143"/>
+            <a:ext cx="3574618" cy="0"/>
+          </a:xfrm>
+          <a:prstGeom prst="straightConnector1">
+            <a:avLst/>
+          </a:prstGeom>
+          <a:ln>
+            <a:tailEnd type="triangle"/>
+          </a:ln>
+        </p:spPr>
+        <p:style>
+          <a:lnRef idx="1">
+            <a:schemeClr val="accent1"/>
+          </a:lnRef>
+          <a:fillRef idx="0">
+            <a:schemeClr val="accent1"/>
+          </a:fillRef>
+          <a:effectRef idx="0">
+            <a:schemeClr val="accent1"/>
+          </a:effectRef>
+          <a:fontRef idx="minor">
+            <a:schemeClr val="tx1"/>
+          </a:fontRef>
+        </p:style>
+      </p:cxnSp>
+      <p:cxnSp>
+        <p:nvCxnSpPr>
+          <p:cNvPr id="140" name="Straight Arrow Connector 139">
+            <a:extLst>
+              <a:ext uri="{FF2B5EF4-FFF2-40B4-BE49-F238E27FC236}">
+                <a16:creationId xmlns:a16="http://schemas.microsoft.com/office/drawing/2014/main" id="{E8EBD8E0-323F-4724-A085-29DCD18CE116}"/>
+              </a:ext>
+            </a:extLst>
+          </p:cNvPr>
+          <p:cNvCxnSpPr>
+            <a:cxnSpLocks/>
+          </p:cNvCxnSpPr>
+          <p:nvPr/>
+        </p:nvCxnSpPr>
+        <p:spPr>
+          <a:xfrm flipH="1" flipV="1">
+            <a:off x="8490724" y="2334265"/>
+            <a:ext cx="12380" cy="603595"/>
+          </a:xfrm>
+          <a:prstGeom prst="straightConnector1">
+            <a:avLst/>
+          </a:prstGeom>
+          <a:ln>
+            <a:tailEnd type="triangle"/>
+          </a:ln>
+        </p:spPr>
+        <p:style>
+          <a:lnRef idx="1">
+            <a:schemeClr val="accent1"/>
+          </a:lnRef>
+          <a:fillRef idx="0">
+            <a:schemeClr val="accent1"/>
+          </a:fillRef>
+          <a:effectRef idx="0">
+            <a:schemeClr val="accent1"/>
+          </a:effectRef>
+          <a:fontRef idx="minor">
+            <a:schemeClr val="tx1"/>
+          </a:fontRef>
+        </p:style>
+      </p:cxnSp>
+      <p:cxnSp>
+        <p:nvCxnSpPr>
+          <p:cNvPr id="142" name="Straight Arrow Connector 141">
+            <a:extLst>
+              <a:ext uri="{FF2B5EF4-FFF2-40B4-BE49-F238E27FC236}">
+                <a16:creationId xmlns:a16="http://schemas.microsoft.com/office/drawing/2014/main" id="{0CA521B4-291E-43AD-8D37-414DCAD5378A}"/>
+              </a:ext>
+            </a:extLst>
+          </p:cNvPr>
+          <p:cNvCxnSpPr>
+            <a:cxnSpLocks/>
+          </p:cNvCxnSpPr>
+          <p:nvPr/>
+        </p:nvCxnSpPr>
+        <p:spPr>
+          <a:xfrm>
+            <a:off x="8508914" y="2344569"/>
+            <a:ext cx="110402" cy="5404"/>
+          </a:xfrm>
+          <a:prstGeom prst="straightConnector1">
+            <a:avLst/>
+          </a:prstGeom>
+          <a:ln>
+            <a:tailEnd type="triangle"/>
+          </a:ln>
+        </p:spPr>
+        <p:style>
+          <a:lnRef idx="1">
+            <a:schemeClr val="accent1"/>
+          </a:lnRef>
+          <a:fillRef idx="0">
+            <a:schemeClr val="accent1"/>
+          </a:fillRef>
+          <a:effectRef idx="0">
+            <a:schemeClr val="accent1"/>
+          </a:effectRef>
+          <a:fontRef idx="minor">
+            <a:schemeClr val="tx1"/>
+          </a:fontRef>
+        </p:style>
+      </p:cxnSp>
     </p:spTree>
     <p:extLst>
       <p:ext uri="{BB962C8B-B14F-4D97-AF65-F5344CB8AC3E}">
-        <p14:creationId xmlns:p14="http://schemas.microsoft.com/office/powerpoint/2010/main" val="2361147828"/>
+        <p14:creationId xmlns:p14="http://schemas.microsoft.com/office/powerpoint/2010/main" val="1660754629"/>
       </p:ext>
     </p:extLst>
   </p:cSld>
@@ -10891,6 +10081,951 @@
               <a:rPr lang="en-US" dirty="0">
                 <a:latin typeface="+mn-lt"/>
               </a:rPr>
+              <a:t>Development Tools</a:t>
+            </a:r>
+          </a:p>
+        </p:txBody>
+      </p:sp>
+      <p:pic>
+        <p:nvPicPr>
+          <p:cNvPr id="1026" name="Picture 2" descr="Image result for java">
+            <a:extLst>
+              <a:ext uri="{FF2B5EF4-FFF2-40B4-BE49-F238E27FC236}">
+                <a16:creationId xmlns:a16="http://schemas.microsoft.com/office/drawing/2014/main" id="{941F6DAB-7145-470B-AF73-4CDC09D5BDB1}"/>
+              </a:ext>
+            </a:extLst>
+          </p:cNvPr>
+          <p:cNvPicPr>
+            <a:picLocks noChangeAspect="1" noChangeArrowheads="1"/>
+          </p:cNvPicPr>
+          <p:nvPr/>
+        </p:nvPicPr>
+        <p:blipFill>
+          <a:blip r:embed="rId3">
+            <a:extLst>
+              <a:ext uri="{28A0092B-C50C-407E-A947-70E740481C1C}">
+                <a14:useLocalDpi xmlns:a14="http://schemas.microsoft.com/office/drawing/2010/main" val="0"/>
+              </a:ext>
+            </a:extLst>
+          </a:blip>
+          <a:srcRect/>
+          <a:stretch>
+            <a:fillRect/>
+          </a:stretch>
+        </p:blipFill>
+        <p:spPr bwMode="auto">
+          <a:xfrm>
+            <a:off x="895349" y="2937366"/>
+            <a:ext cx="1002527" cy="1898905"/>
+          </a:xfrm>
+          <a:prstGeom prst="rect">
+            <a:avLst/>
+          </a:prstGeom>
+          <a:noFill/>
+          <a:extLst>
+            <a:ext uri="{909E8E84-426E-40DD-AFC4-6F175D3DCCD1}">
+              <a14:hiddenFill xmlns:a14="http://schemas.microsoft.com/office/drawing/2010/main">
+                <a:solidFill>
+                  <a:srgbClr val="FFFFFF"/>
+                </a:solidFill>
+              </a14:hiddenFill>
+            </a:ext>
+          </a:extLst>
+        </p:spPr>
+      </p:pic>
+      <p:pic>
+        <p:nvPicPr>
+          <p:cNvPr id="1028" name="Picture 4">
+            <a:extLst>
+              <a:ext uri="{FF2B5EF4-FFF2-40B4-BE49-F238E27FC236}">
+                <a16:creationId xmlns:a16="http://schemas.microsoft.com/office/drawing/2014/main" id="{5172BA19-2CD2-40BF-9FDD-4322E620FBF0}"/>
+              </a:ext>
+            </a:extLst>
+          </p:cNvPr>
+          <p:cNvPicPr>
+            <a:picLocks noChangeAspect="1" noChangeArrowheads="1"/>
+          </p:cNvPicPr>
+          <p:nvPr/>
+        </p:nvPicPr>
+        <p:blipFill>
+          <a:blip r:embed="rId4">
+            <a:extLst>
+              <a:ext uri="{28A0092B-C50C-407E-A947-70E740481C1C}">
+                <a14:useLocalDpi xmlns:a14="http://schemas.microsoft.com/office/drawing/2010/main" val="0"/>
+              </a:ext>
+            </a:extLst>
+          </a:blip>
+          <a:srcRect/>
+          <a:stretch>
+            <a:fillRect/>
+          </a:stretch>
+        </p:blipFill>
+        <p:spPr bwMode="auto">
+          <a:xfrm>
+            <a:off x="2545772" y="3186453"/>
+            <a:ext cx="2225762" cy="562987"/>
+          </a:xfrm>
+          <a:prstGeom prst="rect">
+            <a:avLst/>
+          </a:prstGeom>
+          <a:noFill/>
+          <a:extLst>
+            <a:ext uri="{909E8E84-426E-40DD-AFC4-6F175D3DCCD1}">
+              <a14:hiddenFill xmlns:a14="http://schemas.microsoft.com/office/drawing/2010/main">
+                <a:solidFill>
+                  <a:srgbClr val="FFFFFF"/>
+                </a:solidFill>
+              </a14:hiddenFill>
+            </a:ext>
+          </a:extLst>
+        </p:spPr>
+      </p:pic>
+      <p:pic>
+        <p:nvPicPr>
+          <p:cNvPr id="1030" name="Picture 6" descr="Image result for net beans">
+            <a:extLst>
+              <a:ext uri="{FF2B5EF4-FFF2-40B4-BE49-F238E27FC236}">
+                <a16:creationId xmlns:a16="http://schemas.microsoft.com/office/drawing/2014/main" id="{007BBCA7-ED64-4BFC-A07F-CAD85B2CDAB0}"/>
+              </a:ext>
+            </a:extLst>
+          </p:cNvPr>
+          <p:cNvPicPr>
+            <a:picLocks noChangeAspect="1" noChangeArrowheads="1"/>
+          </p:cNvPicPr>
+          <p:nvPr/>
+        </p:nvPicPr>
+        <p:blipFill>
+          <a:blip r:embed="rId5">
+            <a:extLst>
+              <a:ext uri="{28A0092B-C50C-407E-A947-70E740481C1C}">
+                <a14:useLocalDpi xmlns:a14="http://schemas.microsoft.com/office/drawing/2010/main" val="0"/>
+              </a:ext>
+            </a:extLst>
+          </a:blip>
+          <a:srcRect/>
+          <a:stretch>
+            <a:fillRect/>
+          </a:stretch>
+        </p:blipFill>
+        <p:spPr bwMode="auto">
+          <a:xfrm>
+            <a:off x="5306948" y="3012829"/>
+            <a:ext cx="1578104" cy="1819918"/>
+          </a:xfrm>
+          <a:prstGeom prst="rect">
+            <a:avLst/>
+          </a:prstGeom>
+          <a:noFill/>
+          <a:extLst>
+            <a:ext uri="{909E8E84-426E-40DD-AFC4-6F175D3DCCD1}">
+              <a14:hiddenFill xmlns:a14="http://schemas.microsoft.com/office/drawing/2010/main">
+                <a:solidFill>
+                  <a:srgbClr val="FFFFFF"/>
+                </a:solidFill>
+              </a14:hiddenFill>
+            </a:ext>
+          </a:extLst>
+        </p:spPr>
+      </p:pic>
+      <p:pic>
+        <p:nvPicPr>
+          <p:cNvPr id="1032" name="Picture 8" descr="Commons Lang">
+            <a:extLst>
+              <a:ext uri="{FF2B5EF4-FFF2-40B4-BE49-F238E27FC236}">
+                <a16:creationId xmlns:a16="http://schemas.microsoft.com/office/drawing/2014/main" id="{81D9E399-CC3D-4510-BF12-4D206932865D}"/>
+              </a:ext>
+            </a:extLst>
+          </p:cNvPr>
+          <p:cNvPicPr>
+            <a:picLocks noChangeAspect="1" noChangeArrowheads="1"/>
+          </p:cNvPicPr>
+          <p:nvPr/>
+        </p:nvPicPr>
+        <p:blipFill>
+          <a:blip r:embed="rId6">
+            <a:extLst>
+              <a:ext uri="{28A0092B-C50C-407E-A947-70E740481C1C}">
+                <a14:useLocalDpi xmlns:a14="http://schemas.microsoft.com/office/drawing/2010/main" val="0"/>
+              </a:ext>
+            </a:extLst>
+          </a:blip>
+          <a:srcRect/>
+          <a:stretch>
+            <a:fillRect/>
+          </a:stretch>
+        </p:blipFill>
+        <p:spPr bwMode="auto">
+          <a:xfrm>
+            <a:off x="7698467" y="2937366"/>
+            <a:ext cx="1606488" cy="535496"/>
+          </a:xfrm>
+          <a:prstGeom prst="rect">
+            <a:avLst/>
+          </a:prstGeom>
+          <a:noFill/>
+          <a:extLst>
+            <a:ext uri="{909E8E84-426E-40DD-AFC4-6F175D3DCCD1}">
+              <a14:hiddenFill xmlns:a14="http://schemas.microsoft.com/office/drawing/2010/main">
+                <a:solidFill>
+                  <a:srgbClr val="FFFFFF"/>
+                </a:solidFill>
+              </a14:hiddenFill>
+            </a:ext>
+          </a:extLst>
+        </p:spPr>
+      </p:pic>
+      <p:pic>
+        <p:nvPicPr>
+          <p:cNvPr id="1034" name="Picture 10">
+            <a:extLst>
+              <a:ext uri="{FF2B5EF4-FFF2-40B4-BE49-F238E27FC236}">
+                <a16:creationId xmlns:a16="http://schemas.microsoft.com/office/drawing/2014/main" id="{CFF974B0-3862-4408-82F6-1A66AB0DEB3F}"/>
+              </a:ext>
+            </a:extLst>
+          </p:cNvPr>
+          <p:cNvPicPr>
+            <a:picLocks noChangeAspect="1" noChangeArrowheads="1"/>
+          </p:cNvPicPr>
+          <p:nvPr/>
+        </p:nvPicPr>
+        <p:blipFill>
+          <a:blip r:embed="rId7">
+            <a:extLst>
+              <a:ext uri="{28A0092B-C50C-407E-A947-70E740481C1C}">
+                <a14:useLocalDpi xmlns:a14="http://schemas.microsoft.com/office/drawing/2010/main" val="0"/>
+              </a:ext>
+            </a:extLst>
+          </a:blip>
+          <a:srcRect/>
+          <a:stretch>
+            <a:fillRect/>
+          </a:stretch>
+        </p:blipFill>
+        <p:spPr bwMode="auto">
+          <a:xfrm>
+            <a:off x="8289077" y="3589798"/>
+            <a:ext cx="495300" cy="495300"/>
+          </a:xfrm>
+          <a:prstGeom prst="rect">
+            <a:avLst/>
+          </a:prstGeom>
+          <a:noFill/>
+          <a:extLst>
+            <a:ext uri="{909E8E84-426E-40DD-AFC4-6F175D3DCCD1}">
+              <a14:hiddenFill xmlns:a14="http://schemas.microsoft.com/office/drawing/2010/main">
+                <a:solidFill>
+                  <a:srgbClr val="FFFFFF"/>
+                </a:solidFill>
+              </a14:hiddenFill>
+            </a:ext>
+          </a:extLst>
+        </p:spPr>
+      </p:pic>
+      <p:pic>
+        <p:nvPicPr>
+          <p:cNvPr id="1036" name="Picture 12">
+            <a:extLst>
+              <a:ext uri="{FF2B5EF4-FFF2-40B4-BE49-F238E27FC236}">
+                <a16:creationId xmlns:a16="http://schemas.microsoft.com/office/drawing/2014/main" id="{468EA799-C19F-4CCE-A647-5BBFC2849312}"/>
+              </a:ext>
+            </a:extLst>
+          </p:cNvPr>
+          <p:cNvPicPr>
+            <a:picLocks noChangeAspect="1" noChangeArrowheads="1"/>
+          </p:cNvPicPr>
+          <p:nvPr/>
+        </p:nvPicPr>
+        <p:blipFill>
+          <a:blip r:embed="rId8">
+            <a:extLst>
+              <a:ext uri="{28A0092B-C50C-407E-A947-70E740481C1C}">
+                <a14:useLocalDpi xmlns:a14="http://schemas.microsoft.com/office/drawing/2010/main" val="0"/>
+              </a:ext>
+            </a:extLst>
+          </a:blip>
+          <a:srcRect/>
+          <a:stretch>
+            <a:fillRect/>
+          </a:stretch>
+        </p:blipFill>
+        <p:spPr bwMode="auto">
+          <a:xfrm>
+            <a:off x="8289077" y="4227927"/>
+            <a:ext cx="495300" cy="495300"/>
+          </a:xfrm>
+          <a:prstGeom prst="rect">
+            <a:avLst/>
+          </a:prstGeom>
+          <a:noFill/>
+          <a:extLst>
+            <a:ext uri="{909E8E84-426E-40DD-AFC4-6F175D3DCCD1}">
+              <a14:hiddenFill xmlns:a14="http://schemas.microsoft.com/office/drawing/2010/main">
+                <a:solidFill>
+                  <a:srgbClr val="FFFFFF"/>
+                </a:solidFill>
+              </a14:hiddenFill>
+            </a:ext>
+          </a:extLst>
+        </p:spPr>
+      </p:pic>
+      <p:sp>
+        <p:nvSpPr>
+          <p:cNvPr id="3" name="TextBox 2">
+            <a:extLst>
+              <a:ext uri="{FF2B5EF4-FFF2-40B4-BE49-F238E27FC236}">
+                <a16:creationId xmlns:a16="http://schemas.microsoft.com/office/drawing/2014/main" id="{97442BDE-4316-40B5-9C42-723CA92FDFFA}"/>
+              </a:ext>
+            </a:extLst>
+          </p:cNvPr>
+          <p:cNvSpPr txBox="1"/>
+          <p:nvPr/>
+        </p:nvSpPr>
+        <p:spPr>
+          <a:xfrm>
+            <a:off x="2868052" y="4005556"/>
+            <a:ext cx="1581202" cy="646331"/>
+          </a:xfrm>
+          <a:prstGeom prst="rect">
+            <a:avLst/>
+          </a:prstGeom>
+          <a:noFill/>
+        </p:spPr>
+        <p:txBody>
+          <a:bodyPr wrap="none" rtlCol="0">
+            <a:spAutoFit/>
+          </a:bodyPr>
+          <a:lstStyle/>
+          <a:p>
+            <a:pPr algn="ctr"/>
+            <a:r>
+              <a:rPr lang="en-US" dirty="0"/>
+              <a:t>Apache Maven</a:t>
+            </a:r>
+          </a:p>
+          <a:p>
+            <a:pPr algn="ctr"/>
+            <a:r>
+              <a:rPr lang="en-US" dirty="0"/>
+              <a:t>Shade Plugin</a:t>
+            </a:r>
+          </a:p>
+        </p:txBody>
+      </p:sp>
+      <p:pic>
+        <p:nvPicPr>
+          <p:cNvPr id="7" name="Picture 6">
+            <a:extLst>
+              <a:ext uri="{FF2B5EF4-FFF2-40B4-BE49-F238E27FC236}">
+                <a16:creationId xmlns:a16="http://schemas.microsoft.com/office/drawing/2014/main" id="{DBB98D61-7BD4-4BF1-9505-EA9FC3BBA594}"/>
+              </a:ext>
+            </a:extLst>
+          </p:cNvPr>
+          <p:cNvPicPr>
+            <a:picLocks noChangeAspect="1"/>
+          </p:cNvPicPr>
+          <p:nvPr/>
+        </p:nvPicPr>
+        <p:blipFill>
+          <a:blip r:embed="rId9"/>
+          <a:stretch>
+            <a:fillRect/>
+          </a:stretch>
+        </p:blipFill>
+        <p:spPr>
+          <a:xfrm>
+            <a:off x="3658654" y="5485207"/>
+            <a:ext cx="1094697" cy="562987"/>
+          </a:xfrm>
+          <a:prstGeom prst="rect">
+            <a:avLst/>
+          </a:prstGeom>
+        </p:spPr>
+      </p:pic>
+      <p:pic>
+        <p:nvPicPr>
+          <p:cNvPr id="1040" name="Picture 16" descr="Image result for sqlite">
+            <a:extLst>
+              <a:ext uri="{FF2B5EF4-FFF2-40B4-BE49-F238E27FC236}">
+                <a16:creationId xmlns:a16="http://schemas.microsoft.com/office/drawing/2014/main" id="{4FA16172-A7CA-4130-8CD9-4E11123FCB7D}"/>
+              </a:ext>
+            </a:extLst>
+          </p:cNvPr>
+          <p:cNvPicPr>
+            <a:picLocks noChangeAspect="1" noChangeArrowheads="1"/>
+          </p:cNvPicPr>
+          <p:nvPr/>
+        </p:nvPicPr>
+        <p:blipFill>
+          <a:blip r:embed="rId10">
+            <a:extLst>
+              <a:ext uri="{28A0092B-C50C-407E-A947-70E740481C1C}">
+                <a14:useLocalDpi xmlns:a14="http://schemas.microsoft.com/office/drawing/2010/main" val="0"/>
+              </a:ext>
+            </a:extLst>
+          </a:blip>
+          <a:srcRect/>
+          <a:stretch>
+            <a:fillRect/>
+          </a:stretch>
+        </p:blipFill>
+        <p:spPr bwMode="auto">
+          <a:xfrm>
+            <a:off x="10062481" y="2845639"/>
+            <a:ext cx="1871487" cy="887396"/>
+          </a:xfrm>
+          <a:prstGeom prst="rect">
+            <a:avLst/>
+          </a:prstGeom>
+          <a:noFill/>
+          <a:extLst>
+            <a:ext uri="{909E8E84-426E-40DD-AFC4-6F175D3DCCD1}">
+              <a14:hiddenFill xmlns:a14="http://schemas.microsoft.com/office/drawing/2010/main">
+                <a:solidFill>
+                  <a:srgbClr val="FFFFFF"/>
+                </a:solidFill>
+              </a14:hiddenFill>
+            </a:ext>
+          </a:extLst>
+        </p:spPr>
+      </p:pic>
+      <p:pic>
+        <p:nvPicPr>
+          <p:cNvPr id="1042" name="Picture 18" descr="Image result for DBeaver">
+            <a:extLst>
+              <a:ext uri="{FF2B5EF4-FFF2-40B4-BE49-F238E27FC236}">
+                <a16:creationId xmlns:a16="http://schemas.microsoft.com/office/drawing/2014/main" id="{1DF8E26E-E3C0-41DC-A934-9528BD3B0350}"/>
+              </a:ext>
+            </a:extLst>
+          </p:cNvPr>
+          <p:cNvPicPr>
+            <a:picLocks noChangeAspect="1" noChangeArrowheads="1"/>
+          </p:cNvPicPr>
+          <p:nvPr/>
+        </p:nvPicPr>
+        <p:blipFill>
+          <a:blip r:embed="rId11">
+            <a:extLst>
+              <a:ext uri="{28A0092B-C50C-407E-A947-70E740481C1C}">
+                <a14:useLocalDpi xmlns:a14="http://schemas.microsoft.com/office/drawing/2010/main" val="0"/>
+              </a:ext>
+            </a:extLst>
+          </a:blip>
+          <a:srcRect/>
+          <a:stretch>
+            <a:fillRect/>
+          </a:stretch>
+        </p:blipFill>
+        <p:spPr bwMode="auto">
+          <a:xfrm>
+            <a:off x="10059299" y="3940935"/>
+            <a:ext cx="1871487" cy="728391"/>
+          </a:xfrm>
+          <a:prstGeom prst="rect">
+            <a:avLst/>
+          </a:prstGeom>
+          <a:noFill/>
+          <a:extLst>
+            <a:ext uri="{909E8E84-426E-40DD-AFC4-6F175D3DCCD1}">
+              <a14:hiddenFill xmlns:a14="http://schemas.microsoft.com/office/drawing/2010/main">
+                <a:solidFill>
+                  <a:srgbClr val="FFFFFF"/>
+                </a:solidFill>
+              </a14:hiddenFill>
+            </a:ext>
+          </a:extLst>
+        </p:spPr>
+      </p:pic>
+      <p:pic>
+        <p:nvPicPr>
+          <p:cNvPr id="1044" name="Picture 20">
+            <a:extLst>
+              <a:ext uri="{FF2B5EF4-FFF2-40B4-BE49-F238E27FC236}">
+                <a16:creationId xmlns:a16="http://schemas.microsoft.com/office/drawing/2014/main" id="{30D6215E-1198-495E-A502-504340CBD2FB}"/>
+              </a:ext>
+            </a:extLst>
+          </p:cNvPr>
+          <p:cNvPicPr>
+            <a:picLocks noChangeAspect="1" noChangeArrowheads="1"/>
+          </p:cNvPicPr>
+          <p:nvPr/>
+        </p:nvPicPr>
+        <p:blipFill>
+          <a:blip r:embed="rId12">
+            <a:extLst>
+              <a:ext uri="{28A0092B-C50C-407E-A947-70E740481C1C}">
+                <a14:useLocalDpi xmlns:a14="http://schemas.microsoft.com/office/drawing/2010/main" val="0"/>
+              </a:ext>
+            </a:extLst>
+          </a:blip>
+          <a:srcRect/>
+          <a:stretch>
+            <a:fillRect/>
+          </a:stretch>
+        </p:blipFill>
+        <p:spPr bwMode="auto">
+          <a:xfrm>
+            <a:off x="835160" y="5450892"/>
+            <a:ext cx="1119796" cy="667428"/>
+          </a:xfrm>
+          <a:prstGeom prst="rect">
+            <a:avLst/>
+          </a:prstGeom>
+          <a:noFill/>
+          <a:extLst>
+            <a:ext uri="{909E8E84-426E-40DD-AFC4-6F175D3DCCD1}">
+              <a14:hiddenFill xmlns:a14="http://schemas.microsoft.com/office/drawing/2010/main">
+                <a:solidFill>
+                  <a:srgbClr val="FFFFFF"/>
+                </a:solidFill>
+              </a14:hiddenFill>
+            </a:ext>
+          </a:extLst>
+        </p:spPr>
+      </p:pic>
+      <p:pic>
+        <p:nvPicPr>
+          <p:cNvPr id="1046" name="Picture 22" descr="Image result for ec2">
+            <a:extLst>
+              <a:ext uri="{FF2B5EF4-FFF2-40B4-BE49-F238E27FC236}">
+                <a16:creationId xmlns:a16="http://schemas.microsoft.com/office/drawing/2014/main" id="{68A93564-6ED8-4F02-AD3E-AE98CE083741}"/>
+              </a:ext>
+            </a:extLst>
+          </p:cNvPr>
+          <p:cNvPicPr>
+            <a:picLocks noChangeAspect="1" noChangeArrowheads="1"/>
+          </p:cNvPicPr>
+          <p:nvPr/>
+        </p:nvPicPr>
+        <p:blipFill>
+          <a:blip r:embed="rId13">
+            <a:extLst>
+              <a:ext uri="{28A0092B-C50C-407E-A947-70E740481C1C}">
+                <a14:useLocalDpi xmlns:a14="http://schemas.microsoft.com/office/drawing/2010/main" val="0"/>
+              </a:ext>
+            </a:extLst>
+          </a:blip>
+          <a:srcRect/>
+          <a:stretch>
+            <a:fillRect/>
+          </a:stretch>
+        </p:blipFill>
+        <p:spPr bwMode="auto">
+          <a:xfrm>
+            <a:off x="1954956" y="5245034"/>
+            <a:ext cx="1703698" cy="957262"/>
+          </a:xfrm>
+          <a:prstGeom prst="rect">
+            <a:avLst/>
+          </a:prstGeom>
+          <a:noFill/>
+          <a:extLst>
+            <a:ext uri="{909E8E84-426E-40DD-AFC4-6F175D3DCCD1}">
+              <a14:hiddenFill xmlns:a14="http://schemas.microsoft.com/office/drawing/2010/main">
+                <a:solidFill>
+                  <a:srgbClr val="FFFFFF"/>
+                </a:solidFill>
+              </a14:hiddenFill>
+            </a:ext>
+          </a:extLst>
+        </p:spPr>
+      </p:pic>
+      <p:pic>
+        <p:nvPicPr>
+          <p:cNvPr id="1048" name="Picture 24" descr="Image result for puTTY">
+            <a:extLst>
+              <a:ext uri="{FF2B5EF4-FFF2-40B4-BE49-F238E27FC236}">
+                <a16:creationId xmlns:a16="http://schemas.microsoft.com/office/drawing/2014/main" id="{B2FB59EB-F404-4A55-8FCF-503A4DA122C7}"/>
+              </a:ext>
+            </a:extLst>
+          </p:cNvPr>
+          <p:cNvPicPr>
+            <a:picLocks noChangeAspect="1" noChangeArrowheads="1"/>
+          </p:cNvPicPr>
+          <p:nvPr/>
+        </p:nvPicPr>
+        <p:blipFill>
+          <a:blip r:embed="rId14">
+            <a:extLst>
+              <a:ext uri="{28A0092B-C50C-407E-A947-70E740481C1C}">
+                <a14:useLocalDpi xmlns:a14="http://schemas.microsoft.com/office/drawing/2010/main" val="0"/>
+              </a:ext>
+            </a:extLst>
+          </a:blip>
+          <a:srcRect/>
+          <a:stretch>
+            <a:fillRect/>
+          </a:stretch>
+        </p:blipFill>
+        <p:spPr bwMode="auto">
+          <a:xfrm>
+            <a:off x="7853647" y="5116960"/>
+            <a:ext cx="1366158" cy="1366158"/>
+          </a:xfrm>
+          <a:prstGeom prst="rect">
+            <a:avLst/>
+          </a:prstGeom>
+          <a:noFill/>
+          <a:extLst>
+            <a:ext uri="{909E8E84-426E-40DD-AFC4-6F175D3DCCD1}">
+              <a14:hiddenFill xmlns:a14="http://schemas.microsoft.com/office/drawing/2010/main">
+                <a:solidFill>
+                  <a:srgbClr val="FFFFFF"/>
+                </a:solidFill>
+              </a14:hiddenFill>
+            </a:ext>
+          </a:extLst>
+        </p:spPr>
+      </p:pic>
+      <p:pic>
+        <p:nvPicPr>
+          <p:cNvPr id="1050" name="Picture 26" descr="Image result for WinSCP">
+            <a:extLst>
+              <a:ext uri="{FF2B5EF4-FFF2-40B4-BE49-F238E27FC236}">
+                <a16:creationId xmlns:a16="http://schemas.microsoft.com/office/drawing/2014/main" id="{47561D82-7C89-4ACA-8230-FE3C7410C591}"/>
+              </a:ext>
+            </a:extLst>
+          </p:cNvPr>
+          <p:cNvPicPr>
+            <a:picLocks noChangeAspect="1" noChangeArrowheads="1"/>
+          </p:cNvPicPr>
+          <p:nvPr/>
+        </p:nvPicPr>
+        <p:blipFill>
+          <a:blip r:embed="rId15">
+            <a:extLst>
+              <a:ext uri="{28A0092B-C50C-407E-A947-70E740481C1C}">
+                <a14:useLocalDpi xmlns:a14="http://schemas.microsoft.com/office/drawing/2010/main" val="0"/>
+              </a:ext>
+            </a:extLst>
+          </a:blip>
+          <a:srcRect/>
+          <a:stretch>
+            <a:fillRect/>
+          </a:stretch>
+        </p:blipFill>
+        <p:spPr bwMode="auto">
+          <a:xfrm>
+            <a:off x="10123757" y="5314942"/>
+            <a:ext cx="1807029" cy="903515"/>
+          </a:xfrm>
+          <a:prstGeom prst="rect">
+            <a:avLst/>
+          </a:prstGeom>
+          <a:noFill/>
+          <a:extLst>
+            <a:ext uri="{909E8E84-426E-40DD-AFC4-6F175D3DCCD1}">
+              <a14:hiddenFill xmlns:a14="http://schemas.microsoft.com/office/drawing/2010/main">
+                <a:solidFill>
+                  <a:srgbClr val="FFFFFF"/>
+                </a:solidFill>
+              </a14:hiddenFill>
+            </a:ext>
+          </a:extLst>
+        </p:spPr>
+      </p:pic>
+      <p:pic>
+        <p:nvPicPr>
+          <p:cNvPr id="1052" name="Picture 28">
+            <a:extLst>
+              <a:ext uri="{FF2B5EF4-FFF2-40B4-BE49-F238E27FC236}">
+                <a16:creationId xmlns:a16="http://schemas.microsoft.com/office/drawing/2014/main" id="{C26A4BEC-38B2-492A-A96F-F8674F548F7F}"/>
+              </a:ext>
+            </a:extLst>
+          </p:cNvPr>
+          <p:cNvPicPr>
+            <a:picLocks noChangeAspect="1" noChangeArrowheads="1"/>
+          </p:cNvPicPr>
+          <p:nvPr/>
+        </p:nvPicPr>
+        <p:blipFill>
+          <a:blip r:embed="rId16">
+            <a:extLst>
+              <a:ext uri="{28A0092B-C50C-407E-A947-70E740481C1C}">
+                <a14:useLocalDpi xmlns:a14="http://schemas.microsoft.com/office/drawing/2010/main" val="0"/>
+              </a:ext>
+            </a:extLst>
+          </a:blip>
+          <a:srcRect/>
+          <a:stretch>
+            <a:fillRect/>
+          </a:stretch>
+        </p:blipFill>
+        <p:spPr bwMode="auto">
+          <a:xfrm>
+            <a:off x="5376862" y="5187718"/>
+            <a:ext cx="1438275" cy="1295400"/>
+          </a:xfrm>
+          <a:prstGeom prst="rect">
+            <a:avLst/>
+          </a:prstGeom>
+          <a:noFill/>
+          <a:extLst>
+            <a:ext uri="{909E8E84-426E-40DD-AFC4-6F175D3DCCD1}">
+              <a14:hiddenFill xmlns:a14="http://schemas.microsoft.com/office/drawing/2010/main">
+                <a:solidFill>
+                  <a:srgbClr val="FFFFFF"/>
+                </a:solidFill>
+              </a14:hiddenFill>
+            </a:ext>
+          </a:extLst>
+        </p:spPr>
+      </p:pic>
+      <p:pic>
+        <p:nvPicPr>
+          <p:cNvPr id="1054" name="Picture 30" descr="Image result for git">
+            <a:extLst>
+              <a:ext uri="{FF2B5EF4-FFF2-40B4-BE49-F238E27FC236}">
+                <a16:creationId xmlns:a16="http://schemas.microsoft.com/office/drawing/2014/main" id="{33DB6825-6D23-4EDE-839B-55BF369340BF}"/>
+              </a:ext>
+            </a:extLst>
+          </p:cNvPr>
+          <p:cNvPicPr>
+            <a:picLocks noChangeAspect="1" noChangeArrowheads="1"/>
+          </p:cNvPicPr>
+          <p:nvPr/>
+        </p:nvPicPr>
+        <p:blipFill>
+          <a:blip r:embed="rId17">
+            <a:extLst>
+              <a:ext uri="{28A0092B-C50C-407E-A947-70E740481C1C}">
+                <a14:useLocalDpi xmlns:a14="http://schemas.microsoft.com/office/drawing/2010/main" val="0"/>
+              </a:ext>
+            </a:extLst>
+          </a:blip>
+          <a:srcRect/>
+          <a:stretch>
+            <a:fillRect/>
+          </a:stretch>
+        </p:blipFill>
+        <p:spPr bwMode="auto">
+          <a:xfrm>
+            <a:off x="10321457" y="1898588"/>
+            <a:ext cx="815289" cy="815289"/>
+          </a:xfrm>
+          <a:prstGeom prst="rect">
+            <a:avLst/>
+          </a:prstGeom>
+          <a:noFill/>
+          <a:extLst>
+            <a:ext uri="{909E8E84-426E-40DD-AFC4-6F175D3DCCD1}">
+              <a14:hiddenFill xmlns:a14="http://schemas.microsoft.com/office/drawing/2010/main">
+                <a:solidFill>
+                  <a:srgbClr val="FFFFFF"/>
+                </a:solidFill>
+              </a14:hiddenFill>
+            </a:ext>
+          </a:extLst>
+        </p:spPr>
+      </p:pic>
+      <p:pic>
+        <p:nvPicPr>
+          <p:cNvPr id="1056" name="Picture 32" descr="Image result for notion">
+            <a:extLst>
+              <a:ext uri="{FF2B5EF4-FFF2-40B4-BE49-F238E27FC236}">
+                <a16:creationId xmlns:a16="http://schemas.microsoft.com/office/drawing/2014/main" id="{FE1479DF-DD01-40BD-9537-953F03F17A9F}"/>
+              </a:ext>
+            </a:extLst>
+          </p:cNvPr>
+          <p:cNvPicPr>
+            <a:picLocks noChangeAspect="1" noChangeArrowheads="1"/>
+          </p:cNvPicPr>
+          <p:nvPr/>
+        </p:nvPicPr>
+        <p:blipFill>
+          <a:blip r:embed="rId18">
+            <a:extLst>
+              <a:ext uri="{28A0092B-C50C-407E-A947-70E740481C1C}">
+                <a14:useLocalDpi xmlns:a14="http://schemas.microsoft.com/office/drawing/2010/main" val="0"/>
+              </a:ext>
+            </a:extLst>
+          </a:blip>
+          <a:srcRect/>
+          <a:stretch>
+            <a:fillRect/>
+          </a:stretch>
+        </p:blipFill>
+        <p:spPr bwMode="auto">
+          <a:xfrm>
+            <a:off x="3251008" y="1909276"/>
+            <a:ext cx="815289" cy="815289"/>
+          </a:xfrm>
+          <a:prstGeom prst="rect">
+            <a:avLst/>
+          </a:prstGeom>
+          <a:noFill/>
+          <a:extLst>
+            <a:ext uri="{909E8E84-426E-40DD-AFC4-6F175D3DCCD1}">
+              <a14:hiddenFill xmlns:a14="http://schemas.microsoft.com/office/drawing/2010/main">
+                <a:solidFill>
+                  <a:srgbClr val="FFFFFF"/>
+                </a:solidFill>
+              </a14:hiddenFill>
+            </a:ext>
+          </a:extLst>
+        </p:spPr>
+      </p:pic>
+      <p:pic>
+        <p:nvPicPr>
+          <p:cNvPr id="1058" name="Picture 34" descr="Image result for slack">
+            <a:extLst>
+              <a:ext uri="{FF2B5EF4-FFF2-40B4-BE49-F238E27FC236}">
+                <a16:creationId xmlns:a16="http://schemas.microsoft.com/office/drawing/2014/main" id="{AAA16DC1-616B-4CC0-B085-08FD1620512C}"/>
+              </a:ext>
+            </a:extLst>
+          </p:cNvPr>
+          <p:cNvPicPr>
+            <a:picLocks noChangeAspect="1" noChangeArrowheads="1"/>
+          </p:cNvPicPr>
+          <p:nvPr/>
+        </p:nvPicPr>
+        <p:blipFill>
+          <a:blip r:embed="rId19">
+            <a:extLst>
+              <a:ext uri="{28A0092B-C50C-407E-A947-70E740481C1C}">
+                <a14:useLocalDpi xmlns:a14="http://schemas.microsoft.com/office/drawing/2010/main" val="0"/>
+              </a:ext>
+            </a:extLst>
+          </a:blip>
+          <a:srcRect/>
+          <a:stretch>
+            <a:fillRect/>
+          </a:stretch>
+        </p:blipFill>
+        <p:spPr bwMode="auto">
+          <a:xfrm>
+            <a:off x="970836" y="1876121"/>
+            <a:ext cx="848444" cy="848444"/>
+          </a:xfrm>
+          <a:prstGeom prst="rect">
+            <a:avLst/>
+          </a:prstGeom>
+          <a:noFill/>
+          <a:extLst>
+            <a:ext uri="{909E8E84-426E-40DD-AFC4-6F175D3DCCD1}">
+              <a14:hiddenFill xmlns:a14="http://schemas.microsoft.com/office/drawing/2010/main">
+                <a:solidFill>
+                  <a:srgbClr val="FFFFFF"/>
+                </a:solidFill>
+              </a14:hiddenFill>
+            </a:ext>
+          </a:extLst>
+        </p:spPr>
+      </p:pic>
+      <p:pic>
+        <p:nvPicPr>
+          <p:cNvPr id="9" name="Picture 8">
+            <a:extLst>
+              <a:ext uri="{FF2B5EF4-FFF2-40B4-BE49-F238E27FC236}">
+                <a16:creationId xmlns:a16="http://schemas.microsoft.com/office/drawing/2014/main" id="{0EE4ADE0-0C93-4E2B-9554-11DD649FF8D9}"/>
+              </a:ext>
+            </a:extLst>
+          </p:cNvPr>
+          <p:cNvPicPr>
+            <a:picLocks noChangeAspect="1"/>
+          </p:cNvPicPr>
+          <p:nvPr/>
+        </p:nvPicPr>
+        <p:blipFill>
+          <a:blip r:embed="rId20"/>
+          <a:stretch>
+            <a:fillRect/>
+          </a:stretch>
+        </p:blipFill>
+        <p:spPr>
+          <a:xfrm>
+            <a:off x="7893789" y="1824831"/>
+            <a:ext cx="1285875" cy="733425"/>
+          </a:xfrm>
+          <a:prstGeom prst="rect">
+            <a:avLst/>
+          </a:prstGeom>
+        </p:spPr>
+      </p:pic>
+    </p:spTree>
+    <p:extLst>
+      <p:ext uri="{BB962C8B-B14F-4D97-AF65-F5344CB8AC3E}">
+        <p14:creationId xmlns:p14="http://schemas.microsoft.com/office/powerpoint/2010/main" val="2361147828"/>
+      </p:ext>
+    </p:extLst>
+  </p:cSld>
+  <p:clrMapOvr>
+    <a:masterClrMapping/>
+  </p:clrMapOvr>
+</p:sld>
+</file>
+
+<file path=ppt/slides/slide36.xml><?xml version="1.0" encoding="utf-8"?>
+<p:sld xmlns:a="http://schemas.openxmlformats.org/drawingml/2006/main" xmlns:r="http://schemas.openxmlformats.org/officeDocument/2006/relationships" xmlns:p="http://schemas.openxmlformats.org/presentationml/2006/main">
+  <p:cSld>
+    <p:spTree>
+      <p:nvGrpSpPr>
+        <p:cNvPr id="1" name=""/>
+        <p:cNvGrpSpPr/>
+        <p:nvPr/>
+      </p:nvGrpSpPr>
+      <p:grpSpPr>
+        <a:xfrm>
+          <a:off x="0" y="0"/>
+          <a:ext cx="0" cy="0"/>
+          <a:chOff x="0" y="0"/>
+          <a:chExt cx="0" cy="0"/>
+        </a:xfrm>
+      </p:grpSpPr>
+      <p:pic>
+        <p:nvPicPr>
+          <p:cNvPr id="5" name="Picture 4">
+            <a:extLst>
+              <a:ext uri="{FF2B5EF4-FFF2-40B4-BE49-F238E27FC236}">
+                <a16:creationId xmlns:a16="http://schemas.microsoft.com/office/drawing/2014/main" id="{F37E0954-C93D-4E4E-89C3-A7C02A566B8C}"/>
+              </a:ext>
+            </a:extLst>
+          </p:cNvPr>
+          <p:cNvPicPr>
+            <a:picLocks noChangeAspect="1"/>
+          </p:cNvPicPr>
+          <p:nvPr/>
+        </p:nvPicPr>
+        <p:blipFill>
+          <a:blip r:embed="rId2"/>
+          <a:stretch>
+            <a:fillRect/>
+          </a:stretch>
+        </p:blipFill>
+        <p:spPr>
+          <a:xfrm>
+            <a:off x="0" y="-1"/>
+            <a:ext cx="12192000" cy="1819917"/>
+          </a:xfrm>
+          <a:prstGeom prst="rect">
+            <a:avLst/>
+          </a:prstGeom>
+        </p:spPr>
+      </p:pic>
+      <p:sp>
+        <p:nvSpPr>
+          <p:cNvPr id="2" name="Title 1">
+            <a:extLst>
+              <a:ext uri="{FF2B5EF4-FFF2-40B4-BE49-F238E27FC236}">
+                <a16:creationId xmlns:a16="http://schemas.microsoft.com/office/drawing/2014/main" id="{027EE828-B2F2-4E7F-A4C7-BEDBF0D9EED9}"/>
+              </a:ext>
+            </a:extLst>
+          </p:cNvPr>
+          <p:cNvSpPr>
+            <a:spLocks noGrp="1"/>
+          </p:cNvSpPr>
+          <p:nvPr>
+            <p:ph type="title"/>
+          </p:nvPr>
+        </p:nvSpPr>
+        <p:spPr/>
+        <p:txBody>
+          <a:bodyPr/>
+          <a:lstStyle/>
+          <a:p>
+            <a:r>
+              <a:rPr lang="en-US" dirty="0">
+                <a:latin typeface="+mn-lt"/>
+              </a:rPr>
               <a:t>Java Project Structure as of 02/21/21</a:t>
             </a:r>
           </a:p>
@@ -10939,7 +11074,7 @@
 </p:sld>
 </file>
 
-<file path=ppt/slides/slide36.xml><?xml version="1.0" encoding="utf-8"?>
+<file path=ppt/slides/slide37.xml><?xml version="1.0" encoding="utf-8"?>
 <p:sld xmlns:a="http://schemas.openxmlformats.org/drawingml/2006/main" xmlns:r="http://schemas.openxmlformats.org/officeDocument/2006/relationships" xmlns:p="http://schemas.openxmlformats.org/presentationml/2006/main">
   <p:cSld>
     <p:spTree>
@@ -11360,16 +11495,8 @@
           <a:p>
             <a:r>
               <a:rPr lang="en-US" sz="3600" dirty="0"/>
-              <a:t>System Description</a:t>
-            </a:r>
-            <a:br>
-              <a:rPr lang="en-US" sz="3600" dirty="0"/>
-            </a:br>
-            <a:r>
-              <a:rPr lang="en-US" sz="2800" dirty="0"/>
-              <a:t>What Ice Cream System will Do</a:t>
-            </a:r>
-            <a:endParaRPr lang="en-US" sz="3600" dirty="0"/>
+              <a:t>Team</a:t>
+            </a:r>
           </a:p>
         </p:txBody>
       </p:sp>
@@ -11416,25 +11543,19 @@
             </a:pPr>
             <a:endParaRPr lang="en-US" dirty="0"/>
           </a:p>
-          <a:p>
-            <a:pPr marL="0" indent="0">
-              <a:buNone/>
-            </a:pPr>
-            <a:endParaRPr lang="en-US" dirty="0"/>
-          </a:p>
         </p:txBody>
       </p:sp>
       <p:pic>
         <p:nvPicPr>
-          <p:cNvPr id="8" name="Picture 7">
-            <a:extLst>
-              <a:ext uri="{FF2B5EF4-FFF2-40B4-BE49-F238E27FC236}">
-                <a16:creationId xmlns:a16="http://schemas.microsoft.com/office/drawing/2014/main" id="{55EA39BB-3B5E-4A3B-A4B7-A4F02987CEDA}"/>
+          <p:cNvPr id="1026" name="Picture 2" descr="Chip Staples">
+            <a:extLst>
+              <a:ext uri="{FF2B5EF4-FFF2-40B4-BE49-F238E27FC236}">
+                <a16:creationId xmlns:a16="http://schemas.microsoft.com/office/drawing/2014/main" id="{B2B5514F-BD7B-4FF0-A29B-10596D13D8E5}"/>
               </a:ext>
             </a:extLst>
           </p:cNvPr>
           <p:cNvPicPr>
-            <a:picLocks noChangeAspect="1"/>
+            <a:picLocks noChangeAspect="1" noChangeArrowheads="1"/>
           </p:cNvPicPr>
           <p:nvPr/>
         </p:nvPicPr>
@@ -11446,24 +11567,82 @@
               </a:ext>
             </a:extLst>
           </a:blip>
+          <a:srcRect/>
           <a:stretch>
             <a:fillRect/>
           </a:stretch>
         </p:blipFill>
-        <p:spPr>
-          <a:xfrm>
-            <a:off x="3530373" y="909957"/>
-            <a:ext cx="8315325" cy="5629275"/>
+        <p:spPr bwMode="auto">
+          <a:xfrm>
+            <a:off x="7383710" y="3048794"/>
+            <a:ext cx="1905000" cy="1905000"/>
           </a:xfrm>
           <a:prstGeom prst="rect">
             <a:avLst/>
           </a:prstGeom>
+          <a:noFill/>
+          <a:extLst>
+            <a:ext uri="{909E8E84-426E-40DD-AFC4-6F175D3DCCD1}">
+              <a14:hiddenFill xmlns:a14="http://schemas.microsoft.com/office/drawing/2010/main">
+                <a:solidFill>
+                  <a:srgbClr val="FFFFFF"/>
+                </a:solidFill>
+              </a14:hiddenFill>
+            </a:ext>
+          </a:extLst>
+        </p:spPr>
+      </p:pic>
+      <p:pic>
+        <p:nvPicPr>
+          <p:cNvPr id="1028" name="Picture 4" descr="Tom Lever">
+            <a:extLst>
+              <a:ext uri="{FF2B5EF4-FFF2-40B4-BE49-F238E27FC236}">
+                <a16:creationId xmlns:a16="http://schemas.microsoft.com/office/drawing/2014/main" id="{922513A1-AAEE-4D71-B5DF-24CC83390DAE}"/>
+              </a:ext>
+            </a:extLst>
+          </p:cNvPr>
+          <p:cNvPicPr>
+            <a:picLocks noChangeAspect="1" noChangeArrowheads="1"/>
+          </p:cNvPicPr>
+          <p:nvPr/>
+        </p:nvPicPr>
+        <p:blipFill>
+          <a:blip r:embed="rId4">
+            <a:extLst>
+              <a:ext uri="{28A0092B-C50C-407E-A947-70E740481C1C}">
+                <a14:useLocalDpi xmlns:a14="http://schemas.microsoft.com/office/drawing/2010/main" val="0"/>
+              </a:ext>
+            </a:extLst>
+          </a:blip>
+          <a:srcRect/>
+          <a:stretch>
+            <a:fillRect/>
+          </a:stretch>
+        </p:blipFill>
+        <p:spPr bwMode="auto">
+          <a:xfrm>
+            <a:off x="2893503" y="3048794"/>
+            <a:ext cx="1905000" cy="1905000"/>
+          </a:xfrm>
+          <a:prstGeom prst="rect">
+            <a:avLst/>
+          </a:prstGeom>
+          <a:noFill/>
+          <a:extLst>
+            <a:ext uri="{909E8E84-426E-40DD-AFC4-6F175D3DCCD1}">
+              <a14:hiddenFill xmlns:a14="http://schemas.microsoft.com/office/drawing/2010/main">
+                <a:solidFill>
+                  <a:srgbClr val="FFFFFF"/>
+                </a:solidFill>
+              </a14:hiddenFill>
+            </a:ext>
+          </a:extLst>
         </p:spPr>
       </p:pic>
     </p:spTree>
     <p:extLst>
       <p:ext uri="{BB962C8B-B14F-4D97-AF65-F5344CB8AC3E}">
-        <p14:creationId xmlns:p14="http://schemas.microsoft.com/office/powerpoint/2010/main" val="1076012360"/>
+        <p14:creationId xmlns:p14="http://schemas.microsoft.com/office/powerpoint/2010/main" val="1785498002"/>
       </p:ext>
     </p:extLst>
   </p:cSld>
@@ -11512,7 +11691,7 @@
         </p:blipFill>
         <p:spPr>
           <a:xfrm>
-            <a:off x="0" y="0"/>
+            <a:off x="0" y="-1"/>
             <a:ext cx="12192000" cy="1819917"/>
           </a:xfrm>
           <a:prstGeom prst="rect">
@@ -11552,8 +11731,9 @@
             </a:br>
             <a:r>
               <a:rPr lang="en-US" sz="2800" dirty="0"/>
-              <a:t>Iterations of Development</a:t>
-            </a:r>
+              <a:t>What Ice Cream System will Do</a:t>
+            </a:r>
+            <a:endParaRPr lang="en-US" sz="3600" dirty="0"/>
           </a:p>
         </p:txBody>
       </p:sp>
@@ -11589,41 +11769,65 @@
             <a:endParaRPr lang="en-US" dirty="0"/>
           </a:p>
           <a:p>
-            <a:pPr marL="514350" indent="-514350">
-              <a:buFont typeface="+mj-lt"/>
-              <a:buAutoNum type="arabicPeriod"/>
+            <a:pPr marL="0" indent="0">
+              <a:buNone/>
             </a:pPr>
-            <a:r>
-              <a:rPr lang="en-US" dirty="0"/>
-              <a:t>Providing products or clarifications, based on ingredient search parameters</a:t>
-            </a:r>
-          </a:p>
-          <a:p>
-            <a:pPr marL="514350" indent="-514350">
-              <a:buFont typeface="+mj-lt"/>
-              <a:buAutoNum type="arabicPeriod"/>
+            <a:endParaRPr lang="en-US" dirty="0"/>
+          </a:p>
+          <a:p>
+            <a:pPr marL="0" indent="0">
+              <a:buNone/>
             </a:pPr>
-            <a:r>
-              <a:rPr lang="en-US" dirty="0"/>
-              <a:t>↑, based on non-ingredient search parameters</a:t>
-            </a:r>
-          </a:p>
-          <a:p>
-            <a:pPr marL="514350" indent="-514350">
-              <a:buFont typeface="+mj-lt"/>
-              <a:buAutoNum type="arabicPeriod"/>
+            <a:endParaRPr lang="en-US" dirty="0"/>
+          </a:p>
+          <a:p>
+            <a:pPr marL="0" indent="0">
+              <a:buNone/>
             </a:pPr>
-            <a:r>
-              <a:rPr lang="en-US" dirty="0"/>
-              <a:t>Create, Update, and Delete</a:t>
-            </a:r>
+            <a:endParaRPr lang="en-US" dirty="0"/>
           </a:p>
         </p:txBody>
       </p:sp>
+      <p:pic>
+        <p:nvPicPr>
+          <p:cNvPr id="8" name="Picture 7">
+            <a:extLst>
+              <a:ext uri="{FF2B5EF4-FFF2-40B4-BE49-F238E27FC236}">
+                <a16:creationId xmlns:a16="http://schemas.microsoft.com/office/drawing/2014/main" id="{55EA39BB-3B5E-4A3B-A4B7-A4F02987CEDA}"/>
+              </a:ext>
+            </a:extLst>
+          </p:cNvPr>
+          <p:cNvPicPr>
+            <a:picLocks noChangeAspect="1"/>
+          </p:cNvPicPr>
+          <p:nvPr/>
+        </p:nvPicPr>
+        <p:blipFill>
+          <a:blip r:embed="rId3">
+            <a:extLst>
+              <a:ext uri="{28A0092B-C50C-407E-A947-70E740481C1C}">
+                <a14:useLocalDpi xmlns:a14="http://schemas.microsoft.com/office/drawing/2010/main" val="0"/>
+              </a:ext>
+            </a:extLst>
+          </a:blip>
+          <a:stretch>
+            <a:fillRect/>
+          </a:stretch>
+        </p:blipFill>
+        <p:spPr>
+          <a:xfrm>
+            <a:off x="3530373" y="909957"/>
+            <a:ext cx="8315325" cy="5629275"/>
+          </a:xfrm>
+          <a:prstGeom prst="rect">
+            <a:avLst/>
+          </a:prstGeom>
+        </p:spPr>
+      </p:pic>
     </p:spTree>
     <p:extLst>
       <p:ext uri="{BB962C8B-B14F-4D97-AF65-F5344CB8AC3E}">
-        <p14:creationId xmlns:p14="http://schemas.microsoft.com/office/powerpoint/2010/main" val="597851960"/>
+        <p14:creationId xmlns:p14="http://schemas.microsoft.com/office/powerpoint/2010/main" val="1076012360"/>
       </p:ext>
     </p:extLst>
   </p:cSld>
@@ -11672,7 +11876,7 @@
         </p:blipFill>
         <p:spPr>
           <a:xfrm>
-            <a:off x="0" y="-61761"/>
+            <a:off x="0" y="0"/>
             <a:ext cx="12192000" cy="1819917"/>
           </a:xfrm>
           <a:prstGeom prst="rect">
@@ -11699,65 +11903,91 @@
         <p:spPr/>
         <p:txBody>
           <a:bodyPr>
-            <a:noAutofit/>
+            <a:normAutofit/>
           </a:bodyPr>
           <a:lstStyle/>
           <a:p>
             <a:r>
               <a:rPr lang="en-US" sz="3600" dirty="0"/>
-              <a:t>Requirements</a:t>
+              <a:t>System Description</a:t>
             </a:r>
             <a:br>
-              <a:rPr lang="en-US" sz="3000" dirty="0"/>
+              <a:rPr lang="en-US" sz="3600" dirty="0"/>
             </a:br>
             <a:r>
               <a:rPr lang="en-US" sz="2800" dirty="0"/>
-              <a:t>Use-Case Description</a:t>
-            </a:r>
-            <a:br>
-              <a:rPr lang="en-US" sz="3000" dirty="0"/>
-            </a:br>
-            <a:r>
-              <a:rPr lang="en-US" sz="2000" dirty="0"/>
-              <a:t>Request Products by Ingredients</a:t>
+              <a:t>Iterations of Development</a:t>
             </a:r>
           </a:p>
         </p:txBody>
       </p:sp>
-      <p:pic>
-        <p:nvPicPr>
-          <p:cNvPr id="8" name="Picture 7">
-            <a:extLst>
-              <a:ext uri="{FF2B5EF4-FFF2-40B4-BE49-F238E27FC236}">
-                <a16:creationId xmlns:a16="http://schemas.microsoft.com/office/drawing/2014/main" id="{3B3587D5-6141-43EC-A176-738762CE5B11}"/>
-              </a:ext>
-            </a:extLst>
-          </p:cNvPr>
-          <p:cNvPicPr>
-            <a:picLocks noChangeAspect="1"/>
-          </p:cNvPicPr>
-          <p:nvPr/>
-        </p:nvPicPr>
-        <p:blipFill>
-          <a:blip r:embed="rId3"/>
-          <a:stretch>
-            <a:fillRect/>
-          </a:stretch>
-        </p:blipFill>
-        <p:spPr>
-          <a:xfrm>
-            <a:off x="0" y="2085632"/>
-            <a:ext cx="12192000" cy="4407243"/>
-          </a:xfrm>
-          <a:prstGeom prst="rect">
-            <a:avLst/>
-          </a:prstGeom>
-        </p:spPr>
-      </p:pic>
+      <p:sp>
+        <p:nvSpPr>
+          <p:cNvPr id="6" name="Content Placeholder 2">
+            <a:extLst>
+              <a:ext uri="{FF2B5EF4-FFF2-40B4-BE49-F238E27FC236}">
+                <a16:creationId xmlns:a16="http://schemas.microsoft.com/office/drawing/2014/main" id="{CF143FC4-8FB5-4B4A-BC87-767AD5802D79}"/>
+              </a:ext>
+            </a:extLst>
+          </p:cNvPr>
+          <p:cNvSpPr>
+            <a:spLocks noGrp="1"/>
+          </p:cNvSpPr>
+          <p:nvPr>
+            <p:ph idx="1"/>
+          </p:nvPr>
+        </p:nvSpPr>
+        <p:spPr>
+          <a:xfrm>
+            <a:off x="838200" y="1825625"/>
+            <a:ext cx="10515600" cy="4351338"/>
+          </a:xfrm>
+        </p:spPr>
+        <p:txBody>
+          <a:bodyPr/>
+          <a:lstStyle/>
+          <a:p>
+            <a:pPr marL="0" indent="0">
+              <a:buNone/>
+            </a:pPr>
+            <a:endParaRPr lang="en-US" dirty="0"/>
+          </a:p>
+          <a:p>
+            <a:pPr marL="514350" indent="-514350">
+              <a:buFont typeface="+mj-lt"/>
+              <a:buAutoNum type="arabicPeriod"/>
+            </a:pPr>
+            <a:r>
+              <a:rPr lang="en-US" dirty="0"/>
+              <a:t>Providing products or clarifications, based on ingredient search parameters</a:t>
+            </a:r>
+          </a:p>
+          <a:p>
+            <a:pPr marL="514350" indent="-514350">
+              <a:buFont typeface="+mj-lt"/>
+              <a:buAutoNum type="arabicPeriod"/>
+            </a:pPr>
+            <a:r>
+              <a:rPr lang="en-US" dirty="0"/>
+              <a:t>↑, based on non-ingredient search parameters</a:t>
+            </a:r>
+          </a:p>
+          <a:p>
+            <a:pPr marL="514350" indent="-514350">
+              <a:buFont typeface="+mj-lt"/>
+              <a:buAutoNum type="arabicPeriod"/>
+            </a:pPr>
+            <a:r>
+              <a:rPr lang="en-US" dirty="0"/>
+              <a:t>Create, Update, and Delete</a:t>
+            </a:r>
+          </a:p>
+        </p:txBody>
+      </p:sp>
     </p:spTree>
     <p:extLst>
       <p:ext uri="{BB962C8B-B14F-4D97-AF65-F5344CB8AC3E}">
-        <p14:creationId xmlns:p14="http://schemas.microsoft.com/office/powerpoint/2010/main" val="2461853371"/>
+        <p14:creationId xmlns:p14="http://schemas.microsoft.com/office/powerpoint/2010/main" val="597851960"/>
       </p:ext>
     </p:extLst>
   </p:cSld>
@@ -11860,10 +12090,10 @@
       </p:sp>
       <p:pic>
         <p:nvPicPr>
-          <p:cNvPr id="4" name="Picture 3">
-            <a:extLst>
-              <a:ext uri="{FF2B5EF4-FFF2-40B4-BE49-F238E27FC236}">
-                <a16:creationId xmlns:a16="http://schemas.microsoft.com/office/drawing/2014/main" id="{604E0FBA-7543-4DFE-A67D-32730F9530F3}"/>
+          <p:cNvPr id="8" name="Picture 7">
+            <a:extLst>
+              <a:ext uri="{FF2B5EF4-FFF2-40B4-BE49-F238E27FC236}">
+                <a16:creationId xmlns:a16="http://schemas.microsoft.com/office/drawing/2014/main" id="{3B3587D5-6141-43EC-A176-738762CE5B11}"/>
               </a:ext>
             </a:extLst>
           </p:cNvPr>
@@ -11880,8 +12110,8 @@
         </p:blipFill>
         <p:spPr>
           <a:xfrm>
-            <a:off x="0" y="2096166"/>
-            <a:ext cx="12192000" cy="4396709"/>
+            <a:off x="0" y="2085632"/>
+            <a:ext cx="12192000" cy="4407243"/>
           </a:xfrm>
           <a:prstGeom prst="rect">
             <a:avLst/>
@@ -11891,7 +12121,7 @@
     </p:spTree>
     <p:extLst>
       <p:ext uri="{BB962C8B-B14F-4D97-AF65-F5344CB8AC3E}">
-        <p14:creationId xmlns:p14="http://schemas.microsoft.com/office/powerpoint/2010/main" val="4168234834"/>
+        <p14:creationId xmlns:p14="http://schemas.microsoft.com/office/powerpoint/2010/main" val="2461853371"/>
       </p:ext>
     </p:extLst>
   </p:cSld>
@@ -11994,10 +12224,10 @@
       </p:sp>
       <p:pic>
         <p:nvPicPr>
-          <p:cNvPr id="6" name="Picture 5">
-            <a:extLst>
-              <a:ext uri="{FF2B5EF4-FFF2-40B4-BE49-F238E27FC236}">
-                <a16:creationId xmlns:a16="http://schemas.microsoft.com/office/drawing/2014/main" id="{345382A0-C964-4B03-9D84-39EB74EF8555}"/>
+          <p:cNvPr id="4" name="Picture 3">
+            <a:extLst>
+              <a:ext uri="{FF2B5EF4-FFF2-40B4-BE49-F238E27FC236}">
+                <a16:creationId xmlns:a16="http://schemas.microsoft.com/office/drawing/2014/main" id="{604E0FBA-7543-4DFE-A67D-32730F9530F3}"/>
               </a:ext>
             </a:extLst>
           </p:cNvPr>
@@ -12014,8 +12244,8 @@
         </p:blipFill>
         <p:spPr>
           <a:xfrm>
-            <a:off x="0" y="2104415"/>
-            <a:ext cx="12192000" cy="4388460"/>
+            <a:off x="0" y="2096166"/>
+            <a:ext cx="12192000" cy="4396709"/>
           </a:xfrm>
           <a:prstGeom prst="rect">
             <a:avLst/>
@@ -12025,7 +12255,7 @@
     </p:spTree>
     <p:extLst>
       <p:ext uri="{BB962C8B-B14F-4D97-AF65-F5344CB8AC3E}">
-        <p14:creationId xmlns:p14="http://schemas.microsoft.com/office/powerpoint/2010/main" val="1476182231"/>
+        <p14:creationId xmlns:p14="http://schemas.microsoft.com/office/powerpoint/2010/main" val="4168234834"/>
       </p:ext>
     </p:extLst>
   </p:cSld>

--- a/Ice_Cream_Server.pptx
+++ b/Ice_Cream_Server.pptx
@@ -5,46 +5,45 @@
     <p:sldMasterId id="2147483648" r:id="rId1"/>
   </p:sldMasterIdLst>
   <p:notesMasterIdLst>
-    <p:notesMasterId r:id="rId39"/>
+    <p:notesMasterId r:id="rId38"/>
   </p:notesMasterIdLst>
   <p:sldIdLst>
     <p:sldId id="262" r:id="rId2"/>
     <p:sldId id="257" r:id="rId3"/>
     <p:sldId id="260" r:id="rId4"/>
     <p:sldId id="264" r:id="rId5"/>
-    <p:sldId id="298" r:id="rId6"/>
-    <p:sldId id="265" r:id="rId7"/>
-    <p:sldId id="266" r:id="rId8"/>
-    <p:sldId id="268" r:id="rId9"/>
-    <p:sldId id="278" r:id="rId10"/>
-    <p:sldId id="279" r:id="rId11"/>
-    <p:sldId id="280" r:id="rId12"/>
-    <p:sldId id="281" r:id="rId13"/>
-    <p:sldId id="282" r:id="rId14"/>
-    <p:sldId id="283" r:id="rId15"/>
-    <p:sldId id="284" r:id="rId16"/>
-    <p:sldId id="285" r:id="rId17"/>
-    <p:sldId id="286" r:id="rId18"/>
-    <p:sldId id="287" r:id="rId19"/>
-    <p:sldId id="288" r:id="rId20"/>
-    <p:sldId id="289" r:id="rId21"/>
-    <p:sldId id="290" r:id="rId22"/>
-    <p:sldId id="291" r:id="rId23"/>
-    <p:sldId id="292" r:id="rId24"/>
-    <p:sldId id="293" r:id="rId25"/>
-    <p:sldId id="294" r:id="rId26"/>
-    <p:sldId id="269" r:id="rId27"/>
-    <p:sldId id="270" r:id="rId28"/>
-    <p:sldId id="277" r:id="rId29"/>
-    <p:sldId id="274" r:id="rId30"/>
-    <p:sldId id="275" r:id="rId31"/>
-    <p:sldId id="276" r:id="rId32"/>
-    <p:sldId id="259" r:id="rId33"/>
-    <p:sldId id="271" r:id="rId34"/>
-    <p:sldId id="272" r:id="rId35"/>
-    <p:sldId id="295" r:id="rId36"/>
-    <p:sldId id="296" r:id="rId37"/>
-    <p:sldId id="297" r:id="rId38"/>
+    <p:sldId id="265" r:id="rId6"/>
+    <p:sldId id="266" r:id="rId7"/>
+    <p:sldId id="268" r:id="rId8"/>
+    <p:sldId id="278" r:id="rId9"/>
+    <p:sldId id="279" r:id="rId10"/>
+    <p:sldId id="280" r:id="rId11"/>
+    <p:sldId id="281" r:id="rId12"/>
+    <p:sldId id="282" r:id="rId13"/>
+    <p:sldId id="283" r:id="rId14"/>
+    <p:sldId id="284" r:id="rId15"/>
+    <p:sldId id="285" r:id="rId16"/>
+    <p:sldId id="286" r:id="rId17"/>
+    <p:sldId id="287" r:id="rId18"/>
+    <p:sldId id="288" r:id="rId19"/>
+    <p:sldId id="289" r:id="rId20"/>
+    <p:sldId id="290" r:id="rId21"/>
+    <p:sldId id="291" r:id="rId22"/>
+    <p:sldId id="292" r:id="rId23"/>
+    <p:sldId id="293" r:id="rId24"/>
+    <p:sldId id="294" r:id="rId25"/>
+    <p:sldId id="269" r:id="rId26"/>
+    <p:sldId id="270" r:id="rId27"/>
+    <p:sldId id="277" r:id="rId28"/>
+    <p:sldId id="274" r:id="rId29"/>
+    <p:sldId id="275" r:id="rId30"/>
+    <p:sldId id="276" r:id="rId31"/>
+    <p:sldId id="259" r:id="rId32"/>
+    <p:sldId id="271" r:id="rId33"/>
+    <p:sldId id="272" r:id="rId34"/>
+    <p:sldId id="295" r:id="rId35"/>
+    <p:sldId id="296" r:id="rId36"/>
+    <p:sldId id="297" r:id="rId37"/>
   </p:sldIdLst>
   <p:sldSz cx="12192000" cy="6858000"/>
   <p:notesSz cx="7315200" cy="9601200"/>
@@ -3929,10 +3928,10 @@
       </p:sp>
       <p:pic>
         <p:nvPicPr>
-          <p:cNvPr id="6" name="Picture 5">
-            <a:extLst>
-              <a:ext uri="{FF2B5EF4-FFF2-40B4-BE49-F238E27FC236}">
-                <a16:creationId xmlns:a16="http://schemas.microsoft.com/office/drawing/2014/main" id="{345382A0-C964-4B03-9D84-39EB74EF8555}"/>
+          <p:cNvPr id="4" name="Picture 3">
+            <a:extLst>
+              <a:ext uri="{FF2B5EF4-FFF2-40B4-BE49-F238E27FC236}">
+                <a16:creationId xmlns:a16="http://schemas.microsoft.com/office/drawing/2014/main" id="{BAFC2429-D024-485B-BB4E-7E6867560B30}"/>
               </a:ext>
             </a:extLst>
           </p:cNvPr>
@@ -3949,8 +3948,8 @@
         </p:blipFill>
         <p:spPr>
           <a:xfrm>
-            <a:off x="0" y="2104415"/>
-            <a:ext cx="12192000" cy="4388460"/>
+            <a:off x="0" y="2105072"/>
+            <a:ext cx="12192000" cy="4387803"/>
           </a:xfrm>
           <a:prstGeom prst="rect">
             <a:avLst/>
@@ -3960,7 +3959,7 @@
     </p:spTree>
     <p:extLst>
       <p:ext uri="{BB962C8B-B14F-4D97-AF65-F5344CB8AC3E}">
-        <p14:creationId xmlns:p14="http://schemas.microsoft.com/office/powerpoint/2010/main" val="1476182231"/>
+        <p14:creationId xmlns:p14="http://schemas.microsoft.com/office/powerpoint/2010/main" val="4036961943"/>
       </p:ext>
     </p:extLst>
   </p:cSld>
@@ -4063,10 +4062,10 @@
       </p:sp>
       <p:pic>
         <p:nvPicPr>
-          <p:cNvPr id="4" name="Picture 3">
-            <a:extLst>
-              <a:ext uri="{FF2B5EF4-FFF2-40B4-BE49-F238E27FC236}">
-                <a16:creationId xmlns:a16="http://schemas.microsoft.com/office/drawing/2014/main" id="{BAFC2429-D024-485B-BB4E-7E6867560B30}"/>
+          <p:cNvPr id="6" name="Picture 5">
+            <a:extLst>
+              <a:ext uri="{FF2B5EF4-FFF2-40B4-BE49-F238E27FC236}">
+                <a16:creationId xmlns:a16="http://schemas.microsoft.com/office/drawing/2014/main" id="{1F9AD4DA-50A3-4D9C-A76C-2AA7E1CE6D3F}"/>
               </a:ext>
             </a:extLst>
           </p:cNvPr>
@@ -4083,8 +4082,8 @@
         </p:blipFill>
         <p:spPr>
           <a:xfrm>
-            <a:off x="0" y="2105072"/>
-            <a:ext cx="12192000" cy="4387803"/>
+            <a:off x="0" y="2101444"/>
+            <a:ext cx="12192000" cy="4391431"/>
           </a:xfrm>
           <a:prstGeom prst="rect">
             <a:avLst/>
@@ -4094,7 +4093,7 @@
     </p:spTree>
     <p:extLst>
       <p:ext uri="{BB962C8B-B14F-4D97-AF65-F5344CB8AC3E}">
-        <p14:creationId xmlns:p14="http://schemas.microsoft.com/office/powerpoint/2010/main" val="4036961943"/>
+        <p14:creationId xmlns:p14="http://schemas.microsoft.com/office/powerpoint/2010/main" val="526064960"/>
       </p:ext>
     </p:extLst>
   </p:cSld>
@@ -4197,10 +4196,10 @@
       </p:sp>
       <p:pic>
         <p:nvPicPr>
-          <p:cNvPr id="6" name="Picture 5">
-            <a:extLst>
-              <a:ext uri="{FF2B5EF4-FFF2-40B4-BE49-F238E27FC236}">
-                <a16:creationId xmlns:a16="http://schemas.microsoft.com/office/drawing/2014/main" id="{1F9AD4DA-50A3-4D9C-A76C-2AA7E1CE6D3F}"/>
+          <p:cNvPr id="4" name="Picture 3">
+            <a:extLst>
+              <a:ext uri="{FF2B5EF4-FFF2-40B4-BE49-F238E27FC236}">
+                <a16:creationId xmlns:a16="http://schemas.microsoft.com/office/drawing/2014/main" id="{EF9DC424-98CD-480B-80EF-BF339043BC2E}"/>
               </a:ext>
             </a:extLst>
           </p:cNvPr>
@@ -4217,8 +4216,8 @@
         </p:blipFill>
         <p:spPr>
           <a:xfrm>
-            <a:off x="0" y="2101444"/>
-            <a:ext cx="12192000" cy="4391431"/>
+            <a:off x="0" y="2087917"/>
+            <a:ext cx="12192000" cy="4404958"/>
           </a:xfrm>
           <a:prstGeom prst="rect">
             <a:avLst/>
@@ -4228,7 +4227,7 @@
     </p:spTree>
     <p:extLst>
       <p:ext uri="{BB962C8B-B14F-4D97-AF65-F5344CB8AC3E}">
-        <p14:creationId xmlns:p14="http://schemas.microsoft.com/office/powerpoint/2010/main" val="526064960"/>
+        <p14:creationId xmlns:p14="http://schemas.microsoft.com/office/powerpoint/2010/main" val="730591251"/>
       </p:ext>
     </p:extLst>
   </p:cSld>
@@ -4331,10 +4330,10 @@
       </p:sp>
       <p:pic>
         <p:nvPicPr>
-          <p:cNvPr id="4" name="Picture 3">
-            <a:extLst>
-              <a:ext uri="{FF2B5EF4-FFF2-40B4-BE49-F238E27FC236}">
-                <a16:creationId xmlns:a16="http://schemas.microsoft.com/office/drawing/2014/main" id="{EF9DC424-98CD-480B-80EF-BF339043BC2E}"/>
+          <p:cNvPr id="6" name="Picture 5">
+            <a:extLst>
+              <a:ext uri="{FF2B5EF4-FFF2-40B4-BE49-F238E27FC236}">
+                <a16:creationId xmlns:a16="http://schemas.microsoft.com/office/drawing/2014/main" id="{3C9AB568-82E7-4977-916A-18063ACC9706}"/>
               </a:ext>
             </a:extLst>
           </p:cNvPr>
@@ -4351,8 +4350,8 @@
         </p:blipFill>
         <p:spPr>
           <a:xfrm>
-            <a:off x="0" y="2087917"/>
-            <a:ext cx="12192000" cy="4404958"/>
+            <a:off x="0" y="2098468"/>
+            <a:ext cx="12192000" cy="4394407"/>
           </a:xfrm>
           <a:prstGeom prst="rect">
             <a:avLst/>
@@ -4362,7 +4361,7 @@
     </p:spTree>
     <p:extLst>
       <p:ext uri="{BB962C8B-B14F-4D97-AF65-F5344CB8AC3E}">
-        <p14:creationId xmlns:p14="http://schemas.microsoft.com/office/powerpoint/2010/main" val="730591251"/>
+        <p14:creationId xmlns:p14="http://schemas.microsoft.com/office/powerpoint/2010/main" val="2278640761"/>
       </p:ext>
     </p:extLst>
   </p:cSld>
@@ -4465,10 +4464,10 @@
       </p:sp>
       <p:pic>
         <p:nvPicPr>
-          <p:cNvPr id="6" name="Picture 5">
-            <a:extLst>
-              <a:ext uri="{FF2B5EF4-FFF2-40B4-BE49-F238E27FC236}">
-                <a16:creationId xmlns:a16="http://schemas.microsoft.com/office/drawing/2014/main" id="{3C9AB568-82E7-4977-916A-18063ACC9706}"/>
+          <p:cNvPr id="4" name="Picture 3">
+            <a:extLst>
+              <a:ext uri="{FF2B5EF4-FFF2-40B4-BE49-F238E27FC236}">
+                <a16:creationId xmlns:a16="http://schemas.microsoft.com/office/drawing/2014/main" id="{87213D5E-BA60-4AC7-96DD-3EAE324A73C2}"/>
               </a:ext>
             </a:extLst>
           </p:cNvPr>
@@ -4485,8 +4484,8 @@
         </p:blipFill>
         <p:spPr>
           <a:xfrm>
-            <a:off x="0" y="2098468"/>
-            <a:ext cx="12192000" cy="4394407"/>
+            <a:off x="0" y="2082652"/>
+            <a:ext cx="12192000" cy="4410223"/>
           </a:xfrm>
           <a:prstGeom prst="rect">
             <a:avLst/>
@@ -4496,7 +4495,7 @@
     </p:spTree>
     <p:extLst>
       <p:ext uri="{BB962C8B-B14F-4D97-AF65-F5344CB8AC3E}">
-        <p14:creationId xmlns:p14="http://schemas.microsoft.com/office/powerpoint/2010/main" val="2278640761"/>
+        <p14:creationId xmlns:p14="http://schemas.microsoft.com/office/powerpoint/2010/main" val="3888283008"/>
       </p:ext>
     </p:extLst>
   </p:cSld>
@@ -4599,10 +4598,10 @@
       </p:sp>
       <p:pic>
         <p:nvPicPr>
-          <p:cNvPr id="4" name="Picture 3">
-            <a:extLst>
-              <a:ext uri="{FF2B5EF4-FFF2-40B4-BE49-F238E27FC236}">
-                <a16:creationId xmlns:a16="http://schemas.microsoft.com/office/drawing/2014/main" id="{87213D5E-BA60-4AC7-96DD-3EAE324A73C2}"/>
+          <p:cNvPr id="6" name="Picture 5">
+            <a:extLst>
+              <a:ext uri="{FF2B5EF4-FFF2-40B4-BE49-F238E27FC236}">
+                <a16:creationId xmlns:a16="http://schemas.microsoft.com/office/drawing/2014/main" id="{1FACBB4E-843E-450A-B9C4-3C4CD08F99A1}"/>
               </a:ext>
             </a:extLst>
           </p:cNvPr>
@@ -4619,8 +4618,8 @@
         </p:blipFill>
         <p:spPr>
           <a:xfrm>
-            <a:off x="0" y="2082652"/>
-            <a:ext cx="12192000" cy="4410223"/>
+            <a:off x="0" y="2096840"/>
+            <a:ext cx="12192000" cy="4396035"/>
           </a:xfrm>
           <a:prstGeom prst="rect">
             <a:avLst/>
@@ -4630,7 +4629,7 @@
     </p:spTree>
     <p:extLst>
       <p:ext uri="{BB962C8B-B14F-4D97-AF65-F5344CB8AC3E}">
-        <p14:creationId xmlns:p14="http://schemas.microsoft.com/office/powerpoint/2010/main" val="3888283008"/>
+        <p14:creationId xmlns:p14="http://schemas.microsoft.com/office/powerpoint/2010/main" val="365425922"/>
       </p:ext>
     </p:extLst>
   </p:cSld>
@@ -4733,10 +4732,10 @@
       </p:sp>
       <p:pic>
         <p:nvPicPr>
-          <p:cNvPr id="6" name="Picture 5">
-            <a:extLst>
-              <a:ext uri="{FF2B5EF4-FFF2-40B4-BE49-F238E27FC236}">
-                <a16:creationId xmlns:a16="http://schemas.microsoft.com/office/drawing/2014/main" id="{1FACBB4E-843E-450A-B9C4-3C4CD08F99A1}"/>
+          <p:cNvPr id="4" name="Picture 3">
+            <a:extLst>
+              <a:ext uri="{FF2B5EF4-FFF2-40B4-BE49-F238E27FC236}">
+                <a16:creationId xmlns:a16="http://schemas.microsoft.com/office/drawing/2014/main" id="{5C1EB43D-E487-49CB-9A72-BC5C056E3C7C}"/>
               </a:ext>
             </a:extLst>
           </p:cNvPr>
@@ -4753,8 +4752,8 @@
         </p:blipFill>
         <p:spPr>
           <a:xfrm>
-            <a:off x="0" y="2096840"/>
-            <a:ext cx="12192000" cy="4396035"/>
+            <a:off x="1187915" y="1757512"/>
+            <a:ext cx="9857014" cy="4735363"/>
           </a:xfrm>
           <a:prstGeom prst="rect">
             <a:avLst/>
@@ -4764,7 +4763,7 @@
     </p:spTree>
     <p:extLst>
       <p:ext uri="{BB962C8B-B14F-4D97-AF65-F5344CB8AC3E}">
-        <p14:creationId xmlns:p14="http://schemas.microsoft.com/office/powerpoint/2010/main" val="365425922"/>
+        <p14:creationId xmlns:p14="http://schemas.microsoft.com/office/powerpoint/2010/main" val="1388171944"/>
       </p:ext>
     </p:extLst>
   </p:cSld>
@@ -4895,10 +4894,40 @@
           </a:prstGeom>
         </p:spPr>
       </p:pic>
+      <p:pic>
+        <p:nvPicPr>
+          <p:cNvPr id="6" name="Picture 5">
+            <a:extLst>
+              <a:ext uri="{FF2B5EF4-FFF2-40B4-BE49-F238E27FC236}">
+                <a16:creationId xmlns:a16="http://schemas.microsoft.com/office/drawing/2014/main" id="{F6833BCF-C35F-41E6-A08B-7413D96D3E3F}"/>
+              </a:ext>
+            </a:extLst>
+          </p:cNvPr>
+          <p:cNvPicPr>
+            <a:picLocks noChangeAspect="1"/>
+          </p:cNvPicPr>
+          <p:nvPr/>
+        </p:nvPicPr>
+        <p:blipFill>
+          <a:blip r:embed="rId4"/>
+          <a:stretch>
+            <a:fillRect/>
+          </a:stretch>
+        </p:blipFill>
+        <p:spPr>
+          <a:xfrm>
+            <a:off x="1187914" y="1757512"/>
+            <a:ext cx="9857015" cy="4731900"/>
+          </a:xfrm>
+          <a:prstGeom prst="rect">
+            <a:avLst/>
+          </a:prstGeom>
+        </p:spPr>
+      </p:pic>
     </p:spTree>
     <p:extLst>
       <p:ext uri="{BB962C8B-B14F-4D97-AF65-F5344CB8AC3E}">
-        <p14:creationId xmlns:p14="http://schemas.microsoft.com/office/powerpoint/2010/main" val="1388171944"/>
+        <p14:creationId xmlns:p14="http://schemas.microsoft.com/office/powerpoint/2010/main" val="3347567113"/>
       </p:ext>
     </p:extLst>
   </p:cSld>
@@ -5031,10 +5060,10 @@
       </p:pic>
       <p:pic>
         <p:nvPicPr>
-          <p:cNvPr id="6" name="Picture 5">
-            <a:extLst>
-              <a:ext uri="{FF2B5EF4-FFF2-40B4-BE49-F238E27FC236}">
-                <a16:creationId xmlns:a16="http://schemas.microsoft.com/office/drawing/2014/main" id="{F6833BCF-C35F-41E6-A08B-7413D96D3E3F}"/>
+          <p:cNvPr id="7" name="Picture 6">
+            <a:extLst>
+              <a:ext uri="{FF2B5EF4-FFF2-40B4-BE49-F238E27FC236}">
+                <a16:creationId xmlns:a16="http://schemas.microsoft.com/office/drawing/2014/main" id="{A3EB39EE-F9C0-48B0-A9F7-50B2A3F85A43}"/>
               </a:ext>
             </a:extLst>
           </p:cNvPr>
@@ -5051,8 +5080,8 @@
         </p:blipFill>
         <p:spPr>
           <a:xfrm>
-            <a:off x="1187914" y="1757512"/>
-            <a:ext cx="9857015" cy="4731900"/>
+            <a:off x="1187915" y="1759747"/>
+            <a:ext cx="9914164" cy="4733128"/>
           </a:xfrm>
           <a:prstGeom prst="rect">
             <a:avLst/>
@@ -5062,7 +5091,7 @@
     </p:spTree>
     <p:extLst>
       <p:ext uri="{BB962C8B-B14F-4D97-AF65-F5344CB8AC3E}">
-        <p14:creationId xmlns:p14="http://schemas.microsoft.com/office/powerpoint/2010/main" val="3347567113"/>
+        <p14:creationId xmlns:p14="http://schemas.microsoft.com/office/powerpoint/2010/main" val="12427128"/>
       </p:ext>
     </p:extLst>
   </p:cSld>
@@ -5195,10 +5224,10 @@
       </p:pic>
       <p:pic>
         <p:nvPicPr>
-          <p:cNvPr id="7" name="Picture 6">
-            <a:extLst>
-              <a:ext uri="{FF2B5EF4-FFF2-40B4-BE49-F238E27FC236}">
-                <a16:creationId xmlns:a16="http://schemas.microsoft.com/office/drawing/2014/main" id="{A3EB39EE-F9C0-48B0-A9F7-50B2A3F85A43}"/>
+          <p:cNvPr id="6" name="Picture 5">
+            <a:extLst>
+              <a:ext uri="{FF2B5EF4-FFF2-40B4-BE49-F238E27FC236}">
+                <a16:creationId xmlns:a16="http://schemas.microsoft.com/office/drawing/2014/main" id="{3259F1AB-6461-4354-B588-A0E74C56028F}"/>
               </a:ext>
             </a:extLst>
           </p:cNvPr>
@@ -5215,8 +5244,8 @@
         </p:blipFill>
         <p:spPr>
           <a:xfrm>
-            <a:off x="1187915" y="1759747"/>
-            <a:ext cx="9914164" cy="4733128"/>
+            <a:off x="1187915" y="1757964"/>
+            <a:ext cx="9897836" cy="4734911"/>
           </a:xfrm>
           <a:prstGeom prst="rect">
             <a:avLst/>
@@ -5226,7 +5255,7 @@
     </p:spTree>
     <p:extLst>
       <p:ext uri="{BB962C8B-B14F-4D97-AF65-F5344CB8AC3E}">
-        <p14:creationId xmlns:p14="http://schemas.microsoft.com/office/powerpoint/2010/main" val="12427128"/>
+        <p14:creationId xmlns:p14="http://schemas.microsoft.com/office/powerpoint/2010/main" val="4170443018"/>
       </p:ext>
     </p:extLst>
   </p:cSld>
@@ -5567,10 +5596,10 @@
       </p:pic>
       <p:pic>
         <p:nvPicPr>
-          <p:cNvPr id="6" name="Picture 5">
-            <a:extLst>
-              <a:ext uri="{FF2B5EF4-FFF2-40B4-BE49-F238E27FC236}">
-                <a16:creationId xmlns:a16="http://schemas.microsoft.com/office/drawing/2014/main" id="{3259F1AB-6461-4354-B588-A0E74C56028F}"/>
+          <p:cNvPr id="7" name="Picture 6">
+            <a:extLst>
+              <a:ext uri="{FF2B5EF4-FFF2-40B4-BE49-F238E27FC236}">
+                <a16:creationId xmlns:a16="http://schemas.microsoft.com/office/drawing/2014/main" id="{0F04E229-F422-4C7E-B592-10A9B635BFA8}"/>
               </a:ext>
             </a:extLst>
           </p:cNvPr>
@@ -5587,8 +5616,8 @@
         </p:blipFill>
         <p:spPr>
           <a:xfrm>
-            <a:off x="1187915" y="1757964"/>
-            <a:ext cx="9897836" cy="4734911"/>
+            <a:off x="1187915" y="1757512"/>
+            <a:ext cx="9870897" cy="4735363"/>
           </a:xfrm>
           <a:prstGeom prst="rect">
             <a:avLst/>
@@ -5598,7 +5627,7 @@
     </p:spTree>
     <p:extLst>
       <p:ext uri="{BB962C8B-B14F-4D97-AF65-F5344CB8AC3E}">
-        <p14:creationId xmlns:p14="http://schemas.microsoft.com/office/powerpoint/2010/main" val="4170443018"/>
+        <p14:creationId xmlns:p14="http://schemas.microsoft.com/office/powerpoint/2010/main" val="8992164"/>
       </p:ext>
     </p:extLst>
   </p:cSld>
@@ -5701,10 +5730,10 @@
       </p:sp>
       <p:pic>
         <p:nvPicPr>
-          <p:cNvPr id="4" name="Picture 3">
-            <a:extLst>
-              <a:ext uri="{FF2B5EF4-FFF2-40B4-BE49-F238E27FC236}">
-                <a16:creationId xmlns:a16="http://schemas.microsoft.com/office/drawing/2014/main" id="{5C1EB43D-E487-49CB-9A72-BC5C056E3C7C}"/>
+          <p:cNvPr id="6" name="Picture 5">
+            <a:extLst>
+              <a:ext uri="{FF2B5EF4-FFF2-40B4-BE49-F238E27FC236}">
+                <a16:creationId xmlns:a16="http://schemas.microsoft.com/office/drawing/2014/main" id="{6524E2B1-D7F9-495F-9055-8C1CF06CD5FB}"/>
               </a:ext>
             </a:extLst>
           </p:cNvPr>
@@ -5721,38 +5750,8 @@
         </p:blipFill>
         <p:spPr>
           <a:xfrm>
-            <a:off x="1187915" y="1757512"/>
-            <a:ext cx="9857014" cy="4735363"/>
-          </a:xfrm>
-          <a:prstGeom prst="rect">
-            <a:avLst/>
-          </a:prstGeom>
-        </p:spPr>
-      </p:pic>
-      <p:pic>
-        <p:nvPicPr>
-          <p:cNvPr id="7" name="Picture 6">
-            <a:extLst>
-              <a:ext uri="{FF2B5EF4-FFF2-40B4-BE49-F238E27FC236}">
-                <a16:creationId xmlns:a16="http://schemas.microsoft.com/office/drawing/2014/main" id="{0F04E229-F422-4C7E-B592-10A9B635BFA8}"/>
-              </a:ext>
-            </a:extLst>
-          </p:cNvPr>
-          <p:cNvPicPr>
-            <a:picLocks noChangeAspect="1"/>
-          </p:cNvPicPr>
-          <p:nvPr/>
-        </p:nvPicPr>
-        <p:blipFill>
-          <a:blip r:embed="rId4"/>
-          <a:stretch>
-            <a:fillRect/>
-          </a:stretch>
-        </p:blipFill>
-        <p:spPr>
-          <a:xfrm>
-            <a:off x="1187915" y="1757512"/>
-            <a:ext cx="9870897" cy="4735363"/>
+            <a:off x="1541020" y="1759486"/>
+            <a:ext cx="9150804" cy="4733389"/>
           </a:xfrm>
           <a:prstGeom prst="rect">
             <a:avLst/>
@@ -5762,7 +5761,7 @@
     </p:spTree>
     <p:extLst>
       <p:ext uri="{BB962C8B-B14F-4D97-AF65-F5344CB8AC3E}">
-        <p14:creationId xmlns:p14="http://schemas.microsoft.com/office/powerpoint/2010/main" val="8992164"/>
+        <p14:creationId xmlns:p14="http://schemas.microsoft.com/office/powerpoint/2010/main" val="4119278705"/>
       </p:ext>
     </p:extLst>
   </p:cSld>
@@ -5893,10 +5892,40 @@
           </a:prstGeom>
         </p:spPr>
       </p:pic>
+      <p:pic>
+        <p:nvPicPr>
+          <p:cNvPr id="4" name="Picture 3">
+            <a:extLst>
+              <a:ext uri="{FF2B5EF4-FFF2-40B4-BE49-F238E27FC236}">
+                <a16:creationId xmlns:a16="http://schemas.microsoft.com/office/drawing/2014/main" id="{EB025199-93B2-4879-9560-21FB8CE35501}"/>
+              </a:ext>
+            </a:extLst>
+          </p:cNvPr>
+          <p:cNvPicPr>
+            <a:picLocks noChangeAspect="1"/>
+          </p:cNvPicPr>
+          <p:nvPr/>
+        </p:nvPicPr>
+        <p:blipFill>
+          <a:blip r:embed="rId4"/>
+          <a:stretch>
+            <a:fillRect/>
+          </a:stretch>
+        </p:blipFill>
+        <p:spPr>
+          <a:xfrm>
+            <a:off x="1541020" y="1758156"/>
+            <a:ext cx="9150805" cy="4726783"/>
+          </a:xfrm>
+          <a:prstGeom prst="rect">
+            <a:avLst/>
+          </a:prstGeom>
+        </p:spPr>
+      </p:pic>
     </p:spTree>
     <p:extLst>
       <p:ext uri="{BB962C8B-B14F-4D97-AF65-F5344CB8AC3E}">
-        <p14:creationId xmlns:p14="http://schemas.microsoft.com/office/powerpoint/2010/main" val="4119278705"/>
+        <p14:creationId xmlns:p14="http://schemas.microsoft.com/office/powerpoint/2010/main" val="3584722082"/>
       </p:ext>
     </p:extLst>
   </p:cSld>
@@ -6029,10 +6058,10 @@
       </p:pic>
       <p:pic>
         <p:nvPicPr>
-          <p:cNvPr id="4" name="Picture 3">
-            <a:extLst>
-              <a:ext uri="{FF2B5EF4-FFF2-40B4-BE49-F238E27FC236}">
-                <a16:creationId xmlns:a16="http://schemas.microsoft.com/office/drawing/2014/main" id="{EB025199-93B2-4879-9560-21FB8CE35501}"/>
+          <p:cNvPr id="7" name="Picture 6">
+            <a:extLst>
+              <a:ext uri="{FF2B5EF4-FFF2-40B4-BE49-F238E27FC236}">
+                <a16:creationId xmlns:a16="http://schemas.microsoft.com/office/drawing/2014/main" id="{EFB1B46C-9E46-46F8-BFF4-D23131B22195}"/>
               </a:ext>
             </a:extLst>
           </p:cNvPr>
@@ -6049,8 +6078,8 @@
         </p:blipFill>
         <p:spPr>
           <a:xfrm>
-            <a:off x="1541020" y="1758156"/>
-            <a:ext cx="9150805" cy="4726783"/>
+            <a:off x="1559390" y="1758156"/>
+            <a:ext cx="9114064" cy="4729460"/>
           </a:xfrm>
           <a:prstGeom prst="rect">
             <a:avLst/>
@@ -6060,7 +6089,7 @@
     </p:spTree>
     <p:extLst>
       <p:ext uri="{BB962C8B-B14F-4D97-AF65-F5344CB8AC3E}">
-        <p14:creationId xmlns:p14="http://schemas.microsoft.com/office/powerpoint/2010/main" val="3584722082"/>
+        <p14:creationId xmlns:p14="http://schemas.microsoft.com/office/powerpoint/2010/main" val="2432386733"/>
       </p:ext>
     </p:extLst>
   </p:cSld>
@@ -6193,10 +6222,10 @@
       </p:pic>
       <p:pic>
         <p:nvPicPr>
-          <p:cNvPr id="7" name="Picture 6">
-            <a:extLst>
-              <a:ext uri="{FF2B5EF4-FFF2-40B4-BE49-F238E27FC236}">
-                <a16:creationId xmlns:a16="http://schemas.microsoft.com/office/drawing/2014/main" id="{EFB1B46C-9E46-46F8-BFF4-D23131B22195}"/>
+          <p:cNvPr id="4" name="Picture 3">
+            <a:extLst>
+              <a:ext uri="{FF2B5EF4-FFF2-40B4-BE49-F238E27FC236}">
+                <a16:creationId xmlns:a16="http://schemas.microsoft.com/office/drawing/2014/main" id="{B2838280-4CFB-4BC7-A7DB-6A3E3FB51EDC}"/>
               </a:ext>
             </a:extLst>
           </p:cNvPr>
@@ -6213,8 +6242,8 @@
         </p:blipFill>
         <p:spPr>
           <a:xfrm>
-            <a:off x="1559390" y="1758156"/>
-            <a:ext cx="9114064" cy="4729460"/>
+            <a:off x="1541020" y="1758156"/>
+            <a:ext cx="9150804" cy="4742794"/>
           </a:xfrm>
           <a:prstGeom prst="rect">
             <a:avLst/>
@@ -6224,7 +6253,7 @@
     </p:spTree>
     <p:extLst>
       <p:ext uri="{BB962C8B-B14F-4D97-AF65-F5344CB8AC3E}">
-        <p14:creationId xmlns:p14="http://schemas.microsoft.com/office/powerpoint/2010/main" val="2432386733"/>
+        <p14:creationId xmlns:p14="http://schemas.microsoft.com/office/powerpoint/2010/main" val="730043644"/>
       </p:ext>
     </p:extLst>
   </p:cSld>
@@ -6273,7 +6302,7 @@
         </p:blipFill>
         <p:spPr>
           <a:xfrm>
-            <a:off x="0" y="-61761"/>
+            <a:off x="0" y="-1"/>
             <a:ext cx="12192000" cy="1819917"/>
           </a:xfrm>
           <a:prstGeom prst="rect">
@@ -6283,10 +6312,96 @@
       </p:pic>
       <p:sp>
         <p:nvSpPr>
-          <p:cNvPr id="2" name="Title 1">
-            <a:extLst>
-              <a:ext uri="{FF2B5EF4-FFF2-40B4-BE49-F238E27FC236}">
-                <a16:creationId xmlns:a16="http://schemas.microsoft.com/office/drawing/2014/main" id="{027EE828-B2F2-4E7F-A4C7-BEDBF0D9EED9}"/>
+          <p:cNvPr id="6" name="Content Placeholder 2">
+            <a:extLst>
+              <a:ext uri="{FF2B5EF4-FFF2-40B4-BE49-F238E27FC236}">
+                <a16:creationId xmlns:a16="http://schemas.microsoft.com/office/drawing/2014/main" id="{CF143FC4-8FB5-4B4A-BC87-767AD5802D79}"/>
+              </a:ext>
+            </a:extLst>
+          </p:cNvPr>
+          <p:cNvSpPr>
+            <a:spLocks noGrp="1"/>
+          </p:cNvSpPr>
+          <p:nvPr>
+            <p:ph idx="1"/>
+          </p:nvPr>
+        </p:nvSpPr>
+        <p:spPr>
+          <a:xfrm>
+            <a:off x="838200" y="1825625"/>
+            <a:ext cx="10515600" cy="4351338"/>
+          </a:xfrm>
+        </p:spPr>
+        <p:txBody>
+          <a:bodyPr>
+            <a:normAutofit/>
+          </a:bodyPr>
+          <a:lstStyle/>
+          <a:p>
+            <a:pPr marL="0" indent="0">
+              <a:buNone/>
+            </a:pPr>
+            <a:endParaRPr lang="en-US" dirty="0"/>
+          </a:p>
+          <a:p>
+            <a:pPr marL="0" indent="0">
+              <a:buNone/>
+            </a:pPr>
+            <a:r>
+              <a:rPr lang="en-US" dirty="0"/>
+              <a:t>Inputs from Requester</a:t>
+            </a:r>
+          </a:p>
+          <a:p>
+            <a:pPr marL="0" indent="0">
+              <a:buNone/>
+            </a:pPr>
+            <a:r>
+              <a:rPr lang="en-US" dirty="0"/>
+              <a:t>    Ingredient search parameters</a:t>
+            </a:r>
+          </a:p>
+          <a:p>
+            <a:pPr marL="0" indent="0">
+              <a:buNone/>
+            </a:pPr>
+            <a:endParaRPr lang="en-US" dirty="0"/>
+          </a:p>
+          <a:p>
+            <a:pPr marL="0" indent="0">
+              <a:buNone/>
+            </a:pPr>
+            <a:r>
+              <a:rPr lang="en-US" dirty="0"/>
+              <a:t>Outputs to Requester</a:t>
+            </a:r>
+          </a:p>
+          <a:p>
+            <a:pPr marL="0" indent="0">
+              <a:buNone/>
+            </a:pPr>
+            <a:r>
+              <a:rPr lang="en-US" dirty="0"/>
+              <a:t>    Matching products</a:t>
+            </a:r>
+          </a:p>
+          <a:p>
+            <a:pPr marL="0" indent="0">
+              <a:buNone/>
+            </a:pPr>
+            <a:r>
+              <a:rPr lang="en-US" dirty="0"/>
+              <a:t>    Clarification</a:t>
+            </a:r>
+          </a:p>
+        </p:txBody>
+      </p:sp>
+      <p:sp>
+        <p:nvSpPr>
+          <p:cNvPr id="10" name="Title 9">
+            <a:extLst>
+              <a:ext uri="{FF2B5EF4-FFF2-40B4-BE49-F238E27FC236}">
+                <a16:creationId xmlns:a16="http://schemas.microsoft.com/office/drawing/2014/main" id="{239E17CD-5EE4-43CD-834E-2F477821F696}"/>
               </a:ext>
             </a:extLst>
           </p:cNvPr>
@@ -6300,7 +6415,7 @@
         <p:spPr/>
         <p:txBody>
           <a:bodyPr>
-            <a:noAutofit/>
+            <a:normAutofit/>
           </a:bodyPr>
           <a:lstStyle/>
           <a:p>
@@ -6309,28 +6424,21 @@
               <a:t>Requirements</a:t>
             </a:r>
             <a:br>
-              <a:rPr lang="en-US" sz="3000" dirty="0"/>
+              <a:rPr lang="en-US" sz="2800" dirty="0"/>
             </a:br>
             <a:r>
               <a:rPr lang="en-US" sz="2800" dirty="0"/>
-              <a:t>Use-Case Description</a:t>
-            </a:r>
-            <a:br>
-              <a:rPr lang="en-US" sz="3000" dirty="0"/>
-            </a:br>
-            <a:r>
-              <a:rPr lang="en-US" sz="2000" dirty="0"/>
-              <a:t>Request Products by Ingredients</a:t>
+              <a:t>Requester and Ice Cream System Interface Design</a:t>
             </a:r>
           </a:p>
         </p:txBody>
       </p:sp>
       <p:pic>
         <p:nvPicPr>
-          <p:cNvPr id="6" name="Picture 5">
-            <a:extLst>
-              <a:ext uri="{FF2B5EF4-FFF2-40B4-BE49-F238E27FC236}">
-                <a16:creationId xmlns:a16="http://schemas.microsoft.com/office/drawing/2014/main" id="{6524E2B1-D7F9-495F-9055-8C1CF06CD5FB}"/>
+          <p:cNvPr id="9" name="Picture 8">
+            <a:extLst>
+              <a:ext uri="{FF2B5EF4-FFF2-40B4-BE49-F238E27FC236}">
+                <a16:creationId xmlns:a16="http://schemas.microsoft.com/office/drawing/2014/main" id="{25E9550E-8765-4FD6-8782-05A66387F292}"/>
               </a:ext>
             </a:extLst>
           </p:cNvPr>
@@ -6340,45 +6448,21 @@
           <p:nvPr/>
         </p:nvPicPr>
         <p:blipFill>
-          <a:blip r:embed="rId3"/>
+          <a:blip r:embed="rId3">
+            <a:extLst>
+              <a:ext uri="{28A0092B-C50C-407E-A947-70E740481C1C}">
+                <a14:useLocalDpi xmlns:a14="http://schemas.microsoft.com/office/drawing/2010/main" val="0"/>
+              </a:ext>
+            </a:extLst>
+          </a:blip>
           <a:stretch>
             <a:fillRect/>
           </a:stretch>
         </p:blipFill>
         <p:spPr>
           <a:xfrm>
-            <a:off x="1541020" y="1759486"/>
-            <a:ext cx="9150804" cy="4733389"/>
-          </a:xfrm>
-          <a:prstGeom prst="rect">
-            <a:avLst/>
-          </a:prstGeom>
-        </p:spPr>
-      </p:pic>
-      <p:pic>
-        <p:nvPicPr>
-          <p:cNvPr id="4" name="Picture 3">
-            <a:extLst>
-              <a:ext uri="{FF2B5EF4-FFF2-40B4-BE49-F238E27FC236}">
-                <a16:creationId xmlns:a16="http://schemas.microsoft.com/office/drawing/2014/main" id="{B2838280-4CFB-4BC7-A7DB-6A3E3FB51EDC}"/>
-              </a:ext>
-            </a:extLst>
-          </p:cNvPr>
-          <p:cNvPicPr>
-            <a:picLocks noChangeAspect="1"/>
-          </p:cNvPicPr>
-          <p:nvPr/>
-        </p:nvPicPr>
-        <p:blipFill>
-          <a:blip r:embed="rId4"/>
-          <a:stretch>
-            <a:fillRect/>
-          </a:stretch>
-        </p:blipFill>
-        <p:spPr>
-          <a:xfrm>
-            <a:off x="1541020" y="1758156"/>
-            <a:ext cx="9150804" cy="4742794"/>
+            <a:off x="7076546" y="2055814"/>
+            <a:ext cx="2981881" cy="4351338"/>
           </a:xfrm>
           <a:prstGeom prst="rect">
             <a:avLst/>
@@ -6388,7 +6472,7 @@
     </p:spTree>
     <p:extLst>
       <p:ext uri="{BB962C8B-B14F-4D97-AF65-F5344CB8AC3E}">
-        <p14:creationId xmlns:p14="http://schemas.microsoft.com/office/powerpoint/2010/main" val="730043644"/>
+        <p14:creationId xmlns:p14="http://schemas.microsoft.com/office/powerpoint/2010/main" val="3884159901"/>
       </p:ext>
     </p:extLst>
   </p:cSld>
@@ -6447,96 +6531,10 @@
       </p:pic>
       <p:sp>
         <p:nvSpPr>
-          <p:cNvPr id="6" name="Content Placeholder 2">
-            <a:extLst>
-              <a:ext uri="{FF2B5EF4-FFF2-40B4-BE49-F238E27FC236}">
-                <a16:creationId xmlns:a16="http://schemas.microsoft.com/office/drawing/2014/main" id="{CF143FC4-8FB5-4B4A-BC87-767AD5802D79}"/>
-              </a:ext>
-            </a:extLst>
-          </p:cNvPr>
-          <p:cNvSpPr>
-            <a:spLocks noGrp="1"/>
-          </p:cNvSpPr>
-          <p:nvPr>
-            <p:ph idx="1"/>
-          </p:nvPr>
-        </p:nvSpPr>
-        <p:spPr>
-          <a:xfrm>
-            <a:off x="838200" y="1825625"/>
-            <a:ext cx="10515600" cy="4351338"/>
-          </a:xfrm>
-        </p:spPr>
-        <p:txBody>
-          <a:bodyPr>
-            <a:normAutofit/>
-          </a:bodyPr>
-          <a:lstStyle/>
-          <a:p>
-            <a:pPr marL="0" indent="0">
-              <a:buNone/>
-            </a:pPr>
-            <a:endParaRPr lang="en-US" dirty="0"/>
-          </a:p>
-          <a:p>
-            <a:pPr marL="0" indent="0">
-              <a:buNone/>
-            </a:pPr>
-            <a:r>
-              <a:rPr lang="en-US" dirty="0"/>
-              <a:t>Inputs from Requester</a:t>
-            </a:r>
-          </a:p>
-          <a:p>
-            <a:pPr marL="0" indent="0">
-              <a:buNone/>
-            </a:pPr>
-            <a:r>
-              <a:rPr lang="en-US" dirty="0"/>
-              <a:t>    Ingredient search parameters</a:t>
-            </a:r>
-          </a:p>
-          <a:p>
-            <a:pPr marL="0" indent="0">
-              <a:buNone/>
-            </a:pPr>
-            <a:endParaRPr lang="en-US" dirty="0"/>
-          </a:p>
-          <a:p>
-            <a:pPr marL="0" indent="0">
-              <a:buNone/>
-            </a:pPr>
-            <a:r>
-              <a:rPr lang="en-US" dirty="0"/>
-              <a:t>Outputs to Requester</a:t>
-            </a:r>
-          </a:p>
-          <a:p>
-            <a:pPr marL="0" indent="0">
-              <a:buNone/>
-            </a:pPr>
-            <a:r>
-              <a:rPr lang="en-US" dirty="0"/>
-              <a:t>    Matching products</a:t>
-            </a:r>
-          </a:p>
-          <a:p>
-            <a:pPr marL="0" indent="0">
-              <a:buNone/>
-            </a:pPr>
-            <a:r>
-              <a:rPr lang="en-US" dirty="0"/>
-              <a:t>    Clarification</a:t>
-            </a:r>
-          </a:p>
-        </p:txBody>
-      </p:sp>
-      <p:sp>
-        <p:nvSpPr>
-          <p:cNvPr id="10" name="Title 9">
-            <a:extLst>
-              <a:ext uri="{FF2B5EF4-FFF2-40B4-BE49-F238E27FC236}">
-                <a16:creationId xmlns:a16="http://schemas.microsoft.com/office/drawing/2014/main" id="{239E17CD-5EE4-43CD-834E-2F477821F696}"/>
+          <p:cNvPr id="2" name="Title 1">
+            <a:extLst>
+              <a:ext uri="{FF2B5EF4-FFF2-40B4-BE49-F238E27FC236}">
+                <a16:creationId xmlns:a16="http://schemas.microsoft.com/office/drawing/2014/main" id="{027EE828-B2F2-4E7F-A4C7-BEDBF0D9EED9}"/>
               </a:ext>
             </a:extLst>
           </p:cNvPr>
@@ -6549,31 +6547,29 @@
         </p:nvSpPr>
         <p:spPr/>
         <p:txBody>
-          <a:bodyPr>
-            <a:normAutofit/>
-          </a:bodyPr>
+          <a:bodyPr/>
           <a:lstStyle/>
           <a:p>
             <a:r>
               <a:rPr lang="en-US" sz="3600" dirty="0"/>
-              <a:t>Requirements</a:t>
+              <a:t>Client-Server Interface Requirements</a:t>
             </a:r>
             <a:br>
+              <a:rPr lang="en-US" dirty="0"/>
+            </a:br>
+            <a:r>
               <a:rPr lang="en-US" sz="2800" dirty="0"/>
-            </a:br>
-            <a:r>
-              <a:rPr lang="en-US" sz="2800" dirty="0"/>
-              <a:t>Requester and Ice Cream System Interface Design</a:t>
+              <a:t>Server Half</a:t>
             </a:r>
           </a:p>
         </p:txBody>
       </p:sp>
       <p:pic>
         <p:nvPicPr>
-          <p:cNvPr id="9" name="Picture 8">
-            <a:extLst>
-              <a:ext uri="{FF2B5EF4-FFF2-40B4-BE49-F238E27FC236}">
-                <a16:creationId xmlns:a16="http://schemas.microsoft.com/office/drawing/2014/main" id="{25E9550E-8765-4FD6-8782-05A66387F292}"/>
+          <p:cNvPr id="4" name="Picture 3">
+            <a:extLst>
+              <a:ext uri="{FF2B5EF4-FFF2-40B4-BE49-F238E27FC236}">
+                <a16:creationId xmlns:a16="http://schemas.microsoft.com/office/drawing/2014/main" id="{0E4A9426-A111-4680-97B6-1CD48066A5BF}"/>
               </a:ext>
             </a:extLst>
           </p:cNvPr>
@@ -6596,8 +6592,8 @@
         </p:blipFill>
         <p:spPr>
           <a:xfrm>
-            <a:off x="7076546" y="2055814"/>
-            <a:ext cx="2981881" cy="4351338"/>
+            <a:off x="4512320" y="1878639"/>
+            <a:ext cx="3167360" cy="4678059"/>
           </a:xfrm>
           <a:prstGeom prst="rect">
             <a:avLst/>
@@ -6607,7 +6603,7 @@
     </p:spTree>
     <p:extLst>
       <p:ext uri="{BB962C8B-B14F-4D97-AF65-F5344CB8AC3E}">
-        <p14:creationId xmlns:p14="http://schemas.microsoft.com/office/powerpoint/2010/main" val="3884159901"/>
+        <p14:creationId xmlns:p14="http://schemas.microsoft.com/office/powerpoint/2010/main" val="3952277410"/>
       </p:ext>
     </p:extLst>
   </p:cSld>
@@ -6687,58 +6683,132 @@
           <a:p>
             <a:r>
               <a:rPr lang="en-US" sz="3600" dirty="0"/>
-              <a:t>Client-Server Interface Requirements</a:t>
+              <a:t>Client-Server Interface Design</a:t>
             </a:r>
             <a:br>
               <a:rPr lang="en-US" dirty="0"/>
             </a:br>
             <a:r>
               <a:rPr lang="en-US" sz="2800" dirty="0"/>
-              <a:t>Server Half</a:t>
+              <a:t>Server Perspective</a:t>
             </a:r>
           </a:p>
         </p:txBody>
       </p:sp>
-      <p:pic>
-        <p:nvPicPr>
-          <p:cNvPr id="4" name="Picture 3">
-            <a:extLst>
-              <a:ext uri="{FF2B5EF4-FFF2-40B4-BE49-F238E27FC236}">
-                <a16:creationId xmlns:a16="http://schemas.microsoft.com/office/drawing/2014/main" id="{0E4A9426-A111-4680-97B6-1CD48066A5BF}"/>
-              </a:ext>
-            </a:extLst>
-          </p:cNvPr>
-          <p:cNvPicPr>
-            <a:picLocks noChangeAspect="1"/>
-          </p:cNvPicPr>
-          <p:nvPr/>
-        </p:nvPicPr>
-        <p:blipFill>
-          <a:blip r:embed="rId3">
-            <a:extLst>
-              <a:ext uri="{28A0092B-C50C-407E-A947-70E740481C1C}">
-                <a14:useLocalDpi xmlns:a14="http://schemas.microsoft.com/office/drawing/2010/main" val="0"/>
-              </a:ext>
-            </a:extLst>
-          </a:blip>
-          <a:stretch>
-            <a:fillRect/>
-          </a:stretch>
-        </p:blipFill>
-        <p:spPr>
-          <a:xfrm>
-            <a:off x="4512320" y="1878639"/>
-            <a:ext cx="3167360" cy="4678059"/>
-          </a:xfrm>
-          <a:prstGeom prst="rect">
-            <a:avLst/>
-          </a:prstGeom>
-        </p:spPr>
-      </p:pic>
+      <p:sp>
+        <p:nvSpPr>
+          <p:cNvPr id="6" name="Content Placeholder 2">
+            <a:extLst>
+              <a:ext uri="{FF2B5EF4-FFF2-40B4-BE49-F238E27FC236}">
+                <a16:creationId xmlns:a16="http://schemas.microsoft.com/office/drawing/2014/main" id="{CF143FC4-8FB5-4B4A-BC87-767AD5802D79}"/>
+              </a:ext>
+            </a:extLst>
+          </p:cNvPr>
+          <p:cNvSpPr>
+            <a:spLocks noGrp="1"/>
+          </p:cNvSpPr>
+          <p:nvPr>
+            <p:ph idx="1"/>
+          </p:nvPr>
+        </p:nvSpPr>
+        <p:spPr>
+          <a:xfrm>
+            <a:off x="838200" y="1825625"/>
+            <a:ext cx="10515600" cy="4351338"/>
+          </a:xfrm>
+        </p:spPr>
+        <p:txBody>
+          <a:bodyPr>
+            <a:normAutofit fontScale="92500" lnSpcReduction="20000"/>
+          </a:bodyPr>
+          <a:lstStyle/>
+          <a:p>
+            <a:pPr marL="0" indent="0">
+              <a:buNone/>
+            </a:pPr>
+            <a:endParaRPr lang="en-US" dirty="0"/>
+          </a:p>
+          <a:p>
+            <a:pPr marL="0" indent="0">
+              <a:buNone/>
+            </a:pPr>
+            <a:r>
+              <a:rPr lang="en-US" dirty="0"/>
+              <a:t>Endpoint</a:t>
+            </a:r>
+          </a:p>
+          <a:p>
+            <a:pPr marL="0" indent="0">
+              <a:buNone/>
+            </a:pPr>
+            <a:r>
+              <a:rPr lang="en-US" dirty="0"/>
+              <a:t>     /search-by-ingredients</a:t>
+            </a:r>
+          </a:p>
+          <a:p>
+            <a:pPr marL="0" indent="0">
+              <a:buNone/>
+            </a:pPr>
+            <a:endParaRPr lang="en-US" dirty="0"/>
+          </a:p>
+          <a:p>
+            <a:pPr marL="0" indent="0">
+              <a:buNone/>
+            </a:pPr>
+            <a:r>
+              <a:rPr lang="en-US" dirty="0"/>
+              <a:t>Incoming Message</a:t>
+            </a:r>
+          </a:p>
+          <a:p>
+            <a:pPr marL="0" indent="0">
+              <a:buNone/>
+            </a:pPr>
+            <a:r>
+              <a:rPr lang="en-US" dirty="0"/>
+              <a:t>     Search parameters</a:t>
+            </a:r>
+          </a:p>
+          <a:p>
+            <a:pPr marL="0" indent="0">
+              <a:buNone/>
+            </a:pPr>
+            <a:endParaRPr lang="en-US" dirty="0"/>
+          </a:p>
+          <a:p>
+            <a:pPr marL="0" indent="0">
+              <a:buNone/>
+            </a:pPr>
+            <a:r>
+              <a:rPr lang="en-US" dirty="0"/>
+              <a:t>Outgoing Messages</a:t>
+            </a:r>
+          </a:p>
+          <a:p>
+            <a:pPr marL="0" indent="0">
+              <a:buNone/>
+            </a:pPr>
+            <a:r>
+              <a:rPr lang="en-US" dirty="0"/>
+              <a:t>     Matching products</a:t>
+            </a:r>
+          </a:p>
+          <a:p>
+            <a:pPr marL="0" indent="0">
+              <a:buNone/>
+            </a:pPr>
+            <a:r>
+              <a:rPr lang="en-US" dirty="0"/>
+              <a:t>     Status</a:t>
+            </a:r>
+          </a:p>
+        </p:txBody>
+      </p:sp>
     </p:spTree>
     <p:extLst>
       <p:ext uri="{BB962C8B-B14F-4D97-AF65-F5344CB8AC3E}">
-        <p14:creationId xmlns:p14="http://schemas.microsoft.com/office/powerpoint/2010/main" val="3952277410"/>
+        <p14:creationId xmlns:p14="http://schemas.microsoft.com/office/powerpoint/2010/main" val="228116997"/>
       </p:ext>
     </p:extLst>
   </p:cSld>
@@ -6818,14 +6888,14 @@
           <a:p>
             <a:r>
               <a:rPr lang="en-US" sz="3600" dirty="0"/>
-              <a:t>Client-Server Interface Design</a:t>
+              <a:t>Client-Server API Design</a:t>
             </a:r>
             <a:br>
               <a:rPr lang="en-US" dirty="0"/>
             </a:br>
             <a:r>
               <a:rPr lang="en-US" sz="2800" dirty="0"/>
-              <a:t>Server Perspective</a:t>
+              <a:t>Incoming Message</a:t>
             </a:r>
           </a:p>
         </p:txBody>
@@ -6854,7 +6924,7 @@
         </p:spPr>
         <p:txBody>
           <a:bodyPr>
-            <a:normAutofit fontScale="92500" lnSpcReduction="20000"/>
+            <a:normAutofit/>
           </a:bodyPr>
           <a:lstStyle/>
           <a:p>
@@ -6869,7 +6939,7 @@
             </a:pPr>
             <a:r>
               <a:rPr lang="en-US" dirty="0"/>
-              <a:t>Endpoint</a:t>
+              <a:t>search-parameters =</a:t>
             </a:r>
           </a:p>
           <a:p>
@@ -6878,14 +6948,17 @@
             </a:pPr>
             <a:r>
               <a:rPr lang="en-US" dirty="0"/>
-              <a:t>     /search-by-ingredients</a:t>
+              <a:t>    {“ingredients”: [</a:t>
             </a:r>
           </a:p>
           <a:p>
             <a:pPr marL="0" indent="0">
               <a:buNone/>
             </a:pPr>
-            <a:endParaRPr lang="en-US" dirty="0"/>
+            <a:r>
+              <a:rPr lang="en-US" dirty="0"/>
+              <a:t>          *&lt;ingredient w/ comma&gt;</a:t>
+            </a:r>
           </a:p>
           <a:p>
             <a:pPr marL="0" indent="0">
@@ -6893,7 +6966,7 @@
             </a:pPr>
             <a:r>
               <a:rPr lang="en-US" dirty="0"/>
-              <a:t>Incoming Message</a:t>
+              <a:t>           &lt;ingredient w/o comma&gt;</a:t>
             </a:r>
           </a:p>
           <a:p>
@@ -6902,40 +6975,64 @@
             </a:pPr>
             <a:r>
               <a:rPr lang="en-US" dirty="0"/>
-              <a:t>     Search parameters</a:t>
-            </a:r>
-          </a:p>
-          <a:p>
-            <a:pPr marL="0" indent="0">
-              <a:buNone/>
-            </a:pPr>
-            <a:endParaRPr lang="en-US" dirty="0"/>
-          </a:p>
-          <a:p>
-            <a:pPr marL="0" indent="0">
-              <a:buNone/>
-            </a:pPr>
+              <a:t>      ]}</a:t>
+            </a:r>
+          </a:p>
+        </p:txBody>
+      </p:sp>
+      <p:sp>
+        <p:nvSpPr>
+          <p:cNvPr id="3" name="TextBox 2">
+            <a:extLst>
+              <a:ext uri="{FF2B5EF4-FFF2-40B4-BE49-F238E27FC236}">
+                <a16:creationId xmlns:a16="http://schemas.microsoft.com/office/drawing/2014/main" id="{FF7FC719-6352-4E94-ADC6-E6821A529274}"/>
+              </a:ext>
+            </a:extLst>
+          </p:cNvPr>
+          <p:cNvSpPr txBox="1"/>
+          <p:nvPr/>
+        </p:nvSpPr>
+        <p:spPr>
+          <a:xfrm>
+            <a:off x="7148878" y="3429000"/>
+            <a:ext cx="4204922" cy="646331"/>
+          </a:xfrm>
+          <a:prstGeom prst="rect">
+            <a:avLst/>
+          </a:prstGeom>
+          <a:noFill/>
+        </p:spPr>
+        <p:txBody>
+          <a:bodyPr wrap="square" rtlCol="0">
+            <a:spAutoFit/>
+          </a:bodyPr>
+          <a:lstStyle/>
+          <a:p>
             <a:r>
               <a:rPr lang="en-US" dirty="0"/>
-              <a:t>Outgoing Messages</a:t>
-            </a:r>
-          </a:p>
-          <a:p>
-            <a:pPr marL="0" indent="0">
-              <a:buNone/>
-            </a:pPr>
+              <a:t>What you see is Backus-Naur Form.</a:t>
+            </a:r>
+          </a:p>
+          <a:p>
             <a:r>
               <a:rPr lang="en-US" dirty="0"/>
-              <a:t>     Matching products</a:t>
-            </a:r>
-          </a:p>
-          <a:p>
-            <a:pPr marL="0" indent="0">
-              <a:buNone/>
-            </a:pPr>
+              <a:t>Actual format </a:t>
+            </a:r>
+            <a:r>
+              <a:rPr lang="en-US" dirty="0" err="1"/>
+              <a:t>is“x</a:t>
+            </a:r>
             <a:r>
               <a:rPr lang="en-US" dirty="0"/>
-              <a:t>     Status</a:t>
+              <a:t>-www-form-</a:t>
+            </a:r>
+            <a:r>
+              <a:rPr lang="en-US" dirty="0" err="1"/>
+              <a:t>urlencoded</a:t>
+            </a:r>
+            <a:r>
+              <a:rPr lang="en-US" dirty="0"/>
+              <a:t>”.</a:t>
             </a:r>
           </a:p>
         </p:txBody>
@@ -6943,7 +7040,7 @@
     </p:spTree>
     <p:extLst>
       <p:ext uri="{BB962C8B-B14F-4D97-AF65-F5344CB8AC3E}">
-        <p14:creationId xmlns:p14="http://schemas.microsoft.com/office/powerpoint/2010/main" val="228116997"/>
+        <p14:creationId xmlns:p14="http://schemas.microsoft.com/office/powerpoint/2010/main" val="1064576591"/>
       </p:ext>
     </p:extLst>
   </p:cSld>
@@ -7030,8 +7127,11 @@
             </a:br>
             <a:r>
               <a:rPr lang="en-US" sz="2800" dirty="0"/>
-              <a:t>Incoming Message</a:t>
-            </a:r>
+              <a:t>Outgoing Messages</a:t>
+            </a:r>
+            <a:endParaRPr lang="en-US" sz="2800" dirty="0">
+              <a:latin typeface="+mn-lt"/>
+            </a:endParaRPr>
           </a:p>
         </p:txBody>
       </p:sp>
@@ -7059,7 +7159,7 @@
         </p:spPr>
         <p:txBody>
           <a:bodyPr>
-            <a:normAutofit/>
+            <a:normAutofit lnSpcReduction="10000"/>
           </a:bodyPr>
           <a:lstStyle/>
           <a:p>
@@ -7074,7 +7174,7 @@
             </a:pPr>
             <a:r>
               <a:rPr lang="en-US" dirty="0"/>
-              <a:t>search-parameters =</a:t>
+              <a:t>Matching products</a:t>
             </a:r>
           </a:p>
           <a:p>
@@ -7083,7 +7183,7 @@
             </a:pPr>
             <a:r>
               <a:rPr lang="en-US" dirty="0"/>
-              <a:t>    {“ingredients”: [</a:t>
+              <a:t>    {“products”: [</a:t>
             </a:r>
           </a:p>
           <a:p>
@@ -7092,7 +7192,7 @@
             </a:pPr>
             <a:r>
               <a:rPr lang="en-US" dirty="0"/>
-              <a:t>          *&lt;ingredient w/ comma&gt;</a:t>
+              <a:t>         *&lt;product w/ comma&gt;</a:t>
             </a:r>
           </a:p>
           <a:p>
@@ -7101,7 +7201,7 @@
             </a:pPr>
             <a:r>
               <a:rPr lang="en-US" dirty="0"/>
-              <a:t>           &lt;ingredient w/o comma&gt;</a:t>
+              <a:t>           &lt;product w/o comma&gt;</a:t>
             </a:r>
           </a:p>
           <a:p>
@@ -7113,61 +7213,28 @@
               <a:t>      ]}</a:t>
             </a:r>
           </a:p>
-        </p:txBody>
-      </p:sp>
-      <p:sp>
-        <p:nvSpPr>
-          <p:cNvPr id="3" name="TextBox 2">
-            <a:extLst>
-              <a:ext uri="{FF2B5EF4-FFF2-40B4-BE49-F238E27FC236}">
-                <a16:creationId xmlns:a16="http://schemas.microsoft.com/office/drawing/2014/main" id="{FF7FC719-6352-4E94-ADC6-E6821A529274}"/>
-              </a:ext>
-            </a:extLst>
-          </p:cNvPr>
-          <p:cNvSpPr txBox="1"/>
-          <p:nvPr/>
-        </p:nvSpPr>
-        <p:spPr>
-          <a:xfrm>
-            <a:off x="7148878" y="3429000"/>
-            <a:ext cx="4204922" cy="646331"/>
-          </a:xfrm>
-          <a:prstGeom prst="rect">
-            <a:avLst/>
-          </a:prstGeom>
-          <a:noFill/>
-        </p:spPr>
-        <p:txBody>
-          <a:bodyPr wrap="square" rtlCol="0">
-            <a:spAutoFit/>
-          </a:bodyPr>
-          <a:lstStyle/>
-          <a:p>
+          <a:p>
+            <a:pPr marL="0" indent="0">
+              <a:buNone/>
+            </a:pPr>
+            <a:endParaRPr lang="en-US" dirty="0"/>
+          </a:p>
+          <a:p>
+            <a:pPr marL="0" indent="0">
+              <a:buNone/>
+            </a:pPr>
             <a:r>
               <a:rPr lang="en-US" dirty="0"/>
-              <a:t>What you see is Backus-Naur Form.</a:t>
-            </a:r>
-          </a:p>
-          <a:p>
+              <a:t>Status</a:t>
+            </a:r>
+          </a:p>
+          <a:p>
+            <a:pPr marL="0" indent="0">
+              <a:buNone/>
+            </a:pPr>
             <a:r>
               <a:rPr lang="en-US" dirty="0"/>
-              <a:t>Actual format </a:t>
-            </a:r>
-            <a:r>
-              <a:rPr lang="en-US" dirty="0" err="1"/>
-              <a:t>is“x</a:t>
-            </a:r>
-            <a:r>
-              <a:rPr lang="en-US" dirty="0"/>
-              <a:t>-www-form-</a:t>
-            </a:r>
-            <a:r>
-              <a:rPr lang="en-US" dirty="0" err="1"/>
-              <a:t>urlencoded</a:t>
-            </a:r>
-            <a:r>
-              <a:rPr lang="en-US" dirty="0"/>
-              <a:t>”.</a:t>
+              <a:t>    {“status”: &lt;status&gt;}</a:t>
             </a:r>
           </a:p>
         </p:txBody>
@@ -7175,7 +7242,7 @@
     </p:spTree>
     <p:extLst>
       <p:ext uri="{BB962C8B-B14F-4D97-AF65-F5344CB8AC3E}">
-        <p14:creationId xmlns:p14="http://schemas.microsoft.com/office/powerpoint/2010/main" val="1064576591"/>
+        <p14:creationId xmlns:p14="http://schemas.microsoft.com/office/powerpoint/2010/main" val="1303817728"/>
       </p:ext>
     </p:extLst>
   </p:cSld>
@@ -7430,7 +7497,9 @@
         </p:nvSpPr>
         <p:spPr/>
         <p:txBody>
-          <a:bodyPr/>
+          <a:bodyPr>
+            <a:normAutofit/>
+          </a:bodyPr>
           <a:lstStyle/>
           <a:p>
             <a:r>
@@ -7438,15 +7507,12 @@
               <a:t>Client-Server API Design</a:t>
             </a:r>
             <a:br>
-              <a:rPr lang="en-US" dirty="0"/>
+              <a:rPr lang="en-US" sz="3600" dirty="0"/>
             </a:br>
             <a:r>
               <a:rPr lang="en-US" sz="2800" dirty="0"/>
-              <a:t>Outgoing Messages</a:t>
-            </a:r>
-            <a:endParaRPr lang="en-US" sz="2800" dirty="0">
-              <a:latin typeface="+mn-lt"/>
-            </a:endParaRPr>
+              <a:t>Product</a:t>
+            </a:r>
           </a:p>
         </p:txBody>
       </p:sp>
@@ -7474,14 +7540,17 @@
         </p:spPr>
         <p:txBody>
           <a:bodyPr>
-            <a:normAutofit lnSpcReduction="10000"/>
+            <a:normAutofit fontScale="77500" lnSpcReduction="20000"/>
           </a:bodyPr>
           <a:lstStyle/>
           <a:p>
             <a:pPr marL="0" indent="0">
               <a:buNone/>
             </a:pPr>
-            <a:endParaRPr lang="en-US" dirty="0"/>
+            <a:r>
+              <a:rPr lang="en-US" dirty="0"/>
+              <a:t>{</a:t>
+            </a:r>
           </a:p>
           <a:p>
             <a:pPr marL="0" indent="0">
@@ -7489,7 +7558,7 @@
             </a:pPr>
             <a:r>
               <a:rPr lang="en-US" dirty="0"/>
-              <a:t>Matching products</a:t>
+              <a:t>      “name”:                             &lt;catchy name&gt;</a:t>
             </a:r>
           </a:p>
           <a:p>
@@ -7498,7 +7567,15 @@
             </a:pPr>
             <a:r>
               <a:rPr lang="en-US" dirty="0"/>
-              <a:t>    {“products”: [</a:t>
+              <a:t>      “</a:t>
+            </a:r>
+            <a:r>
+              <a:rPr lang="en-US" dirty="0" err="1"/>
+              <a:t>image_closed</a:t>
+            </a:r>
+            <a:r>
+              <a:rPr lang="en-US" dirty="0"/>
+              <a:t>”:               &lt;path to image of closed product&gt;</a:t>
             </a:r>
           </a:p>
           <a:p>
@@ -7507,7 +7584,15 @@
             </a:pPr>
             <a:r>
               <a:rPr lang="en-US" dirty="0"/>
-              <a:t>         *&lt;product w/ comma&gt;</a:t>
+              <a:t>      “</a:t>
+            </a:r>
+            <a:r>
+              <a:rPr lang="en-US" dirty="0" err="1"/>
+              <a:t>image_open</a:t>
+            </a:r>
+            <a:r>
+              <a:rPr lang="en-US" dirty="0"/>
+              <a:t>”:                 &lt;path to image of open product&gt;</a:t>
             </a:r>
           </a:p>
           <a:p>
@@ -7516,7 +7601,7 @@
             </a:pPr>
             <a:r>
               <a:rPr lang="en-US" dirty="0"/>
-              <a:t>           &lt;product w/o comma&gt;</a:t>
+              <a:t>      “description”:                   &lt;phrase to get customers salivating&gt;</a:t>
             </a:r>
           </a:p>
           <a:p>
@@ -7525,14 +7610,25 @@
             </a:pPr>
             <a:r>
               <a:rPr lang="en-US" dirty="0"/>
-              <a:t>      ]}</a:t>
+              <a:t>      “story”:                              &lt;sales-pitch&gt;</a:t>
             </a:r>
           </a:p>
           <a:p>
             <a:pPr marL="0" indent="0">
               <a:buNone/>
             </a:pPr>
-            <a:endParaRPr lang="en-US" dirty="0"/>
+            <a:r>
+              <a:rPr lang="en-US" dirty="0"/>
+              <a:t>      “</a:t>
+            </a:r>
+            <a:r>
+              <a:rPr lang="en-US" dirty="0" err="1"/>
+              <a:t>sourcing_values</a:t>
+            </a:r>
+            <a:r>
+              <a:rPr lang="en-US" dirty="0"/>
+              <a:t>”:           [*&lt;sourcing value&gt;]</a:t>
+            </a:r>
           </a:p>
           <a:p>
             <a:pPr marL="0" indent="0">
@@ -7540,7 +7636,7 @@
             </a:pPr>
             <a:r>
               <a:rPr lang="en-US" dirty="0"/>
-              <a:t>Status</a:t>
+              <a:t>      “ingredients”:                    [*&lt;ingredient&gt;]</a:t>
             </a:r>
           </a:p>
           <a:p>
@@ -7549,7 +7645,58 @@
             </a:pPr>
             <a:r>
               <a:rPr lang="en-US" dirty="0"/>
-              <a:t>    {“status”: &lt;status&gt;}</a:t>
+              <a:t>      “</a:t>
+            </a:r>
+            <a:r>
+              <a:rPr lang="en-US" dirty="0" err="1"/>
+              <a:t>allergy_info</a:t>
+            </a:r>
+            <a:r>
+              <a:rPr lang="en-US" dirty="0"/>
+              <a:t>”:                   [*&lt;allergen&gt;]</a:t>
+            </a:r>
+          </a:p>
+          <a:p>
+            <a:pPr marL="0" indent="0">
+              <a:buNone/>
+            </a:pPr>
+            <a:r>
+              <a:rPr lang="en-US" dirty="0"/>
+              <a:t>      “</a:t>
+            </a:r>
+            <a:r>
+              <a:rPr lang="en-US" dirty="0" err="1"/>
+              <a:t>dietary_certifications</a:t>
+            </a:r>
+            <a:r>
+              <a:rPr lang="en-US" dirty="0"/>
+              <a:t>”:  [*&lt;dietary certification&gt;]</a:t>
+            </a:r>
+          </a:p>
+          <a:p>
+            <a:pPr marL="0" indent="0">
+              <a:buNone/>
+            </a:pPr>
+            <a:r>
+              <a:rPr lang="en-US" dirty="0"/>
+              <a:t>      “</a:t>
+            </a:r>
+            <a:r>
+              <a:rPr lang="en-US" dirty="0" err="1"/>
+              <a:t>productId</a:t>
+            </a:r>
+            <a:r>
+              <a:rPr lang="en-US" dirty="0"/>
+              <a:t>”:                      &lt;productid&gt;</a:t>
+            </a:r>
+          </a:p>
+          <a:p>
+            <a:pPr marL="0" indent="0">
+              <a:buNone/>
+            </a:pPr>
+            <a:r>
+              <a:rPr lang="en-US" dirty="0"/>
+              <a:t>}</a:t>
             </a:r>
           </a:p>
         </p:txBody>
@@ -7557,7 +7704,7 @@
     </p:spTree>
     <p:extLst>
       <p:ext uri="{BB962C8B-B14F-4D97-AF65-F5344CB8AC3E}">
-        <p14:creationId xmlns:p14="http://schemas.microsoft.com/office/powerpoint/2010/main" val="1303817728"/>
+        <p14:creationId xmlns:p14="http://schemas.microsoft.com/office/powerpoint/2010/main" val="2741165324"/>
       </p:ext>
     </p:extLst>
   </p:cSld>
@@ -7639,207 +7786,51 @@
           <a:p>
             <a:r>
               <a:rPr lang="en-US" sz="3600" dirty="0"/>
-              <a:t>Client-Server API Design</a:t>
-            </a:r>
-            <a:br>
-              <a:rPr lang="en-US" sz="3600" dirty="0"/>
-            </a:br>
-            <a:r>
-              <a:rPr lang="en-US" sz="2800" dirty="0"/>
-              <a:t>Product</a:t>
+              <a:t>Ice Cream Server Decomposition</a:t>
             </a:r>
           </a:p>
         </p:txBody>
       </p:sp>
-      <p:sp>
-        <p:nvSpPr>
-          <p:cNvPr id="6" name="Content Placeholder 2">
-            <a:extLst>
-              <a:ext uri="{FF2B5EF4-FFF2-40B4-BE49-F238E27FC236}">
-                <a16:creationId xmlns:a16="http://schemas.microsoft.com/office/drawing/2014/main" id="{CF143FC4-8FB5-4B4A-BC87-767AD5802D79}"/>
-              </a:ext>
-            </a:extLst>
-          </p:cNvPr>
-          <p:cNvSpPr>
-            <a:spLocks noGrp="1"/>
-          </p:cNvSpPr>
-          <p:nvPr>
-            <p:ph idx="1"/>
-          </p:nvPr>
-        </p:nvSpPr>
-        <p:spPr>
-          <a:xfrm>
-            <a:off x="838200" y="1825625"/>
-            <a:ext cx="10515600" cy="4351338"/>
-          </a:xfrm>
-        </p:spPr>
-        <p:txBody>
-          <a:bodyPr>
-            <a:normAutofit fontScale="77500" lnSpcReduction="20000"/>
-          </a:bodyPr>
-          <a:lstStyle/>
-          <a:p>
-            <a:pPr marL="0" indent="0">
-              <a:buNone/>
-            </a:pPr>
-            <a:r>
-              <a:rPr lang="en-US" dirty="0"/>
-              <a:t>{</a:t>
-            </a:r>
-          </a:p>
-          <a:p>
-            <a:pPr marL="0" indent="0">
-              <a:buNone/>
-            </a:pPr>
-            <a:r>
-              <a:rPr lang="en-US" dirty="0"/>
-              <a:t>      “name”:                             &lt;catchy name&gt;</a:t>
-            </a:r>
-          </a:p>
-          <a:p>
-            <a:pPr marL="0" indent="0">
-              <a:buNone/>
-            </a:pPr>
-            <a:r>
-              <a:rPr lang="en-US" dirty="0"/>
-              <a:t>      “</a:t>
-            </a:r>
-            <a:r>
-              <a:rPr lang="en-US" dirty="0" err="1"/>
-              <a:t>image_closed</a:t>
-            </a:r>
-            <a:r>
-              <a:rPr lang="en-US" dirty="0"/>
-              <a:t>”:               &lt;path to image of closed product&gt;</a:t>
-            </a:r>
-          </a:p>
-          <a:p>
-            <a:pPr marL="0" indent="0">
-              <a:buNone/>
-            </a:pPr>
-            <a:r>
-              <a:rPr lang="en-US" dirty="0"/>
-              <a:t>      “</a:t>
-            </a:r>
-            <a:r>
-              <a:rPr lang="en-US" dirty="0" err="1"/>
-              <a:t>image_open</a:t>
-            </a:r>
-            <a:r>
-              <a:rPr lang="en-US" dirty="0"/>
-              <a:t>”:                 &lt;path to image of open product&gt;</a:t>
-            </a:r>
-          </a:p>
-          <a:p>
-            <a:pPr marL="0" indent="0">
-              <a:buNone/>
-            </a:pPr>
-            <a:r>
-              <a:rPr lang="en-US" dirty="0"/>
-              <a:t>      “description”:                   &lt;phrase to get customers salivating&gt;</a:t>
-            </a:r>
-          </a:p>
-          <a:p>
-            <a:pPr marL="0" indent="0">
-              <a:buNone/>
-            </a:pPr>
-            <a:r>
-              <a:rPr lang="en-US" dirty="0"/>
-              <a:t>      “story”:                              &lt;sales-pitch&gt;</a:t>
-            </a:r>
-          </a:p>
-          <a:p>
-            <a:pPr marL="0" indent="0">
-              <a:buNone/>
-            </a:pPr>
-            <a:r>
-              <a:rPr lang="en-US" dirty="0"/>
-              <a:t>      “</a:t>
-            </a:r>
-            <a:r>
-              <a:rPr lang="en-US" dirty="0" err="1"/>
-              <a:t>sourcing_values</a:t>
-            </a:r>
-            <a:r>
-              <a:rPr lang="en-US" dirty="0"/>
-              <a:t>”:           [*&lt;sourcing value&gt;]</a:t>
-            </a:r>
-          </a:p>
-          <a:p>
-            <a:pPr marL="0" indent="0">
-              <a:buNone/>
-            </a:pPr>
-            <a:r>
-              <a:rPr lang="en-US" dirty="0"/>
-              <a:t>      “ingredients”:                    [*&lt;ingredient&gt;]</a:t>
-            </a:r>
-          </a:p>
-          <a:p>
-            <a:pPr marL="0" indent="0">
-              <a:buNone/>
-            </a:pPr>
-            <a:r>
-              <a:rPr lang="en-US" dirty="0"/>
-              <a:t>      “</a:t>
-            </a:r>
-            <a:r>
-              <a:rPr lang="en-US" dirty="0" err="1"/>
-              <a:t>allergy_info</a:t>
-            </a:r>
-            <a:r>
-              <a:rPr lang="en-US" dirty="0"/>
-              <a:t>”:                   [*&lt;allergen&gt;]</a:t>
-            </a:r>
-          </a:p>
-          <a:p>
-            <a:pPr marL="0" indent="0">
-              <a:buNone/>
-            </a:pPr>
-            <a:r>
-              <a:rPr lang="en-US" dirty="0"/>
-              <a:t>      “</a:t>
-            </a:r>
-            <a:r>
-              <a:rPr lang="en-US" dirty="0" err="1"/>
-              <a:t>dietary_certifications</a:t>
-            </a:r>
-            <a:r>
-              <a:rPr lang="en-US" dirty="0"/>
-              <a:t>”:  [*&lt;dietary certification&gt;]</a:t>
-            </a:r>
-          </a:p>
-          <a:p>
-            <a:pPr marL="0" indent="0">
-              <a:buNone/>
-            </a:pPr>
-            <a:r>
-              <a:rPr lang="en-US" dirty="0"/>
-              <a:t>      “</a:t>
-            </a:r>
-            <a:r>
-              <a:rPr lang="en-US" dirty="0" err="1"/>
-              <a:t>productId</a:t>
-            </a:r>
-            <a:r>
-              <a:rPr lang="en-US" dirty="0"/>
-              <a:t>”:                      &lt;productid&gt;</a:t>
-            </a:r>
-          </a:p>
-          <a:p>
-            <a:pPr marL="0" indent="0">
-              <a:buNone/>
-            </a:pPr>
-            <a:r>
-              <a:rPr lang="en-US" dirty="0"/>
-              <a:t>}</a:t>
-            </a:r>
-          </a:p>
-        </p:txBody>
-      </p:sp>
+      <p:pic>
+        <p:nvPicPr>
+          <p:cNvPr id="10" name="Picture 9">
+            <a:extLst>
+              <a:ext uri="{FF2B5EF4-FFF2-40B4-BE49-F238E27FC236}">
+                <a16:creationId xmlns:a16="http://schemas.microsoft.com/office/drawing/2014/main" id="{91BBC662-8DE8-4BE2-92CB-72EADB02529B}"/>
+              </a:ext>
+            </a:extLst>
+          </p:cNvPr>
+          <p:cNvPicPr>
+            <a:picLocks noChangeAspect="1"/>
+          </p:cNvPicPr>
+          <p:nvPr/>
+        </p:nvPicPr>
+        <p:blipFill>
+          <a:blip r:embed="rId3">
+            <a:extLst>
+              <a:ext uri="{28A0092B-C50C-407E-A947-70E740481C1C}">
+                <a14:useLocalDpi xmlns:a14="http://schemas.microsoft.com/office/drawing/2010/main" val="0"/>
+              </a:ext>
+            </a:extLst>
+          </a:blip>
+          <a:stretch>
+            <a:fillRect/>
+          </a:stretch>
+        </p:blipFill>
+        <p:spPr>
+          <a:xfrm>
+            <a:off x="2633828" y="1928973"/>
+            <a:ext cx="6924343" cy="4672959"/>
+          </a:xfrm>
+          <a:prstGeom prst="rect">
+            <a:avLst/>
+          </a:prstGeom>
+        </p:spPr>
+      </p:pic>
     </p:spTree>
     <p:extLst>
       <p:ext uri="{BB962C8B-B14F-4D97-AF65-F5344CB8AC3E}">
-        <p14:creationId xmlns:p14="http://schemas.microsoft.com/office/powerpoint/2010/main" val="2741165324"/>
+        <p14:creationId xmlns:p14="http://schemas.microsoft.com/office/powerpoint/2010/main" val="1245527792"/>
       </p:ext>
     </p:extLst>
   </p:cSld>
@@ -7868,10 +7859,10 @@
       </p:grpSpPr>
       <p:pic>
         <p:nvPicPr>
-          <p:cNvPr id="5" name="Picture 4">
-            <a:extLst>
-              <a:ext uri="{FF2B5EF4-FFF2-40B4-BE49-F238E27FC236}">
-                <a16:creationId xmlns:a16="http://schemas.microsoft.com/office/drawing/2014/main" id="{F37E0954-C93D-4E4E-89C3-A7C02A566B8C}"/>
+          <p:cNvPr id="9" name="Picture 8">
+            <a:extLst>
+              <a:ext uri="{FF2B5EF4-FFF2-40B4-BE49-F238E27FC236}">
+                <a16:creationId xmlns:a16="http://schemas.microsoft.com/office/drawing/2014/main" id="{330626BE-9B29-46EF-8575-22C4746BEF16}"/>
               </a:ext>
             </a:extLst>
           </p:cNvPr>
@@ -7881,7 +7872,43 @@
           <p:nvPr/>
         </p:nvPicPr>
         <p:blipFill>
-          <a:blip r:embed="rId2"/>
+          <a:blip r:embed="rId2">
+            <a:extLst>
+              <a:ext uri="{28A0092B-C50C-407E-A947-70E740481C1C}">
+                <a14:useLocalDpi xmlns:a14="http://schemas.microsoft.com/office/drawing/2010/main" val="0"/>
+              </a:ext>
+            </a:extLst>
+          </a:blip>
+          <a:stretch>
+            <a:fillRect/>
+          </a:stretch>
+        </p:blipFill>
+        <p:spPr>
+          <a:xfrm>
+            <a:off x="4848557" y="1954140"/>
+            <a:ext cx="6924343" cy="4672959"/>
+          </a:xfrm>
+          <a:prstGeom prst="rect">
+            <a:avLst/>
+          </a:prstGeom>
+        </p:spPr>
+      </p:pic>
+      <p:pic>
+        <p:nvPicPr>
+          <p:cNvPr id="5" name="Picture 4">
+            <a:extLst>
+              <a:ext uri="{FF2B5EF4-FFF2-40B4-BE49-F238E27FC236}">
+                <a16:creationId xmlns:a16="http://schemas.microsoft.com/office/drawing/2014/main" id="{F37E0954-C93D-4E4E-89C3-A7C02A566B8C}"/>
+              </a:ext>
+            </a:extLst>
+          </p:cNvPr>
+          <p:cNvPicPr>
+            <a:picLocks noChangeAspect="1"/>
+          </p:cNvPicPr>
+          <p:nvPr/>
+        </p:nvPicPr>
+        <p:blipFill>
+          <a:blip r:embed="rId3"/>
           <a:stretch>
             <a:fillRect/>
           </a:stretch>
@@ -7914,58 +7941,105 @@
         </p:nvSpPr>
         <p:spPr/>
         <p:txBody>
+          <a:bodyPr/>
+          <a:lstStyle/>
+          <a:p>
+            <a:r>
+              <a:rPr lang="en-US" dirty="0">
+                <a:latin typeface="+mn-lt"/>
+              </a:rPr>
+              <a:t>Design Classes</a:t>
+            </a:r>
+          </a:p>
+        </p:txBody>
+      </p:sp>
+      <p:sp>
+        <p:nvSpPr>
+          <p:cNvPr id="6" name="Content Placeholder 2">
+            <a:extLst>
+              <a:ext uri="{FF2B5EF4-FFF2-40B4-BE49-F238E27FC236}">
+                <a16:creationId xmlns:a16="http://schemas.microsoft.com/office/drawing/2014/main" id="{CF143FC4-8FB5-4B4A-BC87-767AD5802D79}"/>
+              </a:ext>
+            </a:extLst>
+          </p:cNvPr>
+          <p:cNvSpPr>
+            <a:spLocks noGrp="1"/>
+          </p:cNvSpPr>
+          <p:nvPr>
+            <p:ph idx="1"/>
+          </p:nvPr>
+        </p:nvSpPr>
+        <p:spPr>
+          <a:xfrm>
+            <a:off x="838200" y="1825625"/>
+            <a:ext cx="10515600" cy="4351338"/>
+          </a:xfrm>
+        </p:spPr>
+        <p:txBody>
           <a:bodyPr>
             <a:normAutofit/>
           </a:bodyPr>
           <a:lstStyle/>
           <a:p>
-            <a:r>
-              <a:rPr lang="en-US" sz="3600" dirty="0"/>
-              <a:t>Ice Cream Server Decomposition</a:t>
+            <a:pPr marL="0" indent="0">
+              <a:buNone/>
+            </a:pPr>
+            <a:endParaRPr lang="en-US" dirty="0"/>
+          </a:p>
+          <a:p>
+            <a:pPr marL="0" indent="0">
+              <a:buNone/>
+            </a:pPr>
+            <a:r>
+              <a:rPr lang="en-US" dirty="0" err="1"/>
+              <a:t>IceCreamClientCommunication</a:t>
+            </a:r>
+            <a:endParaRPr lang="en-US" dirty="0"/>
+          </a:p>
+          <a:p>
+            <a:pPr marL="0" indent="0">
+              <a:buNone/>
+            </a:pPr>
+            <a:r>
+              <a:rPr lang="en-US" dirty="0" err="1"/>
+              <a:t>IceCreamProductRetrieval</a:t>
+            </a:r>
+            <a:endParaRPr lang="en-US" dirty="0"/>
+          </a:p>
+          <a:p>
+            <a:pPr marL="0" indent="0">
+              <a:buNone/>
+            </a:pPr>
+            <a:r>
+              <a:rPr lang="en-US" dirty="0" err="1"/>
+              <a:t>SearchParameters</a:t>
+            </a:r>
+            <a:endParaRPr lang="en-US" dirty="0"/>
+          </a:p>
+          <a:p>
+            <a:pPr marL="0" indent="0">
+              <a:buNone/>
+            </a:pPr>
+            <a:r>
+              <a:rPr lang="en-US" dirty="0"/>
+              <a:t>Products</a:t>
+            </a:r>
+          </a:p>
+          <a:p>
+            <a:pPr marL="0" indent="0">
+              <a:buNone/>
+            </a:pPr>
+            <a:r>
+              <a:rPr lang="en-US" dirty="0"/>
+              <a:t>Status</a:t>
             </a:r>
           </a:p>
         </p:txBody>
       </p:sp>
-      <p:pic>
-        <p:nvPicPr>
-          <p:cNvPr id="10" name="Picture 9">
-            <a:extLst>
-              <a:ext uri="{FF2B5EF4-FFF2-40B4-BE49-F238E27FC236}">
-                <a16:creationId xmlns:a16="http://schemas.microsoft.com/office/drawing/2014/main" id="{91BBC662-8DE8-4BE2-92CB-72EADB02529B}"/>
-              </a:ext>
-            </a:extLst>
-          </p:cNvPr>
-          <p:cNvPicPr>
-            <a:picLocks noChangeAspect="1"/>
-          </p:cNvPicPr>
-          <p:nvPr/>
-        </p:nvPicPr>
-        <p:blipFill>
-          <a:blip r:embed="rId3">
-            <a:extLst>
-              <a:ext uri="{28A0092B-C50C-407E-A947-70E740481C1C}">
-                <a14:useLocalDpi xmlns:a14="http://schemas.microsoft.com/office/drawing/2010/main" val="0"/>
-              </a:ext>
-            </a:extLst>
-          </a:blip>
-          <a:stretch>
-            <a:fillRect/>
-          </a:stretch>
-        </p:blipFill>
-        <p:spPr>
-          <a:xfrm>
-            <a:off x="2633828" y="1928973"/>
-            <a:ext cx="6924343" cy="4672959"/>
-          </a:xfrm>
-          <a:prstGeom prst="rect">
-            <a:avLst/>
-          </a:prstGeom>
-        </p:spPr>
-      </p:pic>
     </p:spTree>
     <p:extLst>
       <p:ext uri="{BB962C8B-B14F-4D97-AF65-F5344CB8AC3E}">
-        <p14:creationId xmlns:p14="http://schemas.microsoft.com/office/powerpoint/2010/main" val="1245527792"/>
+        <p14:creationId xmlns:p14="http://schemas.microsoft.com/office/powerpoint/2010/main" val="289551989"/>
       </p:ext>
     </p:extLst>
   </p:cSld>
@@ -7994,10 +8068,10 @@
       </p:grpSpPr>
       <p:pic>
         <p:nvPicPr>
-          <p:cNvPr id="9" name="Picture 8">
-            <a:extLst>
-              <a:ext uri="{FF2B5EF4-FFF2-40B4-BE49-F238E27FC236}">
-                <a16:creationId xmlns:a16="http://schemas.microsoft.com/office/drawing/2014/main" id="{330626BE-9B29-46EF-8575-22C4746BEF16}"/>
+          <p:cNvPr id="5" name="Picture 4">
+            <a:extLst>
+              <a:ext uri="{FF2B5EF4-FFF2-40B4-BE49-F238E27FC236}">
+                <a16:creationId xmlns:a16="http://schemas.microsoft.com/office/drawing/2014/main" id="{F37E0954-C93D-4E4E-89C3-A7C02A566B8C}"/>
               </a:ext>
             </a:extLst>
           </p:cNvPr>
@@ -8007,43 +8081,7 @@
           <p:nvPr/>
         </p:nvPicPr>
         <p:blipFill>
-          <a:blip r:embed="rId2">
-            <a:extLst>
-              <a:ext uri="{28A0092B-C50C-407E-A947-70E740481C1C}">
-                <a14:useLocalDpi xmlns:a14="http://schemas.microsoft.com/office/drawing/2010/main" val="0"/>
-              </a:ext>
-            </a:extLst>
-          </a:blip>
-          <a:stretch>
-            <a:fillRect/>
-          </a:stretch>
-        </p:blipFill>
-        <p:spPr>
-          <a:xfrm>
-            <a:off x="4848557" y="1954140"/>
-            <a:ext cx="6924343" cy="4672959"/>
-          </a:xfrm>
-          <a:prstGeom prst="rect">
-            <a:avLst/>
-          </a:prstGeom>
-        </p:spPr>
-      </p:pic>
-      <p:pic>
-        <p:nvPicPr>
-          <p:cNvPr id="5" name="Picture 4">
-            <a:extLst>
-              <a:ext uri="{FF2B5EF4-FFF2-40B4-BE49-F238E27FC236}">
-                <a16:creationId xmlns:a16="http://schemas.microsoft.com/office/drawing/2014/main" id="{F37E0954-C93D-4E4E-89C3-A7C02A566B8C}"/>
-              </a:ext>
-            </a:extLst>
-          </p:cNvPr>
-          <p:cNvPicPr>
-            <a:picLocks noChangeAspect="1"/>
-          </p:cNvPicPr>
-          <p:nvPr/>
-        </p:nvPicPr>
-        <p:blipFill>
-          <a:blip r:embed="rId3"/>
+          <a:blip r:embed="rId2"/>
           <a:stretch>
             <a:fillRect/>
           </a:stretch>
@@ -8083,98 +8121,1750 @@
               <a:rPr lang="en-US" dirty="0">
                 <a:latin typeface="+mn-lt"/>
               </a:rPr>
-              <a:t>Design Classes</a:t>
+              <a:t>Ice Cream Database Design</a:t>
             </a:r>
           </a:p>
         </p:txBody>
       </p:sp>
-      <p:sp>
-        <p:nvSpPr>
-          <p:cNvPr id="6" name="Content Placeholder 2">
-            <a:extLst>
-              <a:ext uri="{FF2B5EF4-FFF2-40B4-BE49-F238E27FC236}">
-                <a16:creationId xmlns:a16="http://schemas.microsoft.com/office/drawing/2014/main" id="{CF143FC4-8FB5-4B4A-BC87-767AD5802D79}"/>
-              </a:ext>
-            </a:extLst>
-          </p:cNvPr>
-          <p:cNvSpPr>
-            <a:spLocks noGrp="1"/>
-          </p:cNvSpPr>
-          <p:nvPr>
-            <p:ph idx="1"/>
-          </p:nvPr>
-        </p:nvSpPr>
-        <p:spPr>
-          <a:xfrm>
-            <a:off x="838200" y="1825625"/>
-            <a:ext cx="10515600" cy="4351338"/>
-          </a:xfrm>
-        </p:spPr>
-        <p:txBody>
-          <a:bodyPr>
-            <a:normAutofit/>
-          </a:bodyPr>
-          <a:lstStyle/>
-          <a:p>
-            <a:pPr marL="0" indent="0">
-              <a:buNone/>
-            </a:pPr>
-            <a:endParaRPr lang="en-US" dirty="0"/>
-          </a:p>
-          <a:p>
-            <a:pPr marL="0" indent="0">
-              <a:buNone/>
-            </a:pPr>
-            <a:r>
-              <a:rPr lang="en-US" dirty="0" err="1"/>
-              <a:t>IceCreamClientCommunication</a:t>
-            </a:r>
-            <a:endParaRPr lang="en-US" dirty="0"/>
-          </a:p>
-          <a:p>
-            <a:pPr marL="0" indent="0">
-              <a:buNone/>
-            </a:pPr>
-            <a:r>
-              <a:rPr lang="en-US" dirty="0" err="1"/>
-              <a:t>IceCreamProductRetrieval</a:t>
-            </a:r>
-            <a:endParaRPr lang="en-US" dirty="0"/>
-          </a:p>
-          <a:p>
-            <a:pPr marL="0" indent="0">
-              <a:buNone/>
-            </a:pPr>
-            <a:r>
-              <a:rPr lang="en-US" dirty="0" err="1"/>
-              <a:t>SearchParameters</a:t>
-            </a:r>
-            <a:endParaRPr lang="en-US" dirty="0"/>
-          </a:p>
-          <a:p>
-            <a:pPr marL="0" indent="0">
-              <a:buNone/>
-            </a:pPr>
-            <a:r>
-              <a:rPr lang="en-US" dirty="0"/>
-              <a:t>Products</a:t>
-            </a:r>
-          </a:p>
-          <a:p>
-            <a:pPr marL="0" indent="0">
-              <a:buNone/>
-            </a:pPr>
-            <a:r>
-              <a:rPr lang="en-US" dirty="0"/>
-              <a:t>Status</a:t>
-            </a:r>
-          </a:p>
-        </p:txBody>
-      </p:sp>
+      <p:pic>
+        <p:nvPicPr>
+          <p:cNvPr id="6" name="Picture 5">
+            <a:extLst>
+              <a:ext uri="{FF2B5EF4-FFF2-40B4-BE49-F238E27FC236}">
+                <a16:creationId xmlns:a16="http://schemas.microsoft.com/office/drawing/2014/main" id="{25700BA0-9251-480C-906E-923E98037F45}"/>
+              </a:ext>
+            </a:extLst>
+          </p:cNvPr>
+          <p:cNvPicPr>
+            <a:picLocks noChangeAspect="1"/>
+          </p:cNvPicPr>
+          <p:nvPr/>
+        </p:nvPicPr>
+        <p:blipFill>
+          <a:blip r:embed="rId3"/>
+          <a:stretch>
+            <a:fillRect/>
+          </a:stretch>
+        </p:blipFill>
+        <p:spPr>
+          <a:xfrm>
+            <a:off x="211683" y="1819916"/>
+            <a:ext cx="1495425" cy="2390775"/>
+          </a:xfrm>
+          <a:prstGeom prst="rect">
+            <a:avLst/>
+          </a:prstGeom>
+        </p:spPr>
+      </p:pic>
+      <p:pic>
+        <p:nvPicPr>
+          <p:cNvPr id="12" name="Picture 11">
+            <a:extLst>
+              <a:ext uri="{FF2B5EF4-FFF2-40B4-BE49-F238E27FC236}">
+                <a16:creationId xmlns:a16="http://schemas.microsoft.com/office/drawing/2014/main" id="{CF93A40C-9BFA-4721-BF14-1DAEE64E8CF0}"/>
+              </a:ext>
+            </a:extLst>
+          </p:cNvPr>
+          <p:cNvPicPr>
+            <a:picLocks noChangeAspect="1"/>
+          </p:cNvPicPr>
+          <p:nvPr/>
+        </p:nvPicPr>
+        <p:blipFill>
+          <a:blip r:embed="rId4"/>
+          <a:stretch>
+            <a:fillRect/>
+          </a:stretch>
+        </p:blipFill>
+        <p:spPr>
+          <a:xfrm>
+            <a:off x="1918791" y="1819916"/>
+            <a:ext cx="1857375" cy="1076325"/>
+          </a:xfrm>
+          <a:prstGeom prst="rect">
+            <a:avLst/>
+          </a:prstGeom>
+        </p:spPr>
+      </p:pic>
+      <p:pic>
+        <p:nvPicPr>
+          <p:cNvPr id="16" name="Picture 15">
+            <a:extLst>
+              <a:ext uri="{FF2B5EF4-FFF2-40B4-BE49-F238E27FC236}">
+                <a16:creationId xmlns:a16="http://schemas.microsoft.com/office/drawing/2014/main" id="{8AD6CDCE-95A8-4E08-8B0F-BD80C6B169B5}"/>
+              </a:ext>
+            </a:extLst>
+          </p:cNvPr>
+          <p:cNvPicPr>
+            <a:picLocks noChangeAspect="1"/>
+          </p:cNvPicPr>
+          <p:nvPr/>
+        </p:nvPicPr>
+        <p:blipFill>
+          <a:blip r:embed="rId5"/>
+          <a:stretch>
+            <a:fillRect/>
+          </a:stretch>
+        </p:blipFill>
+        <p:spPr>
+          <a:xfrm>
+            <a:off x="1918791" y="3085420"/>
+            <a:ext cx="4514850" cy="1333500"/>
+          </a:xfrm>
+          <a:prstGeom prst="rect">
+            <a:avLst/>
+          </a:prstGeom>
+        </p:spPr>
+      </p:pic>
+      <p:pic>
+        <p:nvPicPr>
+          <p:cNvPr id="20" name="Picture 19">
+            <a:extLst>
+              <a:ext uri="{FF2B5EF4-FFF2-40B4-BE49-F238E27FC236}">
+                <a16:creationId xmlns:a16="http://schemas.microsoft.com/office/drawing/2014/main" id="{513C01E1-90B3-4BF2-B5DB-3951E170BFB6}"/>
+              </a:ext>
+            </a:extLst>
+          </p:cNvPr>
+          <p:cNvPicPr>
+            <a:picLocks noChangeAspect="1"/>
+          </p:cNvPicPr>
+          <p:nvPr/>
+        </p:nvPicPr>
+        <p:blipFill>
+          <a:blip r:embed="rId6"/>
+          <a:stretch>
+            <a:fillRect/>
+          </a:stretch>
+        </p:blipFill>
+        <p:spPr>
+          <a:xfrm>
+            <a:off x="3987849" y="1819916"/>
+            <a:ext cx="2209800" cy="1047750"/>
+          </a:xfrm>
+          <a:prstGeom prst="rect">
+            <a:avLst/>
+          </a:prstGeom>
+        </p:spPr>
+      </p:pic>
+      <p:pic>
+        <p:nvPicPr>
+          <p:cNvPr id="22" name="Picture 21">
+            <a:extLst>
+              <a:ext uri="{FF2B5EF4-FFF2-40B4-BE49-F238E27FC236}">
+                <a16:creationId xmlns:a16="http://schemas.microsoft.com/office/drawing/2014/main" id="{F7272881-B9CD-42B9-814F-9EEAB7025BF5}"/>
+              </a:ext>
+            </a:extLst>
+          </p:cNvPr>
+          <p:cNvPicPr>
+            <a:picLocks noChangeAspect="1"/>
+          </p:cNvPicPr>
+          <p:nvPr/>
+        </p:nvPicPr>
+        <p:blipFill>
+          <a:blip r:embed="rId7"/>
+          <a:stretch>
+            <a:fillRect/>
+          </a:stretch>
+        </p:blipFill>
+        <p:spPr>
+          <a:xfrm>
+            <a:off x="190775" y="4791037"/>
+            <a:ext cx="4895850" cy="1343025"/>
+          </a:xfrm>
+          <a:prstGeom prst="rect">
+            <a:avLst/>
+          </a:prstGeom>
+        </p:spPr>
+      </p:pic>
+      <p:cxnSp>
+        <p:nvCxnSpPr>
+          <p:cNvPr id="24" name="Straight Arrow Connector 23">
+            <a:extLst>
+              <a:ext uri="{FF2B5EF4-FFF2-40B4-BE49-F238E27FC236}">
+                <a16:creationId xmlns:a16="http://schemas.microsoft.com/office/drawing/2014/main" id="{2088206B-B78E-4814-905F-7C18C31E079C}"/>
+              </a:ext>
+            </a:extLst>
+          </p:cNvPr>
+          <p:cNvCxnSpPr>
+            <a:cxnSpLocks/>
+          </p:cNvCxnSpPr>
+          <p:nvPr/>
+        </p:nvCxnSpPr>
+        <p:spPr>
+          <a:xfrm flipH="1">
+            <a:off x="106137" y="4461782"/>
+            <a:ext cx="11775801" cy="0"/>
+          </a:xfrm>
+          <a:prstGeom prst="straightConnector1">
+            <a:avLst/>
+          </a:prstGeom>
+          <a:ln>
+            <a:tailEnd type="triangle"/>
+          </a:ln>
+        </p:spPr>
+        <p:style>
+          <a:lnRef idx="1">
+            <a:schemeClr val="accent1"/>
+          </a:lnRef>
+          <a:fillRef idx="0">
+            <a:schemeClr val="accent1"/>
+          </a:fillRef>
+          <a:effectRef idx="0">
+            <a:schemeClr val="accent1"/>
+          </a:effectRef>
+          <a:fontRef idx="minor">
+            <a:schemeClr val="tx1"/>
+          </a:fontRef>
+        </p:style>
+      </p:cxnSp>
+      <p:cxnSp>
+        <p:nvCxnSpPr>
+          <p:cNvPr id="27" name="Straight Arrow Connector 26">
+            <a:extLst>
+              <a:ext uri="{FF2B5EF4-FFF2-40B4-BE49-F238E27FC236}">
+                <a16:creationId xmlns:a16="http://schemas.microsoft.com/office/drawing/2014/main" id="{A2A8F37E-C99D-41D3-ADE7-A9B89618736C}"/>
+              </a:ext>
+            </a:extLst>
+          </p:cNvPr>
+          <p:cNvCxnSpPr>
+            <a:cxnSpLocks/>
+          </p:cNvCxnSpPr>
+          <p:nvPr/>
+        </p:nvCxnSpPr>
+        <p:spPr>
+          <a:xfrm flipV="1">
+            <a:off x="103595" y="2314577"/>
+            <a:ext cx="2539" cy="3851844"/>
+          </a:xfrm>
+          <a:prstGeom prst="straightConnector1">
+            <a:avLst/>
+          </a:prstGeom>
+          <a:ln>
+            <a:tailEnd type="triangle"/>
+          </a:ln>
+        </p:spPr>
+        <p:style>
+          <a:lnRef idx="1">
+            <a:schemeClr val="accent1"/>
+          </a:lnRef>
+          <a:fillRef idx="0">
+            <a:schemeClr val="accent1"/>
+          </a:fillRef>
+          <a:effectRef idx="0">
+            <a:schemeClr val="accent1"/>
+          </a:effectRef>
+          <a:fontRef idx="minor">
+            <a:schemeClr val="tx1"/>
+          </a:fontRef>
+        </p:style>
+      </p:cxnSp>
+      <p:cxnSp>
+        <p:nvCxnSpPr>
+          <p:cNvPr id="29" name="Straight Arrow Connector 28">
+            <a:extLst>
+              <a:ext uri="{FF2B5EF4-FFF2-40B4-BE49-F238E27FC236}">
+                <a16:creationId xmlns:a16="http://schemas.microsoft.com/office/drawing/2014/main" id="{0530AB82-7276-4351-8C75-1E3411D8F69D}"/>
+              </a:ext>
+            </a:extLst>
+          </p:cNvPr>
+          <p:cNvCxnSpPr/>
+          <p:nvPr/>
+        </p:nvCxnSpPr>
+        <p:spPr>
+          <a:xfrm>
+            <a:off x="106133" y="2314575"/>
+            <a:ext cx="159204" cy="0"/>
+          </a:xfrm>
+          <a:prstGeom prst="straightConnector1">
+            <a:avLst/>
+          </a:prstGeom>
+          <a:ln>
+            <a:tailEnd type="triangle"/>
+          </a:ln>
+        </p:spPr>
+        <p:style>
+          <a:lnRef idx="1">
+            <a:schemeClr val="accent1"/>
+          </a:lnRef>
+          <a:fillRef idx="0">
+            <a:schemeClr val="accent1"/>
+          </a:fillRef>
+          <a:effectRef idx="0">
+            <a:schemeClr val="accent1"/>
+          </a:effectRef>
+          <a:fontRef idx="minor">
+            <a:schemeClr val="tx1"/>
+          </a:fontRef>
+        </p:style>
+      </p:cxnSp>
+      <p:cxnSp>
+        <p:nvCxnSpPr>
+          <p:cNvPr id="33" name="Straight Arrow Connector 32">
+            <a:extLst>
+              <a:ext uri="{FF2B5EF4-FFF2-40B4-BE49-F238E27FC236}">
+                <a16:creationId xmlns:a16="http://schemas.microsoft.com/office/drawing/2014/main" id="{1B3B5B09-783F-4394-A4DC-BC145589AF7D}"/>
+              </a:ext>
+            </a:extLst>
+          </p:cNvPr>
+          <p:cNvCxnSpPr>
+            <a:cxnSpLocks/>
+          </p:cNvCxnSpPr>
+          <p:nvPr/>
+        </p:nvCxnSpPr>
+        <p:spPr>
+          <a:xfrm flipH="1">
+            <a:off x="1779816" y="4580164"/>
+            <a:ext cx="4902652" cy="0"/>
+          </a:xfrm>
+          <a:prstGeom prst="straightConnector1">
+            <a:avLst/>
+          </a:prstGeom>
+          <a:ln>
+            <a:tailEnd type="triangle"/>
+          </a:ln>
+        </p:spPr>
+        <p:style>
+          <a:lnRef idx="1">
+            <a:schemeClr val="accent1"/>
+          </a:lnRef>
+          <a:fillRef idx="0">
+            <a:schemeClr val="accent1"/>
+          </a:fillRef>
+          <a:effectRef idx="0">
+            <a:schemeClr val="accent1"/>
+          </a:effectRef>
+          <a:fontRef idx="minor">
+            <a:schemeClr val="tx1"/>
+          </a:fontRef>
+        </p:style>
+      </p:cxnSp>
+      <p:cxnSp>
+        <p:nvCxnSpPr>
+          <p:cNvPr id="35" name="Straight Arrow Connector 34">
+            <a:extLst>
+              <a:ext uri="{FF2B5EF4-FFF2-40B4-BE49-F238E27FC236}">
+                <a16:creationId xmlns:a16="http://schemas.microsoft.com/office/drawing/2014/main" id="{4317FC89-5101-405D-B663-999652792FA1}"/>
+              </a:ext>
+            </a:extLst>
+          </p:cNvPr>
+          <p:cNvCxnSpPr>
+            <a:cxnSpLocks/>
+          </p:cNvCxnSpPr>
+          <p:nvPr/>
+        </p:nvCxnSpPr>
+        <p:spPr>
+          <a:xfrm flipV="1">
+            <a:off x="1779814" y="2358078"/>
+            <a:ext cx="28575" cy="2222087"/>
+          </a:xfrm>
+          <a:prstGeom prst="straightConnector1">
+            <a:avLst/>
+          </a:prstGeom>
+          <a:ln>
+            <a:tailEnd type="triangle"/>
+          </a:ln>
+        </p:spPr>
+        <p:style>
+          <a:lnRef idx="1">
+            <a:schemeClr val="accent1"/>
+          </a:lnRef>
+          <a:fillRef idx="0">
+            <a:schemeClr val="accent1"/>
+          </a:fillRef>
+          <a:effectRef idx="0">
+            <a:schemeClr val="accent1"/>
+          </a:effectRef>
+          <a:fontRef idx="minor">
+            <a:schemeClr val="tx1"/>
+          </a:fontRef>
+        </p:style>
+      </p:cxnSp>
+      <p:cxnSp>
+        <p:nvCxnSpPr>
+          <p:cNvPr id="37" name="Straight Arrow Connector 36">
+            <a:extLst>
+              <a:ext uri="{FF2B5EF4-FFF2-40B4-BE49-F238E27FC236}">
+                <a16:creationId xmlns:a16="http://schemas.microsoft.com/office/drawing/2014/main" id="{55BC1756-D336-4623-BCD1-CE05C3FE1BC9}"/>
+              </a:ext>
+            </a:extLst>
+          </p:cNvPr>
+          <p:cNvCxnSpPr>
+            <a:cxnSpLocks/>
+            <a:endCxn id="12" idx="1"/>
+          </p:cNvCxnSpPr>
+          <p:nvPr/>
+        </p:nvCxnSpPr>
+        <p:spPr>
+          <a:xfrm>
+            <a:off x="1808389" y="2352675"/>
+            <a:ext cx="110402" cy="5404"/>
+          </a:xfrm>
+          <a:prstGeom prst="straightConnector1">
+            <a:avLst/>
+          </a:prstGeom>
+          <a:ln>
+            <a:tailEnd type="triangle"/>
+          </a:ln>
+        </p:spPr>
+        <p:style>
+          <a:lnRef idx="1">
+            <a:schemeClr val="accent1"/>
+          </a:lnRef>
+          <a:fillRef idx="0">
+            <a:schemeClr val="accent1"/>
+          </a:fillRef>
+          <a:effectRef idx="0">
+            <a:schemeClr val="accent1"/>
+          </a:effectRef>
+          <a:fontRef idx="minor">
+            <a:schemeClr val="tx1"/>
+          </a:fontRef>
+        </p:style>
+      </p:cxnSp>
+      <p:cxnSp>
+        <p:nvCxnSpPr>
+          <p:cNvPr id="45" name="Straight Arrow Connector 44">
+            <a:extLst>
+              <a:ext uri="{FF2B5EF4-FFF2-40B4-BE49-F238E27FC236}">
+                <a16:creationId xmlns:a16="http://schemas.microsoft.com/office/drawing/2014/main" id="{DFDB1F02-2B54-4F6A-AE66-5470182824E1}"/>
+              </a:ext>
+            </a:extLst>
+          </p:cNvPr>
+          <p:cNvCxnSpPr/>
+          <p:nvPr/>
+        </p:nvCxnSpPr>
+        <p:spPr>
+          <a:xfrm>
+            <a:off x="6388554" y="3955596"/>
+            <a:ext cx="138792" cy="0"/>
+          </a:xfrm>
+          <a:prstGeom prst="straightConnector1">
+            <a:avLst/>
+          </a:prstGeom>
+          <a:ln>
+            <a:tailEnd type="triangle"/>
+          </a:ln>
+        </p:spPr>
+        <p:style>
+          <a:lnRef idx="1">
+            <a:schemeClr val="accent1"/>
+          </a:lnRef>
+          <a:fillRef idx="0">
+            <a:schemeClr val="accent1"/>
+          </a:fillRef>
+          <a:effectRef idx="0">
+            <a:schemeClr val="accent1"/>
+          </a:effectRef>
+          <a:fontRef idx="minor">
+            <a:schemeClr val="tx1"/>
+          </a:fontRef>
+        </p:style>
+      </p:cxnSp>
+      <p:cxnSp>
+        <p:nvCxnSpPr>
+          <p:cNvPr id="47" name="Straight Arrow Connector 46">
+            <a:extLst>
+              <a:ext uri="{FF2B5EF4-FFF2-40B4-BE49-F238E27FC236}">
+                <a16:creationId xmlns:a16="http://schemas.microsoft.com/office/drawing/2014/main" id="{718525B8-A328-483D-AA22-9E6A2573DE3B}"/>
+              </a:ext>
+            </a:extLst>
+          </p:cNvPr>
+          <p:cNvCxnSpPr>
+            <a:cxnSpLocks/>
+          </p:cNvCxnSpPr>
+          <p:nvPr/>
+        </p:nvCxnSpPr>
+        <p:spPr>
+          <a:xfrm>
+            <a:off x="6527346" y="3955596"/>
+            <a:ext cx="0" cy="506186"/>
+          </a:xfrm>
+          <a:prstGeom prst="straightConnector1">
+            <a:avLst/>
+          </a:prstGeom>
+          <a:ln>
+            <a:tailEnd type="triangle"/>
+          </a:ln>
+        </p:spPr>
+        <p:style>
+          <a:lnRef idx="1">
+            <a:schemeClr val="accent1"/>
+          </a:lnRef>
+          <a:fillRef idx="0">
+            <a:schemeClr val="accent1"/>
+          </a:fillRef>
+          <a:effectRef idx="0">
+            <a:schemeClr val="accent1"/>
+          </a:effectRef>
+          <a:fontRef idx="minor">
+            <a:schemeClr val="tx1"/>
+          </a:fontRef>
+        </p:style>
+      </p:cxnSp>
+      <p:cxnSp>
+        <p:nvCxnSpPr>
+          <p:cNvPr id="53" name="Straight Arrow Connector 52">
+            <a:extLst>
+              <a:ext uri="{FF2B5EF4-FFF2-40B4-BE49-F238E27FC236}">
+                <a16:creationId xmlns:a16="http://schemas.microsoft.com/office/drawing/2014/main" id="{8EA4DFFA-E891-454D-B608-F06B56D753A3}"/>
+              </a:ext>
+            </a:extLst>
+          </p:cNvPr>
+          <p:cNvCxnSpPr/>
+          <p:nvPr/>
+        </p:nvCxnSpPr>
+        <p:spPr>
+          <a:xfrm>
+            <a:off x="6388554" y="4261757"/>
+            <a:ext cx="293914" cy="0"/>
+          </a:xfrm>
+          <a:prstGeom prst="straightConnector1">
+            <a:avLst/>
+          </a:prstGeom>
+          <a:ln>
+            <a:tailEnd type="triangle"/>
+          </a:ln>
+        </p:spPr>
+        <p:style>
+          <a:lnRef idx="1">
+            <a:schemeClr val="accent1"/>
+          </a:lnRef>
+          <a:fillRef idx="0">
+            <a:schemeClr val="accent1"/>
+          </a:fillRef>
+          <a:effectRef idx="0">
+            <a:schemeClr val="accent1"/>
+          </a:effectRef>
+          <a:fontRef idx="minor">
+            <a:schemeClr val="tx1"/>
+          </a:fontRef>
+        </p:style>
+      </p:cxnSp>
+      <p:cxnSp>
+        <p:nvCxnSpPr>
+          <p:cNvPr id="55" name="Straight Arrow Connector 54">
+            <a:extLst>
+              <a:ext uri="{FF2B5EF4-FFF2-40B4-BE49-F238E27FC236}">
+                <a16:creationId xmlns:a16="http://schemas.microsoft.com/office/drawing/2014/main" id="{51400585-8AF6-4B12-96BF-E1AF27F793A8}"/>
+              </a:ext>
+            </a:extLst>
+          </p:cNvPr>
+          <p:cNvCxnSpPr/>
+          <p:nvPr/>
+        </p:nvCxnSpPr>
+        <p:spPr>
+          <a:xfrm>
+            <a:off x="6682468" y="4261757"/>
+            <a:ext cx="0" cy="318407"/>
+          </a:xfrm>
+          <a:prstGeom prst="straightConnector1">
+            <a:avLst/>
+          </a:prstGeom>
+          <a:ln>
+            <a:tailEnd type="triangle"/>
+          </a:ln>
+        </p:spPr>
+        <p:style>
+          <a:lnRef idx="1">
+            <a:schemeClr val="accent1"/>
+          </a:lnRef>
+          <a:fillRef idx="0">
+            <a:schemeClr val="accent1"/>
+          </a:fillRef>
+          <a:effectRef idx="0">
+            <a:schemeClr val="accent1"/>
+          </a:effectRef>
+          <a:fontRef idx="minor">
+            <a:schemeClr val="tx1"/>
+          </a:fontRef>
+        </p:style>
+      </p:cxnSp>
+      <p:cxnSp>
+        <p:nvCxnSpPr>
+          <p:cNvPr id="60" name="Straight Arrow Connector 59">
+            <a:extLst>
+              <a:ext uri="{FF2B5EF4-FFF2-40B4-BE49-F238E27FC236}">
+                <a16:creationId xmlns:a16="http://schemas.microsoft.com/office/drawing/2014/main" id="{934A2F15-F9A7-4792-A7FF-FF382385363C}"/>
+              </a:ext>
+            </a:extLst>
+          </p:cNvPr>
+          <p:cNvCxnSpPr>
+            <a:cxnSpLocks/>
+          </p:cNvCxnSpPr>
+          <p:nvPr/>
+        </p:nvCxnSpPr>
+        <p:spPr>
+          <a:xfrm flipH="1">
+            <a:off x="114302" y="6169441"/>
+            <a:ext cx="5055326" cy="0"/>
+          </a:xfrm>
+          <a:prstGeom prst="straightConnector1">
+            <a:avLst/>
+          </a:prstGeom>
+          <a:ln>
+            <a:tailEnd type="triangle"/>
+          </a:ln>
+        </p:spPr>
+        <p:style>
+          <a:lnRef idx="1">
+            <a:schemeClr val="accent1"/>
+          </a:lnRef>
+          <a:fillRef idx="0">
+            <a:schemeClr val="accent1"/>
+          </a:fillRef>
+          <a:effectRef idx="0">
+            <a:schemeClr val="accent1"/>
+          </a:effectRef>
+          <a:fontRef idx="minor">
+            <a:schemeClr val="tx1"/>
+          </a:fontRef>
+        </p:style>
+      </p:cxnSp>
+      <p:cxnSp>
+        <p:nvCxnSpPr>
+          <p:cNvPr id="63" name="Straight Arrow Connector 62">
+            <a:extLst>
+              <a:ext uri="{FF2B5EF4-FFF2-40B4-BE49-F238E27FC236}">
+                <a16:creationId xmlns:a16="http://schemas.microsoft.com/office/drawing/2014/main" id="{B8978181-9D01-4978-BBDD-98C8BF400640}"/>
+              </a:ext>
+            </a:extLst>
+          </p:cNvPr>
+          <p:cNvCxnSpPr/>
+          <p:nvPr/>
+        </p:nvCxnSpPr>
+        <p:spPr>
+          <a:xfrm>
+            <a:off x="5030836" y="5655091"/>
+            <a:ext cx="138792" cy="0"/>
+          </a:xfrm>
+          <a:prstGeom prst="straightConnector1">
+            <a:avLst/>
+          </a:prstGeom>
+          <a:ln>
+            <a:tailEnd type="triangle"/>
+          </a:ln>
+        </p:spPr>
+        <p:style>
+          <a:lnRef idx="1">
+            <a:schemeClr val="accent1"/>
+          </a:lnRef>
+          <a:fillRef idx="0">
+            <a:schemeClr val="accent1"/>
+          </a:fillRef>
+          <a:effectRef idx="0">
+            <a:schemeClr val="accent1"/>
+          </a:effectRef>
+          <a:fontRef idx="minor">
+            <a:schemeClr val="tx1"/>
+          </a:fontRef>
+        </p:style>
+      </p:cxnSp>
+      <p:cxnSp>
+        <p:nvCxnSpPr>
+          <p:cNvPr id="64" name="Straight Arrow Connector 63">
+            <a:extLst>
+              <a:ext uri="{FF2B5EF4-FFF2-40B4-BE49-F238E27FC236}">
+                <a16:creationId xmlns:a16="http://schemas.microsoft.com/office/drawing/2014/main" id="{066202C7-EAFB-4AEF-9EAD-601D8730D9EB}"/>
+              </a:ext>
+            </a:extLst>
+          </p:cNvPr>
+          <p:cNvCxnSpPr>
+            <a:cxnSpLocks/>
+          </p:cNvCxnSpPr>
+          <p:nvPr/>
+        </p:nvCxnSpPr>
+        <p:spPr>
+          <a:xfrm>
+            <a:off x="5169628" y="5666276"/>
+            <a:ext cx="0" cy="506186"/>
+          </a:xfrm>
+          <a:prstGeom prst="straightConnector1">
+            <a:avLst/>
+          </a:prstGeom>
+          <a:ln>
+            <a:tailEnd type="triangle"/>
+          </a:ln>
+        </p:spPr>
+        <p:style>
+          <a:lnRef idx="1">
+            <a:schemeClr val="accent1"/>
+          </a:lnRef>
+          <a:fillRef idx="0">
+            <a:schemeClr val="accent1"/>
+          </a:fillRef>
+          <a:effectRef idx="0">
+            <a:schemeClr val="accent1"/>
+          </a:effectRef>
+          <a:fontRef idx="minor">
+            <a:schemeClr val="tx1"/>
+          </a:fontRef>
+        </p:style>
+      </p:cxnSp>
+      <p:cxnSp>
+        <p:nvCxnSpPr>
+          <p:cNvPr id="68" name="Straight Arrow Connector 67">
+            <a:extLst>
+              <a:ext uri="{FF2B5EF4-FFF2-40B4-BE49-F238E27FC236}">
+                <a16:creationId xmlns:a16="http://schemas.microsoft.com/office/drawing/2014/main" id="{72DF121A-E452-4294-8A02-34310CDD59DA}"/>
+              </a:ext>
+            </a:extLst>
+          </p:cNvPr>
+          <p:cNvCxnSpPr>
+            <a:cxnSpLocks/>
+          </p:cNvCxnSpPr>
+          <p:nvPr/>
+        </p:nvCxnSpPr>
+        <p:spPr>
+          <a:xfrm>
+            <a:off x="3932648" y="2338387"/>
+            <a:ext cx="110402" cy="5404"/>
+          </a:xfrm>
+          <a:prstGeom prst="straightConnector1">
+            <a:avLst/>
+          </a:prstGeom>
+          <a:ln>
+            <a:tailEnd type="triangle"/>
+          </a:ln>
+        </p:spPr>
+        <p:style>
+          <a:lnRef idx="1">
+            <a:schemeClr val="accent1"/>
+          </a:lnRef>
+          <a:fillRef idx="0">
+            <a:schemeClr val="accent1"/>
+          </a:fillRef>
+          <a:effectRef idx="0">
+            <a:schemeClr val="accent1"/>
+          </a:effectRef>
+          <a:fontRef idx="minor">
+            <a:schemeClr val="tx1"/>
+          </a:fontRef>
+        </p:style>
+      </p:cxnSp>
+      <p:cxnSp>
+        <p:nvCxnSpPr>
+          <p:cNvPr id="69" name="Straight Arrow Connector 68">
+            <a:extLst>
+              <a:ext uri="{FF2B5EF4-FFF2-40B4-BE49-F238E27FC236}">
+                <a16:creationId xmlns:a16="http://schemas.microsoft.com/office/drawing/2014/main" id="{0081D898-83FD-4A56-9499-1B9827BEE38D}"/>
+              </a:ext>
+            </a:extLst>
+          </p:cNvPr>
+          <p:cNvCxnSpPr>
+            <a:cxnSpLocks/>
+          </p:cNvCxnSpPr>
+          <p:nvPr/>
+        </p:nvCxnSpPr>
+        <p:spPr>
+          <a:xfrm flipH="1" flipV="1">
+            <a:off x="3921376" y="2334265"/>
+            <a:ext cx="8734" cy="549768"/>
+          </a:xfrm>
+          <a:prstGeom prst="straightConnector1">
+            <a:avLst/>
+          </a:prstGeom>
+          <a:ln>
+            <a:tailEnd type="triangle"/>
+          </a:ln>
+        </p:spPr>
+        <p:style>
+          <a:lnRef idx="1">
+            <a:schemeClr val="accent1"/>
+          </a:lnRef>
+          <a:fillRef idx="0">
+            <a:schemeClr val="accent1"/>
+          </a:fillRef>
+          <a:effectRef idx="0">
+            <a:schemeClr val="accent1"/>
+          </a:effectRef>
+          <a:fontRef idx="minor">
+            <a:schemeClr val="tx1"/>
+          </a:fontRef>
+        </p:style>
+      </p:cxnSp>
+      <p:cxnSp>
+        <p:nvCxnSpPr>
+          <p:cNvPr id="71" name="Straight Arrow Connector 70">
+            <a:extLst>
+              <a:ext uri="{FF2B5EF4-FFF2-40B4-BE49-F238E27FC236}">
+                <a16:creationId xmlns:a16="http://schemas.microsoft.com/office/drawing/2014/main" id="{74EEC1D8-C6B8-494C-87C6-FE47889315DE}"/>
+              </a:ext>
+            </a:extLst>
+          </p:cNvPr>
+          <p:cNvCxnSpPr>
+            <a:cxnSpLocks/>
+          </p:cNvCxnSpPr>
+          <p:nvPr/>
+        </p:nvCxnSpPr>
+        <p:spPr>
+          <a:xfrm flipH="1">
+            <a:off x="3930112" y="2890157"/>
+            <a:ext cx="2887067" cy="6084"/>
+          </a:xfrm>
+          <a:prstGeom prst="straightConnector1">
+            <a:avLst/>
+          </a:prstGeom>
+          <a:ln>
+            <a:tailEnd type="triangle"/>
+          </a:ln>
+        </p:spPr>
+        <p:style>
+          <a:lnRef idx="1">
+            <a:schemeClr val="accent1"/>
+          </a:lnRef>
+          <a:fillRef idx="0">
+            <a:schemeClr val="accent1"/>
+          </a:fillRef>
+          <a:effectRef idx="0">
+            <a:schemeClr val="accent1"/>
+          </a:effectRef>
+          <a:fontRef idx="minor">
+            <a:schemeClr val="tx1"/>
+          </a:fontRef>
+        </p:style>
+      </p:cxnSp>
+      <p:cxnSp>
+        <p:nvCxnSpPr>
+          <p:cNvPr id="73" name="Straight Arrow Connector 72">
+            <a:extLst>
+              <a:ext uri="{FF2B5EF4-FFF2-40B4-BE49-F238E27FC236}">
+                <a16:creationId xmlns:a16="http://schemas.microsoft.com/office/drawing/2014/main" id="{CE943E26-4E88-4DD7-9673-FF0BC80559CD}"/>
+              </a:ext>
+            </a:extLst>
+          </p:cNvPr>
+          <p:cNvCxnSpPr>
+            <a:cxnSpLocks/>
+          </p:cNvCxnSpPr>
+          <p:nvPr/>
+        </p:nvCxnSpPr>
+        <p:spPr>
+          <a:xfrm flipH="1" flipV="1">
+            <a:off x="6830216" y="2892083"/>
+            <a:ext cx="70" cy="1789416"/>
+          </a:xfrm>
+          <a:prstGeom prst="straightConnector1">
+            <a:avLst/>
+          </a:prstGeom>
+          <a:ln>
+            <a:tailEnd type="triangle"/>
+          </a:ln>
+        </p:spPr>
+        <p:style>
+          <a:lnRef idx="1">
+            <a:schemeClr val="accent1"/>
+          </a:lnRef>
+          <a:fillRef idx="0">
+            <a:schemeClr val="accent1"/>
+          </a:fillRef>
+          <a:effectRef idx="0">
+            <a:schemeClr val="accent1"/>
+          </a:effectRef>
+          <a:fontRef idx="minor">
+            <a:schemeClr val="tx1"/>
+          </a:fontRef>
+        </p:style>
+      </p:cxnSp>
+      <p:cxnSp>
+        <p:nvCxnSpPr>
+          <p:cNvPr id="76" name="Straight Arrow Connector 75">
+            <a:extLst>
+              <a:ext uri="{FF2B5EF4-FFF2-40B4-BE49-F238E27FC236}">
+                <a16:creationId xmlns:a16="http://schemas.microsoft.com/office/drawing/2014/main" id="{18F9A947-49BC-4E65-B995-CA340CC2B1E4}"/>
+              </a:ext>
+            </a:extLst>
+          </p:cNvPr>
+          <p:cNvCxnSpPr>
+            <a:cxnSpLocks/>
+          </p:cNvCxnSpPr>
+          <p:nvPr/>
+        </p:nvCxnSpPr>
+        <p:spPr>
+          <a:xfrm flipV="1">
+            <a:off x="5030836" y="5943567"/>
+            <a:ext cx="255539" cy="1"/>
+          </a:xfrm>
+          <a:prstGeom prst="straightConnector1">
+            <a:avLst/>
+          </a:prstGeom>
+          <a:ln>
+            <a:tailEnd type="triangle"/>
+          </a:ln>
+        </p:spPr>
+        <p:style>
+          <a:lnRef idx="1">
+            <a:schemeClr val="accent1"/>
+          </a:lnRef>
+          <a:fillRef idx="0">
+            <a:schemeClr val="accent1"/>
+          </a:fillRef>
+          <a:effectRef idx="0">
+            <a:schemeClr val="accent1"/>
+          </a:effectRef>
+          <a:fontRef idx="minor">
+            <a:schemeClr val="tx1"/>
+          </a:fontRef>
+        </p:style>
+      </p:cxnSp>
+      <p:pic>
+        <p:nvPicPr>
+          <p:cNvPr id="79" name="Picture 78">
+            <a:extLst>
+              <a:ext uri="{FF2B5EF4-FFF2-40B4-BE49-F238E27FC236}">
+                <a16:creationId xmlns:a16="http://schemas.microsoft.com/office/drawing/2014/main" id="{CF6FE2CE-DD37-416B-8942-8984A046A52D}"/>
+              </a:ext>
+            </a:extLst>
+          </p:cNvPr>
+          <p:cNvPicPr>
+            <a:picLocks noChangeAspect="1"/>
+          </p:cNvPicPr>
+          <p:nvPr/>
+        </p:nvPicPr>
+        <p:blipFill>
+          <a:blip r:embed="rId8"/>
+          <a:stretch>
+            <a:fillRect/>
+          </a:stretch>
+        </p:blipFill>
+        <p:spPr>
+          <a:xfrm>
+            <a:off x="6409332" y="1836887"/>
+            <a:ext cx="1933575" cy="1038225"/>
+          </a:xfrm>
+          <a:prstGeom prst="rect">
+            <a:avLst/>
+          </a:prstGeom>
+        </p:spPr>
+      </p:pic>
+      <p:pic>
+        <p:nvPicPr>
+          <p:cNvPr id="81" name="Picture 80">
+            <a:extLst>
+              <a:ext uri="{FF2B5EF4-FFF2-40B4-BE49-F238E27FC236}">
+                <a16:creationId xmlns:a16="http://schemas.microsoft.com/office/drawing/2014/main" id="{EFB63622-4F81-4D88-9613-2B76621CCAB6}"/>
+              </a:ext>
+            </a:extLst>
+          </p:cNvPr>
+          <p:cNvPicPr>
+            <a:picLocks noChangeAspect="1"/>
+          </p:cNvPicPr>
+          <p:nvPr/>
+        </p:nvPicPr>
+        <p:blipFill>
+          <a:blip r:embed="rId9"/>
+          <a:stretch>
+            <a:fillRect/>
+          </a:stretch>
+        </p:blipFill>
+        <p:spPr>
+          <a:xfrm>
+            <a:off x="7186295" y="3085420"/>
+            <a:ext cx="4629150" cy="1323975"/>
+          </a:xfrm>
+          <a:prstGeom prst="rect">
+            <a:avLst/>
+          </a:prstGeom>
+        </p:spPr>
+      </p:pic>
+      <p:pic>
+        <p:nvPicPr>
+          <p:cNvPr id="83" name="Picture 82">
+            <a:extLst>
+              <a:ext uri="{FF2B5EF4-FFF2-40B4-BE49-F238E27FC236}">
+                <a16:creationId xmlns:a16="http://schemas.microsoft.com/office/drawing/2014/main" id="{BEE659EF-BED5-4B0A-9E41-9A8E8F29D07D}"/>
+              </a:ext>
+            </a:extLst>
+          </p:cNvPr>
+          <p:cNvPicPr>
+            <a:picLocks noChangeAspect="1"/>
+          </p:cNvPicPr>
+          <p:nvPr/>
+        </p:nvPicPr>
+        <p:blipFill>
+          <a:blip r:embed="rId10"/>
+          <a:stretch>
+            <a:fillRect/>
+          </a:stretch>
+        </p:blipFill>
+        <p:spPr>
+          <a:xfrm>
+            <a:off x="8554590" y="1836887"/>
+            <a:ext cx="2533650" cy="1038225"/>
+          </a:xfrm>
+          <a:prstGeom prst="rect">
+            <a:avLst/>
+          </a:prstGeom>
+        </p:spPr>
+      </p:pic>
+      <p:pic>
+        <p:nvPicPr>
+          <p:cNvPr id="85" name="Picture 84">
+            <a:extLst>
+              <a:ext uri="{FF2B5EF4-FFF2-40B4-BE49-F238E27FC236}">
+                <a16:creationId xmlns:a16="http://schemas.microsoft.com/office/drawing/2014/main" id="{F57E0352-EB10-4545-9379-7CA7B6D7E81B}"/>
+              </a:ext>
+            </a:extLst>
+          </p:cNvPr>
+          <p:cNvPicPr>
+            <a:picLocks noChangeAspect="1"/>
+          </p:cNvPicPr>
+          <p:nvPr/>
+        </p:nvPicPr>
+        <p:blipFill>
+          <a:blip r:embed="rId11"/>
+          <a:stretch>
+            <a:fillRect/>
+          </a:stretch>
+        </p:blipFill>
+        <p:spPr>
+          <a:xfrm>
+            <a:off x="6500495" y="4791037"/>
+            <a:ext cx="5314950" cy="1333500"/>
+          </a:xfrm>
+          <a:prstGeom prst="rect">
+            <a:avLst/>
+          </a:prstGeom>
+        </p:spPr>
+      </p:pic>
+      <p:cxnSp>
+        <p:nvCxnSpPr>
+          <p:cNvPr id="93" name="Straight Arrow Connector 92">
+            <a:extLst>
+              <a:ext uri="{FF2B5EF4-FFF2-40B4-BE49-F238E27FC236}">
+                <a16:creationId xmlns:a16="http://schemas.microsoft.com/office/drawing/2014/main" id="{EFA723CB-B363-4344-AA5C-7546740D436B}"/>
+              </a:ext>
+            </a:extLst>
+          </p:cNvPr>
+          <p:cNvCxnSpPr>
+            <a:cxnSpLocks/>
+          </p:cNvCxnSpPr>
+          <p:nvPr/>
+        </p:nvCxnSpPr>
+        <p:spPr>
+          <a:xfrm flipV="1">
+            <a:off x="5286375" y="4695091"/>
+            <a:ext cx="0" cy="1248476"/>
+          </a:xfrm>
+          <a:prstGeom prst="straightConnector1">
+            <a:avLst/>
+          </a:prstGeom>
+          <a:ln>
+            <a:tailEnd type="triangle"/>
+          </a:ln>
+        </p:spPr>
+        <p:style>
+          <a:lnRef idx="1">
+            <a:schemeClr val="accent1"/>
+          </a:lnRef>
+          <a:fillRef idx="0">
+            <a:schemeClr val="accent1"/>
+          </a:fillRef>
+          <a:effectRef idx="0">
+            <a:schemeClr val="accent1"/>
+          </a:effectRef>
+          <a:fontRef idx="minor">
+            <a:schemeClr val="tx1"/>
+          </a:fontRef>
+        </p:style>
+      </p:cxnSp>
+      <p:cxnSp>
+        <p:nvCxnSpPr>
+          <p:cNvPr id="95" name="Straight Arrow Connector 94">
+            <a:extLst>
+              <a:ext uri="{FF2B5EF4-FFF2-40B4-BE49-F238E27FC236}">
+                <a16:creationId xmlns:a16="http://schemas.microsoft.com/office/drawing/2014/main" id="{4883CDBB-2F87-4C12-B9B9-489865063DEE}"/>
+              </a:ext>
+            </a:extLst>
+          </p:cNvPr>
+          <p:cNvCxnSpPr>
+            <a:cxnSpLocks/>
+          </p:cNvCxnSpPr>
+          <p:nvPr/>
+        </p:nvCxnSpPr>
+        <p:spPr>
+          <a:xfrm flipV="1">
+            <a:off x="5286375" y="4682860"/>
+            <a:ext cx="1549173" cy="12231"/>
+          </a:xfrm>
+          <a:prstGeom prst="straightConnector1">
+            <a:avLst/>
+          </a:prstGeom>
+          <a:ln>
+            <a:tailEnd type="triangle"/>
+          </a:ln>
+        </p:spPr>
+        <p:style>
+          <a:lnRef idx="1">
+            <a:schemeClr val="accent1"/>
+          </a:lnRef>
+          <a:fillRef idx="0">
+            <a:schemeClr val="accent1"/>
+          </a:fillRef>
+          <a:effectRef idx="0">
+            <a:schemeClr val="accent1"/>
+          </a:effectRef>
+          <a:fontRef idx="minor">
+            <a:schemeClr val="tx1"/>
+          </a:fontRef>
+        </p:style>
+      </p:cxnSp>
+      <p:cxnSp>
+        <p:nvCxnSpPr>
+          <p:cNvPr id="101" name="Straight Arrow Connector 100">
+            <a:extLst>
+              <a:ext uri="{FF2B5EF4-FFF2-40B4-BE49-F238E27FC236}">
+                <a16:creationId xmlns:a16="http://schemas.microsoft.com/office/drawing/2014/main" id="{B5196BE7-087E-4BB5-96C8-0738398595DB}"/>
+              </a:ext>
+            </a:extLst>
+          </p:cNvPr>
+          <p:cNvCxnSpPr>
+            <a:cxnSpLocks/>
+          </p:cNvCxnSpPr>
+          <p:nvPr/>
+        </p:nvCxnSpPr>
+        <p:spPr>
+          <a:xfrm>
+            <a:off x="6354131" y="2347271"/>
+            <a:ext cx="110402" cy="5404"/>
+          </a:xfrm>
+          <a:prstGeom prst="straightConnector1">
+            <a:avLst/>
+          </a:prstGeom>
+          <a:ln>
+            <a:tailEnd type="triangle"/>
+          </a:ln>
+        </p:spPr>
+        <p:style>
+          <a:lnRef idx="1">
+            <a:schemeClr val="accent1"/>
+          </a:lnRef>
+          <a:fillRef idx="0">
+            <a:schemeClr val="accent1"/>
+          </a:fillRef>
+          <a:effectRef idx="0">
+            <a:schemeClr val="accent1"/>
+          </a:effectRef>
+          <a:fontRef idx="minor">
+            <a:schemeClr val="tx1"/>
+          </a:fontRef>
+        </p:style>
+      </p:cxnSp>
+      <p:cxnSp>
+        <p:nvCxnSpPr>
+          <p:cNvPr id="102" name="Straight Arrow Connector 101">
+            <a:extLst>
+              <a:ext uri="{FF2B5EF4-FFF2-40B4-BE49-F238E27FC236}">
+                <a16:creationId xmlns:a16="http://schemas.microsoft.com/office/drawing/2014/main" id="{AF19C5C4-AB90-48EF-91B3-7AB10B7A06D6}"/>
+              </a:ext>
+            </a:extLst>
+          </p:cNvPr>
+          <p:cNvCxnSpPr>
+            <a:cxnSpLocks/>
+          </p:cNvCxnSpPr>
+          <p:nvPr/>
+        </p:nvCxnSpPr>
+        <p:spPr>
+          <a:xfrm flipH="1" flipV="1">
+            <a:off x="6345397" y="2349312"/>
+            <a:ext cx="8734" cy="640162"/>
+          </a:xfrm>
+          <a:prstGeom prst="straightConnector1">
+            <a:avLst/>
+          </a:prstGeom>
+          <a:ln>
+            <a:tailEnd type="triangle"/>
+          </a:ln>
+        </p:spPr>
+        <p:style>
+          <a:lnRef idx="1">
+            <a:schemeClr val="accent1"/>
+          </a:lnRef>
+          <a:fillRef idx="0">
+            <a:schemeClr val="accent1"/>
+          </a:fillRef>
+          <a:effectRef idx="0">
+            <a:schemeClr val="accent1"/>
+          </a:effectRef>
+          <a:fontRef idx="minor">
+            <a:schemeClr val="tx1"/>
+          </a:fontRef>
+        </p:style>
+      </p:cxnSp>
+      <p:cxnSp>
+        <p:nvCxnSpPr>
+          <p:cNvPr id="104" name="Straight Arrow Connector 103">
+            <a:extLst>
+              <a:ext uri="{FF2B5EF4-FFF2-40B4-BE49-F238E27FC236}">
+                <a16:creationId xmlns:a16="http://schemas.microsoft.com/office/drawing/2014/main" id="{3566466E-5BB2-452C-8C53-2F829C817EDD}"/>
+              </a:ext>
+            </a:extLst>
+          </p:cNvPr>
+          <p:cNvCxnSpPr>
+            <a:cxnSpLocks/>
+          </p:cNvCxnSpPr>
+          <p:nvPr/>
+        </p:nvCxnSpPr>
+        <p:spPr>
+          <a:xfrm flipH="1">
+            <a:off x="6354590" y="2994173"/>
+            <a:ext cx="766027" cy="0"/>
+          </a:xfrm>
+          <a:prstGeom prst="straightConnector1">
+            <a:avLst/>
+          </a:prstGeom>
+          <a:ln>
+            <a:tailEnd type="triangle"/>
+          </a:ln>
+        </p:spPr>
+        <p:style>
+          <a:lnRef idx="1">
+            <a:schemeClr val="accent1"/>
+          </a:lnRef>
+          <a:fillRef idx="0">
+            <a:schemeClr val="accent1"/>
+          </a:fillRef>
+          <a:effectRef idx="0">
+            <a:schemeClr val="accent1"/>
+          </a:effectRef>
+          <a:fontRef idx="minor">
+            <a:schemeClr val="tx1"/>
+          </a:fontRef>
+        </p:style>
+      </p:cxnSp>
+      <p:cxnSp>
+        <p:nvCxnSpPr>
+          <p:cNvPr id="106" name="Straight Arrow Connector 105">
+            <a:extLst>
+              <a:ext uri="{FF2B5EF4-FFF2-40B4-BE49-F238E27FC236}">
+                <a16:creationId xmlns:a16="http://schemas.microsoft.com/office/drawing/2014/main" id="{AB3AE31F-DB6D-4DB2-B71C-F31AA0C3BBB2}"/>
+              </a:ext>
+            </a:extLst>
+          </p:cNvPr>
+          <p:cNvCxnSpPr>
+            <a:cxnSpLocks/>
+          </p:cNvCxnSpPr>
+          <p:nvPr/>
+        </p:nvCxnSpPr>
+        <p:spPr>
+          <a:xfrm flipV="1">
+            <a:off x="7120617" y="3001721"/>
+            <a:ext cx="0" cy="1578443"/>
+          </a:xfrm>
+          <a:prstGeom prst="straightConnector1">
+            <a:avLst/>
+          </a:prstGeom>
+          <a:ln>
+            <a:tailEnd type="triangle"/>
+          </a:ln>
+        </p:spPr>
+        <p:style>
+          <a:lnRef idx="1">
+            <a:schemeClr val="accent1"/>
+          </a:lnRef>
+          <a:fillRef idx="0">
+            <a:schemeClr val="accent1"/>
+          </a:fillRef>
+          <a:effectRef idx="0">
+            <a:schemeClr val="accent1"/>
+          </a:effectRef>
+          <a:fontRef idx="minor">
+            <a:schemeClr val="tx1"/>
+          </a:fontRef>
+        </p:style>
+      </p:cxnSp>
+      <p:cxnSp>
+        <p:nvCxnSpPr>
+          <p:cNvPr id="111" name="Straight Arrow Connector 110">
+            <a:extLst>
+              <a:ext uri="{FF2B5EF4-FFF2-40B4-BE49-F238E27FC236}">
+                <a16:creationId xmlns:a16="http://schemas.microsoft.com/office/drawing/2014/main" id="{A8BAD738-7959-4B5D-A1D3-6F8D2FCF8DF7}"/>
+              </a:ext>
+            </a:extLst>
+          </p:cNvPr>
+          <p:cNvCxnSpPr/>
+          <p:nvPr/>
+        </p:nvCxnSpPr>
+        <p:spPr>
+          <a:xfrm>
+            <a:off x="11743328" y="3955596"/>
+            <a:ext cx="138792" cy="0"/>
+          </a:xfrm>
+          <a:prstGeom prst="straightConnector1">
+            <a:avLst/>
+          </a:prstGeom>
+          <a:ln>
+            <a:tailEnd type="triangle"/>
+          </a:ln>
+        </p:spPr>
+        <p:style>
+          <a:lnRef idx="1">
+            <a:schemeClr val="accent1"/>
+          </a:lnRef>
+          <a:fillRef idx="0">
+            <a:schemeClr val="accent1"/>
+          </a:fillRef>
+          <a:effectRef idx="0">
+            <a:schemeClr val="accent1"/>
+          </a:effectRef>
+          <a:fontRef idx="minor">
+            <a:schemeClr val="tx1"/>
+          </a:fontRef>
+        </p:style>
+      </p:cxnSp>
+      <p:cxnSp>
+        <p:nvCxnSpPr>
+          <p:cNvPr id="112" name="Straight Arrow Connector 111">
+            <a:extLst>
+              <a:ext uri="{FF2B5EF4-FFF2-40B4-BE49-F238E27FC236}">
+                <a16:creationId xmlns:a16="http://schemas.microsoft.com/office/drawing/2014/main" id="{F21275EF-4FF4-408E-8C45-D8B26CFE9369}"/>
+              </a:ext>
+            </a:extLst>
+          </p:cNvPr>
+          <p:cNvCxnSpPr>
+            <a:cxnSpLocks/>
+          </p:cNvCxnSpPr>
+          <p:nvPr/>
+        </p:nvCxnSpPr>
+        <p:spPr>
+          <a:xfrm>
+            <a:off x="11883480" y="3955596"/>
+            <a:ext cx="0" cy="506186"/>
+          </a:xfrm>
+          <a:prstGeom prst="straightConnector1">
+            <a:avLst/>
+          </a:prstGeom>
+          <a:ln>
+            <a:tailEnd type="triangle"/>
+          </a:ln>
+        </p:spPr>
+        <p:style>
+          <a:lnRef idx="1">
+            <a:schemeClr val="accent1"/>
+          </a:lnRef>
+          <a:fillRef idx="0">
+            <a:schemeClr val="accent1"/>
+          </a:fillRef>
+          <a:effectRef idx="0">
+            <a:schemeClr val="accent1"/>
+          </a:effectRef>
+          <a:fontRef idx="minor">
+            <a:schemeClr val="tx1"/>
+          </a:fontRef>
+        </p:style>
+      </p:cxnSp>
+      <p:cxnSp>
+        <p:nvCxnSpPr>
+          <p:cNvPr id="115" name="Straight Arrow Connector 114">
+            <a:extLst>
+              <a:ext uri="{FF2B5EF4-FFF2-40B4-BE49-F238E27FC236}">
+                <a16:creationId xmlns:a16="http://schemas.microsoft.com/office/drawing/2014/main" id="{BB46FFB7-AF23-401B-BB65-A699084820A5}"/>
+              </a:ext>
+            </a:extLst>
+          </p:cNvPr>
+          <p:cNvCxnSpPr>
+            <a:cxnSpLocks/>
+          </p:cNvCxnSpPr>
+          <p:nvPr/>
+        </p:nvCxnSpPr>
+        <p:spPr>
+          <a:xfrm flipH="1">
+            <a:off x="7120617" y="4580164"/>
+            <a:ext cx="4872717" cy="0"/>
+          </a:xfrm>
+          <a:prstGeom prst="straightConnector1">
+            <a:avLst/>
+          </a:prstGeom>
+          <a:ln>
+            <a:tailEnd type="triangle"/>
+          </a:ln>
+        </p:spPr>
+        <p:style>
+          <a:lnRef idx="1">
+            <a:schemeClr val="accent1"/>
+          </a:lnRef>
+          <a:fillRef idx="0">
+            <a:schemeClr val="accent1"/>
+          </a:fillRef>
+          <a:effectRef idx="0">
+            <a:schemeClr val="accent1"/>
+          </a:effectRef>
+          <a:fontRef idx="minor">
+            <a:schemeClr val="tx1"/>
+          </a:fontRef>
+        </p:style>
+      </p:cxnSp>
+      <p:cxnSp>
+        <p:nvCxnSpPr>
+          <p:cNvPr id="117" name="Straight Arrow Connector 116">
+            <a:extLst>
+              <a:ext uri="{FF2B5EF4-FFF2-40B4-BE49-F238E27FC236}">
+                <a16:creationId xmlns:a16="http://schemas.microsoft.com/office/drawing/2014/main" id="{1FEC7C9A-8B1B-46A5-821B-2B7866D36452}"/>
+              </a:ext>
+            </a:extLst>
+          </p:cNvPr>
+          <p:cNvCxnSpPr>
+            <a:cxnSpLocks/>
+          </p:cNvCxnSpPr>
+          <p:nvPr/>
+        </p:nvCxnSpPr>
+        <p:spPr>
+          <a:xfrm flipV="1">
+            <a:off x="11743328" y="4240499"/>
+            <a:ext cx="250006" cy="2208"/>
+          </a:xfrm>
+          <a:prstGeom prst="straightConnector1">
+            <a:avLst/>
+          </a:prstGeom>
+          <a:ln>
+            <a:tailEnd type="triangle"/>
+          </a:ln>
+        </p:spPr>
+        <p:style>
+          <a:lnRef idx="1">
+            <a:schemeClr val="accent1"/>
+          </a:lnRef>
+          <a:fillRef idx="0">
+            <a:schemeClr val="accent1"/>
+          </a:fillRef>
+          <a:effectRef idx="0">
+            <a:schemeClr val="accent1"/>
+          </a:effectRef>
+          <a:fontRef idx="minor">
+            <a:schemeClr val="tx1"/>
+          </a:fontRef>
+        </p:style>
+      </p:cxnSp>
+      <p:cxnSp>
+        <p:nvCxnSpPr>
+          <p:cNvPr id="119" name="Straight Arrow Connector 118">
+            <a:extLst>
+              <a:ext uri="{FF2B5EF4-FFF2-40B4-BE49-F238E27FC236}">
+                <a16:creationId xmlns:a16="http://schemas.microsoft.com/office/drawing/2014/main" id="{CE5D1358-F6C0-4B8C-98D2-F4A33CE1F7BC}"/>
+              </a:ext>
+            </a:extLst>
+          </p:cNvPr>
+          <p:cNvCxnSpPr>
+            <a:cxnSpLocks/>
+          </p:cNvCxnSpPr>
+          <p:nvPr/>
+        </p:nvCxnSpPr>
+        <p:spPr>
+          <a:xfrm>
+            <a:off x="11993334" y="4240666"/>
+            <a:ext cx="0" cy="339498"/>
+          </a:xfrm>
+          <a:prstGeom prst="straightConnector1">
+            <a:avLst/>
+          </a:prstGeom>
+          <a:ln>
+            <a:tailEnd type="triangle"/>
+          </a:ln>
+        </p:spPr>
+        <p:style>
+          <a:lnRef idx="1">
+            <a:schemeClr val="accent1"/>
+          </a:lnRef>
+          <a:fillRef idx="0">
+            <a:schemeClr val="accent1"/>
+          </a:fillRef>
+          <a:effectRef idx="0">
+            <a:schemeClr val="accent1"/>
+          </a:effectRef>
+          <a:fontRef idx="minor">
+            <a:schemeClr val="tx1"/>
+          </a:fontRef>
+        </p:style>
+      </p:cxnSp>
+      <p:cxnSp>
+        <p:nvCxnSpPr>
+          <p:cNvPr id="122" name="Straight Arrow Connector 121">
+            <a:extLst>
+              <a:ext uri="{FF2B5EF4-FFF2-40B4-BE49-F238E27FC236}">
+                <a16:creationId xmlns:a16="http://schemas.microsoft.com/office/drawing/2014/main" id="{0D6AC4F6-FD7B-41F0-9B0E-E2DDE7BCEF8C}"/>
+              </a:ext>
+            </a:extLst>
+          </p:cNvPr>
+          <p:cNvCxnSpPr>
+            <a:cxnSpLocks/>
+          </p:cNvCxnSpPr>
+          <p:nvPr/>
+        </p:nvCxnSpPr>
+        <p:spPr>
+          <a:xfrm>
+            <a:off x="11761200" y="5655091"/>
+            <a:ext cx="137970" cy="11185"/>
+          </a:xfrm>
+          <a:prstGeom prst="straightConnector1">
+            <a:avLst/>
+          </a:prstGeom>
+          <a:ln>
+            <a:tailEnd type="triangle"/>
+          </a:ln>
+        </p:spPr>
+        <p:style>
+          <a:lnRef idx="1">
+            <a:schemeClr val="accent1"/>
+          </a:lnRef>
+          <a:fillRef idx="0">
+            <a:schemeClr val="accent1"/>
+          </a:fillRef>
+          <a:effectRef idx="0">
+            <a:schemeClr val="accent1"/>
+          </a:effectRef>
+          <a:fontRef idx="minor">
+            <a:schemeClr val="tx1"/>
+          </a:fontRef>
+        </p:style>
+      </p:cxnSp>
+      <p:cxnSp>
+        <p:nvCxnSpPr>
+          <p:cNvPr id="123" name="Straight Arrow Connector 122">
+            <a:extLst>
+              <a:ext uri="{FF2B5EF4-FFF2-40B4-BE49-F238E27FC236}">
+                <a16:creationId xmlns:a16="http://schemas.microsoft.com/office/drawing/2014/main" id="{6D3C5FC9-6DDC-401C-B714-520DC14A35A8}"/>
+              </a:ext>
+            </a:extLst>
+          </p:cNvPr>
+          <p:cNvCxnSpPr>
+            <a:cxnSpLocks/>
+          </p:cNvCxnSpPr>
+          <p:nvPr/>
+        </p:nvCxnSpPr>
+        <p:spPr>
+          <a:xfrm flipH="1" flipV="1">
+            <a:off x="11881938" y="4461782"/>
+            <a:ext cx="182" cy="1193309"/>
+          </a:xfrm>
+          <a:prstGeom prst="straightConnector1">
+            <a:avLst/>
+          </a:prstGeom>
+          <a:ln>
+            <a:tailEnd type="triangle"/>
+          </a:ln>
+        </p:spPr>
+        <p:style>
+          <a:lnRef idx="1">
+            <a:schemeClr val="accent1"/>
+          </a:lnRef>
+          <a:fillRef idx="0">
+            <a:schemeClr val="accent1"/>
+          </a:fillRef>
+          <a:effectRef idx="0">
+            <a:schemeClr val="accent1"/>
+          </a:effectRef>
+          <a:fontRef idx="minor">
+            <a:schemeClr val="tx1"/>
+          </a:fontRef>
+        </p:style>
+      </p:cxnSp>
+      <p:cxnSp>
+        <p:nvCxnSpPr>
+          <p:cNvPr id="128" name="Straight Arrow Connector 127">
+            <a:extLst>
+              <a:ext uri="{FF2B5EF4-FFF2-40B4-BE49-F238E27FC236}">
+                <a16:creationId xmlns:a16="http://schemas.microsoft.com/office/drawing/2014/main" id="{C6720EB1-7702-4DB3-BD7E-84A804F983ED}"/>
+              </a:ext>
+            </a:extLst>
+          </p:cNvPr>
+          <p:cNvCxnSpPr>
+            <a:cxnSpLocks/>
+          </p:cNvCxnSpPr>
+          <p:nvPr/>
+        </p:nvCxnSpPr>
+        <p:spPr>
+          <a:xfrm>
+            <a:off x="11761200" y="5963751"/>
+            <a:ext cx="327205" cy="0"/>
+          </a:xfrm>
+          <a:prstGeom prst="straightConnector1">
+            <a:avLst/>
+          </a:prstGeom>
+          <a:ln>
+            <a:tailEnd type="triangle"/>
+          </a:ln>
+        </p:spPr>
+        <p:style>
+          <a:lnRef idx="1">
+            <a:schemeClr val="accent1"/>
+          </a:lnRef>
+          <a:fillRef idx="0">
+            <a:schemeClr val="accent1"/>
+          </a:fillRef>
+          <a:effectRef idx="0">
+            <a:schemeClr val="accent1"/>
+          </a:effectRef>
+          <a:fontRef idx="minor">
+            <a:schemeClr val="tx1"/>
+          </a:fontRef>
+        </p:style>
+      </p:cxnSp>
+      <p:cxnSp>
+        <p:nvCxnSpPr>
+          <p:cNvPr id="136" name="Straight Arrow Connector 135">
+            <a:extLst>
+              <a:ext uri="{FF2B5EF4-FFF2-40B4-BE49-F238E27FC236}">
+                <a16:creationId xmlns:a16="http://schemas.microsoft.com/office/drawing/2014/main" id="{5BEA2511-D74A-4AC2-984D-B41FAC488FAC}"/>
+              </a:ext>
+            </a:extLst>
+          </p:cNvPr>
+          <p:cNvCxnSpPr>
+            <a:cxnSpLocks/>
+          </p:cNvCxnSpPr>
+          <p:nvPr/>
+        </p:nvCxnSpPr>
+        <p:spPr>
+          <a:xfrm flipV="1">
+            <a:off x="12077721" y="2939143"/>
+            <a:ext cx="0" cy="3024608"/>
+          </a:xfrm>
+          <a:prstGeom prst="straightConnector1">
+            <a:avLst/>
+          </a:prstGeom>
+          <a:ln>
+            <a:tailEnd type="triangle"/>
+          </a:ln>
+        </p:spPr>
+        <p:style>
+          <a:lnRef idx="1">
+            <a:schemeClr val="accent1"/>
+          </a:lnRef>
+          <a:fillRef idx="0">
+            <a:schemeClr val="accent1"/>
+          </a:fillRef>
+          <a:effectRef idx="0">
+            <a:schemeClr val="accent1"/>
+          </a:effectRef>
+          <a:fontRef idx="minor">
+            <a:schemeClr val="tx1"/>
+          </a:fontRef>
+        </p:style>
+      </p:cxnSp>
+      <p:cxnSp>
+        <p:nvCxnSpPr>
+          <p:cNvPr id="138" name="Straight Arrow Connector 137">
+            <a:extLst>
+              <a:ext uri="{FF2B5EF4-FFF2-40B4-BE49-F238E27FC236}">
+                <a16:creationId xmlns:a16="http://schemas.microsoft.com/office/drawing/2014/main" id="{ADAE7034-9280-4318-AFFD-26940683CB38}"/>
+              </a:ext>
+            </a:extLst>
+          </p:cNvPr>
+          <p:cNvCxnSpPr>
+            <a:cxnSpLocks/>
+          </p:cNvCxnSpPr>
+          <p:nvPr/>
+        </p:nvCxnSpPr>
+        <p:spPr>
+          <a:xfrm flipH="1">
+            <a:off x="8503104" y="2939143"/>
+            <a:ext cx="3574618" cy="0"/>
+          </a:xfrm>
+          <a:prstGeom prst="straightConnector1">
+            <a:avLst/>
+          </a:prstGeom>
+          <a:ln>
+            <a:tailEnd type="triangle"/>
+          </a:ln>
+        </p:spPr>
+        <p:style>
+          <a:lnRef idx="1">
+            <a:schemeClr val="accent1"/>
+          </a:lnRef>
+          <a:fillRef idx="0">
+            <a:schemeClr val="accent1"/>
+          </a:fillRef>
+          <a:effectRef idx="0">
+            <a:schemeClr val="accent1"/>
+          </a:effectRef>
+          <a:fontRef idx="minor">
+            <a:schemeClr val="tx1"/>
+          </a:fontRef>
+        </p:style>
+      </p:cxnSp>
+      <p:cxnSp>
+        <p:nvCxnSpPr>
+          <p:cNvPr id="140" name="Straight Arrow Connector 139">
+            <a:extLst>
+              <a:ext uri="{FF2B5EF4-FFF2-40B4-BE49-F238E27FC236}">
+                <a16:creationId xmlns:a16="http://schemas.microsoft.com/office/drawing/2014/main" id="{E8EBD8E0-323F-4724-A085-29DCD18CE116}"/>
+              </a:ext>
+            </a:extLst>
+          </p:cNvPr>
+          <p:cNvCxnSpPr>
+            <a:cxnSpLocks/>
+          </p:cNvCxnSpPr>
+          <p:nvPr/>
+        </p:nvCxnSpPr>
+        <p:spPr>
+          <a:xfrm flipH="1" flipV="1">
+            <a:off x="8490724" y="2334265"/>
+            <a:ext cx="12380" cy="603595"/>
+          </a:xfrm>
+          <a:prstGeom prst="straightConnector1">
+            <a:avLst/>
+          </a:prstGeom>
+          <a:ln>
+            <a:tailEnd type="triangle"/>
+          </a:ln>
+        </p:spPr>
+        <p:style>
+          <a:lnRef idx="1">
+            <a:schemeClr val="accent1"/>
+          </a:lnRef>
+          <a:fillRef idx="0">
+            <a:schemeClr val="accent1"/>
+          </a:fillRef>
+          <a:effectRef idx="0">
+            <a:schemeClr val="accent1"/>
+          </a:effectRef>
+          <a:fontRef idx="minor">
+            <a:schemeClr val="tx1"/>
+          </a:fontRef>
+        </p:style>
+      </p:cxnSp>
+      <p:cxnSp>
+        <p:nvCxnSpPr>
+          <p:cNvPr id="142" name="Straight Arrow Connector 141">
+            <a:extLst>
+              <a:ext uri="{FF2B5EF4-FFF2-40B4-BE49-F238E27FC236}">
+                <a16:creationId xmlns:a16="http://schemas.microsoft.com/office/drawing/2014/main" id="{0CA521B4-291E-43AD-8D37-414DCAD5378A}"/>
+              </a:ext>
+            </a:extLst>
+          </p:cNvPr>
+          <p:cNvCxnSpPr>
+            <a:cxnSpLocks/>
+          </p:cNvCxnSpPr>
+          <p:nvPr/>
+        </p:nvCxnSpPr>
+        <p:spPr>
+          <a:xfrm>
+            <a:off x="8508914" y="2344569"/>
+            <a:ext cx="110402" cy="5404"/>
+          </a:xfrm>
+          <a:prstGeom prst="straightConnector1">
+            <a:avLst/>
+          </a:prstGeom>
+          <a:ln>
+            <a:tailEnd type="triangle"/>
+          </a:ln>
+        </p:spPr>
+        <p:style>
+          <a:lnRef idx="1">
+            <a:schemeClr val="accent1"/>
+          </a:lnRef>
+          <a:fillRef idx="0">
+            <a:schemeClr val="accent1"/>
+          </a:fillRef>
+          <a:effectRef idx="0">
+            <a:schemeClr val="accent1"/>
+          </a:effectRef>
+          <a:fontRef idx="minor">
+            <a:schemeClr val="tx1"/>
+          </a:fontRef>
+        </p:style>
+      </p:cxnSp>
     </p:spTree>
     <p:extLst>
       <p:ext uri="{BB962C8B-B14F-4D97-AF65-F5344CB8AC3E}">
-        <p14:creationId xmlns:p14="http://schemas.microsoft.com/office/powerpoint/2010/main" val="289551989"/>
+        <p14:creationId xmlns:p14="http://schemas.microsoft.com/office/powerpoint/2010/main" val="1660754629"/>
       </p:ext>
     </p:extLst>
   </p:cSld>
@@ -8256,926 +9946,342 @@
               <a:rPr lang="en-US" dirty="0">
                 <a:latin typeface="+mn-lt"/>
               </a:rPr>
-              <a:t>Ice Cream Database Design</a:t>
+              <a:t>Development Tools</a:t>
             </a:r>
           </a:p>
         </p:txBody>
       </p:sp>
       <p:pic>
         <p:nvPicPr>
-          <p:cNvPr id="6" name="Picture 5">
-            <a:extLst>
-              <a:ext uri="{FF2B5EF4-FFF2-40B4-BE49-F238E27FC236}">
-                <a16:creationId xmlns:a16="http://schemas.microsoft.com/office/drawing/2014/main" id="{25700BA0-9251-480C-906E-923E98037F45}"/>
+          <p:cNvPr id="1026" name="Picture 2" descr="Image result for java">
+            <a:extLst>
+              <a:ext uri="{FF2B5EF4-FFF2-40B4-BE49-F238E27FC236}">
+                <a16:creationId xmlns:a16="http://schemas.microsoft.com/office/drawing/2014/main" id="{941F6DAB-7145-470B-AF73-4CDC09D5BDB1}"/>
               </a:ext>
             </a:extLst>
           </p:cNvPr>
           <p:cNvPicPr>
-            <a:picLocks noChangeAspect="1"/>
+            <a:picLocks noChangeAspect="1" noChangeArrowheads="1"/>
           </p:cNvPicPr>
           <p:nvPr/>
         </p:nvPicPr>
         <p:blipFill>
-          <a:blip r:embed="rId3"/>
+          <a:blip r:embed="rId3">
+            <a:extLst>
+              <a:ext uri="{28A0092B-C50C-407E-A947-70E740481C1C}">
+                <a14:useLocalDpi xmlns:a14="http://schemas.microsoft.com/office/drawing/2010/main" val="0"/>
+              </a:ext>
+            </a:extLst>
+          </a:blip>
+          <a:srcRect/>
           <a:stretch>
             <a:fillRect/>
           </a:stretch>
         </p:blipFill>
-        <p:spPr>
-          <a:xfrm>
-            <a:off x="211683" y="1819916"/>
-            <a:ext cx="1495425" cy="2390775"/>
+        <p:spPr bwMode="auto">
+          <a:xfrm>
+            <a:off x="895349" y="2937366"/>
+            <a:ext cx="1002527" cy="1898905"/>
           </a:xfrm>
           <a:prstGeom prst="rect">
             <a:avLst/>
           </a:prstGeom>
+          <a:noFill/>
+          <a:extLst>
+            <a:ext uri="{909E8E84-426E-40DD-AFC4-6F175D3DCCD1}">
+              <a14:hiddenFill xmlns:a14="http://schemas.microsoft.com/office/drawing/2010/main">
+                <a:solidFill>
+                  <a:srgbClr val="FFFFFF"/>
+                </a:solidFill>
+              </a14:hiddenFill>
+            </a:ext>
+          </a:extLst>
         </p:spPr>
       </p:pic>
       <p:pic>
         <p:nvPicPr>
-          <p:cNvPr id="12" name="Picture 11">
-            <a:extLst>
-              <a:ext uri="{FF2B5EF4-FFF2-40B4-BE49-F238E27FC236}">
-                <a16:creationId xmlns:a16="http://schemas.microsoft.com/office/drawing/2014/main" id="{CF93A40C-9BFA-4721-BF14-1DAEE64E8CF0}"/>
+          <p:cNvPr id="1028" name="Picture 4">
+            <a:extLst>
+              <a:ext uri="{FF2B5EF4-FFF2-40B4-BE49-F238E27FC236}">
+                <a16:creationId xmlns:a16="http://schemas.microsoft.com/office/drawing/2014/main" id="{5172BA19-2CD2-40BF-9FDD-4322E620FBF0}"/>
               </a:ext>
             </a:extLst>
           </p:cNvPr>
           <p:cNvPicPr>
-            <a:picLocks noChangeAspect="1"/>
+            <a:picLocks noChangeAspect="1" noChangeArrowheads="1"/>
           </p:cNvPicPr>
           <p:nvPr/>
         </p:nvPicPr>
         <p:blipFill>
-          <a:blip r:embed="rId4"/>
+          <a:blip r:embed="rId4">
+            <a:extLst>
+              <a:ext uri="{28A0092B-C50C-407E-A947-70E740481C1C}">
+                <a14:useLocalDpi xmlns:a14="http://schemas.microsoft.com/office/drawing/2010/main" val="0"/>
+              </a:ext>
+            </a:extLst>
+          </a:blip>
+          <a:srcRect/>
           <a:stretch>
             <a:fillRect/>
           </a:stretch>
         </p:blipFill>
-        <p:spPr>
-          <a:xfrm>
-            <a:off x="1918791" y="1819916"/>
-            <a:ext cx="1857375" cy="1076325"/>
+        <p:spPr bwMode="auto">
+          <a:xfrm>
+            <a:off x="2545772" y="3186453"/>
+            <a:ext cx="2225762" cy="562987"/>
           </a:xfrm>
           <a:prstGeom prst="rect">
             <a:avLst/>
           </a:prstGeom>
+          <a:noFill/>
+          <a:extLst>
+            <a:ext uri="{909E8E84-426E-40DD-AFC4-6F175D3DCCD1}">
+              <a14:hiddenFill xmlns:a14="http://schemas.microsoft.com/office/drawing/2010/main">
+                <a:solidFill>
+                  <a:srgbClr val="FFFFFF"/>
+                </a:solidFill>
+              </a14:hiddenFill>
+            </a:ext>
+          </a:extLst>
         </p:spPr>
       </p:pic>
       <p:pic>
         <p:nvPicPr>
-          <p:cNvPr id="16" name="Picture 15">
-            <a:extLst>
-              <a:ext uri="{FF2B5EF4-FFF2-40B4-BE49-F238E27FC236}">
-                <a16:creationId xmlns:a16="http://schemas.microsoft.com/office/drawing/2014/main" id="{8AD6CDCE-95A8-4E08-8B0F-BD80C6B169B5}"/>
+          <p:cNvPr id="1030" name="Picture 6" descr="Image result for net beans">
+            <a:extLst>
+              <a:ext uri="{FF2B5EF4-FFF2-40B4-BE49-F238E27FC236}">
+                <a16:creationId xmlns:a16="http://schemas.microsoft.com/office/drawing/2014/main" id="{007BBCA7-ED64-4BFC-A07F-CAD85B2CDAB0}"/>
               </a:ext>
             </a:extLst>
           </p:cNvPr>
           <p:cNvPicPr>
-            <a:picLocks noChangeAspect="1"/>
+            <a:picLocks noChangeAspect="1" noChangeArrowheads="1"/>
           </p:cNvPicPr>
           <p:nvPr/>
         </p:nvPicPr>
         <p:blipFill>
-          <a:blip r:embed="rId5"/>
+          <a:blip r:embed="rId5">
+            <a:extLst>
+              <a:ext uri="{28A0092B-C50C-407E-A947-70E740481C1C}">
+                <a14:useLocalDpi xmlns:a14="http://schemas.microsoft.com/office/drawing/2010/main" val="0"/>
+              </a:ext>
+            </a:extLst>
+          </a:blip>
+          <a:srcRect/>
           <a:stretch>
             <a:fillRect/>
           </a:stretch>
         </p:blipFill>
-        <p:spPr>
-          <a:xfrm>
-            <a:off x="1918791" y="3085420"/>
-            <a:ext cx="4514850" cy="1333500"/>
+        <p:spPr bwMode="auto">
+          <a:xfrm>
+            <a:off x="5306948" y="3012829"/>
+            <a:ext cx="1578104" cy="1819918"/>
           </a:xfrm>
           <a:prstGeom prst="rect">
             <a:avLst/>
           </a:prstGeom>
+          <a:noFill/>
+          <a:extLst>
+            <a:ext uri="{909E8E84-426E-40DD-AFC4-6F175D3DCCD1}">
+              <a14:hiddenFill xmlns:a14="http://schemas.microsoft.com/office/drawing/2010/main">
+                <a:solidFill>
+                  <a:srgbClr val="FFFFFF"/>
+                </a:solidFill>
+              </a14:hiddenFill>
+            </a:ext>
+          </a:extLst>
         </p:spPr>
       </p:pic>
       <p:pic>
         <p:nvPicPr>
-          <p:cNvPr id="20" name="Picture 19">
-            <a:extLst>
-              <a:ext uri="{FF2B5EF4-FFF2-40B4-BE49-F238E27FC236}">
-                <a16:creationId xmlns:a16="http://schemas.microsoft.com/office/drawing/2014/main" id="{513C01E1-90B3-4BF2-B5DB-3951E170BFB6}"/>
+          <p:cNvPr id="1032" name="Picture 8" descr="Commons Lang">
+            <a:extLst>
+              <a:ext uri="{FF2B5EF4-FFF2-40B4-BE49-F238E27FC236}">
+                <a16:creationId xmlns:a16="http://schemas.microsoft.com/office/drawing/2014/main" id="{81D9E399-CC3D-4510-BF12-4D206932865D}"/>
               </a:ext>
             </a:extLst>
           </p:cNvPr>
           <p:cNvPicPr>
-            <a:picLocks noChangeAspect="1"/>
+            <a:picLocks noChangeAspect="1" noChangeArrowheads="1"/>
           </p:cNvPicPr>
           <p:nvPr/>
         </p:nvPicPr>
         <p:blipFill>
-          <a:blip r:embed="rId6"/>
+          <a:blip r:embed="rId6">
+            <a:extLst>
+              <a:ext uri="{28A0092B-C50C-407E-A947-70E740481C1C}">
+                <a14:useLocalDpi xmlns:a14="http://schemas.microsoft.com/office/drawing/2010/main" val="0"/>
+              </a:ext>
+            </a:extLst>
+          </a:blip>
+          <a:srcRect/>
           <a:stretch>
             <a:fillRect/>
           </a:stretch>
         </p:blipFill>
-        <p:spPr>
-          <a:xfrm>
-            <a:off x="3987849" y="1819916"/>
-            <a:ext cx="2209800" cy="1047750"/>
+        <p:spPr bwMode="auto">
+          <a:xfrm>
+            <a:off x="7698467" y="2937366"/>
+            <a:ext cx="1606488" cy="535496"/>
           </a:xfrm>
           <a:prstGeom prst="rect">
             <a:avLst/>
           </a:prstGeom>
+          <a:noFill/>
+          <a:extLst>
+            <a:ext uri="{909E8E84-426E-40DD-AFC4-6F175D3DCCD1}">
+              <a14:hiddenFill xmlns:a14="http://schemas.microsoft.com/office/drawing/2010/main">
+                <a:solidFill>
+                  <a:srgbClr val="FFFFFF"/>
+                </a:solidFill>
+              </a14:hiddenFill>
+            </a:ext>
+          </a:extLst>
         </p:spPr>
       </p:pic>
       <p:pic>
         <p:nvPicPr>
-          <p:cNvPr id="22" name="Picture 21">
-            <a:extLst>
-              <a:ext uri="{FF2B5EF4-FFF2-40B4-BE49-F238E27FC236}">
-                <a16:creationId xmlns:a16="http://schemas.microsoft.com/office/drawing/2014/main" id="{F7272881-B9CD-42B9-814F-9EEAB7025BF5}"/>
+          <p:cNvPr id="1034" name="Picture 10">
+            <a:extLst>
+              <a:ext uri="{FF2B5EF4-FFF2-40B4-BE49-F238E27FC236}">
+                <a16:creationId xmlns:a16="http://schemas.microsoft.com/office/drawing/2014/main" id="{CFF974B0-3862-4408-82F6-1A66AB0DEB3F}"/>
               </a:ext>
             </a:extLst>
           </p:cNvPr>
           <p:cNvPicPr>
-            <a:picLocks noChangeAspect="1"/>
+            <a:picLocks noChangeAspect="1" noChangeArrowheads="1"/>
           </p:cNvPicPr>
           <p:nvPr/>
         </p:nvPicPr>
         <p:blipFill>
-          <a:blip r:embed="rId7"/>
+          <a:blip r:embed="rId7">
+            <a:extLst>
+              <a:ext uri="{28A0092B-C50C-407E-A947-70E740481C1C}">
+                <a14:useLocalDpi xmlns:a14="http://schemas.microsoft.com/office/drawing/2010/main" val="0"/>
+              </a:ext>
+            </a:extLst>
+          </a:blip>
+          <a:srcRect/>
           <a:stretch>
             <a:fillRect/>
           </a:stretch>
         </p:blipFill>
-        <p:spPr>
-          <a:xfrm>
-            <a:off x="190775" y="4791037"/>
-            <a:ext cx="4895850" cy="1343025"/>
+        <p:spPr bwMode="auto">
+          <a:xfrm>
+            <a:off x="8289077" y="3589798"/>
+            <a:ext cx="495300" cy="495300"/>
           </a:xfrm>
           <a:prstGeom prst="rect">
             <a:avLst/>
           </a:prstGeom>
+          <a:noFill/>
+          <a:extLst>
+            <a:ext uri="{909E8E84-426E-40DD-AFC4-6F175D3DCCD1}">
+              <a14:hiddenFill xmlns:a14="http://schemas.microsoft.com/office/drawing/2010/main">
+                <a:solidFill>
+                  <a:srgbClr val="FFFFFF"/>
+                </a:solidFill>
+              </a14:hiddenFill>
+            </a:ext>
+          </a:extLst>
         </p:spPr>
       </p:pic>
-      <p:cxnSp>
-        <p:nvCxnSpPr>
-          <p:cNvPr id="24" name="Straight Arrow Connector 23">
-            <a:extLst>
-              <a:ext uri="{FF2B5EF4-FFF2-40B4-BE49-F238E27FC236}">
-                <a16:creationId xmlns:a16="http://schemas.microsoft.com/office/drawing/2014/main" id="{2088206B-B78E-4814-905F-7C18C31E079C}"/>
-              </a:ext>
-            </a:extLst>
-          </p:cNvPr>
-          <p:cNvCxnSpPr>
-            <a:cxnSpLocks/>
-          </p:cNvCxnSpPr>
-          <p:nvPr/>
-        </p:nvCxnSpPr>
-        <p:spPr>
-          <a:xfrm flipH="1">
-            <a:off x="106137" y="4461782"/>
-            <a:ext cx="11775801" cy="0"/>
-          </a:xfrm>
-          <a:prstGeom prst="straightConnector1">
-            <a:avLst/>
-          </a:prstGeom>
-          <a:ln>
-            <a:tailEnd type="triangle"/>
-          </a:ln>
-        </p:spPr>
-        <p:style>
-          <a:lnRef idx="1">
-            <a:schemeClr val="accent1"/>
-          </a:lnRef>
-          <a:fillRef idx="0">
-            <a:schemeClr val="accent1"/>
-          </a:fillRef>
-          <a:effectRef idx="0">
-            <a:schemeClr val="accent1"/>
-          </a:effectRef>
-          <a:fontRef idx="minor">
-            <a:schemeClr val="tx1"/>
-          </a:fontRef>
-        </p:style>
-      </p:cxnSp>
-      <p:cxnSp>
-        <p:nvCxnSpPr>
-          <p:cNvPr id="27" name="Straight Arrow Connector 26">
-            <a:extLst>
-              <a:ext uri="{FF2B5EF4-FFF2-40B4-BE49-F238E27FC236}">
-                <a16:creationId xmlns:a16="http://schemas.microsoft.com/office/drawing/2014/main" id="{A2A8F37E-C99D-41D3-ADE7-A9B89618736C}"/>
-              </a:ext>
-            </a:extLst>
-          </p:cNvPr>
-          <p:cNvCxnSpPr>
-            <a:cxnSpLocks/>
-          </p:cNvCxnSpPr>
-          <p:nvPr/>
-        </p:nvCxnSpPr>
-        <p:spPr>
-          <a:xfrm flipV="1">
-            <a:off x="103595" y="2314577"/>
-            <a:ext cx="2539" cy="3851844"/>
-          </a:xfrm>
-          <a:prstGeom prst="straightConnector1">
-            <a:avLst/>
-          </a:prstGeom>
-          <a:ln>
-            <a:tailEnd type="triangle"/>
-          </a:ln>
-        </p:spPr>
-        <p:style>
-          <a:lnRef idx="1">
-            <a:schemeClr val="accent1"/>
-          </a:lnRef>
-          <a:fillRef idx="0">
-            <a:schemeClr val="accent1"/>
-          </a:fillRef>
-          <a:effectRef idx="0">
-            <a:schemeClr val="accent1"/>
-          </a:effectRef>
-          <a:fontRef idx="minor">
-            <a:schemeClr val="tx1"/>
-          </a:fontRef>
-        </p:style>
-      </p:cxnSp>
-      <p:cxnSp>
-        <p:nvCxnSpPr>
-          <p:cNvPr id="29" name="Straight Arrow Connector 28">
-            <a:extLst>
-              <a:ext uri="{FF2B5EF4-FFF2-40B4-BE49-F238E27FC236}">
-                <a16:creationId xmlns:a16="http://schemas.microsoft.com/office/drawing/2014/main" id="{0530AB82-7276-4351-8C75-1E3411D8F69D}"/>
-              </a:ext>
-            </a:extLst>
-          </p:cNvPr>
-          <p:cNvCxnSpPr/>
-          <p:nvPr/>
-        </p:nvCxnSpPr>
-        <p:spPr>
-          <a:xfrm>
-            <a:off x="106133" y="2314575"/>
-            <a:ext cx="159204" cy="0"/>
-          </a:xfrm>
-          <a:prstGeom prst="straightConnector1">
-            <a:avLst/>
-          </a:prstGeom>
-          <a:ln>
-            <a:tailEnd type="triangle"/>
-          </a:ln>
-        </p:spPr>
-        <p:style>
-          <a:lnRef idx="1">
-            <a:schemeClr val="accent1"/>
-          </a:lnRef>
-          <a:fillRef idx="0">
-            <a:schemeClr val="accent1"/>
-          </a:fillRef>
-          <a:effectRef idx="0">
-            <a:schemeClr val="accent1"/>
-          </a:effectRef>
-          <a:fontRef idx="minor">
-            <a:schemeClr val="tx1"/>
-          </a:fontRef>
-        </p:style>
-      </p:cxnSp>
-      <p:cxnSp>
-        <p:nvCxnSpPr>
-          <p:cNvPr id="33" name="Straight Arrow Connector 32">
-            <a:extLst>
-              <a:ext uri="{FF2B5EF4-FFF2-40B4-BE49-F238E27FC236}">
-                <a16:creationId xmlns:a16="http://schemas.microsoft.com/office/drawing/2014/main" id="{1B3B5B09-783F-4394-A4DC-BC145589AF7D}"/>
-              </a:ext>
-            </a:extLst>
-          </p:cNvPr>
-          <p:cNvCxnSpPr>
-            <a:cxnSpLocks/>
-          </p:cNvCxnSpPr>
-          <p:nvPr/>
-        </p:nvCxnSpPr>
-        <p:spPr>
-          <a:xfrm flipH="1">
-            <a:off x="1779816" y="4580164"/>
-            <a:ext cx="4902652" cy="0"/>
-          </a:xfrm>
-          <a:prstGeom prst="straightConnector1">
-            <a:avLst/>
-          </a:prstGeom>
-          <a:ln>
-            <a:tailEnd type="triangle"/>
-          </a:ln>
-        </p:spPr>
-        <p:style>
-          <a:lnRef idx="1">
-            <a:schemeClr val="accent1"/>
-          </a:lnRef>
-          <a:fillRef idx="0">
-            <a:schemeClr val="accent1"/>
-          </a:fillRef>
-          <a:effectRef idx="0">
-            <a:schemeClr val="accent1"/>
-          </a:effectRef>
-          <a:fontRef idx="minor">
-            <a:schemeClr val="tx1"/>
-          </a:fontRef>
-        </p:style>
-      </p:cxnSp>
-      <p:cxnSp>
-        <p:nvCxnSpPr>
-          <p:cNvPr id="35" name="Straight Arrow Connector 34">
-            <a:extLst>
-              <a:ext uri="{FF2B5EF4-FFF2-40B4-BE49-F238E27FC236}">
-                <a16:creationId xmlns:a16="http://schemas.microsoft.com/office/drawing/2014/main" id="{4317FC89-5101-405D-B663-999652792FA1}"/>
-              </a:ext>
-            </a:extLst>
-          </p:cNvPr>
-          <p:cNvCxnSpPr>
-            <a:cxnSpLocks/>
-          </p:cNvCxnSpPr>
-          <p:nvPr/>
-        </p:nvCxnSpPr>
-        <p:spPr>
-          <a:xfrm flipV="1">
-            <a:off x="1779814" y="2358078"/>
-            <a:ext cx="28575" cy="2222087"/>
-          </a:xfrm>
-          <a:prstGeom prst="straightConnector1">
-            <a:avLst/>
-          </a:prstGeom>
-          <a:ln>
-            <a:tailEnd type="triangle"/>
-          </a:ln>
-        </p:spPr>
-        <p:style>
-          <a:lnRef idx="1">
-            <a:schemeClr val="accent1"/>
-          </a:lnRef>
-          <a:fillRef idx="0">
-            <a:schemeClr val="accent1"/>
-          </a:fillRef>
-          <a:effectRef idx="0">
-            <a:schemeClr val="accent1"/>
-          </a:effectRef>
-          <a:fontRef idx="minor">
-            <a:schemeClr val="tx1"/>
-          </a:fontRef>
-        </p:style>
-      </p:cxnSp>
-      <p:cxnSp>
-        <p:nvCxnSpPr>
-          <p:cNvPr id="37" name="Straight Arrow Connector 36">
-            <a:extLst>
-              <a:ext uri="{FF2B5EF4-FFF2-40B4-BE49-F238E27FC236}">
-                <a16:creationId xmlns:a16="http://schemas.microsoft.com/office/drawing/2014/main" id="{55BC1756-D336-4623-BCD1-CE05C3FE1BC9}"/>
-              </a:ext>
-            </a:extLst>
-          </p:cNvPr>
-          <p:cNvCxnSpPr>
-            <a:cxnSpLocks/>
-            <a:endCxn id="12" idx="1"/>
-          </p:cNvCxnSpPr>
-          <p:nvPr/>
-        </p:nvCxnSpPr>
-        <p:spPr>
-          <a:xfrm>
-            <a:off x="1808389" y="2352675"/>
-            <a:ext cx="110402" cy="5404"/>
-          </a:xfrm>
-          <a:prstGeom prst="straightConnector1">
-            <a:avLst/>
-          </a:prstGeom>
-          <a:ln>
-            <a:tailEnd type="triangle"/>
-          </a:ln>
-        </p:spPr>
-        <p:style>
-          <a:lnRef idx="1">
-            <a:schemeClr val="accent1"/>
-          </a:lnRef>
-          <a:fillRef idx="0">
-            <a:schemeClr val="accent1"/>
-          </a:fillRef>
-          <a:effectRef idx="0">
-            <a:schemeClr val="accent1"/>
-          </a:effectRef>
-          <a:fontRef idx="minor">
-            <a:schemeClr val="tx1"/>
-          </a:fontRef>
-        </p:style>
-      </p:cxnSp>
-      <p:cxnSp>
-        <p:nvCxnSpPr>
-          <p:cNvPr id="45" name="Straight Arrow Connector 44">
-            <a:extLst>
-              <a:ext uri="{FF2B5EF4-FFF2-40B4-BE49-F238E27FC236}">
-                <a16:creationId xmlns:a16="http://schemas.microsoft.com/office/drawing/2014/main" id="{DFDB1F02-2B54-4F6A-AE66-5470182824E1}"/>
-              </a:ext>
-            </a:extLst>
-          </p:cNvPr>
-          <p:cNvCxnSpPr/>
-          <p:nvPr/>
-        </p:nvCxnSpPr>
-        <p:spPr>
-          <a:xfrm>
-            <a:off x="6388554" y="3955596"/>
-            <a:ext cx="138792" cy="0"/>
-          </a:xfrm>
-          <a:prstGeom prst="straightConnector1">
-            <a:avLst/>
-          </a:prstGeom>
-          <a:ln>
-            <a:tailEnd type="triangle"/>
-          </a:ln>
-        </p:spPr>
-        <p:style>
-          <a:lnRef idx="1">
-            <a:schemeClr val="accent1"/>
-          </a:lnRef>
-          <a:fillRef idx="0">
-            <a:schemeClr val="accent1"/>
-          </a:fillRef>
-          <a:effectRef idx="0">
-            <a:schemeClr val="accent1"/>
-          </a:effectRef>
-          <a:fontRef idx="minor">
-            <a:schemeClr val="tx1"/>
-          </a:fontRef>
-        </p:style>
-      </p:cxnSp>
-      <p:cxnSp>
-        <p:nvCxnSpPr>
-          <p:cNvPr id="47" name="Straight Arrow Connector 46">
-            <a:extLst>
-              <a:ext uri="{FF2B5EF4-FFF2-40B4-BE49-F238E27FC236}">
-                <a16:creationId xmlns:a16="http://schemas.microsoft.com/office/drawing/2014/main" id="{718525B8-A328-483D-AA22-9E6A2573DE3B}"/>
-              </a:ext>
-            </a:extLst>
-          </p:cNvPr>
-          <p:cNvCxnSpPr>
-            <a:cxnSpLocks/>
-          </p:cNvCxnSpPr>
-          <p:nvPr/>
-        </p:nvCxnSpPr>
-        <p:spPr>
-          <a:xfrm>
-            <a:off x="6527346" y="3955596"/>
-            <a:ext cx="0" cy="506186"/>
-          </a:xfrm>
-          <a:prstGeom prst="straightConnector1">
-            <a:avLst/>
-          </a:prstGeom>
-          <a:ln>
-            <a:tailEnd type="triangle"/>
-          </a:ln>
-        </p:spPr>
-        <p:style>
-          <a:lnRef idx="1">
-            <a:schemeClr val="accent1"/>
-          </a:lnRef>
-          <a:fillRef idx="0">
-            <a:schemeClr val="accent1"/>
-          </a:fillRef>
-          <a:effectRef idx="0">
-            <a:schemeClr val="accent1"/>
-          </a:effectRef>
-          <a:fontRef idx="minor">
-            <a:schemeClr val="tx1"/>
-          </a:fontRef>
-        </p:style>
-      </p:cxnSp>
-      <p:cxnSp>
-        <p:nvCxnSpPr>
-          <p:cNvPr id="53" name="Straight Arrow Connector 52">
-            <a:extLst>
-              <a:ext uri="{FF2B5EF4-FFF2-40B4-BE49-F238E27FC236}">
-                <a16:creationId xmlns:a16="http://schemas.microsoft.com/office/drawing/2014/main" id="{8EA4DFFA-E891-454D-B608-F06B56D753A3}"/>
-              </a:ext>
-            </a:extLst>
-          </p:cNvPr>
-          <p:cNvCxnSpPr/>
-          <p:nvPr/>
-        </p:nvCxnSpPr>
-        <p:spPr>
-          <a:xfrm>
-            <a:off x="6388554" y="4261757"/>
-            <a:ext cx="293914" cy="0"/>
-          </a:xfrm>
-          <a:prstGeom prst="straightConnector1">
-            <a:avLst/>
-          </a:prstGeom>
-          <a:ln>
-            <a:tailEnd type="triangle"/>
-          </a:ln>
-        </p:spPr>
-        <p:style>
-          <a:lnRef idx="1">
-            <a:schemeClr val="accent1"/>
-          </a:lnRef>
-          <a:fillRef idx="0">
-            <a:schemeClr val="accent1"/>
-          </a:fillRef>
-          <a:effectRef idx="0">
-            <a:schemeClr val="accent1"/>
-          </a:effectRef>
-          <a:fontRef idx="minor">
-            <a:schemeClr val="tx1"/>
-          </a:fontRef>
-        </p:style>
-      </p:cxnSp>
-      <p:cxnSp>
-        <p:nvCxnSpPr>
-          <p:cNvPr id="55" name="Straight Arrow Connector 54">
-            <a:extLst>
-              <a:ext uri="{FF2B5EF4-FFF2-40B4-BE49-F238E27FC236}">
-                <a16:creationId xmlns:a16="http://schemas.microsoft.com/office/drawing/2014/main" id="{51400585-8AF6-4B12-96BF-E1AF27F793A8}"/>
-              </a:ext>
-            </a:extLst>
-          </p:cNvPr>
-          <p:cNvCxnSpPr/>
-          <p:nvPr/>
-        </p:nvCxnSpPr>
-        <p:spPr>
-          <a:xfrm>
-            <a:off x="6682468" y="4261757"/>
-            <a:ext cx="0" cy="318407"/>
-          </a:xfrm>
-          <a:prstGeom prst="straightConnector1">
-            <a:avLst/>
-          </a:prstGeom>
-          <a:ln>
-            <a:tailEnd type="triangle"/>
-          </a:ln>
-        </p:spPr>
-        <p:style>
-          <a:lnRef idx="1">
-            <a:schemeClr val="accent1"/>
-          </a:lnRef>
-          <a:fillRef idx="0">
-            <a:schemeClr val="accent1"/>
-          </a:fillRef>
-          <a:effectRef idx="0">
-            <a:schemeClr val="accent1"/>
-          </a:effectRef>
-          <a:fontRef idx="minor">
-            <a:schemeClr val="tx1"/>
-          </a:fontRef>
-        </p:style>
-      </p:cxnSp>
-      <p:cxnSp>
-        <p:nvCxnSpPr>
-          <p:cNvPr id="60" name="Straight Arrow Connector 59">
-            <a:extLst>
-              <a:ext uri="{FF2B5EF4-FFF2-40B4-BE49-F238E27FC236}">
-                <a16:creationId xmlns:a16="http://schemas.microsoft.com/office/drawing/2014/main" id="{934A2F15-F9A7-4792-A7FF-FF382385363C}"/>
-              </a:ext>
-            </a:extLst>
-          </p:cNvPr>
-          <p:cNvCxnSpPr>
-            <a:cxnSpLocks/>
-          </p:cNvCxnSpPr>
-          <p:nvPr/>
-        </p:nvCxnSpPr>
-        <p:spPr>
-          <a:xfrm flipH="1">
-            <a:off x="114302" y="6169441"/>
-            <a:ext cx="5055326" cy="0"/>
-          </a:xfrm>
-          <a:prstGeom prst="straightConnector1">
-            <a:avLst/>
-          </a:prstGeom>
-          <a:ln>
-            <a:tailEnd type="triangle"/>
-          </a:ln>
-        </p:spPr>
-        <p:style>
-          <a:lnRef idx="1">
-            <a:schemeClr val="accent1"/>
-          </a:lnRef>
-          <a:fillRef idx="0">
-            <a:schemeClr val="accent1"/>
-          </a:fillRef>
-          <a:effectRef idx="0">
-            <a:schemeClr val="accent1"/>
-          </a:effectRef>
-          <a:fontRef idx="minor">
-            <a:schemeClr val="tx1"/>
-          </a:fontRef>
-        </p:style>
-      </p:cxnSp>
-      <p:cxnSp>
-        <p:nvCxnSpPr>
-          <p:cNvPr id="63" name="Straight Arrow Connector 62">
-            <a:extLst>
-              <a:ext uri="{FF2B5EF4-FFF2-40B4-BE49-F238E27FC236}">
-                <a16:creationId xmlns:a16="http://schemas.microsoft.com/office/drawing/2014/main" id="{B8978181-9D01-4978-BBDD-98C8BF400640}"/>
-              </a:ext>
-            </a:extLst>
-          </p:cNvPr>
-          <p:cNvCxnSpPr/>
-          <p:nvPr/>
-        </p:nvCxnSpPr>
-        <p:spPr>
-          <a:xfrm>
-            <a:off x="5030836" y="5655091"/>
-            <a:ext cx="138792" cy="0"/>
-          </a:xfrm>
-          <a:prstGeom prst="straightConnector1">
-            <a:avLst/>
-          </a:prstGeom>
-          <a:ln>
-            <a:tailEnd type="triangle"/>
-          </a:ln>
-        </p:spPr>
-        <p:style>
-          <a:lnRef idx="1">
-            <a:schemeClr val="accent1"/>
-          </a:lnRef>
-          <a:fillRef idx="0">
-            <a:schemeClr val="accent1"/>
-          </a:fillRef>
-          <a:effectRef idx="0">
-            <a:schemeClr val="accent1"/>
-          </a:effectRef>
-          <a:fontRef idx="minor">
-            <a:schemeClr val="tx1"/>
-          </a:fontRef>
-        </p:style>
-      </p:cxnSp>
-      <p:cxnSp>
-        <p:nvCxnSpPr>
-          <p:cNvPr id="64" name="Straight Arrow Connector 63">
-            <a:extLst>
-              <a:ext uri="{FF2B5EF4-FFF2-40B4-BE49-F238E27FC236}">
-                <a16:creationId xmlns:a16="http://schemas.microsoft.com/office/drawing/2014/main" id="{066202C7-EAFB-4AEF-9EAD-601D8730D9EB}"/>
-              </a:ext>
-            </a:extLst>
-          </p:cNvPr>
-          <p:cNvCxnSpPr>
-            <a:cxnSpLocks/>
-          </p:cNvCxnSpPr>
-          <p:nvPr/>
-        </p:nvCxnSpPr>
-        <p:spPr>
-          <a:xfrm>
-            <a:off x="5169628" y="5666276"/>
-            <a:ext cx="0" cy="506186"/>
-          </a:xfrm>
-          <a:prstGeom prst="straightConnector1">
-            <a:avLst/>
-          </a:prstGeom>
-          <a:ln>
-            <a:tailEnd type="triangle"/>
-          </a:ln>
-        </p:spPr>
-        <p:style>
-          <a:lnRef idx="1">
-            <a:schemeClr val="accent1"/>
-          </a:lnRef>
-          <a:fillRef idx="0">
-            <a:schemeClr val="accent1"/>
-          </a:fillRef>
-          <a:effectRef idx="0">
-            <a:schemeClr val="accent1"/>
-          </a:effectRef>
-          <a:fontRef idx="minor">
-            <a:schemeClr val="tx1"/>
-          </a:fontRef>
-        </p:style>
-      </p:cxnSp>
-      <p:cxnSp>
-        <p:nvCxnSpPr>
-          <p:cNvPr id="68" name="Straight Arrow Connector 67">
-            <a:extLst>
-              <a:ext uri="{FF2B5EF4-FFF2-40B4-BE49-F238E27FC236}">
-                <a16:creationId xmlns:a16="http://schemas.microsoft.com/office/drawing/2014/main" id="{72DF121A-E452-4294-8A02-34310CDD59DA}"/>
-              </a:ext>
-            </a:extLst>
-          </p:cNvPr>
-          <p:cNvCxnSpPr>
-            <a:cxnSpLocks/>
-          </p:cNvCxnSpPr>
-          <p:nvPr/>
-        </p:nvCxnSpPr>
-        <p:spPr>
-          <a:xfrm>
-            <a:off x="3932648" y="2338387"/>
-            <a:ext cx="110402" cy="5404"/>
-          </a:xfrm>
-          <a:prstGeom prst="straightConnector1">
-            <a:avLst/>
-          </a:prstGeom>
-          <a:ln>
-            <a:tailEnd type="triangle"/>
-          </a:ln>
-        </p:spPr>
-        <p:style>
-          <a:lnRef idx="1">
-            <a:schemeClr val="accent1"/>
-          </a:lnRef>
-          <a:fillRef idx="0">
-            <a:schemeClr val="accent1"/>
-          </a:fillRef>
-          <a:effectRef idx="0">
-            <a:schemeClr val="accent1"/>
-          </a:effectRef>
-          <a:fontRef idx="minor">
-            <a:schemeClr val="tx1"/>
-          </a:fontRef>
-        </p:style>
-      </p:cxnSp>
-      <p:cxnSp>
-        <p:nvCxnSpPr>
-          <p:cNvPr id="69" name="Straight Arrow Connector 68">
-            <a:extLst>
-              <a:ext uri="{FF2B5EF4-FFF2-40B4-BE49-F238E27FC236}">
-                <a16:creationId xmlns:a16="http://schemas.microsoft.com/office/drawing/2014/main" id="{0081D898-83FD-4A56-9499-1B9827BEE38D}"/>
-              </a:ext>
-            </a:extLst>
-          </p:cNvPr>
-          <p:cNvCxnSpPr>
-            <a:cxnSpLocks/>
-          </p:cNvCxnSpPr>
-          <p:nvPr/>
-        </p:nvCxnSpPr>
-        <p:spPr>
-          <a:xfrm flipH="1" flipV="1">
-            <a:off x="3921376" y="2334265"/>
-            <a:ext cx="8734" cy="549768"/>
-          </a:xfrm>
-          <a:prstGeom prst="straightConnector1">
-            <a:avLst/>
-          </a:prstGeom>
-          <a:ln>
-            <a:tailEnd type="triangle"/>
-          </a:ln>
-        </p:spPr>
-        <p:style>
-          <a:lnRef idx="1">
-            <a:schemeClr val="accent1"/>
-          </a:lnRef>
-          <a:fillRef idx="0">
-            <a:schemeClr val="accent1"/>
-          </a:fillRef>
-          <a:effectRef idx="0">
-            <a:schemeClr val="accent1"/>
-          </a:effectRef>
-          <a:fontRef idx="minor">
-            <a:schemeClr val="tx1"/>
-          </a:fontRef>
-        </p:style>
-      </p:cxnSp>
-      <p:cxnSp>
-        <p:nvCxnSpPr>
-          <p:cNvPr id="71" name="Straight Arrow Connector 70">
-            <a:extLst>
-              <a:ext uri="{FF2B5EF4-FFF2-40B4-BE49-F238E27FC236}">
-                <a16:creationId xmlns:a16="http://schemas.microsoft.com/office/drawing/2014/main" id="{74EEC1D8-C6B8-494C-87C6-FE47889315DE}"/>
-              </a:ext>
-            </a:extLst>
-          </p:cNvPr>
-          <p:cNvCxnSpPr>
-            <a:cxnSpLocks/>
-          </p:cNvCxnSpPr>
-          <p:nvPr/>
-        </p:nvCxnSpPr>
-        <p:spPr>
-          <a:xfrm flipH="1">
-            <a:off x="3930112" y="2890157"/>
-            <a:ext cx="2887067" cy="6084"/>
-          </a:xfrm>
-          <a:prstGeom prst="straightConnector1">
-            <a:avLst/>
-          </a:prstGeom>
-          <a:ln>
-            <a:tailEnd type="triangle"/>
-          </a:ln>
-        </p:spPr>
-        <p:style>
-          <a:lnRef idx="1">
-            <a:schemeClr val="accent1"/>
-          </a:lnRef>
-          <a:fillRef idx="0">
-            <a:schemeClr val="accent1"/>
-          </a:fillRef>
-          <a:effectRef idx="0">
-            <a:schemeClr val="accent1"/>
-          </a:effectRef>
-          <a:fontRef idx="minor">
-            <a:schemeClr val="tx1"/>
-          </a:fontRef>
-        </p:style>
-      </p:cxnSp>
-      <p:cxnSp>
-        <p:nvCxnSpPr>
-          <p:cNvPr id="73" name="Straight Arrow Connector 72">
-            <a:extLst>
-              <a:ext uri="{FF2B5EF4-FFF2-40B4-BE49-F238E27FC236}">
-                <a16:creationId xmlns:a16="http://schemas.microsoft.com/office/drawing/2014/main" id="{CE943E26-4E88-4DD7-9673-FF0BC80559CD}"/>
-              </a:ext>
-            </a:extLst>
-          </p:cNvPr>
-          <p:cNvCxnSpPr>
-            <a:cxnSpLocks/>
-          </p:cNvCxnSpPr>
-          <p:nvPr/>
-        </p:nvCxnSpPr>
-        <p:spPr>
-          <a:xfrm flipH="1" flipV="1">
-            <a:off x="6830216" y="2892083"/>
-            <a:ext cx="70" cy="1789416"/>
-          </a:xfrm>
-          <a:prstGeom prst="straightConnector1">
-            <a:avLst/>
-          </a:prstGeom>
-          <a:ln>
-            <a:tailEnd type="triangle"/>
-          </a:ln>
-        </p:spPr>
-        <p:style>
-          <a:lnRef idx="1">
-            <a:schemeClr val="accent1"/>
-          </a:lnRef>
-          <a:fillRef idx="0">
-            <a:schemeClr val="accent1"/>
-          </a:fillRef>
-          <a:effectRef idx="0">
-            <a:schemeClr val="accent1"/>
-          </a:effectRef>
-          <a:fontRef idx="minor">
-            <a:schemeClr val="tx1"/>
-          </a:fontRef>
-        </p:style>
-      </p:cxnSp>
-      <p:cxnSp>
-        <p:nvCxnSpPr>
-          <p:cNvPr id="76" name="Straight Arrow Connector 75">
-            <a:extLst>
-              <a:ext uri="{FF2B5EF4-FFF2-40B4-BE49-F238E27FC236}">
-                <a16:creationId xmlns:a16="http://schemas.microsoft.com/office/drawing/2014/main" id="{18F9A947-49BC-4E65-B995-CA340CC2B1E4}"/>
-              </a:ext>
-            </a:extLst>
-          </p:cNvPr>
-          <p:cNvCxnSpPr>
-            <a:cxnSpLocks/>
-          </p:cNvCxnSpPr>
-          <p:nvPr/>
-        </p:nvCxnSpPr>
-        <p:spPr>
-          <a:xfrm flipV="1">
-            <a:off x="5030836" y="5943567"/>
-            <a:ext cx="255539" cy="1"/>
-          </a:xfrm>
-          <a:prstGeom prst="straightConnector1">
-            <a:avLst/>
-          </a:prstGeom>
-          <a:ln>
-            <a:tailEnd type="triangle"/>
-          </a:ln>
-        </p:spPr>
-        <p:style>
-          <a:lnRef idx="1">
-            <a:schemeClr val="accent1"/>
-          </a:lnRef>
-          <a:fillRef idx="0">
-            <a:schemeClr val="accent1"/>
-          </a:fillRef>
-          <a:effectRef idx="0">
-            <a:schemeClr val="accent1"/>
-          </a:effectRef>
-          <a:fontRef idx="minor">
-            <a:schemeClr val="tx1"/>
-          </a:fontRef>
-        </p:style>
-      </p:cxnSp>
       <p:pic>
         <p:nvPicPr>
-          <p:cNvPr id="79" name="Picture 78">
-            <a:extLst>
-              <a:ext uri="{FF2B5EF4-FFF2-40B4-BE49-F238E27FC236}">
-                <a16:creationId xmlns:a16="http://schemas.microsoft.com/office/drawing/2014/main" id="{CF6FE2CE-DD37-416B-8942-8984A046A52D}"/>
+          <p:cNvPr id="1036" name="Picture 12">
+            <a:extLst>
+              <a:ext uri="{FF2B5EF4-FFF2-40B4-BE49-F238E27FC236}">
+                <a16:creationId xmlns:a16="http://schemas.microsoft.com/office/drawing/2014/main" id="{468EA799-C19F-4CCE-A647-5BBFC2849312}"/>
               </a:ext>
             </a:extLst>
           </p:cNvPr>
           <p:cNvPicPr>
-            <a:picLocks noChangeAspect="1"/>
+            <a:picLocks noChangeAspect="1" noChangeArrowheads="1"/>
           </p:cNvPicPr>
           <p:nvPr/>
         </p:nvPicPr>
         <p:blipFill>
-          <a:blip r:embed="rId8"/>
+          <a:blip r:embed="rId8">
+            <a:extLst>
+              <a:ext uri="{28A0092B-C50C-407E-A947-70E740481C1C}">
+                <a14:useLocalDpi xmlns:a14="http://schemas.microsoft.com/office/drawing/2010/main" val="0"/>
+              </a:ext>
+            </a:extLst>
+          </a:blip>
+          <a:srcRect/>
           <a:stretch>
             <a:fillRect/>
           </a:stretch>
         </p:blipFill>
-        <p:spPr>
-          <a:xfrm>
-            <a:off x="6409332" y="1836887"/>
-            <a:ext cx="1933575" cy="1038225"/>
+        <p:spPr bwMode="auto">
+          <a:xfrm>
+            <a:off x="8289077" y="4227927"/>
+            <a:ext cx="495300" cy="495300"/>
           </a:xfrm>
           <a:prstGeom prst="rect">
             <a:avLst/>
           </a:prstGeom>
+          <a:noFill/>
+          <a:extLst>
+            <a:ext uri="{909E8E84-426E-40DD-AFC4-6F175D3DCCD1}">
+              <a14:hiddenFill xmlns:a14="http://schemas.microsoft.com/office/drawing/2010/main">
+                <a:solidFill>
+                  <a:srgbClr val="FFFFFF"/>
+                </a:solidFill>
+              </a14:hiddenFill>
+            </a:ext>
+          </a:extLst>
         </p:spPr>
       </p:pic>
+      <p:sp>
+        <p:nvSpPr>
+          <p:cNvPr id="3" name="TextBox 2">
+            <a:extLst>
+              <a:ext uri="{FF2B5EF4-FFF2-40B4-BE49-F238E27FC236}">
+                <a16:creationId xmlns:a16="http://schemas.microsoft.com/office/drawing/2014/main" id="{97442BDE-4316-40B5-9C42-723CA92FDFFA}"/>
+              </a:ext>
+            </a:extLst>
+          </p:cNvPr>
+          <p:cNvSpPr txBox="1"/>
+          <p:nvPr/>
+        </p:nvSpPr>
+        <p:spPr>
+          <a:xfrm>
+            <a:off x="2868052" y="4005556"/>
+            <a:ext cx="1581202" cy="646331"/>
+          </a:xfrm>
+          <a:prstGeom prst="rect">
+            <a:avLst/>
+          </a:prstGeom>
+          <a:noFill/>
+        </p:spPr>
+        <p:txBody>
+          <a:bodyPr wrap="none" rtlCol="0">
+            <a:spAutoFit/>
+          </a:bodyPr>
+          <a:lstStyle/>
+          <a:p>
+            <a:pPr algn="ctr"/>
+            <a:r>
+              <a:rPr lang="en-US" dirty="0"/>
+              <a:t>Apache Maven</a:t>
+            </a:r>
+          </a:p>
+          <a:p>
+            <a:pPr algn="ctr"/>
+            <a:r>
+              <a:rPr lang="en-US" dirty="0"/>
+              <a:t>Shade Plugin</a:t>
+            </a:r>
+          </a:p>
+        </p:txBody>
+      </p:sp>
       <p:pic>
         <p:nvPicPr>
-          <p:cNvPr id="81" name="Picture 80">
-            <a:extLst>
-              <a:ext uri="{FF2B5EF4-FFF2-40B4-BE49-F238E27FC236}">
-                <a16:creationId xmlns:a16="http://schemas.microsoft.com/office/drawing/2014/main" id="{EFB63622-4F81-4D88-9613-2B76621CCAB6}"/>
+          <p:cNvPr id="7" name="Picture 6">
+            <a:extLst>
+              <a:ext uri="{FF2B5EF4-FFF2-40B4-BE49-F238E27FC236}">
+                <a16:creationId xmlns:a16="http://schemas.microsoft.com/office/drawing/2014/main" id="{DBB98D61-7BD4-4BF1-9505-EA9FC3BBA594}"/>
               </a:ext>
             </a:extLst>
           </p:cNvPr>
@@ -9192,8 +10298,8 @@
         </p:blipFill>
         <p:spPr>
           <a:xfrm>
-            <a:off x="7186295" y="3085420"/>
-            <a:ext cx="4629150" cy="1323975"/>
+            <a:off x="3658654" y="5485207"/>
+            <a:ext cx="1094697" cy="562987"/>
           </a:xfrm>
           <a:prstGeom prst="rect">
             <a:avLst/>
@@ -9202,804 +10308,508 @@
       </p:pic>
       <p:pic>
         <p:nvPicPr>
-          <p:cNvPr id="83" name="Picture 82">
-            <a:extLst>
-              <a:ext uri="{FF2B5EF4-FFF2-40B4-BE49-F238E27FC236}">
-                <a16:creationId xmlns:a16="http://schemas.microsoft.com/office/drawing/2014/main" id="{BEE659EF-BED5-4B0A-9E41-9A8E8F29D07D}"/>
+          <p:cNvPr id="1040" name="Picture 16" descr="Image result for sqlite">
+            <a:extLst>
+              <a:ext uri="{FF2B5EF4-FFF2-40B4-BE49-F238E27FC236}">
+                <a16:creationId xmlns:a16="http://schemas.microsoft.com/office/drawing/2014/main" id="{4FA16172-A7CA-4130-8CD9-4E11123FCB7D}"/>
               </a:ext>
             </a:extLst>
           </p:cNvPr>
           <p:cNvPicPr>
-            <a:picLocks noChangeAspect="1"/>
+            <a:picLocks noChangeAspect="1" noChangeArrowheads="1"/>
           </p:cNvPicPr>
           <p:nvPr/>
         </p:nvPicPr>
         <p:blipFill>
-          <a:blip r:embed="rId10"/>
+          <a:blip r:embed="rId10">
+            <a:extLst>
+              <a:ext uri="{28A0092B-C50C-407E-A947-70E740481C1C}">
+                <a14:useLocalDpi xmlns:a14="http://schemas.microsoft.com/office/drawing/2010/main" val="0"/>
+              </a:ext>
+            </a:extLst>
+          </a:blip>
+          <a:srcRect/>
           <a:stretch>
             <a:fillRect/>
           </a:stretch>
         </p:blipFill>
-        <p:spPr>
-          <a:xfrm>
-            <a:off x="8554590" y="1836887"/>
-            <a:ext cx="2533650" cy="1038225"/>
+        <p:spPr bwMode="auto">
+          <a:xfrm>
+            <a:off x="10062481" y="2845639"/>
+            <a:ext cx="1871487" cy="887396"/>
           </a:xfrm>
           <a:prstGeom prst="rect">
             <a:avLst/>
           </a:prstGeom>
+          <a:noFill/>
+          <a:extLst>
+            <a:ext uri="{909E8E84-426E-40DD-AFC4-6F175D3DCCD1}">
+              <a14:hiddenFill xmlns:a14="http://schemas.microsoft.com/office/drawing/2010/main">
+                <a:solidFill>
+                  <a:srgbClr val="FFFFFF"/>
+                </a:solidFill>
+              </a14:hiddenFill>
+            </a:ext>
+          </a:extLst>
         </p:spPr>
       </p:pic>
       <p:pic>
         <p:nvPicPr>
-          <p:cNvPr id="85" name="Picture 84">
-            <a:extLst>
-              <a:ext uri="{FF2B5EF4-FFF2-40B4-BE49-F238E27FC236}">
-                <a16:creationId xmlns:a16="http://schemas.microsoft.com/office/drawing/2014/main" id="{F57E0352-EB10-4545-9379-7CA7B6D7E81B}"/>
+          <p:cNvPr id="1042" name="Picture 18" descr="Image result for DBeaver">
+            <a:extLst>
+              <a:ext uri="{FF2B5EF4-FFF2-40B4-BE49-F238E27FC236}">
+                <a16:creationId xmlns:a16="http://schemas.microsoft.com/office/drawing/2014/main" id="{1DF8E26E-E3C0-41DC-A934-9528BD3B0350}"/>
               </a:ext>
             </a:extLst>
           </p:cNvPr>
           <p:cNvPicPr>
-            <a:picLocks noChangeAspect="1"/>
+            <a:picLocks noChangeAspect="1" noChangeArrowheads="1"/>
           </p:cNvPicPr>
           <p:nvPr/>
         </p:nvPicPr>
         <p:blipFill>
-          <a:blip r:embed="rId11"/>
+          <a:blip r:embed="rId11">
+            <a:extLst>
+              <a:ext uri="{28A0092B-C50C-407E-A947-70E740481C1C}">
+                <a14:useLocalDpi xmlns:a14="http://schemas.microsoft.com/office/drawing/2010/main" val="0"/>
+              </a:ext>
+            </a:extLst>
+          </a:blip>
+          <a:srcRect/>
           <a:stretch>
             <a:fillRect/>
           </a:stretch>
         </p:blipFill>
-        <p:spPr>
-          <a:xfrm>
-            <a:off x="6500495" y="4791037"/>
-            <a:ext cx="5314950" cy="1333500"/>
+        <p:spPr bwMode="auto">
+          <a:xfrm>
+            <a:off x="10059299" y="3940935"/>
+            <a:ext cx="1871487" cy="728391"/>
           </a:xfrm>
           <a:prstGeom prst="rect">
             <a:avLst/>
           </a:prstGeom>
+          <a:noFill/>
+          <a:extLst>
+            <a:ext uri="{909E8E84-426E-40DD-AFC4-6F175D3DCCD1}">
+              <a14:hiddenFill xmlns:a14="http://schemas.microsoft.com/office/drawing/2010/main">
+                <a:solidFill>
+                  <a:srgbClr val="FFFFFF"/>
+                </a:solidFill>
+              </a14:hiddenFill>
+            </a:ext>
+          </a:extLst>
         </p:spPr>
       </p:pic>
-      <p:cxnSp>
-        <p:nvCxnSpPr>
-          <p:cNvPr id="93" name="Straight Arrow Connector 92">
-            <a:extLst>
-              <a:ext uri="{FF2B5EF4-FFF2-40B4-BE49-F238E27FC236}">
-                <a16:creationId xmlns:a16="http://schemas.microsoft.com/office/drawing/2014/main" id="{EFA723CB-B363-4344-AA5C-7546740D436B}"/>
-              </a:ext>
-            </a:extLst>
-          </p:cNvPr>
-          <p:cNvCxnSpPr>
-            <a:cxnSpLocks/>
-          </p:cNvCxnSpPr>
-          <p:nvPr/>
-        </p:nvCxnSpPr>
-        <p:spPr>
-          <a:xfrm flipV="1">
-            <a:off x="5286375" y="4695091"/>
-            <a:ext cx="0" cy="1248476"/>
-          </a:xfrm>
-          <a:prstGeom prst="straightConnector1">
-            <a:avLst/>
-          </a:prstGeom>
-          <a:ln>
-            <a:tailEnd type="triangle"/>
-          </a:ln>
-        </p:spPr>
-        <p:style>
-          <a:lnRef idx="1">
-            <a:schemeClr val="accent1"/>
-          </a:lnRef>
-          <a:fillRef idx="0">
-            <a:schemeClr val="accent1"/>
-          </a:fillRef>
-          <a:effectRef idx="0">
-            <a:schemeClr val="accent1"/>
-          </a:effectRef>
-          <a:fontRef idx="minor">
-            <a:schemeClr val="tx1"/>
-          </a:fontRef>
-        </p:style>
-      </p:cxnSp>
-      <p:cxnSp>
-        <p:nvCxnSpPr>
-          <p:cNvPr id="95" name="Straight Arrow Connector 94">
-            <a:extLst>
-              <a:ext uri="{FF2B5EF4-FFF2-40B4-BE49-F238E27FC236}">
-                <a16:creationId xmlns:a16="http://schemas.microsoft.com/office/drawing/2014/main" id="{4883CDBB-2F87-4C12-B9B9-489865063DEE}"/>
-              </a:ext>
-            </a:extLst>
-          </p:cNvPr>
-          <p:cNvCxnSpPr>
-            <a:cxnSpLocks/>
-          </p:cNvCxnSpPr>
-          <p:nvPr/>
-        </p:nvCxnSpPr>
-        <p:spPr>
-          <a:xfrm flipV="1">
-            <a:off x="5286375" y="4682860"/>
-            <a:ext cx="1549173" cy="12231"/>
-          </a:xfrm>
-          <a:prstGeom prst="straightConnector1">
-            <a:avLst/>
-          </a:prstGeom>
-          <a:ln>
-            <a:tailEnd type="triangle"/>
-          </a:ln>
-        </p:spPr>
-        <p:style>
-          <a:lnRef idx="1">
-            <a:schemeClr val="accent1"/>
-          </a:lnRef>
-          <a:fillRef idx="0">
-            <a:schemeClr val="accent1"/>
-          </a:fillRef>
-          <a:effectRef idx="0">
-            <a:schemeClr val="accent1"/>
-          </a:effectRef>
-          <a:fontRef idx="minor">
-            <a:schemeClr val="tx1"/>
-          </a:fontRef>
-        </p:style>
-      </p:cxnSp>
-      <p:cxnSp>
-        <p:nvCxnSpPr>
-          <p:cNvPr id="101" name="Straight Arrow Connector 100">
-            <a:extLst>
-              <a:ext uri="{FF2B5EF4-FFF2-40B4-BE49-F238E27FC236}">
-                <a16:creationId xmlns:a16="http://schemas.microsoft.com/office/drawing/2014/main" id="{B5196BE7-087E-4BB5-96C8-0738398595DB}"/>
-              </a:ext>
-            </a:extLst>
-          </p:cNvPr>
-          <p:cNvCxnSpPr>
-            <a:cxnSpLocks/>
-          </p:cNvCxnSpPr>
-          <p:nvPr/>
-        </p:nvCxnSpPr>
-        <p:spPr>
-          <a:xfrm>
-            <a:off x="6354131" y="2347271"/>
-            <a:ext cx="110402" cy="5404"/>
-          </a:xfrm>
-          <a:prstGeom prst="straightConnector1">
-            <a:avLst/>
-          </a:prstGeom>
-          <a:ln>
-            <a:tailEnd type="triangle"/>
-          </a:ln>
-        </p:spPr>
-        <p:style>
-          <a:lnRef idx="1">
-            <a:schemeClr val="accent1"/>
-          </a:lnRef>
-          <a:fillRef idx="0">
-            <a:schemeClr val="accent1"/>
-          </a:fillRef>
-          <a:effectRef idx="0">
-            <a:schemeClr val="accent1"/>
-          </a:effectRef>
-          <a:fontRef idx="minor">
-            <a:schemeClr val="tx1"/>
-          </a:fontRef>
-        </p:style>
-      </p:cxnSp>
-      <p:cxnSp>
-        <p:nvCxnSpPr>
-          <p:cNvPr id="102" name="Straight Arrow Connector 101">
-            <a:extLst>
-              <a:ext uri="{FF2B5EF4-FFF2-40B4-BE49-F238E27FC236}">
-                <a16:creationId xmlns:a16="http://schemas.microsoft.com/office/drawing/2014/main" id="{AF19C5C4-AB90-48EF-91B3-7AB10B7A06D6}"/>
-              </a:ext>
-            </a:extLst>
-          </p:cNvPr>
-          <p:cNvCxnSpPr>
-            <a:cxnSpLocks/>
-          </p:cNvCxnSpPr>
-          <p:nvPr/>
-        </p:nvCxnSpPr>
-        <p:spPr>
-          <a:xfrm flipH="1" flipV="1">
-            <a:off x="6345397" y="2349312"/>
-            <a:ext cx="8734" cy="640162"/>
-          </a:xfrm>
-          <a:prstGeom prst="straightConnector1">
-            <a:avLst/>
-          </a:prstGeom>
-          <a:ln>
-            <a:tailEnd type="triangle"/>
-          </a:ln>
-        </p:spPr>
-        <p:style>
-          <a:lnRef idx="1">
-            <a:schemeClr val="accent1"/>
-          </a:lnRef>
-          <a:fillRef idx="0">
-            <a:schemeClr val="accent1"/>
-          </a:fillRef>
-          <a:effectRef idx="0">
-            <a:schemeClr val="accent1"/>
-          </a:effectRef>
-          <a:fontRef idx="minor">
-            <a:schemeClr val="tx1"/>
-          </a:fontRef>
-        </p:style>
-      </p:cxnSp>
-      <p:cxnSp>
-        <p:nvCxnSpPr>
-          <p:cNvPr id="104" name="Straight Arrow Connector 103">
-            <a:extLst>
-              <a:ext uri="{FF2B5EF4-FFF2-40B4-BE49-F238E27FC236}">
-                <a16:creationId xmlns:a16="http://schemas.microsoft.com/office/drawing/2014/main" id="{3566466E-5BB2-452C-8C53-2F829C817EDD}"/>
-              </a:ext>
-            </a:extLst>
-          </p:cNvPr>
-          <p:cNvCxnSpPr>
-            <a:cxnSpLocks/>
-          </p:cNvCxnSpPr>
-          <p:nvPr/>
-        </p:nvCxnSpPr>
-        <p:spPr>
-          <a:xfrm flipH="1">
-            <a:off x="6354590" y="2994173"/>
-            <a:ext cx="766027" cy="0"/>
-          </a:xfrm>
-          <a:prstGeom prst="straightConnector1">
-            <a:avLst/>
-          </a:prstGeom>
-          <a:ln>
-            <a:tailEnd type="triangle"/>
-          </a:ln>
-        </p:spPr>
-        <p:style>
-          <a:lnRef idx="1">
-            <a:schemeClr val="accent1"/>
-          </a:lnRef>
-          <a:fillRef idx="0">
-            <a:schemeClr val="accent1"/>
-          </a:fillRef>
-          <a:effectRef idx="0">
-            <a:schemeClr val="accent1"/>
-          </a:effectRef>
-          <a:fontRef idx="minor">
-            <a:schemeClr val="tx1"/>
-          </a:fontRef>
-        </p:style>
-      </p:cxnSp>
-      <p:cxnSp>
-        <p:nvCxnSpPr>
-          <p:cNvPr id="106" name="Straight Arrow Connector 105">
-            <a:extLst>
-              <a:ext uri="{FF2B5EF4-FFF2-40B4-BE49-F238E27FC236}">
-                <a16:creationId xmlns:a16="http://schemas.microsoft.com/office/drawing/2014/main" id="{AB3AE31F-DB6D-4DB2-B71C-F31AA0C3BBB2}"/>
-              </a:ext>
-            </a:extLst>
-          </p:cNvPr>
-          <p:cNvCxnSpPr>
-            <a:cxnSpLocks/>
-          </p:cNvCxnSpPr>
-          <p:nvPr/>
-        </p:nvCxnSpPr>
-        <p:spPr>
-          <a:xfrm flipV="1">
-            <a:off x="7120617" y="3001721"/>
-            <a:ext cx="0" cy="1578443"/>
-          </a:xfrm>
-          <a:prstGeom prst="straightConnector1">
-            <a:avLst/>
-          </a:prstGeom>
-          <a:ln>
-            <a:tailEnd type="triangle"/>
-          </a:ln>
-        </p:spPr>
-        <p:style>
-          <a:lnRef idx="1">
-            <a:schemeClr val="accent1"/>
-          </a:lnRef>
-          <a:fillRef idx="0">
-            <a:schemeClr val="accent1"/>
-          </a:fillRef>
-          <a:effectRef idx="0">
-            <a:schemeClr val="accent1"/>
-          </a:effectRef>
-          <a:fontRef idx="minor">
-            <a:schemeClr val="tx1"/>
-          </a:fontRef>
-        </p:style>
-      </p:cxnSp>
-      <p:cxnSp>
-        <p:nvCxnSpPr>
-          <p:cNvPr id="111" name="Straight Arrow Connector 110">
-            <a:extLst>
-              <a:ext uri="{FF2B5EF4-FFF2-40B4-BE49-F238E27FC236}">
-                <a16:creationId xmlns:a16="http://schemas.microsoft.com/office/drawing/2014/main" id="{A8BAD738-7959-4B5D-A1D3-6F8D2FCF8DF7}"/>
-              </a:ext>
-            </a:extLst>
-          </p:cNvPr>
-          <p:cNvCxnSpPr/>
-          <p:nvPr/>
-        </p:nvCxnSpPr>
-        <p:spPr>
-          <a:xfrm>
-            <a:off x="11743328" y="3955596"/>
-            <a:ext cx="138792" cy="0"/>
-          </a:xfrm>
-          <a:prstGeom prst="straightConnector1">
-            <a:avLst/>
-          </a:prstGeom>
-          <a:ln>
-            <a:tailEnd type="triangle"/>
-          </a:ln>
-        </p:spPr>
-        <p:style>
-          <a:lnRef idx="1">
-            <a:schemeClr val="accent1"/>
-          </a:lnRef>
-          <a:fillRef idx="0">
-            <a:schemeClr val="accent1"/>
-          </a:fillRef>
-          <a:effectRef idx="0">
-            <a:schemeClr val="accent1"/>
-          </a:effectRef>
-          <a:fontRef idx="minor">
-            <a:schemeClr val="tx1"/>
-          </a:fontRef>
-        </p:style>
-      </p:cxnSp>
-      <p:cxnSp>
-        <p:nvCxnSpPr>
-          <p:cNvPr id="112" name="Straight Arrow Connector 111">
-            <a:extLst>
-              <a:ext uri="{FF2B5EF4-FFF2-40B4-BE49-F238E27FC236}">
-                <a16:creationId xmlns:a16="http://schemas.microsoft.com/office/drawing/2014/main" id="{F21275EF-4FF4-408E-8C45-D8B26CFE9369}"/>
-              </a:ext>
-            </a:extLst>
-          </p:cNvPr>
-          <p:cNvCxnSpPr>
-            <a:cxnSpLocks/>
-          </p:cNvCxnSpPr>
-          <p:nvPr/>
-        </p:nvCxnSpPr>
-        <p:spPr>
-          <a:xfrm>
-            <a:off x="11883480" y="3955596"/>
-            <a:ext cx="0" cy="506186"/>
-          </a:xfrm>
-          <a:prstGeom prst="straightConnector1">
-            <a:avLst/>
-          </a:prstGeom>
-          <a:ln>
-            <a:tailEnd type="triangle"/>
-          </a:ln>
-        </p:spPr>
-        <p:style>
-          <a:lnRef idx="1">
-            <a:schemeClr val="accent1"/>
-          </a:lnRef>
-          <a:fillRef idx="0">
-            <a:schemeClr val="accent1"/>
-          </a:fillRef>
-          <a:effectRef idx="0">
-            <a:schemeClr val="accent1"/>
-          </a:effectRef>
-          <a:fontRef idx="minor">
-            <a:schemeClr val="tx1"/>
-          </a:fontRef>
-        </p:style>
-      </p:cxnSp>
-      <p:cxnSp>
-        <p:nvCxnSpPr>
-          <p:cNvPr id="115" name="Straight Arrow Connector 114">
-            <a:extLst>
-              <a:ext uri="{FF2B5EF4-FFF2-40B4-BE49-F238E27FC236}">
-                <a16:creationId xmlns:a16="http://schemas.microsoft.com/office/drawing/2014/main" id="{BB46FFB7-AF23-401B-BB65-A699084820A5}"/>
-              </a:ext>
-            </a:extLst>
-          </p:cNvPr>
-          <p:cNvCxnSpPr>
-            <a:cxnSpLocks/>
-          </p:cNvCxnSpPr>
-          <p:nvPr/>
-        </p:nvCxnSpPr>
-        <p:spPr>
-          <a:xfrm flipH="1">
-            <a:off x="7120617" y="4580164"/>
-            <a:ext cx="4872717" cy="0"/>
-          </a:xfrm>
-          <a:prstGeom prst="straightConnector1">
-            <a:avLst/>
-          </a:prstGeom>
-          <a:ln>
-            <a:tailEnd type="triangle"/>
-          </a:ln>
-        </p:spPr>
-        <p:style>
-          <a:lnRef idx="1">
-            <a:schemeClr val="accent1"/>
-          </a:lnRef>
-          <a:fillRef idx="0">
-            <a:schemeClr val="accent1"/>
-          </a:fillRef>
-          <a:effectRef idx="0">
-            <a:schemeClr val="accent1"/>
-          </a:effectRef>
-          <a:fontRef idx="minor">
-            <a:schemeClr val="tx1"/>
-          </a:fontRef>
-        </p:style>
-      </p:cxnSp>
-      <p:cxnSp>
-        <p:nvCxnSpPr>
-          <p:cNvPr id="117" name="Straight Arrow Connector 116">
-            <a:extLst>
-              <a:ext uri="{FF2B5EF4-FFF2-40B4-BE49-F238E27FC236}">
-                <a16:creationId xmlns:a16="http://schemas.microsoft.com/office/drawing/2014/main" id="{1FEC7C9A-8B1B-46A5-821B-2B7866D36452}"/>
-              </a:ext>
-            </a:extLst>
-          </p:cNvPr>
-          <p:cNvCxnSpPr>
-            <a:cxnSpLocks/>
-          </p:cNvCxnSpPr>
-          <p:nvPr/>
-        </p:nvCxnSpPr>
-        <p:spPr>
-          <a:xfrm flipV="1">
-            <a:off x="11743328" y="4240499"/>
-            <a:ext cx="250006" cy="2208"/>
-          </a:xfrm>
-          <a:prstGeom prst="straightConnector1">
-            <a:avLst/>
-          </a:prstGeom>
-          <a:ln>
-            <a:tailEnd type="triangle"/>
-          </a:ln>
-        </p:spPr>
-        <p:style>
-          <a:lnRef idx="1">
-            <a:schemeClr val="accent1"/>
-          </a:lnRef>
-          <a:fillRef idx="0">
-            <a:schemeClr val="accent1"/>
-          </a:fillRef>
-          <a:effectRef idx="0">
-            <a:schemeClr val="accent1"/>
-          </a:effectRef>
-          <a:fontRef idx="minor">
-            <a:schemeClr val="tx1"/>
-          </a:fontRef>
-        </p:style>
-      </p:cxnSp>
-      <p:cxnSp>
-        <p:nvCxnSpPr>
-          <p:cNvPr id="119" name="Straight Arrow Connector 118">
-            <a:extLst>
-              <a:ext uri="{FF2B5EF4-FFF2-40B4-BE49-F238E27FC236}">
-                <a16:creationId xmlns:a16="http://schemas.microsoft.com/office/drawing/2014/main" id="{CE5D1358-F6C0-4B8C-98D2-F4A33CE1F7BC}"/>
-              </a:ext>
-            </a:extLst>
-          </p:cNvPr>
-          <p:cNvCxnSpPr>
-            <a:cxnSpLocks/>
-          </p:cNvCxnSpPr>
-          <p:nvPr/>
-        </p:nvCxnSpPr>
-        <p:spPr>
-          <a:xfrm>
-            <a:off x="11993334" y="4240666"/>
-            <a:ext cx="0" cy="339498"/>
-          </a:xfrm>
-          <a:prstGeom prst="straightConnector1">
-            <a:avLst/>
-          </a:prstGeom>
-          <a:ln>
-            <a:tailEnd type="triangle"/>
-          </a:ln>
-        </p:spPr>
-        <p:style>
-          <a:lnRef idx="1">
-            <a:schemeClr val="accent1"/>
-          </a:lnRef>
-          <a:fillRef idx="0">
-            <a:schemeClr val="accent1"/>
-          </a:fillRef>
-          <a:effectRef idx="0">
-            <a:schemeClr val="accent1"/>
-          </a:effectRef>
-          <a:fontRef idx="minor">
-            <a:schemeClr val="tx1"/>
-          </a:fontRef>
-        </p:style>
-      </p:cxnSp>
-      <p:cxnSp>
-        <p:nvCxnSpPr>
-          <p:cNvPr id="122" name="Straight Arrow Connector 121">
-            <a:extLst>
-              <a:ext uri="{FF2B5EF4-FFF2-40B4-BE49-F238E27FC236}">
-                <a16:creationId xmlns:a16="http://schemas.microsoft.com/office/drawing/2014/main" id="{0D6AC4F6-FD7B-41F0-9B0E-E2DDE7BCEF8C}"/>
-              </a:ext>
-            </a:extLst>
-          </p:cNvPr>
-          <p:cNvCxnSpPr>
-            <a:cxnSpLocks/>
-          </p:cNvCxnSpPr>
-          <p:nvPr/>
-        </p:nvCxnSpPr>
-        <p:spPr>
-          <a:xfrm>
-            <a:off x="11761200" y="5655091"/>
-            <a:ext cx="137970" cy="11185"/>
-          </a:xfrm>
-          <a:prstGeom prst="straightConnector1">
-            <a:avLst/>
-          </a:prstGeom>
-          <a:ln>
-            <a:tailEnd type="triangle"/>
-          </a:ln>
-        </p:spPr>
-        <p:style>
-          <a:lnRef idx="1">
-            <a:schemeClr val="accent1"/>
-          </a:lnRef>
-          <a:fillRef idx="0">
-            <a:schemeClr val="accent1"/>
-          </a:fillRef>
-          <a:effectRef idx="0">
-            <a:schemeClr val="accent1"/>
-          </a:effectRef>
-          <a:fontRef idx="minor">
-            <a:schemeClr val="tx1"/>
-          </a:fontRef>
-        </p:style>
-      </p:cxnSp>
-      <p:cxnSp>
-        <p:nvCxnSpPr>
-          <p:cNvPr id="123" name="Straight Arrow Connector 122">
-            <a:extLst>
-              <a:ext uri="{FF2B5EF4-FFF2-40B4-BE49-F238E27FC236}">
-                <a16:creationId xmlns:a16="http://schemas.microsoft.com/office/drawing/2014/main" id="{6D3C5FC9-6DDC-401C-B714-520DC14A35A8}"/>
-              </a:ext>
-            </a:extLst>
-          </p:cNvPr>
-          <p:cNvCxnSpPr>
-            <a:cxnSpLocks/>
-          </p:cNvCxnSpPr>
-          <p:nvPr/>
-        </p:nvCxnSpPr>
-        <p:spPr>
-          <a:xfrm flipH="1" flipV="1">
-            <a:off x="11881938" y="4461782"/>
-            <a:ext cx="182" cy="1193309"/>
-          </a:xfrm>
-          <a:prstGeom prst="straightConnector1">
-            <a:avLst/>
-          </a:prstGeom>
-          <a:ln>
-            <a:tailEnd type="triangle"/>
-          </a:ln>
-        </p:spPr>
-        <p:style>
-          <a:lnRef idx="1">
-            <a:schemeClr val="accent1"/>
-          </a:lnRef>
-          <a:fillRef idx="0">
-            <a:schemeClr val="accent1"/>
-          </a:fillRef>
-          <a:effectRef idx="0">
-            <a:schemeClr val="accent1"/>
-          </a:effectRef>
-          <a:fontRef idx="minor">
-            <a:schemeClr val="tx1"/>
-          </a:fontRef>
-        </p:style>
-      </p:cxnSp>
-      <p:cxnSp>
-        <p:nvCxnSpPr>
-          <p:cNvPr id="128" name="Straight Arrow Connector 127">
-            <a:extLst>
-              <a:ext uri="{FF2B5EF4-FFF2-40B4-BE49-F238E27FC236}">
-                <a16:creationId xmlns:a16="http://schemas.microsoft.com/office/drawing/2014/main" id="{C6720EB1-7702-4DB3-BD7E-84A804F983ED}"/>
-              </a:ext>
-            </a:extLst>
-          </p:cNvPr>
-          <p:cNvCxnSpPr>
-            <a:cxnSpLocks/>
-          </p:cNvCxnSpPr>
-          <p:nvPr/>
-        </p:nvCxnSpPr>
-        <p:spPr>
-          <a:xfrm>
-            <a:off x="11761200" y="5963751"/>
-            <a:ext cx="327205" cy="0"/>
-          </a:xfrm>
-          <a:prstGeom prst="straightConnector1">
-            <a:avLst/>
-          </a:prstGeom>
-          <a:ln>
-            <a:tailEnd type="triangle"/>
-          </a:ln>
-        </p:spPr>
-        <p:style>
-          <a:lnRef idx="1">
-            <a:schemeClr val="accent1"/>
-          </a:lnRef>
-          <a:fillRef idx="0">
-            <a:schemeClr val="accent1"/>
-          </a:fillRef>
-          <a:effectRef idx="0">
-            <a:schemeClr val="accent1"/>
-          </a:effectRef>
-          <a:fontRef idx="minor">
-            <a:schemeClr val="tx1"/>
-          </a:fontRef>
-        </p:style>
-      </p:cxnSp>
-      <p:cxnSp>
-        <p:nvCxnSpPr>
-          <p:cNvPr id="136" name="Straight Arrow Connector 135">
-            <a:extLst>
-              <a:ext uri="{FF2B5EF4-FFF2-40B4-BE49-F238E27FC236}">
-                <a16:creationId xmlns:a16="http://schemas.microsoft.com/office/drawing/2014/main" id="{5BEA2511-D74A-4AC2-984D-B41FAC488FAC}"/>
-              </a:ext>
-            </a:extLst>
-          </p:cNvPr>
-          <p:cNvCxnSpPr>
-            <a:cxnSpLocks/>
-          </p:cNvCxnSpPr>
-          <p:nvPr/>
-        </p:nvCxnSpPr>
-        <p:spPr>
-          <a:xfrm flipV="1">
-            <a:off x="12077721" y="2939143"/>
-            <a:ext cx="0" cy="3024608"/>
-          </a:xfrm>
-          <a:prstGeom prst="straightConnector1">
-            <a:avLst/>
-          </a:prstGeom>
-          <a:ln>
-            <a:tailEnd type="triangle"/>
-          </a:ln>
-        </p:spPr>
-        <p:style>
-          <a:lnRef idx="1">
-            <a:schemeClr val="accent1"/>
-          </a:lnRef>
-          <a:fillRef idx="0">
-            <a:schemeClr val="accent1"/>
-          </a:fillRef>
-          <a:effectRef idx="0">
-            <a:schemeClr val="accent1"/>
-          </a:effectRef>
-          <a:fontRef idx="minor">
-            <a:schemeClr val="tx1"/>
-          </a:fontRef>
-        </p:style>
-      </p:cxnSp>
-      <p:cxnSp>
-        <p:nvCxnSpPr>
-          <p:cNvPr id="138" name="Straight Arrow Connector 137">
-            <a:extLst>
-              <a:ext uri="{FF2B5EF4-FFF2-40B4-BE49-F238E27FC236}">
-                <a16:creationId xmlns:a16="http://schemas.microsoft.com/office/drawing/2014/main" id="{ADAE7034-9280-4318-AFFD-26940683CB38}"/>
-              </a:ext>
-            </a:extLst>
-          </p:cNvPr>
-          <p:cNvCxnSpPr>
-            <a:cxnSpLocks/>
-          </p:cNvCxnSpPr>
-          <p:nvPr/>
-        </p:nvCxnSpPr>
-        <p:spPr>
-          <a:xfrm flipH="1">
-            <a:off x="8503104" y="2939143"/>
-            <a:ext cx="3574618" cy="0"/>
-          </a:xfrm>
-          <a:prstGeom prst="straightConnector1">
-            <a:avLst/>
-          </a:prstGeom>
-          <a:ln>
-            <a:tailEnd type="triangle"/>
-          </a:ln>
-        </p:spPr>
-        <p:style>
-          <a:lnRef idx="1">
-            <a:schemeClr val="accent1"/>
-          </a:lnRef>
-          <a:fillRef idx="0">
-            <a:schemeClr val="accent1"/>
-          </a:fillRef>
-          <a:effectRef idx="0">
-            <a:schemeClr val="accent1"/>
-          </a:effectRef>
-          <a:fontRef idx="minor">
-            <a:schemeClr val="tx1"/>
-          </a:fontRef>
-        </p:style>
-      </p:cxnSp>
-      <p:cxnSp>
-        <p:nvCxnSpPr>
-          <p:cNvPr id="140" name="Straight Arrow Connector 139">
-            <a:extLst>
-              <a:ext uri="{FF2B5EF4-FFF2-40B4-BE49-F238E27FC236}">
-                <a16:creationId xmlns:a16="http://schemas.microsoft.com/office/drawing/2014/main" id="{E8EBD8E0-323F-4724-A085-29DCD18CE116}"/>
-              </a:ext>
-            </a:extLst>
-          </p:cNvPr>
-          <p:cNvCxnSpPr>
-            <a:cxnSpLocks/>
-          </p:cNvCxnSpPr>
-          <p:nvPr/>
-        </p:nvCxnSpPr>
-        <p:spPr>
-          <a:xfrm flipH="1" flipV="1">
-            <a:off x="8490724" y="2334265"/>
-            <a:ext cx="12380" cy="603595"/>
-          </a:xfrm>
-          <a:prstGeom prst="straightConnector1">
-            <a:avLst/>
-          </a:prstGeom>
-          <a:ln>
-            <a:tailEnd type="triangle"/>
-          </a:ln>
-        </p:spPr>
-        <p:style>
-          <a:lnRef idx="1">
-            <a:schemeClr val="accent1"/>
-          </a:lnRef>
-          <a:fillRef idx="0">
-            <a:schemeClr val="accent1"/>
-          </a:fillRef>
-          <a:effectRef idx="0">
-            <a:schemeClr val="accent1"/>
-          </a:effectRef>
-          <a:fontRef idx="minor">
-            <a:schemeClr val="tx1"/>
-          </a:fontRef>
-        </p:style>
-      </p:cxnSp>
-      <p:cxnSp>
-        <p:nvCxnSpPr>
-          <p:cNvPr id="142" name="Straight Arrow Connector 141">
-            <a:extLst>
-              <a:ext uri="{FF2B5EF4-FFF2-40B4-BE49-F238E27FC236}">
-                <a16:creationId xmlns:a16="http://schemas.microsoft.com/office/drawing/2014/main" id="{0CA521B4-291E-43AD-8D37-414DCAD5378A}"/>
-              </a:ext>
-            </a:extLst>
-          </p:cNvPr>
-          <p:cNvCxnSpPr>
-            <a:cxnSpLocks/>
-          </p:cNvCxnSpPr>
-          <p:nvPr/>
-        </p:nvCxnSpPr>
-        <p:spPr>
-          <a:xfrm>
-            <a:off x="8508914" y="2344569"/>
-            <a:ext cx="110402" cy="5404"/>
-          </a:xfrm>
-          <a:prstGeom prst="straightConnector1">
-            <a:avLst/>
-          </a:prstGeom>
-          <a:ln>
-            <a:tailEnd type="triangle"/>
-          </a:ln>
-        </p:spPr>
-        <p:style>
-          <a:lnRef idx="1">
-            <a:schemeClr val="accent1"/>
-          </a:lnRef>
-          <a:fillRef idx="0">
-            <a:schemeClr val="accent1"/>
-          </a:fillRef>
-          <a:effectRef idx="0">
-            <a:schemeClr val="accent1"/>
-          </a:effectRef>
-          <a:fontRef idx="minor">
-            <a:schemeClr val="tx1"/>
-          </a:fontRef>
-        </p:style>
-      </p:cxnSp>
+      <p:pic>
+        <p:nvPicPr>
+          <p:cNvPr id="1044" name="Picture 20">
+            <a:extLst>
+              <a:ext uri="{FF2B5EF4-FFF2-40B4-BE49-F238E27FC236}">
+                <a16:creationId xmlns:a16="http://schemas.microsoft.com/office/drawing/2014/main" id="{30D6215E-1198-495E-A502-504340CBD2FB}"/>
+              </a:ext>
+            </a:extLst>
+          </p:cNvPr>
+          <p:cNvPicPr>
+            <a:picLocks noChangeAspect="1" noChangeArrowheads="1"/>
+          </p:cNvPicPr>
+          <p:nvPr/>
+        </p:nvPicPr>
+        <p:blipFill>
+          <a:blip r:embed="rId12">
+            <a:extLst>
+              <a:ext uri="{28A0092B-C50C-407E-A947-70E740481C1C}">
+                <a14:useLocalDpi xmlns:a14="http://schemas.microsoft.com/office/drawing/2010/main" val="0"/>
+              </a:ext>
+            </a:extLst>
+          </a:blip>
+          <a:srcRect/>
+          <a:stretch>
+            <a:fillRect/>
+          </a:stretch>
+        </p:blipFill>
+        <p:spPr bwMode="auto">
+          <a:xfrm>
+            <a:off x="835160" y="5450892"/>
+            <a:ext cx="1119796" cy="667428"/>
+          </a:xfrm>
+          <a:prstGeom prst="rect">
+            <a:avLst/>
+          </a:prstGeom>
+          <a:noFill/>
+          <a:extLst>
+            <a:ext uri="{909E8E84-426E-40DD-AFC4-6F175D3DCCD1}">
+              <a14:hiddenFill xmlns:a14="http://schemas.microsoft.com/office/drawing/2010/main">
+                <a:solidFill>
+                  <a:srgbClr val="FFFFFF"/>
+                </a:solidFill>
+              </a14:hiddenFill>
+            </a:ext>
+          </a:extLst>
+        </p:spPr>
+      </p:pic>
+      <p:pic>
+        <p:nvPicPr>
+          <p:cNvPr id="1046" name="Picture 22" descr="Image result for ec2">
+            <a:extLst>
+              <a:ext uri="{FF2B5EF4-FFF2-40B4-BE49-F238E27FC236}">
+                <a16:creationId xmlns:a16="http://schemas.microsoft.com/office/drawing/2014/main" id="{68A93564-6ED8-4F02-AD3E-AE98CE083741}"/>
+              </a:ext>
+            </a:extLst>
+          </p:cNvPr>
+          <p:cNvPicPr>
+            <a:picLocks noChangeAspect="1" noChangeArrowheads="1"/>
+          </p:cNvPicPr>
+          <p:nvPr/>
+        </p:nvPicPr>
+        <p:blipFill>
+          <a:blip r:embed="rId13">
+            <a:extLst>
+              <a:ext uri="{28A0092B-C50C-407E-A947-70E740481C1C}">
+                <a14:useLocalDpi xmlns:a14="http://schemas.microsoft.com/office/drawing/2010/main" val="0"/>
+              </a:ext>
+            </a:extLst>
+          </a:blip>
+          <a:srcRect/>
+          <a:stretch>
+            <a:fillRect/>
+          </a:stretch>
+        </p:blipFill>
+        <p:spPr bwMode="auto">
+          <a:xfrm>
+            <a:off x="1954956" y="5245034"/>
+            <a:ext cx="1703698" cy="957262"/>
+          </a:xfrm>
+          <a:prstGeom prst="rect">
+            <a:avLst/>
+          </a:prstGeom>
+          <a:noFill/>
+          <a:extLst>
+            <a:ext uri="{909E8E84-426E-40DD-AFC4-6F175D3DCCD1}">
+              <a14:hiddenFill xmlns:a14="http://schemas.microsoft.com/office/drawing/2010/main">
+                <a:solidFill>
+                  <a:srgbClr val="FFFFFF"/>
+                </a:solidFill>
+              </a14:hiddenFill>
+            </a:ext>
+          </a:extLst>
+        </p:spPr>
+      </p:pic>
+      <p:pic>
+        <p:nvPicPr>
+          <p:cNvPr id="1048" name="Picture 24" descr="Image result for puTTY">
+            <a:extLst>
+              <a:ext uri="{FF2B5EF4-FFF2-40B4-BE49-F238E27FC236}">
+                <a16:creationId xmlns:a16="http://schemas.microsoft.com/office/drawing/2014/main" id="{B2FB59EB-F404-4A55-8FCF-503A4DA122C7}"/>
+              </a:ext>
+            </a:extLst>
+          </p:cNvPr>
+          <p:cNvPicPr>
+            <a:picLocks noChangeAspect="1" noChangeArrowheads="1"/>
+          </p:cNvPicPr>
+          <p:nvPr/>
+        </p:nvPicPr>
+        <p:blipFill>
+          <a:blip r:embed="rId14">
+            <a:extLst>
+              <a:ext uri="{28A0092B-C50C-407E-A947-70E740481C1C}">
+                <a14:useLocalDpi xmlns:a14="http://schemas.microsoft.com/office/drawing/2010/main" val="0"/>
+              </a:ext>
+            </a:extLst>
+          </a:blip>
+          <a:srcRect/>
+          <a:stretch>
+            <a:fillRect/>
+          </a:stretch>
+        </p:blipFill>
+        <p:spPr bwMode="auto">
+          <a:xfrm>
+            <a:off x="7853647" y="5116960"/>
+            <a:ext cx="1366158" cy="1366158"/>
+          </a:xfrm>
+          <a:prstGeom prst="rect">
+            <a:avLst/>
+          </a:prstGeom>
+          <a:noFill/>
+          <a:extLst>
+            <a:ext uri="{909E8E84-426E-40DD-AFC4-6F175D3DCCD1}">
+              <a14:hiddenFill xmlns:a14="http://schemas.microsoft.com/office/drawing/2010/main">
+                <a:solidFill>
+                  <a:srgbClr val="FFFFFF"/>
+                </a:solidFill>
+              </a14:hiddenFill>
+            </a:ext>
+          </a:extLst>
+        </p:spPr>
+      </p:pic>
+      <p:pic>
+        <p:nvPicPr>
+          <p:cNvPr id="1050" name="Picture 26" descr="Image result for WinSCP">
+            <a:extLst>
+              <a:ext uri="{FF2B5EF4-FFF2-40B4-BE49-F238E27FC236}">
+                <a16:creationId xmlns:a16="http://schemas.microsoft.com/office/drawing/2014/main" id="{47561D82-7C89-4ACA-8230-FE3C7410C591}"/>
+              </a:ext>
+            </a:extLst>
+          </p:cNvPr>
+          <p:cNvPicPr>
+            <a:picLocks noChangeAspect="1" noChangeArrowheads="1"/>
+          </p:cNvPicPr>
+          <p:nvPr/>
+        </p:nvPicPr>
+        <p:blipFill>
+          <a:blip r:embed="rId15">
+            <a:extLst>
+              <a:ext uri="{28A0092B-C50C-407E-A947-70E740481C1C}">
+                <a14:useLocalDpi xmlns:a14="http://schemas.microsoft.com/office/drawing/2010/main" val="0"/>
+              </a:ext>
+            </a:extLst>
+          </a:blip>
+          <a:srcRect/>
+          <a:stretch>
+            <a:fillRect/>
+          </a:stretch>
+        </p:blipFill>
+        <p:spPr bwMode="auto">
+          <a:xfrm>
+            <a:off x="10123757" y="5314942"/>
+            <a:ext cx="1807029" cy="903515"/>
+          </a:xfrm>
+          <a:prstGeom prst="rect">
+            <a:avLst/>
+          </a:prstGeom>
+          <a:noFill/>
+          <a:extLst>
+            <a:ext uri="{909E8E84-426E-40DD-AFC4-6F175D3DCCD1}">
+              <a14:hiddenFill xmlns:a14="http://schemas.microsoft.com/office/drawing/2010/main">
+                <a:solidFill>
+                  <a:srgbClr val="FFFFFF"/>
+                </a:solidFill>
+              </a14:hiddenFill>
+            </a:ext>
+          </a:extLst>
+        </p:spPr>
+      </p:pic>
+      <p:pic>
+        <p:nvPicPr>
+          <p:cNvPr id="1052" name="Picture 28">
+            <a:extLst>
+              <a:ext uri="{FF2B5EF4-FFF2-40B4-BE49-F238E27FC236}">
+                <a16:creationId xmlns:a16="http://schemas.microsoft.com/office/drawing/2014/main" id="{C26A4BEC-38B2-492A-A96F-F8674F548F7F}"/>
+              </a:ext>
+            </a:extLst>
+          </p:cNvPr>
+          <p:cNvPicPr>
+            <a:picLocks noChangeAspect="1" noChangeArrowheads="1"/>
+          </p:cNvPicPr>
+          <p:nvPr/>
+        </p:nvPicPr>
+        <p:blipFill>
+          <a:blip r:embed="rId16">
+            <a:extLst>
+              <a:ext uri="{28A0092B-C50C-407E-A947-70E740481C1C}">
+                <a14:useLocalDpi xmlns:a14="http://schemas.microsoft.com/office/drawing/2010/main" val="0"/>
+              </a:ext>
+            </a:extLst>
+          </a:blip>
+          <a:srcRect/>
+          <a:stretch>
+            <a:fillRect/>
+          </a:stretch>
+        </p:blipFill>
+        <p:spPr bwMode="auto">
+          <a:xfrm>
+            <a:off x="5376862" y="5187718"/>
+            <a:ext cx="1438275" cy="1295400"/>
+          </a:xfrm>
+          <a:prstGeom prst="rect">
+            <a:avLst/>
+          </a:prstGeom>
+          <a:noFill/>
+          <a:extLst>
+            <a:ext uri="{909E8E84-426E-40DD-AFC4-6F175D3DCCD1}">
+              <a14:hiddenFill xmlns:a14="http://schemas.microsoft.com/office/drawing/2010/main">
+                <a:solidFill>
+                  <a:srgbClr val="FFFFFF"/>
+                </a:solidFill>
+              </a14:hiddenFill>
+            </a:ext>
+          </a:extLst>
+        </p:spPr>
+      </p:pic>
+      <p:pic>
+        <p:nvPicPr>
+          <p:cNvPr id="1054" name="Picture 30" descr="Image result for git">
+            <a:extLst>
+              <a:ext uri="{FF2B5EF4-FFF2-40B4-BE49-F238E27FC236}">
+                <a16:creationId xmlns:a16="http://schemas.microsoft.com/office/drawing/2014/main" id="{33DB6825-6D23-4EDE-839B-55BF369340BF}"/>
+              </a:ext>
+            </a:extLst>
+          </p:cNvPr>
+          <p:cNvPicPr>
+            <a:picLocks noChangeAspect="1" noChangeArrowheads="1"/>
+          </p:cNvPicPr>
+          <p:nvPr/>
+        </p:nvPicPr>
+        <p:blipFill>
+          <a:blip r:embed="rId17">
+            <a:extLst>
+              <a:ext uri="{28A0092B-C50C-407E-A947-70E740481C1C}">
+                <a14:useLocalDpi xmlns:a14="http://schemas.microsoft.com/office/drawing/2010/main" val="0"/>
+              </a:ext>
+            </a:extLst>
+          </a:blip>
+          <a:srcRect/>
+          <a:stretch>
+            <a:fillRect/>
+          </a:stretch>
+        </p:blipFill>
+        <p:spPr bwMode="auto">
+          <a:xfrm>
+            <a:off x="10321457" y="1898588"/>
+            <a:ext cx="815289" cy="815289"/>
+          </a:xfrm>
+          <a:prstGeom prst="rect">
+            <a:avLst/>
+          </a:prstGeom>
+          <a:noFill/>
+          <a:extLst>
+            <a:ext uri="{909E8E84-426E-40DD-AFC4-6F175D3DCCD1}">
+              <a14:hiddenFill xmlns:a14="http://schemas.microsoft.com/office/drawing/2010/main">
+                <a:solidFill>
+                  <a:srgbClr val="FFFFFF"/>
+                </a:solidFill>
+              </a14:hiddenFill>
+            </a:ext>
+          </a:extLst>
+        </p:spPr>
+      </p:pic>
+      <p:pic>
+        <p:nvPicPr>
+          <p:cNvPr id="1056" name="Picture 32" descr="Image result for notion">
+            <a:extLst>
+              <a:ext uri="{FF2B5EF4-FFF2-40B4-BE49-F238E27FC236}">
+                <a16:creationId xmlns:a16="http://schemas.microsoft.com/office/drawing/2014/main" id="{FE1479DF-DD01-40BD-9537-953F03F17A9F}"/>
+              </a:ext>
+            </a:extLst>
+          </p:cNvPr>
+          <p:cNvPicPr>
+            <a:picLocks noChangeAspect="1" noChangeArrowheads="1"/>
+          </p:cNvPicPr>
+          <p:nvPr/>
+        </p:nvPicPr>
+        <p:blipFill>
+          <a:blip r:embed="rId18">
+            <a:extLst>
+              <a:ext uri="{28A0092B-C50C-407E-A947-70E740481C1C}">
+                <a14:useLocalDpi xmlns:a14="http://schemas.microsoft.com/office/drawing/2010/main" val="0"/>
+              </a:ext>
+            </a:extLst>
+          </a:blip>
+          <a:srcRect/>
+          <a:stretch>
+            <a:fillRect/>
+          </a:stretch>
+        </p:blipFill>
+        <p:spPr bwMode="auto">
+          <a:xfrm>
+            <a:off x="3251008" y="1909276"/>
+            <a:ext cx="815289" cy="815289"/>
+          </a:xfrm>
+          <a:prstGeom prst="rect">
+            <a:avLst/>
+          </a:prstGeom>
+          <a:noFill/>
+          <a:extLst>
+            <a:ext uri="{909E8E84-426E-40DD-AFC4-6F175D3DCCD1}">
+              <a14:hiddenFill xmlns:a14="http://schemas.microsoft.com/office/drawing/2010/main">
+                <a:solidFill>
+                  <a:srgbClr val="FFFFFF"/>
+                </a:solidFill>
+              </a14:hiddenFill>
+            </a:ext>
+          </a:extLst>
+        </p:spPr>
+      </p:pic>
+      <p:pic>
+        <p:nvPicPr>
+          <p:cNvPr id="1058" name="Picture 34" descr="Image result for slack">
+            <a:extLst>
+              <a:ext uri="{FF2B5EF4-FFF2-40B4-BE49-F238E27FC236}">
+                <a16:creationId xmlns:a16="http://schemas.microsoft.com/office/drawing/2014/main" id="{AAA16DC1-616B-4CC0-B085-08FD1620512C}"/>
+              </a:ext>
+            </a:extLst>
+          </p:cNvPr>
+          <p:cNvPicPr>
+            <a:picLocks noChangeAspect="1" noChangeArrowheads="1"/>
+          </p:cNvPicPr>
+          <p:nvPr/>
+        </p:nvPicPr>
+        <p:blipFill>
+          <a:blip r:embed="rId19">
+            <a:extLst>
+              <a:ext uri="{28A0092B-C50C-407E-A947-70E740481C1C}">
+                <a14:useLocalDpi xmlns:a14="http://schemas.microsoft.com/office/drawing/2010/main" val="0"/>
+              </a:ext>
+            </a:extLst>
+          </a:blip>
+          <a:srcRect/>
+          <a:stretch>
+            <a:fillRect/>
+          </a:stretch>
+        </p:blipFill>
+        <p:spPr bwMode="auto">
+          <a:xfrm>
+            <a:off x="970836" y="1876121"/>
+            <a:ext cx="848444" cy="848444"/>
+          </a:xfrm>
+          <a:prstGeom prst="rect">
+            <a:avLst/>
+          </a:prstGeom>
+          <a:noFill/>
+          <a:extLst>
+            <a:ext uri="{909E8E84-426E-40DD-AFC4-6F175D3DCCD1}">
+              <a14:hiddenFill xmlns:a14="http://schemas.microsoft.com/office/drawing/2010/main">
+                <a:solidFill>
+                  <a:srgbClr val="FFFFFF"/>
+                </a:solidFill>
+              </a14:hiddenFill>
+            </a:ext>
+          </a:extLst>
+        </p:spPr>
+      </p:pic>
+      <p:pic>
+        <p:nvPicPr>
+          <p:cNvPr id="9" name="Picture 8">
+            <a:extLst>
+              <a:ext uri="{FF2B5EF4-FFF2-40B4-BE49-F238E27FC236}">
+                <a16:creationId xmlns:a16="http://schemas.microsoft.com/office/drawing/2014/main" id="{0EE4ADE0-0C93-4E2B-9554-11DD649FF8D9}"/>
+              </a:ext>
+            </a:extLst>
+          </p:cNvPr>
+          <p:cNvPicPr>
+            <a:picLocks noChangeAspect="1"/>
+          </p:cNvPicPr>
+          <p:nvPr/>
+        </p:nvPicPr>
+        <p:blipFill>
+          <a:blip r:embed="rId20"/>
+          <a:stretch>
+            <a:fillRect/>
+          </a:stretch>
+        </p:blipFill>
+        <p:spPr>
+          <a:xfrm>
+            <a:off x="7893789" y="1824831"/>
+            <a:ext cx="1285875" cy="733425"/>
+          </a:xfrm>
+          <a:prstGeom prst="rect">
+            <a:avLst/>
+          </a:prstGeom>
+        </p:spPr>
+      </p:pic>
     </p:spTree>
     <p:extLst>
       <p:ext uri="{BB962C8B-B14F-4D97-AF65-F5344CB8AC3E}">
-        <p14:creationId xmlns:p14="http://schemas.microsoft.com/office/powerpoint/2010/main" val="1660754629"/>
+        <p14:creationId xmlns:p14="http://schemas.microsoft.com/office/powerpoint/2010/main" val="2361147828"/>
       </p:ext>
     </p:extLst>
   </p:cSld>
@@ -10081,951 +10891,6 @@
               <a:rPr lang="en-US" dirty="0">
                 <a:latin typeface="+mn-lt"/>
               </a:rPr>
-              <a:t>Development Tools</a:t>
-            </a:r>
-          </a:p>
-        </p:txBody>
-      </p:sp>
-      <p:pic>
-        <p:nvPicPr>
-          <p:cNvPr id="1026" name="Picture 2" descr="Image result for java">
-            <a:extLst>
-              <a:ext uri="{FF2B5EF4-FFF2-40B4-BE49-F238E27FC236}">
-                <a16:creationId xmlns:a16="http://schemas.microsoft.com/office/drawing/2014/main" id="{941F6DAB-7145-470B-AF73-4CDC09D5BDB1}"/>
-              </a:ext>
-            </a:extLst>
-          </p:cNvPr>
-          <p:cNvPicPr>
-            <a:picLocks noChangeAspect="1" noChangeArrowheads="1"/>
-          </p:cNvPicPr>
-          <p:nvPr/>
-        </p:nvPicPr>
-        <p:blipFill>
-          <a:blip r:embed="rId3">
-            <a:extLst>
-              <a:ext uri="{28A0092B-C50C-407E-A947-70E740481C1C}">
-                <a14:useLocalDpi xmlns:a14="http://schemas.microsoft.com/office/drawing/2010/main" val="0"/>
-              </a:ext>
-            </a:extLst>
-          </a:blip>
-          <a:srcRect/>
-          <a:stretch>
-            <a:fillRect/>
-          </a:stretch>
-        </p:blipFill>
-        <p:spPr bwMode="auto">
-          <a:xfrm>
-            <a:off x="895349" y="2937366"/>
-            <a:ext cx="1002527" cy="1898905"/>
-          </a:xfrm>
-          <a:prstGeom prst="rect">
-            <a:avLst/>
-          </a:prstGeom>
-          <a:noFill/>
-          <a:extLst>
-            <a:ext uri="{909E8E84-426E-40DD-AFC4-6F175D3DCCD1}">
-              <a14:hiddenFill xmlns:a14="http://schemas.microsoft.com/office/drawing/2010/main">
-                <a:solidFill>
-                  <a:srgbClr val="FFFFFF"/>
-                </a:solidFill>
-              </a14:hiddenFill>
-            </a:ext>
-          </a:extLst>
-        </p:spPr>
-      </p:pic>
-      <p:pic>
-        <p:nvPicPr>
-          <p:cNvPr id="1028" name="Picture 4">
-            <a:extLst>
-              <a:ext uri="{FF2B5EF4-FFF2-40B4-BE49-F238E27FC236}">
-                <a16:creationId xmlns:a16="http://schemas.microsoft.com/office/drawing/2014/main" id="{5172BA19-2CD2-40BF-9FDD-4322E620FBF0}"/>
-              </a:ext>
-            </a:extLst>
-          </p:cNvPr>
-          <p:cNvPicPr>
-            <a:picLocks noChangeAspect="1" noChangeArrowheads="1"/>
-          </p:cNvPicPr>
-          <p:nvPr/>
-        </p:nvPicPr>
-        <p:blipFill>
-          <a:blip r:embed="rId4">
-            <a:extLst>
-              <a:ext uri="{28A0092B-C50C-407E-A947-70E740481C1C}">
-                <a14:useLocalDpi xmlns:a14="http://schemas.microsoft.com/office/drawing/2010/main" val="0"/>
-              </a:ext>
-            </a:extLst>
-          </a:blip>
-          <a:srcRect/>
-          <a:stretch>
-            <a:fillRect/>
-          </a:stretch>
-        </p:blipFill>
-        <p:spPr bwMode="auto">
-          <a:xfrm>
-            <a:off x="2545772" y="3186453"/>
-            <a:ext cx="2225762" cy="562987"/>
-          </a:xfrm>
-          <a:prstGeom prst="rect">
-            <a:avLst/>
-          </a:prstGeom>
-          <a:noFill/>
-          <a:extLst>
-            <a:ext uri="{909E8E84-426E-40DD-AFC4-6F175D3DCCD1}">
-              <a14:hiddenFill xmlns:a14="http://schemas.microsoft.com/office/drawing/2010/main">
-                <a:solidFill>
-                  <a:srgbClr val="FFFFFF"/>
-                </a:solidFill>
-              </a14:hiddenFill>
-            </a:ext>
-          </a:extLst>
-        </p:spPr>
-      </p:pic>
-      <p:pic>
-        <p:nvPicPr>
-          <p:cNvPr id="1030" name="Picture 6" descr="Image result for net beans">
-            <a:extLst>
-              <a:ext uri="{FF2B5EF4-FFF2-40B4-BE49-F238E27FC236}">
-                <a16:creationId xmlns:a16="http://schemas.microsoft.com/office/drawing/2014/main" id="{007BBCA7-ED64-4BFC-A07F-CAD85B2CDAB0}"/>
-              </a:ext>
-            </a:extLst>
-          </p:cNvPr>
-          <p:cNvPicPr>
-            <a:picLocks noChangeAspect="1" noChangeArrowheads="1"/>
-          </p:cNvPicPr>
-          <p:nvPr/>
-        </p:nvPicPr>
-        <p:blipFill>
-          <a:blip r:embed="rId5">
-            <a:extLst>
-              <a:ext uri="{28A0092B-C50C-407E-A947-70E740481C1C}">
-                <a14:useLocalDpi xmlns:a14="http://schemas.microsoft.com/office/drawing/2010/main" val="0"/>
-              </a:ext>
-            </a:extLst>
-          </a:blip>
-          <a:srcRect/>
-          <a:stretch>
-            <a:fillRect/>
-          </a:stretch>
-        </p:blipFill>
-        <p:spPr bwMode="auto">
-          <a:xfrm>
-            <a:off x="5306948" y="3012829"/>
-            <a:ext cx="1578104" cy="1819918"/>
-          </a:xfrm>
-          <a:prstGeom prst="rect">
-            <a:avLst/>
-          </a:prstGeom>
-          <a:noFill/>
-          <a:extLst>
-            <a:ext uri="{909E8E84-426E-40DD-AFC4-6F175D3DCCD1}">
-              <a14:hiddenFill xmlns:a14="http://schemas.microsoft.com/office/drawing/2010/main">
-                <a:solidFill>
-                  <a:srgbClr val="FFFFFF"/>
-                </a:solidFill>
-              </a14:hiddenFill>
-            </a:ext>
-          </a:extLst>
-        </p:spPr>
-      </p:pic>
-      <p:pic>
-        <p:nvPicPr>
-          <p:cNvPr id="1032" name="Picture 8" descr="Commons Lang">
-            <a:extLst>
-              <a:ext uri="{FF2B5EF4-FFF2-40B4-BE49-F238E27FC236}">
-                <a16:creationId xmlns:a16="http://schemas.microsoft.com/office/drawing/2014/main" id="{81D9E399-CC3D-4510-BF12-4D206932865D}"/>
-              </a:ext>
-            </a:extLst>
-          </p:cNvPr>
-          <p:cNvPicPr>
-            <a:picLocks noChangeAspect="1" noChangeArrowheads="1"/>
-          </p:cNvPicPr>
-          <p:nvPr/>
-        </p:nvPicPr>
-        <p:blipFill>
-          <a:blip r:embed="rId6">
-            <a:extLst>
-              <a:ext uri="{28A0092B-C50C-407E-A947-70E740481C1C}">
-                <a14:useLocalDpi xmlns:a14="http://schemas.microsoft.com/office/drawing/2010/main" val="0"/>
-              </a:ext>
-            </a:extLst>
-          </a:blip>
-          <a:srcRect/>
-          <a:stretch>
-            <a:fillRect/>
-          </a:stretch>
-        </p:blipFill>
-        <p:spPr bwMode="auto">
-          <a:xfrm>
-            <a:off x="7698467" y="2937366"/>
-            <a:ext cx="1606488" cy="535496"/>
-          </a:xfrm>
-          <a:prstGeom prst="rect">
-            <a:avLst/>
-          </a:prstGeom>
-          <a:noFill/>
-          <a:extLst>
-            <a:ext uri="{909E8E84-426E-40DD-AFC4-6F175D3DCCD1}">
-              <a14:hiddenFill xmlns:a14="http://schemas.microsoft.com/office/drawing/2010/main">
-                <a:solidFill>
-                  <a:srgbClr val="FFFFFF"/>
-                </a:solidFill>
-              </a14:hiddenFill>
-            </a:ext>
-          </a:extLst>
-        </p:spPr>
-      </p:pic>
-      <p:pic>
-        <p:nvPicPr>
-          <p:cNvPr id="1034" name="Picture 10">
-            <a:extLst>
-              <a:ext uri="{FF2B5EF4-FFF2-40B4-BE49-F238E27FC236}">
-                <a16:creationId xmlns:a16="http://schemas.microsoft.com/office/drawing/2014/main" id="{CFF974B0-3862-4408-82F6-1A66AB0DEB3F}"/>
-              </a:ext>
-            </a:extLst>
-          </p:cNvPr>
-          <p:cNvPicPr>
-            <a:picLocks noChangeAspect="1" noChangeArrowheads="1"/>
-          </p:cNvPicPr>
-          <p:nvPr/>
-        </p:nvPicPr>
-        <p:blipFill>
-          <a:blip r:embed="rId7">
-            <a:extLst>
-              <a:ext uri="{28A0092B-C50C-407E-A947-70E740481C1C}">
-                <a14:useLocalDpi xmlns:a14="http://schemas.microsoft.com/office/drawing/2010/main" val="0"/>
-              </a:ext>
-            </a:extLst>
-          </a:blip>
-          <a:srcRect/>
-          <a:stretch>
-            <a:fillRect/>
-          </a:stretch>
-        </p:blipFill>
-        <p:spPr bwMode="auto">
-          <a:xfrm>
-            <a:off x="8289077" y="3589798"/>
-            <a:ext cx="495300" cy="495300"/>
-          </a:xfrm>
-          <a:prstGeom prst="rect">
-            <a:avLst/>
-          </a:prstGeom>
-          <a:noFill/>
-          <a:extLst>
-            <a:ext uri="{909E8E84-426E-40DD-AFC4-6F175D3DCCD1}">
-              <a14:hiddenFill xmlns:a14="http://schemas.microsoft.com/office/drawing/2010/main">
-                <a:solidFill>
-                  <a:srgbClr val="FFFFFF"/>
-                </a:solidFill>
-              </a14:hiddenFill>
-            </a:ext>
-          </a:extLst>
-        </p:spPr>
-      </p:pic>
-      <p:pic>
-        <p:nvPicPr>
-          <p:cNvPr id="1036" name="Picture 12">
-            <a:extLst>
-              <a:ext uri="{FF2B5EF4-FFF2-40B4-BE49-F238E27FC236}">
-                <a16:creationId xmlns:a16="http://schemas.microsoft.com/office/drawing/2014/main" id="{468EA799-C19F-4CCE-A647-5BBFC2849312}"/>
-              </a:ext>
-            </a:extLst>
-          </p:cNvPr>
-          <p:cNvPicPr>
-            <a:picLocks noChangeAspect="1" noChangeArrowheads="1"/>
-          </p:cNvPicPr>
-          <p:nvPr/>
-        </p:nvPicPr>
-        <p:blipFill>
-          <a:blip r:embed="rId8">
-            <a:extLst>
-              <a:ext uri="{28A0092B-C50C-407E-A947-70E740481C1C}">
-                <a14:useLocalDpi xmlns:a14="http://schemas.microsoft.com/office/drawing/2010/main" val="0"/>
-              </a:ext>
-            </a:extLst>
-          </a:blip>
-          <a:srcRect/>
-          <a:stretch>
-            <a:fillRect/>
-          </a:stretch>
-        </p:blipFill>
-        <p:spPr bwMode="auto">
-          <a:xfrm>
-            <a:off x="8289077" y="4227927"/>
-            <a:ext cx="495300" cy="495300"/>
-          </a:xfrm>
-          <a:prstGeom prst="rect">
-            <a:avLst/>
-          </a:prstGeom>
-          <a:noFill/>
-          <a:extLst>
-            <a:ext uri="{909E8E84-426E-40DD-AFC4-6F175D3DCCD1}">
-              <a14:hiddenFill xmlns:a14="http://schemas.microsoft.com/office/drawing/2010/main">
-                <a:solidFill>
-                  <a:srgbClr val="FFFFFF"/>
-                </a:solidFill>
-              </a14:hiddenFill>
-            </a:ext>
-          </a:extLst>
-        </p:spPr>
-      </p:pic>
-      <p:sp>
-        <p:nvSpPr>
-          <p:cNvPr id="3" name="TextBox 2">
-            <a:extLst>
-              <a:ext uri="{FF2B5EF4-FFF2-40B4-BE49-F238E27FC236}">
-                <a16:creationId xmlns:a16="http://schemas.microsoft.com/office/drawing/2014/main" id="{97442BDE-4316-40B5-9C42-723CA92FDFFA}"/>
-              </a:ext>
-            </a:extLst>
-          </p:cNvPr>
-          <p:cNvSpPr txBox="1"/>
-          <p:nvPr/>
-        </p:nvSpPr>
-        <p:spPr>
-          <a:xfrm>
-            <a:off x="2868052" y="4005556"/>
-            <a:ext cx="1581202" cy="646331"/>
-          </a:xfrm>
-          <a:prstGeom prst="rect">
-            <a:avLst/>
-          </a:prstGeom>
-          <a:noFill/>
-        </p:spPr>
-        <p:txBody>
-          <a:bodyPr wrap="none" rtlCol="0">
-            <a:spAutoFit/>
-          </a:bodyPr>
-          <a:lstStyle/>
-          <a:p>
-            <a:pPr algn="ctr"/>
-            <a:r>
-              <a:rPr lang="en-US" dirty="0"/>
-              <a:t>Apache Maven</a:t>
-            </a:r>
-          </a:p>
-          <a:p>
-            <a:pPr algn="ctr"/>
-            <a:r>
-              <a:rPr lang="en-US" dirty="0"/>
-              <a:t>Shade Plugin</a:t>
-            </a:r>
-          </a:p>
-        </p:txBody>
-      </p:sp>
-      <p:pic>
-        <p:nvPicPr>
-          <p:cNvPr id="7" name="Picture 6">
-            <a:extLst>
-              <a:ext uri="{FF2B5EF4-FFF2-40B4-BE49-F238E27FC236}">
-                <a16:creationId xmlns:a16="http://schemas.microsoft.com/office/drawing/2014/main" id="{DBB98D61-7BD4-4BF1-9505-EA9FC3BBA594}"/>
-              </a:ext>
-            </a:extLst>
-          </p:cNvPr>
-          <p:cNvPicPr>
-            <a:picLocks noChangeAspect="1"/>
-          </p:cNvPicPr>
-          <p:nvPr/>
-        </p:nvPicPr>
-        <p:blipFill>
-          <a:blip r:embed="rId9"/>
-          <a:stretch>
-            <a:fillRect/>
-          </a:stretch>
-        </p:blipFill>
-        <p:spPr>
-          <a:xfrm>
-            <a:off x="3658654" y="5485207"/>
-            <a:ext cx="1094697" cy="562987"/>
-          </a:xfrm>
-          <a:prstGeom prst="rect">
-            <a:avLst/>
-          </a:prstGeom>
-        </p:spPr>
-      </p:pic>
-      <p:pic>
-        <p:nvPicPr>
-          <p:cNvPr id="1040" name="Picture 16" descr="Image result for sqlite">
-            <a:extLst>
-              <a:ext uri="{FF2B5EF4-FFF2-40B4-BE49-F238E27FC236}">
-                <a16:creationId xmlns:a16="http://schemas.microsoft.com/office/drawing/2014/main" id="{4FA16172-A7CA-4130-8CD9-4E11123FCB7D}"/>
-              </a:ext>
-            </a:extLst>
-          </p:cNvPr>
-          <p:cNvPicPr>
-            <a:picLocks noChangeAspect="1" noChangeArrowheads="1"/>
-          </p:cNvPicPr>
-          <p:nvPr/>
-        </p:nvPicPr>
-        <p:blipFill>
-          <a:blip r:embed="rId10">
-            <a:extLst>
-              <a:ext uri="{28A0092B-C50C-407E-A947-70E740481C1C}">
-                <a14:useLocalDpi xmlns:a14="http://schemas.microsoft.com/office/drawing/2010/main" val="0"/>
-              </a:ext>
-            </a:extLst>
-          </a:blip>
-          <a:srcRect/>
-          <a:stretch>
-            <a:fillRect/>
-          </a:stretch>
-        </p:blipFill>
-        <p:spPr bwMode="auto">
-          <a:xfrm>
-            <a:off x="10062481" y="2845639"/>
-            <a:ext cx="1871487" cy="887396"/>
-          </a:xfrm>
-          <a:prstGeom prst="rect">
-            <a:avLst/>
-          </a:prstGeom>
-          <a:noFill/>
-          <a:extLst>
-            <a:ext uri="{909E8E84-426E-40DD-AFC4-6F175D3DCCD1}">
-              <a14:hiddenFill xmlns:a14="http://schemas.microsoft.com/office/drawing/2010/main">
-                <a:solidFill>
-                  <a:srgbClr val="FFFFFF"/>
-                </a:solidFill>
-              </a14:hiddenFill>
-            </a:ext>
-          </a:extLst>
-        </p:spPr>
-      </p:pic>
-      <p:pic>
-        <p:nvPicPr>
-          <p:cNvPr id="1042" name="Picture 18" descr="Image result for DBeaver">
-            <a:extLst>
-              <a:ext uri="{FF2B5EF4-FFF2-40B4-BE49-F238E27FC236}">
-                <a16:creationId xmlns:a16="http://schemas.microsoft.com/office/drawing/2014/main" id="{1DF8E26E-E3C0-41DC-A934-9528BD3B0350}"/>
-              </a:ext>
-            </a:extLst>
-          </p:cNvPr>
-          <p:cNvPicPr>
-            <a:picLocks noChangeAspect="1" noChangeArrowheads="1"/>
-          </p:cNvPicPr>
-          <p:nvPr/>
-        </p:nvPicPr>
-        <p:blipFill>
-          <a:blip r:embed="rId11">
-            <a:extLst>
-              <a:ext uri="{28A0092B-C50C-407E-A947-70E740481C1C}">
-                <a14:useLocalDpi xmlns:a14="http://schemas.microsoft.com/office/drawing/2010/main" val="0"/>
-              </a:ext>
-            </a:extLst>
-          </a:blip>
-          <a:srcRect/>
-          <a:stretch>
-            <a:fillRect/>
-          </a:stretch>
-        </p:blipFill>
-        <p:spPr bwMode="auto">
-          <a:xfrm>
-            <a:off x="10059299" y="3940935"/>
-            <a:ext cx="1871487" cy="728391"/>
-          </a:xfrm>
-          <a:prstGeom prst="rect">
-            <a:avLst/>
-          </a:prstGeom>
-          <a:noFill/>
-          <a:extLst>
-            <a:ext uri="{909E8E84-426E-40DD-AFC4-6F175D3DCCD1}">
-              <a14:hiddenFill xmlns:a14="http://schemas.microsoft.com/office/drawing/2010/main">
-                <a:solidFill>
-                  <a:srgbClr val="FFFFFF"/>
-                </a:solidFill>
-              </a14:hiddenFill>
-            </a:ext>
-          </a:extLst>
-        </p:spPr>
-      </p:pic>
-      <p:pic>
-        <p:nvPicPr>
-          <p:cNvPr id="1044" name="Picture 20">
-            <a:extLst>
-              <a:ext uri="{FF2B5EF4-FFF2-40B4-BE49-F238E27FC236}">
-                <a16:creationId xmlns:a16="http://schemas.microsoft.com/office/drawing/2014/main" id="{30D6215E-1198-495E-A502-504340CBD2FB}"/>
-              </a:ext>
-            </a:extLst>
-          </p:cNvPr>
-          <p:cNvPicPr>
-            <a:picLocks noChangeAspect="1" noChangeArrowheads="1"/>
-          </p:cNvPicPr>
-          <p:nvPr/>
-        </p:nvPicPr>
-        <p:blipFill>
-          <a:blip r:embed="rId12">
-            <a:extLst>
-              <a:ext uri="{28A0092B-C50C-407E-A947-70E740481C1C}">
-                <a14:useLocalDpi xmlns:a14="http://schemas.microsoft.com/office/drawing/2010/main" val="0"/>
-              </a:ext>
-            </a:extLst>
-          </a:blip>
-          <a:srcRect/>
-          <a:stretch>
-            <a:fillRect/>
-          </a:stretch>
-        </p:blipFill>
-        <p:spPr bwMode="auto">
-          <a:xfrm>
-            <a:off x="835160" y="5450892"/>
-            <a:ext cx="1119796" cy="667428"/>
-          </a:xfrm>
-          <a:prstGeom prst="rect">
-            <a:avLst/>
-          </a:prstGeom>
-          <a:noFill/>
-          <a:extLst>
-            <a:ext uri="{909E8E84-426E-40DD-AFC4-6F175D3DCCD1}">
-              <a14:hiddenFill xmlns:a14="http://schemas.microsoft.com/office/drawing/2010/main">
-                <a:solidFill>
-                  <a:srgbClr val="FFFFFF"/>
-                </a:solidFill>
-              </a14:hiddenFill>
-            </a:ext>
-          </a:extLst>
-        </p:spPr>
-      </p:pic>
-      <p:pic>
-        <p:nvPicPr>
-          <p:cNvPr id="1046" name="Picture 22" descr="Image result for ec2">
-            <a:extLst>
-              <a:ext uri="{FF2B5EF4-FFF2-40B4-BE49-F238E27FC236}">
-                <a16:creationId xmlns:a16="http://schemas.microsoft.com/office/drawing/2014/main" id="{68A93564-6ED8-4F02-AD3E-AE98CE083741}"/>
-              </a:ext>
-            </a:extLst>
-          </p:cNvPr>
-          <p:cNvPicPr>
-            <a:picLocks noChangeAspect="1" noChangeArrowheads="1"/>
-          </p:cNvPicPr>
-          <p:nvPr/>
-        </p:nvPicPr>
-        <p:blipFill>
-          <a:blip r:embed="rId13">
-            <a:extLst>
-              <a:ext uri="{28A0092B-C50C-407E-A947-70E740481C1C}">
-                <a14:useLocalDpi xmlns:a14="http://schemas.microsoft.com/office/drawing/2010/main" val="0"/>
-              </a:ext>
-            </a:extLst>
-          </a:blip>
-          <a:srcRect/>
-          <a:stretch>
-            <a:fillRect/>
-          </a:stretch>
-        </p:blipFill>
-        <p:spPr bwMode="auto">
-          <a:xfrm>
-            <a:off x="1954956" y="5245034"/>
-            <a:ext cx="1703698" cy="957262"/>
-          </a:xfrm>
-          <a:prstGeom prst="rect">
-            <a:avLst/>
-          </a:prstGeom>
-          <a:noFill/>
-          <a:extLst>
-            <a:ext uri="{909E8E84-426E-40DD-AFC4-6F175D3DCCD1}">
-              <a14:hiddenFill xmlns:a14="http://schemas.microsoft.com/office/drawing/2010/main">
-                <a:solidFill>
-                  <a:srgbClr val="FFFFFF"/>
-                </a:solidFill>
-              </a14:hiddenFill>
-            </a:ext>
-          </a:extLst>
-        </p:spPr>
-      </p:pic>
-      <p:pic>
-        <p:nvPicPr>
-          <p:cNvPr id="1048" name="Picture 24" descr="Image result for puTTY">
-            <a:extLst>
-              <a:ext uri="{FF2B5EF4-FFF2-40B4-BE49-F238E27FC236}">
-                <a16:creationId xmlns:a16="http://schemas.microsoft.com/office/drawing/2014/main" id="{B2FB59EB-F404-4A55-8FCF-503A4DA122C7}"/>
-              </a:ext>
-            </a:extLst>
-          </p:cNvPr>
-          <p:cNvPicPr>
-            <a:picLocks noChangeAspect="1" noChangeArrowheads="1"/>
-          </p:cNvPicPr>
-          <p:nvPr/>
-        </p:nvPicPr>
-        <p:blipFill>
-          <a:blip r:embed="rId14">
-            <a:extLst>
-              <a:ext uri="{28A0092B-C50C-407E-A947-70E740481C1C}">
-                <a14:useLocalDpi xmlns:a14="http://schemas.microsoft.com/office/drawing/2010/main" val="0"/>
-              </a:ext>
-            </a:extLst>
-          </a:blip>
-          <a:srcRect/>
-          <a:stretch>
-            <a:fillRect/>
-          </a:stretch>
-        </p:blipFill>
-        <p:spPr bwMode="auto">
-          <a:xfrm>
-            <a:off x="7853647" y="5116960"/>
-            <a:ext cx="1366158" cy="1366158"/>
-          </a:xfrm>
-          <a:prstGeom prst="rect">
-            <a:avLst/>
-          </a:prstGeom>
-          <a:noFill/>
-          <a:extLst>
-            <a:ext uri="{909E8E84-426E-40DD-AFC4-6F175D3DCCD1}">
-              <a14:hiddenFill xmlns:a14="http://schemas.microsoft.com/office/drawing/2010/main">
-                <a:solidFill>
-                  <a:srgbClr val="FFFFFF"/>
-                </a:solidFill>
-              </a14:hiddenFill>
-            </a:ext>
-          </a:extLst>
-        </p:spPr>
-      </p:pic>
-      <p:pic>
-        <p:nvPicPr>
-          <p:cNvPr id="1050" name="Picture 26" descr="Image result for WinSCP">
-            <a:extLst>
-              <a:ext uri="{FF2B5EF4-FFF2-40B4-BE49-F238E27FC236}">
-                <a16:creationId xmlns:a16="http://schemas.microsoft.com/office/drawing/2014/main" id="{47561D82-7C89-4ACA-8230-FE3C7410C591}"/>
-              </a:ext>
-            </a:extLst>
-          </p:cNvPr>
-          <p:cNvPicPr>
-            <a:picLocks noChangeAspect="1" noChangeArrowheads="1"/>
-          </p:cNvPicPr>
-          <p:nvPr/>
-        </p:nvPicPr>
-        <p:blipFill>
-          <a:blip r:embed="rId15">
-            <a:extLst>
-              <a:ext uri="{28A0092B-C50C-407E-A947-70E740481C1C}">
-                <a14:useLocalDpi xmlns:a14="http://schemas.microsoft.com/office/drawing/2010/main" val="0"/>
-              </a:ext>
-            </a:extLst>
-          </a:blip>
-          <a:srcRect/>
-          <a:stretch>
-            <a:fillRect/>
-          </a:stretch>
-        </p:blipFill>
-        <p:spPr bwMode="auto">
-          <a:xfrm>
-            <a:off x="10123757" y="5314942"/>
-            <a:ext cx="1807029" cy="903515"/>
-          </a:xfrm>
-          <a:prstGeom prst="rect">
-            <a:avLst/>
-          </a:prstGeom>
-          <a:noFill/>
-          <a:extLst>
-            <a:ext uri="{909E8E84-426E-40DD-AFC4-6F175D3DCCD1}">
-              <a14:hiddenFill xmlns:a14="http://schemas.microsoft.com/office/drawing/2010/main">
-                <a:solidFill>
-                  <a:srgbClr val="FFFFFF"/>
-                </a:solidFill>
-              </a14:hiddenFill>
-            </a:ext>
-          </a:extLst>
-        </p:spPr>
-      </p:pic>
-      <p:pic>
-        <p:nvPicPr>
-          <p:cNvPr id="1052" name="Picture 28">
-            <a:extLst>
-              <a:ext uri="{FF2B5EF4-FFF2-40B4-BE49-F238E27FC236}">
-                <a16:creationId xmlns:a16="http://schemas.microsoft.com/office/drawing/2014/main" id="{C26A4BEC-38B2-492A-A96F-F8674F548F7F}"/>
-              </a:ext>
-            </a:extLst>
-          </p:cNvPr>
-          <p:cNvPicPr>
-            <a:picLocks noChangeAspect="1" noChangeArrowheads="1"/>
-          </p:cNvPicPr>
-          <p:nvPr/>
-        </p:nvPicPr>
-        <p:blipFill>
-          <a:blip r:embed="rId16">
-            <a:extLst>
-              <a:ext uri="{28A0092B-C50C-407E-A947-70E740481C1C}">
-                <a14:useLocalDpi xmlns:a14="http://schemas.microsoft.com/office/drawing/2010/main" val="0"/>
-              </a:ext>
-            </a:extLst>
-          </a:blip>
-          <a:srcRect/>
-          <a:stretch>
-            <a:fillRect/>
-          </a:stretch>
-        </p:blipFill>
-        <p:spPr bwMode="auto">
-          <a:xfrm>
-            <a:off x="5376862" y="5187718"/>
-            <a:ext cx="1438275" cy="1295400"/>
-          </a:xfrm>
-          <a:prstGeom prst="rect">
-            <a:avLst/>
-          </a:prstGeom>
-          <a:noFill/>
-          <a:extLst>
-            <a:ext uri="{909E8E84-426E-40DD-AFC4-6F175D3DCCD1}">
-              <a14:hiddenFill xmlns:a14="http://schemas.microsoft.com/office/drawing/2010/main">
-                <a:solidFill>
-                  <a:srgbClr val="FFFFFF"/>
-                </a:solidFill>
-              </a14:hiddenFill>
-            </a:ext>
-          </a:extLst>
-        </p:spPr>
-      </p:pic>
-      <p:pic>
-        <p:nvPicPr>
-          <p:cNvPr id="1054" name="Picture 30" descr="Image result for git">
-            <a:extLst>
-              <a:ext uri="{FF2B5EF4-FFF2-40B4-BE49-F238E27FC236}">
-                <a16:creationId xmlns:a16="http://schemas.microsoft.com/office/drawing/2014/main" id="{33DB6825-6D23-4EDE-839B-55BF369340BF}"/>
-              </a:ext>
-            </a:extLst>
-          </p:cNvPr>
-          <p:cNvPicPr>
-            <a:picLocks noChangeAspect="1" noChangeArrowheads="1"/>
-          </p:cNvPicPr>
-          <p:nvPr/>
-        </p:nvPicPr>
-        <p:blipFill>
-          <a:blip r:embed="rId17">
-            <a:extLst>
-              <a:ext uri="{28A0092B-C50C-407E-A947-70E740481C1C}">
-                <a14:useLocalDpi xmlns:a14="http://schemas.microsoft.com/office/drawing/2010/main" val="0"/>
-              </a:ext>
-            </a:extLst>
-          </a:blip>
-          <a:srcRect/>
-          <a:stretch>
-            <a:fillRect/>
-          </a:stretch>
-        </p:blipFill>
-        <p:spPr bwMode="auto">
-          <a:xfrm>
-            <a:off x="10321457" y="1898588"/>
-            <a:ext cx="815289" cy="815289"/>
-          </a:xfrm>
-          <a:prstGeom prst="rect">
-            <a:avLst/>
-          </a:prstGeom>
-          <a:noFill/>
-          <a:extLst>
-            <a:ext uri="{909E8E84-426E-40DD-AFC4-6F175D3DCCD1}">
-              <a14:hiddenFill xmlns:a14="http://schemas.microsoft.com/office/drawing/2010/main">
-                <a:solidFill>
-                  <a:srgbClr val="FFFFFF"/>
-                </a:solidFill>
-              </a14:hiddenFill>
-            </a:ext>
-          </a:extLst>
-        </p:spPr>
-      </p:pic>
-      <p:pic>
-        <p:nvPicPr>
-          <p:cNvPr id="1056" name="Picture 32" descr="Image result for notion">
-            <a:extLst>
-              <a:ext uri="{FF2B5EF4-FFF2-40B4-BE49-F238E27FC236}">
-                <a16:creationId xmlns:a16="http://schemas.microsoft.com/office/drawing/2014/main" id="{FE1479DF-DD01-40BD-9537-953F03F17A9F}"/>
-              </a:ext>
-            </a:extLst>
-          </p:cNvPr>
-          <p:cNvPicPr>
-            <a:picLocks noChangeAspect="1" noChangeArrowheads="1"/>
-          </p:cNvPicPr>
-          <p:nvPr/>
-        </p:nvPicPr>
-        <p:blipFill>
-          <a:blip r:embed="rId18">
-            <a:extLst>
-              <a:ext uri="{28A0092B-C50C-407E-A947-70E740481C1C}">
-                <a14:useLocalDpi xmlns:a14="http://schemas.microsoft.com/office/drawing/2010/main" val="0"/>
-              </a:ext>
-            </a:extLst>
-          </a:blip>
-          <a:srcRect/>
-          <a:stretch>
-            <a:fillRect/>
-          </a:stretch>
-        </p:blipFill>
-        <p:spPr bwMode="auto">
-          <a:xfrm>
-            <a:off x="3251008" y="1909276"/>
-            <a:ext cx="815289" cy="815289"/>
-          </a:xfrm>
-          <a:prstGeom prst="rect">
-            <a:avLst/>
-          </a:prstGeom>
-          <a:noFill/>
-          <a:extLst>
-            <a:ext uri="{909E8E84-426E-40DD-AFC4-6F175D3DCCD1}">
-              <a14:hiddenFill xmlns:a14="http://schemas.microsoft.com/office/drawing/2010/main">
-                <a:solidFill>
-                  <a:srgbClr val="FFFFFF"/>
-                </a:solidFill>
-              </a14:hiddenFill>
-            </a:ext>
-          </a:extLst>
-        </p:spPr>
-      </p:pic>
-      <p:pic>
-        <p:nvPicPr>
-          <p:cNvPr id="1058" name="Picture 34" descr="Image result for slack">
-            <a:extLst>
-              <a:ext uri="{FF2B5EF4-FFF2-40B4-BE49-F238E27FC236}">
-                <a16:creationId xmlns:a16="http://schemas.microsoft.com/office/drawing/2014/main" id="{AAA16DC1-616B-4CC0-B085-08FD1620512C}"/>
-              </a:ext>
-            </a:extLst>
-          </p:cNvPr>
-          <p:cNvPicPr>
-            <a:picLocks noChangeAspect="1" noChangeArrowheads="1"/>
-          </p:cNvPicPr>
-          <p:nvPr/>
-        </p:nvPicPr>
-        <p:blipFill>
-          <a:blip r:embed="rId19">
-            <a:extLst>
-              <a:ext uri="{28A0092B-C50C-407E-A947-70E740481C1C}">
-                <a14:useLocalDpi xmlns:a14="http://schemas.microsoft.com/office/drawing/2010/main" val="0"/>
-              </a:ext>
-            </a:extLst>
-          </a:blip>
-          <a:srcRect/>
-          <a:stretch>
-            <a:fillRect/>
-          </a:stretch>
-        </p:blipFill>
-        <p:spPr bwMode="auto">
-          <a:xfrm>
-            <a:off x="970836" y="1876121"/>
-            <a:ext cx="848444" cy="848444"/>
-          </a:xfrm>
-          <a:prstGeom prst="rect">
-            <a:avLst/>
-          </a:prstGeom>
-          <a:noFill/>
-          <a:extLst>
-            <a:ext uri="{909E8E84-426E-40DD-AFC4-6F175D3DCCD1}">
-              <a14:hiddenFill xmlns:a14="http://schemas.microsoft.com/office/drawing/2010/main">
-                <a:solidFill>
-                  <a:srgbClr val="FFFFFF"/>
-                </a:solidFill>
-              </a14:hiddenFill>
-            </a:ext>
-          </a:extLst>
-        </p:spPr>
-      </p:pic>
-      <p:pic>
-        <p:nvPicPr>
-          <p:cNvPr id="9" name="Picture 8">
-            <a:extLst>
-              <a:ext uri="{FF2B5EF4-FFF2-40B4-BE49-F238E27FC236}">
-                <a16:creationId xmlns:a16="http://schemas.microsoft.com/office/drawing/2014/main" id="{0EE4ADE0-0C93-4E2B-9554-11DD649FF8D9}"/>
-              </a:ext>
-            </a:extLst>
-          </p:cNvPr>
-          <p:cNvPicPr>
-            <a:picLocks noChangeAspect="1"/>
-          </p:cNvPicPr>
-          <p:nvPr/>
-        </p:nvPicPr>
-        <p:blipFill>
-          <a:blip r:embed="rId20"/>
-          <a:stretch>
-            <a:fillRect/>
-          </a:stretch>
-        </p:blipFill>
-        <p:spPr>
-          <a:xfrm>
-            <a:off x="7893789" y="1824831"/>
-            <a:ext cx="1285875" cy="733425"/>
-          </a:xfrm>
-          <a:prstGeom prst="rect">
-            <a:avLst/>
-          </a:prstGeom>
-        </p:spPr>
-      </p:pic>
-    </p:spTree>
-    <p:extLst>
-      <p:ext uri="{BB962C8B-B14F-4D97-AF65-F5344CB8AC3E}">
-        <p14:creationId xmlns:p14="http://schemas.microsoft.com/office/powerpoint/2010/main" val="2361147828"/>
-      </p:ext>
-    </p:extLst>
-  </p:cSld>
-  <p:clrMapOvr>
-    <a:masterClrMapping/>
-  </p:clrMapOvr>
-</p:sld>
-</file>
-
-<file path=ppt/slides/slide36.xml><?xml version="1.0" encoding="utf-8"?>
-<p:sld xmlns:a="http://schemas.openxmlformats.org/drawingml/2006/main" xmlns:r="http://schemas.openxmlformats.org/officeDocument/2006/relationships" xmlns:p="http://schemas.openxmlformats.org/presentationml/2006/main">
-  <p:cSld>
-    <p:spTree>
-      <p:nvGrpSpPr>
-        <p:cNvPr id="1" name=""/>
-        <p:cNvGrpSpPr/>
-        <p:nvPr/>
-      </p:nvGrpSpPr>
-      <p:grpSpPr>
-        <a:xfrm>
-          <a:off x="0" y="0"/>
-          <a:ext cx="0" cy="0"/>
-          <a:chOff x="0" y="0"/>
-          <a:chExt cx="0" cy="0"/>
-        </a:xfrm>
-      </p:grpSpPr>
-      <p:pic>
-        <p:nvPicPr>
-          <p:cNvPr id="5" name="Picture 4">
-            <a:extLst>
-              <a:ext uri="{FF2B5EF4-FFF2-40B4-BE49-F238E27FC236}">
-                <a16:creationId xmlns:a16="http://schemas.microsoft.com/office/drawing/2014/main" id="{F37E0954-C93D-4E4E-89C3-A7C02A566B8C}"/>
-              </a:ext>
-            </a:extLst>
-          </p:cNvPr>
-          <p:cNvPicPr>
-            <a:picLocks noChangeAspect="1"/>
-          </p:cNvPicPr>
-          <p:nvPr/>
-        </p:nvPicPr>
-        <p:blipFill>
-          <a:blip r:embed="rId2"/>
-          <a:stretch>
-            <a:fillRect/>
-          </a:stretch>
-        </p:blipFill>
-        <p:spPr>
-          <a:xfrm>
-            <a:off x="0" y="-1"/>
-            <a:ext cx="12192000" cy="1819917"/>
-          </a:xfrm>
-          <a:prstGeom prst="rect">
-            <a:avLst/>
-          </a:prstGeom>
-        </p:spPr>
-      </p:pic>
-      <p:sp>
-        <p:nvSpPr>
-          <p:cNvPr id="2" name="Title 1">
-            <a:extLst>
-              <a:ext uri="{FF2B5EF4-FFF2-40B4-BE49-F238E27FC236}">
-                <a16:creationId xmlns:a16="http://schemas.microsoft.com/office/drawing/2014/main" id="{027EE828-B2F2-4E7F-A4C7-BEDBF0D9EED9}"/>
-              </a:ext>
-            </a:extLst>
-          </p:cNvPr>
-          <p:cNvSpPr>
-            <a:spLocks noGrp="1"/>
-          </p:cNvSpPr>
-          <p:nvPr>
-            <p:ph type="title"/>
-          </p:nvPr>
-        </p:nvSpPr>
-        <p:spPr/>
-        <p:txBody>
-          <a:bodyPr/>
-          <a:lstStyle/>
-          <a:p>
-            <a:r>
-              <a:rPr lang="en-US" dirty="0">
-                <a:latin typeface="+mn-lt"/>
-              </a:rPr>
               <a:t>Java Project Structure as of 02/21/21</a:t>
             </a:r>
           </a:p>
@@ -11074,7 +10939,7 @@
 </p:sld>
 </file>
 
-<file path=ppt/slides/slide37.xml><?xml version="1.0" encoding="utf-8"?>
+<file path=ppt/slides/slide36.xml><?xml version="1.0" encoding="utf-8"?>
 <p:sld xmlns:a="http://schemas.openxmlformats.org/drawingml/2006/main" xmlns:r="http://schemas.openxmlformats.org/officeDocument/2006/relationships" xmlns:p="http://schemas.openxmlformats.org/presentationml/2006/main">
   <p:cSld>
     <p:spTree>
@@ -11495,8 +11360,16 @@
           <a:p>
             <a:r>
               <a:rPr lang="en-US" sz="3600" dirty="0"/>
-              <a:t>Team</a:t>
-            </a:r>
+              <a:t>System Description</a:t>
+            </a:r>
+            <a:br>
+              <a:rPr lang="en-US" sz="3600" dirty="0"/>
+            </a:br>
+            <a:r>
+              <a:rPr lang="en-US" sz="2800" dirty="0"/>
+              <a:t>What Ice Cream System will Do</a:t>
+            </a:r>
+            <a:endParaRPr lang="en-US" sz="3600" dirty="0"/>
           </a:p>
         </p:txBody>
       </p:sp>
@@ -11543,19 +11416,25 @@
             </a:pPr>
             <a:endParaRPr lang="en-US" dirty="0"/>
           </a:p>
+          <a:p>
+            <a:pPr marL="0" indent="0">
+              <a:buNone/>
+            </a:pPr>
+            <a:endParaRPr lang="en-US" dirty="0"/>
+          </a:p>
         </p:txBody>
       </p:sp>
       <p:pic>
         <p:nvPicPr>
-          <p:cNvPr id="1026" name="Picture 2" descr="Chip Staples">
-            <a:extLst>
-              <a:ext uri="{FF2B5EF4-FFF2-40B4-BE49-F238E27FC236}">
-                <a16:creationId xmlns:a16="http://schemas.microsoft.com/office/drawing/2014/main" id="{B2B5514F-BD7B-4FF0-A29B-10596D13D8E5}"/>
+          <p:cNvPr id="8" name="Picture 7">
+            <a:extLst>
+              <a:ext uri="{FF2B5EF4-FFF2-40B4-BE49-F238E27FC236}">
+                <a16:creationId xmlns:a16="http://schemas.microsoft.com/office/drawing/2014/main" id="{55EA39BB-3B5E-4A3B-A4B7-A4F02987CEDA}"/>
               </a:ext>
             </a:extLst>
           </p:cNvPr>
           <p:cNvPicPr>
-            <a:picLocks noChangeAspect="1" noChangeArrowheads="1"/>
+            <a:picLocks noChangeAspect="1"/>
           </p:cNvPicPr>
           <p:nvPr/>
         </p:nvPicPr>
@@ -11567,82 +11446,24 @@
               </a:ext>
             </a:extLst>
           </a:blip>
-          <a:srcRect/>
           <a:stretch>
             <a:fillRect/>
           </a:stretch>
         </p:blipFill>
-        <p:spPr bwMode="auto">
-          <a:xfrm>
-            <a:off x="7383710" y="3048794"/>
-            <a:ext cx="1905000" cy="1905000"/>
+        <p:spPr>
+          <a:xfrm>
+            <a:off x="3530373" y="909957"/>
+            <a:ext cx="8315325" cy="5629275"/>
           </a:xfrm>
           <a:prstGeom prst="rect">
             <a:avLst/>
           </a:prstGeom>
-          <a:noFill/>
-          <a:extLst>
-            <a:ext uri="{909E8E84-426E-40DD-AFC4-6F175D3DCCD1}">
-              <a14:hiddenFill xmlns:a14="http://schemas.microsoft.com/office/drawing/2010/main">
-                <a:solidFill>
-                  <a:srgbClr val="FFFFFF"/>
-                </a:solidFill>
-              </a14:hiddenFill>
-            </a:ext>
-          </a:extLst>
-        </p:spPr>
-      </p:pic>
-      <p:pic>
-        <p:nvPicPr>
-          <p:cNvPr id="1028" name="Picture 4" descr="Tom Lever">
-            <a:extLst>
-              <a:ext uri="{FF2B5EF4-FFF2-40B4-BE49-F238E27FC236}">
-                <a16:creationId xmlns:a16="http://schemas.microsoft.com/office/drawing/2014/main" id="{922513A1-AAEE-4D71-B5DF-24CC83390DAE}"/>
-              </a:ext>
-            </a:extLst>
-          </p:cNvPr>
-          <p:cNvPicPr>
-            <a:picLocks noChangeAspect="1" noChangeArrowheads="1"/>
-          </p:cNvPicPr>
-          <p:nvPr/>
-        </p:nvPicPr>
-        <p:blipFill>
-          <a:blip r:embed="rId4">
-            <a:extLst>
-              <a:ext uri="{28A0092B-C50C-407E-A947-70E740481C1C}">
-                <a14:useLocalDpi xmlns:a14="http://schemas.microsoft.com/office/drawing/2010/main" val="0"/>
-              </a:ext>
-            </a:extLst>
-          </a:blip>
-          <a:srcRect/>
-          <a:stretch>
-            <a:fillRect/>
-          </a:stretch>
-        </p:blipFill>
-        <p:spPr bwMode="auto">
-          <a:xfrm>
-            <a:off x="2893503" y="3048794"/>
-            <a:ext cx="1905000" cy="1905000"/>
-          </a:xfrm>
-          <a:prstGeom prst="rect">
-            <a:avLst/>
-          </a:prstGeom>
-          <a:noFill/>
-          <a:extLst>
-            <a:ext uri="{909E8E84-426E-40DD-AFC4-6F175D3DCCD1}">
-              <a14:hiddenFill xmlns:a14="http://schemas.microsoft.com/office/drawing/2010/main">
-                <a:solidFill>
-                  <a:srgbClr val="FFFFFF"/>
-                </a:solidFill>
-              </a14:hiddenFill>
-            </a:ext>
-          </a:extLst>
         </p:spPr>
       </p:pic>
     </p:spTree>
     <p:extLst>
       <p:ext uri="{BB962C8B-B14F-4D97-AF65-F5344CB8AC3E}">
-        <p14:creationId xmlns:p14="http://schemas.microsoft.com/office/powerpoint/2010/main" val="1785498002"/>
+        <p14:creationId xmlns:p14="http://schemas.microsoft.com/office/powerpoint/2010/main" val="1076012360"/>
       </p:ext>
     </p:extLst>
   </p:cSld>
@@ -11691,7 +11512,7 @@
         </p:blipFill>
         <p:spPr>
           <a:xfrm>
-            <a:off x="0" y="-1"/>
+            <a:off x="0" y="0"/>
             <a:ext cx="12192000" cy="1819917"/>
           </a:xfrm>
           <a:prstGeom prst="rect">
@@ -11731,9 +11552,8 @@
             </a:br>
             <a:r>
               <a:rPr lang="en-US" sz="2800" dirty="0"/>
-              <a:t>What Ice Cream System will Do</a:t>
-            </a:r>
-            <a:endParaRPr lang="en-US" sz="3600" dirty="0"/>
+              <a:t>Iterations of Development</a:t>
+            </a:r>
           </a:p>
         </p:txBody>
       </p:sp>
@@ -11769,65 +11589,41 @@
             <a:endParaRPr lang="en-US" dirty="0"/>
           </a:p>
           <a:p>
-            <a:pPr marL="0" indent="0">
-              <a:buNone/>
+            <a:pPr marL="514350" indent="-514350">
+              <a:buFont typeface="+mj-lt"/>
+              <a:buAutoNum type="arabicPeriod"/>
             </a:pPr>
-            <a:endParaRPr lang="en-US" dirty="0"/>
-          </a:p>
-          <a:p>
-            <a:pPr marL="0" indent="0">
-              <a:buNone/>
+            <a:r>
+              <a:rPr lang="en-US" dirty="0"/>
+              <a:t>Providing products or clarifications, based on ingredient search parameters</a:t>
+            </a:r>
+          </a:p>
+          <a:p>
+            <a:pPr marL="514350" indent="-514350">
+              <a:buFont typeface="+mj-lt"/>
+              <a:buAutoNum type="arabicPeriod"/>
             </a:pPr>
-            <a:endParaRPr lang="en-US" dirty="0"/>
-          </a:p>
-          <a:p>
-            <a:pPr marL="0" indent="0">
-              <a:buNone/>
+            <a:r>
+              <a:rPr lang="en-US" dirty="0"/>
+              <a:t>↑, based on non-ingredient search parameters</a:t>
+            </a:r>
+          </a:p>
+          <a:p>
+            <a:pPr marL="514350" indent="-514350">
+              <a:buFont typeface="+mj-lt"/>
+              <a:buAutoNum type="arabicPeriod"/>
             </a:pPr>
-            <a:endParaRPr lang="en-US" dirty="0"/>
+            <a:r>
+              <a:rPr lang="en-US" dirty="0"/>
+              <a:t>Create, Update, and Delete</a:t>
+            </a:r>
           </a:p>
         </p:txBody>
       </p:sp>
-      <p:pic>
-        <p:nvPicPr>
-          <p:cNvPr id="8" name="Picture 7">
-            <a:extLst>
-              <a:ext uri="{FF2B5EF4-FFF2-40B4-BE49-F238E27FC236}">
-                <a16:creationId xmlns:a16="http://schemas.microsoft.com/office/drawing/2014/main" id="{55EA39BB-3B5E-4A3B-A4B7-A4F02987CEDA}"/>
-              </a:ext>
-            </a:extLst>
-          </p:cNvPr>
-          <p:cNvPicPr>
-            <a:picLocks noChangeAspect="1"/>
-          </p:cNvPicPr>
-          <p:nvPr/>
-        </p:nvPicPr>
-        <p:blipFill>
-          <a:blip r:embed="rId3">
-            <a:extLst>
-              <a:ext uri="{28A0092B-C50C-407E-A947-70E740481C1C}">
-                <a14:useLocalDpi xmlns:a14="http://schemas.microsoft.com/office/drawing/2010/main" val="0"/>
-              </a:ext>
-            </a:extLst>
-          </a:blip>
-          <a:stretch>
-            <a:fillRect/>
-          </a:stretch>
-        </p:blipFill>
-        <p:spPr>
-          <a:xfrm>
-            <a:off x="3530373" y="909957"/>
-            <a:ext cx="8315325" cy="5629275"/>
-          </a:xfrm>
-          <a:prstGeom prst="rect">
-            <a:avLst/>
-          </a:prstGeom>
-        </p:spPr>
-      </p:pic>
     </p:spTree>
     <p:extLst>
       <p:ext uri="{BB962C8B-B14F-4D97-AF65-F5344CB8AC3E}">
-        <p14:creationId xmlns:p14="http://schemas.microsoft.com/office/powerpoint/2010/main" val="1076012360"/>
+        <p14:creationId xmlns:p14="http://schemas.microsoft.com/office/powerpoint/2010/main" val="597851960"/>
       </p:ext>
     </p:extLst>
   </p:cSld>
@@ -11876,7 +11672,7 @@
         </p:blipFill>
         <p:spPr>
           <a:xfrm>
-            <a:off x="0" y="0"/>
+            <a:off x="0" y="-61761"/>
             <a:ext cx="12192000" cy="1819917"/>
           </a:xfrm>
           <a:prstGeom prst="rect">
@@ -11903,91 +11699,65 @@
         <p:spPr/>
         <p:txBody>
           <a:bodyPr>
-            <a:normAutofit/>
+            <a:noAutofit/>
           </a:bodyPr>
           <a:lstStyle/>
           <a:p>
             <a:r>
               <a:rPr lang="en-US" sz="3600" dirty="0"/>
-              <a:t>System Description</a:t>
+              <a:t>Requirements</a:t>
             </a:r>
             <a:br>
-              <a:rPr lang="en-US" sz="3600" dirty="0"/>
+              <a:rPr lang="en-US" sz="3000" dirty="0"/>
             </a:br>
             <a:r>
               <a:rPr lang="en-US" sz="2800" dirty="0"/>
-              <a:t>Iterations of Development</a:t>
+              <a:t>Use-Case Description</a:t>
+            </a:r>
+            <a:br>
+              <a:rPr lang="en-US" sz="3000" dirty="0"/>
+            </a:br>
+            <a:r>
+              <a:rPr lang="en-US" sz="2000" dirty="0"/>
+              <a:t>Request Products by Ingredients</a:t>
             </a:r>
           </a:p>
         </p:txBody>
       </p:sp>
-      <p:sp>
-        <p:nvSpPr>
-          <p:cNvPr id="6" name="Content Placeholder 2">
-            <a:extLst>
-              <a:ext uri="{FF2B5EF4-FFF2-40B4-BE49-F238E27FC236}">
-                <a16:creationId xmlns:a16="http://schemas.microsoft.com/office/drawing/2014/main" id="{CF143FC4-8FB5-4B4A-BC87-767AD5802D79}"/>
-              </a:ext>
-            </a:extLst>
-          </p:cNvPr>
-          <p:cNvSpPr>
-            <a:spLocks noGrp="1"/>
-          </p:cNvSpPr>
-          <p:nvPr>
-            <p:ph idx="1"/>
-          </p:nvPr>
-        </p:nvSpPr>
-        <p:spPr>
-          <a:xfrm>
-            <a:off x="838200" y="1825625"/>
-            <a:ext cx="10515600" cy="4351338"/>
-          </a:xfrm>
-        </p:spPr>
-        <p:txBody>
-          <a:bodyPr/>
-          <a:lstStyle/>
-          <a:p>
-            <a:pPr marL="0" indent="0">
-              <a:buNone/>
-            </a:pPr>
-            <a:endParaRPr lang="en-US" dirty="0"/>
-          </a:p>
-          <a:p>
-            <a:pPr marL="514350" indent="-514350">
-              <a:buFont typeface="+mj-lt"/>
-              <a:buAutoNum type="arabicPeriod"/>
-            </a:pPr>
-            <a:r>
-              <a:rPr lang="en-US" dirty="0"/>
-              <a:t>Providing products or clarifications, based on ingredient search parameters</a:t>
-            </a:r>
-          </a:p>
-          <a:p>
-            <a:pPr marL="514350" indent="-514350">
-              <a:buFont typeface="+mj-lt"/>
-              <a:buAutoNum type="arabicPeriod"/>
-            </a:pPr>
-            <a:r>
-              <a:rPr lang="en-US" dirty="0"/>
-              <a:t>↑, based on non-ingredient search parameters</a:t>
-            </a:r>
-          </a:p>
-          <a:p>
-            <a:pPr marL="514350" indent="-514350">
-              <a:buFont typeface="+mj-lt"/>
-              <a:buAutoNum type="arabicPeriod"/>
-            </a:pPr>
-            <a:r>
-              <a:rPr lang="en-US" dirty="0"/>
-              <a:t>Create, Update, and Delete</a:t>
-            </a:r>
-          </a:p>
-        </p:txBody>
-      </p:sp>
+      <p:pic>
+        <p:nvPicPr>
+          <p:cNvPr id="8" name="Picture 7">
+            <a:extLst>
+              <a:ext uri="{FF2B5EF4-FFF2-40B4-BE49-F238E27FC236}">
+                <a16:creationId xmlns:a16="http://schemas.microsoft.com/office/drawing/2014/main" id="{3B3587D5-6141-43EC-A176-738762CE5B11}"/>
+              </a:ext>
+            </a:extLst>
+          </p:cNvPr>
+          <p:cNvPicPr>
+            <a:picLocks noChangeAspect="1"/>
+          </p:cNvPicPr>
+          <p:nvPr/>
+        </p:nvPicPr>
+        <p:blipFill>
+          <a:blip r:embed="rId3"/>
+          <a:stretch>
+            <a:fillRect/>
+          </a:stretch>
+        </p:blipFill>
+        <p:spPr>
+          <a:xfrm>
+            <a:off x="0" y="2085632"/>
+            <a:ext cx="12192000" cy="4407243"/>
+          </a:xfrm>
+          <a:prstGeom prst="rect">
+            <a:avLst/>
+          </a:prstGeom>
+        </p:spPr>
+      </p:pic>
     </p:spTree>
     <p:extLst>
       <p:ext uri="{BB962C8B-B14F-4D97-AF65-F5344CB8AC3E}">
-        <p14:creationId xmlns:p14="http://schemas.microsoft.com/office/powerpoint/2010/main" val="597851960"/>
+        <p14:creationId xmlns:p14="http://schemas.microsoft.com/office/powerpoint/2010/main" val="2461853371"/>
       </p:ext>
     </p:extLst>
   </p:cSld>
@@ -12090,10 +11860,10 @@
       </p:sp>
       <p:pic>
         <p:nvPicPr>
-          <p:cNvPr id="8" name="Picture 7">
-            <a:extLst>
-              <a:ext uri="{FF2B5EF4-FFF2-40B4-BE49-F238E27FC236}">
-                <a16:creationId xmlns:a16="http://schemas.microsoft.com/office/drawing/2014/main" id="{3B3587D5-6141-43EC-A176-738762CE5B11}"/>
+          <p:cNvPr id="4" name="Picture 3">
+            <a:extLst>
+              <a:ext uri="{FF2B5EF4-FFF2-40B4-BE49-F238E27FC236}">
+                <a16:creationId xmlns:a16="http://schemas.microsoft.com/office/drawing/2014/main" id="{604E0FBA-7543-4DFE-A67D-32730F9530F3}"/>
               </a:ext>
             </a:extLst>
           </p:cNvPr>
@@ -12110,8 +11880,8 @@
         </p:blipFill>
         <p:spPr>
           <a:xfrm>
-            <a:off x="0" y="2085632"/>
-            <a:ext cx="12192000" cy="4407243"/>
+            <a:off x="0" y="2096166"/>
+            <a:ext cx="12192000" cy="4396709"/>
           </a:xfrm>
           <a:prstGeom prst="rect">
             <a:avLst/>
@@ -12121,7 +11891,7 @@
     </p:spTree>
     <p:extLst>
       <p:ext uri="{BB962C8B-B14F-4D97-AF65-F5344CB8AC3E}">
-        <p14:creationId xmlns:p14="http://schemas.microsoft.com/office/powerpoint/2010/main" val="2461853371"/>
+        <p14:creationId xmlns:p14="http://schemas.microsoft.com/office/powerpoint/2010/main" val="4168234834"/>
       </p:ext>
     </p:extLst>
   </p:cSld>
@@ -12224,10 +11994,10 @@
       </p:sp>
       <p:pic>
         <p:nvPicPr>
-          <p:cNvPr id="4" name="Picture 3">
-            <a:extLst>
-              <a:ext uri="{FF2B5EF4-FFF2-40B4-BE49-F238E27FC236}">
-                <a16:creationId xmlns:a16="http://schemas.microsoft.com/office/drawing/2014/main" id="{604E0FBA-7543-4DFE-A67D-32730F9530F3}"/>
+          <p:cNvPr id="6" name="Picture 5">
+            <a:extLst>
+              <a:ext uri="{FF2B5EF4-FFF2-40B4-BE49-F238E27FC236}">
+                <a16:creationId xmlns:a16="http://schemas.microsoft.com/office/drawing/2014/main" id="{345382A0-C964-4B03-9D84-39EB74EF8555}"/>
               </a:ext>
             </a:extLst>
           </p:cNvPr>
@@ -12244,8 +12014,8 @@
         </p:blipFill>
         <p:spPr>
           <a:xfrm>
-            <a:off x="0" y="2096166"/>
-            <a:ext cx="12192000" cy="4396709"/>
+            <a:off x="0" y="2104415"/>
+            <a:ext cx="12192000" cy="4388460"/>
           </a:xfrm>
           <a:prstGeom prst="rect">
             <a:avLst/>
@@ -12255,7 +12025,7 @@
     </p:spTree>
     <p:extLst>
       <p:ext uri="{BB962C8B-B14F-4D97-AF65-F5344CB8AC3E}">
-        <p14:creationId xmlns:p14="http://schemas.microsoft.com/office/powerpoint/2010/main" val="4168234834"/>
+        <p14:creationId xmlns:p14="http://schemas.microsoft.com/office/powerpoint/2010/main" val="1476182231"/>
       </p:ext>
     </p:extLst>
   </p:cSld>

--- a/Ice_Cream_Server.pptx
+++ b/Ice_Cream_Server.pptx
@@ -244,7 +244,7 @@
           <a:p>
             <a:fld id="{09A8F5D6-AF3A-4847-9A07-E52DA9F035A8}" type="datetimeFigureOut">
               <a:rPr lang="en-US" smtClean="0"/>
-              <a:t>2/22/2021</a:t>
+              <a:t>12/29/2021</a:t>
             </a:fld>
             <a:endParaRPr lang="en-US"/>
           </a:p>
@@ -658,7 +658,7 @@
           <a:p>
             <a:fld id="{724478B9-A8CF-43AB-A8E3-1804CA51C4AD}" type="datetimeFigureOut">
               <a:rPr lang="en-US" smtClean="0"/>
-              <a:t>2/22/2021</a:t>
+              <a:t>12/29/2021</a:t>
             </a:fld>
             <a:endParaRPr lang="en-US"/>
           </a:p>
@@ -856,7 +856,7 @@
           <a:p>
             <a:fld id="{724478B9-A8CF-43AB-A8E3-1804CA51C4AD}" type="datetimeFigureOut">
               <a:rPr lang="en-US" smtClean="0"/>
-              <a:t>2/22/2021</a:t>
+              <a:t>12/29/2021</a:t>
             </a:fld>
             <a:endParaRPr lang="en-US"/>
           </a:p>
@@ -1064,7 +1064,7 @@
           <a:p>
             <a:fld id="{724478B9-A8CF-43AB-A8E3-1804CA51C4AD}" type="datetimeFigureOut">
               <a:rPr lang="en-US" smtClean="0"/>
-              <a:t>2/22/2021</a:t>
+              <a:t>12/29/2021</a:t>
             </a:fld>
             <a:endParaRPr lang="en-US"/>
           </a:p>
@@ -1262,7 +1262,7 @@
           <a:p>
             <a:fld id="{724478B9-A8CF-43AB-A8E3-1804CA51C4AD}" type="datetimeFigureOut">
               <a:rPr lang="en-US" smtClean="0"/>
-              <a:t>2/22/2021</a:t>
+              <a:t>12/29/2021</a:t>
             </a:fld>
             <a:endParaRPr lang="en-US"/>
           </a:p>
@@ -1537,7 +1537,7 @@
           <a:p>
             <a:fld id="{724478B9-A8CF-43AB-A8E3-1804CA51C4AD}" type="datetimeFigureOut">
               <a:rPr lang="en-US" smtClean="0"/>
-              <a:t>2/22/2021</a:t>
+              <a:t>12/29/2021</a:t>
             </a:fld>
             <a:endParaRPr lang="en-US"/>
           </a:p>
@@ -1802,7 +1802,7 @@
           <a:p>
             <a:fld id="{724478B9-A8CF-43AB-A8E3-1804CA51C4AD}" type="datetimeFigureOut">
               <a:rPr lang="en-US" smtClean="0"/>
-              <a:t>2/22/2021</a:t>
+              <a:t>12/29/2021</a:t>
             </a:fld>
             <a:endParaRPr lang="en-US"/>
           </a:p>
@@ -2214,7 +2214,7 @@
           <a:p>
             <a:fld id="{724478B9-A8CF-43AB-A8E3-1804CA51C4AD}" type="datetimeFigureOut">
               <a:rPr lang="en-US" smtClean="0"/>
-              <a:t>2/22/2021</a:t>
+              <a:t>12/29/2021</a:t>
             </a:fld>
             <a:endParaRPr lang="en-US"/>
           </a:p>
@@ -2355,7 +2355,7 @@
           <a:p>
             <a:fld id="{724478B9-A8CF-43AB-A8E3-1804CA51C4AD}" type="datetimeFigureOut">
               <a:rPr lang="en-US" smtClean="0"/>
-              <a:t>2/22/2021</a:t>
+              <a:t>12/29/2021</a:t>
             </a:fld>
             <a:endParaRPr lang="en-US"/>
           </a:p>
@@ -2468,7 +2468,7 @@
           <a:p>
             <a:fld id="{724478B9-A8CF-43AB-A8E3-1804CA51C4AD}" type="datetimeFigureOut">
               <a:rPr lang="en-US" smtClean="0"/>
-              <a:t>2/22/2021</a:t>
+              <a:t>12/29/2021</a:t>
             </a:fld>
             <a:endParaRPr lang="en-US"/>
           </a:p>
@@ -2779,7 +2779,7 @@
           <a:p>
             <a:fld id="{724478B9-A8CF-43AB-A8E3-1804CA51C4AD}" type="datetimeFigureOut">
               <a:rPr lang="en-US" smtClean="0"/>
-              <a:t>2/22/2021</a:t>
+              <a:t>12/29/2021</a:t>
             </a:fld>
             <a:endParaRPr lang="en-US"/>
           </a:p>
@@ -3067,7 +3067,7 @@
           <a:p>
             <a:fld id="{724478B9-A8CF-43AB-A8E3-1804CA51C4AD}" type="datetimeFigureOut">
               <a:rPr lang="en-US" smtClean="0"/>
-              <a:t>2/22/2021</a:t>
+              <a:t>12/29/2021</a:t>
             </a:fld>
             <a:endParaRPr lang="en-US"/>
           </a:p>
@@ -3308,7 +3308,7 @@
           <a:p>
             <a:fld id="{724478B9-A8CF-43AB-A8E3-1804CA51C4AD}" type="datetimeFigureOut">
               <a:rPr lang="en-US" smtClean="0"/>
-              <a:t>2/22/2021</a:t>
+              <a:t>12/29/2021</a:t>
             </a:fld>
             <a:endParaRPr lang="en-US"/>
           </a:p>
@@ -7335,7 +7335,7 @@
             </a:r>
             <a:r>
               <a:rPr lang="en-US" sz="2800" dirty="0" err="1"/>
-              <a:t>DataBridge</a:t>
+              <a:t>Cordra</a:t>
             </a:r>
             <a:endParaRPr lang="en-US" sz="3600" dirty="0"/>
           </a:p>
@@ -10891,8 +10891,17 @@
               <a:rPr lang="en-US" dirty="0">
                 <a:latin typeface="+mn-lt"/>
               </a:rPr>
-              <a:t>Java Project Structure as of 02/21/21</a:t>
-            </a:r>
+              <a:t>Java Project Structure as </a:t>
+            </a:r>
+            <a:r>
+              <a:rPr lang="en-US">
+                <a:latin typeface="+mn-lt"/>
+              </a:rPr>
+              <a:t>of 12/29/21</a:t>
+            </a:r>
+            <a:endParaRPr lang="en-US" dirty="0">
+              <a:latin typeface="+mn-lt"/>
+            </a:endParaRPr>
           </a:p>
         </p:txBody>
       </p:sp>
